--- a/docs/design/TST-api.pptx
+++ b/docs/design/TST-api.pptx
@@ -4,6 +4,9 @@
   <p:sldMasterIdLst>
     <p:sldMasterId id="2147483648" r:id="rId1"/>
   </p:sldMasterIdLst>
+  <p:notesMasterIdLst>
+    <p:notesMasterId r:id="rId16"/>
+  </p:notesMasterIdLst>
   <p:sldIdLst>
     <p:sldId id="258" r:id="rId2"/>
     <p:sldId id="257" r:id="rId3"/>
@@ -17,6 +20,8 @@
     <p:sldId id="263" r:id="rId11"/>
     <p:sldId id="267" r:id="rId12"/>
     <p:sldId id="264" r:id="rId13"/>
+    <p:sldId id="268" r:id="rId14"/>
+    <p:sldId id="269" r:id="rId15"/>
   </p:sldIdLst>
   <p:sldSz cx="9144000" cy="6858000" type="screen4x3"/>
   <p:notesSz cx="6858000" cy="9144000"/>
@@ -116,6 +121,524 @@
     </a:lvl9pPr>
   </p:defaultTextStyle>
 </p:presentation>
+</file>
+
+<file path=ppt/notesMasters/notesMaster1.xml><?xml version="1.0" encoding="utf-8"?>
+<p:notesMaster xmlns:a="http://schemas.openxmlformats.org/drawingml/2006/main" xmlns:r="http://schemas.openxmlformats.org/officeDocument/2006/relationships" xmlns:p="http://schemas.openxmlformats.org/presentationml/2006/main">
+  <p:cSld>
+    <p:bg>
+      <p:bgRef idx="1001">
+        <a:schemeClr val="bg1"/>
+      </p:bgRef>
+    </p:bg>
+    <p:spTree>
+      <p:nvGrpSpPr>
+        <p:cNvPr id="1" name=""/>
+        <p:cNvGrpSpPr/>
+        <p:nvPr/>
+      </p:nvGrpSpPr>
+      <p:grpSpPr>
+        <a:xfrm>
+          <a:off x="0" y="0"/>
+          <a:ext cx="0" cy="0"/>
+          <a:chOff x="0" y="0"/>
+          <a:chExt cx="0" cy="0"/>
+        </a:xfrm>
+      </p:grpSpPr>
+      <p:sp>
+        <p:nvSpPr>
+          <p:cNvPr id="2" name="Header Placeholder 1"/>
+          <p:cNvSpPr>
+            <a:spLocks noGrp="1"/>
+          </p:cNvSpPr>
+          <p:nvPr>
+            <p:ph type="hdr" sz="quarter"/>
+          </p:nvPr>
+        </p:nvSpPr>
+        <p:spPr>
+          <a:xfrm>
+            <a:off x="0" y="0"/>
+            <a:ext cx="2971800" cy="457200"/>
+          </a:xfrm>
+          <a:prstGeom prst="rect">
+            <a:avLst/>
+          </a:prstGeom>
+        </p:spPr>
+        <p:txBody>
+          <a:bodyPr vert="horz" lIns="91440" tIns="45720" rIns="91440" bIns="45720" rtlCol="0"/>
+          <a:lstStyle>
+            <a:lvl1pPr algn="l">
+              <a:defRPr sz="1200"/>
+            </a:lvl1pPr>
+          </a:lstStyle>
+          <a:p>
+            <a:endParaRPr lang="en-US"/>
+          </a:p>
+        </p:txBody>
+      </p:sp>
+      <p:sp>
+        <p:nvSpPr>
+          <p:cNvPr id="3" name="Date Placeholder 2"/>
+          <p:cNvSpPr>
+            <a:spLocks noGrp="1"/>
+          </p:cNvSpPr>
+          <p:nvPr>
+            <p:ph type="dt" idx="1"/>
+          </p:nvPr>
+        </p:nvSpPr>
+        <p:spPr>
+          <a:xfrm>
+            <a:off x="3884613" y="0"/>
+            <a:ext cx="2971800" cy="457200"/>
+          </a:xfrm>
+          <a:prstGeom prst="rect">
+            <a:avLst/>
+          </a:prstGeom>
+        </p:spPr>
+        <p:txBody>
+          <a:bodyPr vert="horz" lIns="91440" tIns="45720" rIns="91440" bIns="45720" rtlCol="0"/>
+          <a:lstStyle>
+            <a:lvl1pPr algn="r">
+              <a:defRPr sz="1200"/>
+            </a:lvl1pPr>
+          </a:lstStyle>
+          <a:p>
+            <a:fld id="{0B8764E9-0EA1-D04A-88DF-A3BA3B3D4A5D}" type="datetimeFigureOut">
+              <a:rPr lang="en-US" smtClean="0"/>
+              <a:t>4/12/12</a:t>
+            </a:fld>
+            <a:endParaRPr lang="en-US"/>
+          </a:p>
+        </p:txBody>
+      </p:sp>
+      <p:sp>
+        <p:nvSpPr>
+          <p:cNvPr id="4" name="Slide Image Placeholder 3"/>
+          <p:cNvSpPr>
+            <a:spLocks noGrp="1" noRot="1" noChangeAspect="1"/>
+          </p:cNvSpPr>
+          <p:nvPr>
+            <p:ph type="sldImg" idx="2"/>
+          </p:nvPr>
+        </p:nvSpPr>
+        <p:spPr>
+          <a:xfrm>
+            <a:off x="1143000" y="685800"/>
+            <a:ext cx="4572000" cy="3429000"/>
+          </a:xfrm>
+          <a:prstGeom prst="rect">
+            <a:avLst/>
+          </a:prstGeom>
+          <a:noFill/>
+          <a:ln w="12700">
+            <a:solidFill>
+              <a:prstClr val="black"/>
+            </a:solidFill>
+          </a:ln>
+        </p:spPr>
+        <p:txBody>
+          <a:bodyPr vert="horz" lIns="91440" tIns="45720" rIns="91440" bIns="45720" rtlCol="0" anchor="ctr"/>
+          <a:lstStyle/>
+          <a:p>
+            <a:endParaRPr lang="en-US"/>
+          </a:p>
+        </p:txBody>
+      </p:sp>
+      <p:sp>
+        <p:nvSpPr>
+          <p:cNvPr id="5" name="Notes Placeholder 4"/>
+          <p:cNvSpPr>
+            <a:spLocks noGrp="1"/>
+          </p:cNvSpPr>
+          <p:nvPr>
+            <p:ph type="body" sz="quarter" idx="3"/>
+          </p:nvPr>
+        </p:nvSpPr>
+        <p:spPr>
+          <a:xfrm>
+            <a:off x="685800" y="4343400"/>
+            <a:ext cx="5486400" cy="4114800"/>
+          </a:xfrm>
+          <a:prstGeom prst="rect">
+            <a:avLst/>
+          </a:prstGeom>
+        </p:spPr>
+        <p:txBody>
+          <a:bodyPr vert="horz" lIns="91440" tIns="45720" rIns="91440" bIns="45720" rtlCol="0"/>
+          <a:lstStyle/>
+          <a:p>
+            <a:pPr lvl="0"/>
+            <a:r>
+              <a:rPr lang="es-ES_tradnl" smtClean="0"/>
+              <a:t>Click to edit Master text styles</a:t>
+            </a:r>
+          </a:p>
+          <a:p>
+            <a:pPr lvl="1"/>
+            <a:r>
+              <a:rPr lang="es-ES_tradnl" smtClean="0"/>
+              <a:t>Second level</a:t>
+            </a:r>
+          </a:p>
+          <a:p>
+            <a:pPr lvl="2"/>
+            <a:r>
+              <a:rPr lang="es-ES_tradnl" smtClean="0"/>
+              <a:t>Third level</a:t>
+            </a:r>
+          </a:p>
+          <a:p>
+            <a:pPr lvl="3"/>
+            <a:r>
+              <a:rPr lang="es-ES_tradnl" smtClean="0"/>
+              <a:t>Fourth level</a:t>
+            </a:r>
+          </a:p>
+          <a:p>
+            <a:pPr lvl="4"/>
+            <a:r>
+              <a:rPr lang="es-ES_tradnl" smtClean="0"/>
+              <a:t>Fifth level</a:t>
+            </a:r>
+            <a:endParaRPr lang="en-US"/>
+          </a:p>
+        </p:txBody>
+      </p:sp>
+      <p:sp>
+        <p:nvSpPr>
+          <p:cNvPr id="6" name="Footer Placeholder 5"/>
+          <p:cNvSpPr>
+            <a:spLocks noGrp="1"/>
+          </p:cNvSpPr>
+          <p:nvPr>
+            <p:ph type="ftr" sz="quarter" idx="4"/>
+          </p:nvPr>
+        </p:nvSpPr>
+        <p:spPr>
+          <a:xfrm>
+            <a:off x="0" y="8685213"/>
+            <a:ext cx="2971800" cy="457200"/>
+          </a:xfrm>
+          <a:prstGeom prst="rect">
+            <a:avLst/>
+          </a:prstGeom>
+        </p:spPr>
+        <p:txBody>
+          <a:bodyPr vert="horz" lIns="91440" tIns="45720" rIns="91440" bIns="45720" rtlCol="0" anchor="b"/>
+          <a:lstStyle>
+            <a:lvl1pPr algn="l">
+              <a:defRPr sz="1200"/>
+            </a:lvl1pPr>
+          </a:lstStyle>
+          <a:p>
+            <a:endParaRPr lang="en-US"/>
+          </a:p>
+        </p:txBody>
+      </p:sp>
+      <p:sp>
+        <p:nvSpPr>
+          <p:cNvPr id="7" name="Slide Number Placeholder 6"/>
+          <p:cNvSpPr>
+            <a:spLocks noGrp="1"/>
+          </p:cNvSpPr>
+          <p:nvPr>
+            <p:ph type="sldNum" sz="quarter" idx="5"/>
+          </p:nvPr>
+        </p:nvSpPr>
+        <p:spPr>
+          <a:xfrm>
+            <a:off x="3884613" y="8685213"/>
+            <a:ext cx="2971800" cy="457200"/>
+          </a:xfrm>
+          <a:prstGeom prst="rect">
+            <a:avLst/>
+          </a:prstGeom>
+        </p:spPr>
+        <p:txBody>
+          <a:bodyPr vert="horz" lIns="91440" tIns="45720" rIns="91440" bIns="45720" rtlCol="0" anchor="b"/>
+          <a:lstStyle>
+            <a:lvl1pPr algn="r">
+              <a:defRPr sz="1200"/>
+            </a:lvl1pPr>
+          </a:lstStyle>
+          <a:p>
+            <a:fld id="{AD34EE32-5930-D04E-82BD-1EFDFF5B3073}" type="slidenum">
+              <a:rPr lang="en-US" smtClean="0"/>
+              <a:t>‹#›</a:t>
+            </a:fld>
+            <a:endParaRPr lang="en-US"/>
+          </a:p>
+        </p:txBody>
+      </p:sp>
+    </p:spTree>
+    <p:extLst>
+      <p:ext uri="{BB962C8B-B14F-4D97-AF65-F5344CB8AC3E}">
+        <p14:creationId xmlns:p14="http://schemas.microsoft.com/office/powerpoint/2010/main" val="3235286123"/>
+      </p:ext>
+    </p:extLst>
+  </p:cSld>
+  <p:clrMap bg1="lt1" tx1="dk1" bg2="lt2" tx2="dk2" accent1="accent1" accent2="accent2" accent3="accent3" accent4="accent4" accent5="accent5" accent6="accent6" hlink="hlink" folHlink="folHlink"/>
+  <p:notesStyle>
+    <a:lvl1pPr marL="0" algn="l" defTabSz="457200" rtl="0" eaLnBrk="1" latinLnBrk="0" hangingPunct="1">
+      <a:defRPr sz="1200" kern="1200">
+        <a:solidFill>
+          <a:schemeClr val="tx1"/>
+        </a:solidFill>
+        <a:latin typeface="+mn-lt"/>
+        <a:ea typeface="+mn-ea"/>
+        <a:cs typeface="+mn-cs"/>
+      </a:defRPr>
+    </a:lvl1pPr>
+    <a:lvl2pPr marL="457200" algn="l" defTabSz="457200" rtl="0" eaLnBrk="1" latinLnBrk="0" hangingPunct="1">
+      <a:defRPr sz="1200" kern="1200">
+        <a:solidFill>
+          <a:schemeClr val="tx1"/>
+        </a:solidFill>
+        <a:latin typeface="+mn-lt"/>
+        <a:ea typeface="+mn-ea"/>
+        <a:cs typeface="+mn-cs"/>
+      </a:defRPr>
+    </a:lvl2pPr>
+    <a:lvl3pPr marL="914400" algn="l" defTabSz="457200" rtl="0" eaLnBrk="1" latinLnBrk="0" hangingPunct="1">
+      <a:defRPr sz="1200" kern="1200">
+        <a:solidFill>
+          <a:schemeClr val="tx1"/>
+        </a:solidFill>
+        <a:latin typeface="+mn-lt"/>
+        <a:ea typeface="+mn-ea"/>
+        <a:cs typeface="+mn-cs"/>
+      </a:defRPr>
+    </a:lvl3pPr>
+    <a:lvl4pPr marL="1371600" algn="l" defTabSz="457200" rtl="0" eaLnBrk="1" latinLnBrk="0" hangingPunct="1">
+      <a:defRPr sz="1200" kern="1200">
+        <a:solidFill>
+          <a:schemeClr val="tx1"/>
+        </a:solidFill>
+        <a:latin typeface="+mn-lt"/>
+        <a:ea typeface="+mn-ea"/>
+        <a:cs typeface="+mn-cs"/>
+      </a:defRPr>
+    </a:lvl4pPr>
+    <a:lvl5pPr marL="1828800" algn="l" defTabSz="457200" rtl="0" eaLnBrk="1" latinLnBrk="0" hangingPunct="1">
+      <a:defRPr sz="1200" kern="1200">
+        <a:solidFill>
+          <a:schemeClr val="tx1"/>
+        </a:solidFill>
+        <a:latin typeface="+mn-lt"/>
+        <a:ea typeface="+mn-ea"/>
+        <a:cs typeface="+mn-cs"/>
+      </a:defRPr>
+    </a:lvl5pPr>
+    <a:lvl6pPr marL="2286000" algn="l" defTabSz="457200" rtl="0" eaLnBrk="1" latinLnBrk="0" hangingPunct="1">
+      <a:defRPr sz="1200" kern="1200">
+        <a:solidFill>
+          <a:schemeClr val="tx1"/>
+        </a:solidFill>
+        <a:latin typeface="+mn-lt"/>
+        <a:ea typeface="+mn-ea"/>
+        <a:cs typeface="+mn-cs"/>
+      </a:defRPr>
+    </a:lvl6pPr>
+    <a:lvl7pPr marL="2743200" algn="l" defTabSz="457200" rtl="0" eaLnBrk="1" latinLnBrk="0" hangingPunct="1">
+      <a:defRPr sz="1200" kern="1200">
+        <a:solidFill>
+          <a:schemeClr val="tx1"/>
+        </a:solidFill>
+        <a:latin typeface="+mn-lt"/>
+        <a:ea typeface="+mn-ea"/>
+        <a:cs typeface="+mn-cs"/>
+      </a:defRPr>
+    </a:lvl7pPr>
+    <a:lvl8pPr marL="3200400" algn="l" defTabSz="457200" rtl="0" eaLnBrk="1" latinLnBrk="0" hangingPunct="1">
+      <a:defRPr sz="1200" kern="1200">
+        <a:solidFill>
+          <a:schemeClr val="tx1"/>
+        </a:solidFill>
+        <a:latin typeface="+mn-lt"/>
+        <a:ea typeface="+mn-ea"/>
+        <a:cs typeface="+mn-cs"/>
+      </a:defRPr>
+    </a:lvl8pPr>
+    <a:lvl9pPr marL="3657600" algn="l" defTabSz="457200" rtl="0" eaLnBrk="1" latinLnBrk="0" hangingPunct="1">
+      <a:defRPr sz="1200" kern="1200">
+        <a:solidFill>
+          <a:schemeClr val="tx1"/>
+        </a:solidFill>
+        <a:latin typeface="+mn-lt"/>
+        <a:ea typeface="+mn-ea"/>
+        <a:cs typeface="+mn-cs"/>
+      </a:defRPr>
+    </a:lvl9pPr>
+  </p:notesStyle>
+</p:notesMaster>
+</file>
+
+<file path=ppt/notesSlides/notesSlide1.xml><?xml version="1.0" encoding="utf-8"?>
+<p:notes xmlns:a="http://schemas.openxmlformats.org/drawingml/2006/main" xmlns:r="http://schemas.openxmlformats.org/officeDocument/2006/relationships" xmlns:p="http://schemas.openxmlformats.org/presentationml/2006/main">
+  <p:cSld>
+    <p:spTree>
+      <p:nvGrpSpPr>
+        <p:cNvPr id="1" name=""/>
+        <p:cNvGrpSpPr/>
+        <p:nvPr/>
+      </p:nvGrpSpPr>
+      <p:grpSpPr>
+        <a:xfrm>
+          <a:off x="0" y="0"/>
+          <a:ext cx="0" cy="0"/>
+          <a:chOff x="0" y="0"/>
+          <a:chExt cx="0" cy="0"/>
+        </a:xfrm>
+      </p:grpSpPr>
+      <p:sp>
+        <p:nvSpPr>
+          <p:cNvPr id="2" name="Slide Image Placeholder 1"/>
+          <p:cNvSpPr>
+            <a:spLocks noGrp="1" noRot="1" noChangeAspect="1"/>
+          </p:cNvSpPr>
+          <p:nvPr>
+            <p:ph type="sldImg"/>
+          </p:nvPr>
+        </p:nvSpPr>
+        <p:spPr/>
+      </p:sp>
+      <p:sp>
+        <p:nvSpPr>
+          <p:cNvPr id="3" name="Notes Placeholder 2"/>
+          <p:cNvSpPr>
+            <a:spLocks noGrp="1"/>
+          </p:cNvSpPr>
+          <p:nvPr>
+            <p:ph type="body" idx="1"/>
+          </p:nvPr>
+        </p:nvSpPr>
+        <p:spPr/>
+        <p:txBody>
+          <a:bodyPr/>
+          <a:lstStyle/>
+          <a:p>
+            <a:endParaRPr lang="en-US"/>
+          </a:p>
+        </p:txBody>
+      </p:sp>
+      <p:sp>
+        <p:nvSpPr>
+          <p:cNvPr id="4" name="Slide Number Placeholder 3"/>
+          <p:cNvSpPr>
+            <a:spLocks noGrp="1"/>
+          </p:cNvSpPr>
+          <p:nvPr>
+            <p:ph type="sldNum" sz="quarter" idx="10"/>
+          </p:nvPr>
+        </p:nvSpPr>
+        <p:spPr/>
+        <p:txBody>
+          <a:bodyPr/>
+          <a:lstStyle/>
+          <a:p>
+            <a:fld id="{AD34EE32-5930-D04E-82BD-1EFDFF5B3073}" type="slidenum">
+              <a:rPr lang="en-US" smtClean="0"/>
+              <a:t>13</a:t>
+            </a:fld>
+            <a:endParaRPr lang="en-US"/>
+          </a:p>
+        </p:txBody>
+      </p:sp>
+    </p:spTree>
+    <p:extLst>
+      <p:ext uri="{BB962C8B-B14F-4D97-AF65-F5344CB8AC3E}">
+        <p14:creationId xmlns:p14="http://schemas.microsoft.com/office/powerpoint/2010/main" val="1226759066"/>
+      </p:ext>
+    </p:extLst>
+  </p:cSld>
+  <p:clrMapOvr>
+    <a:masterClrMapping/>
+  </p:clrMapOvr>
+</p:notes>
+</file>
+
+<file path=ppt/notesSlides/notesSlide2.xml><?xml version="1.0" encoding="utf-8"?>
+<p:notes xmlns:a="http://schemas.openxmlformats.org/drawingml/2006/main" xmlns:r="http://schemas.openxmlformats.org/officeDocument/2006/relationships" xmlns:p="http://schemas.openxmlformats.org/presentationml/2006/main">
+  <p:cSld>
+    <p:spTree>
+      <p:nvGrpSpPr>
+        <p:cNvPr id="1" name=""/>
+        <p:cNvGrpSpPr/>
+        <p:nvPr/>
+      </p:nvGrpSpPr>
+      <p:grpSpPr>
+        <a:xfrm>
+          <a:off x="0" y="0"/>
+          <a:ext cx="0" cy="0"/>
+          <a:chOff x="0" y="0"/>
+          <a:chExt cx="0" cy="0"/>
+        </a:xfrm>
+      </p:grpSpPr>
+      <p:sp>
+        <p:nvSpPr>
+          <p:cNvPr id="2" name="Slide Image Placeholder 1"/>
+          <p:cNvSpPr>
+            <a:spLocks noGrp="1" noRot="1" noChangeAspect="1"/>
+          </p:cNvSpPr>
+          <p:nvPr>
+            <p:ph type="sldImg"/>
+          </p:nvPr>
+        </p:nvSpPr>
+        <p:spPr/>
+      </p:sp>
+      <p:sp>
+        <p:nvSpPr>
+          <p:cNvPr id="3" name="Notes Placeholder 2"/>
+          <p:cNvSpPr>
+            <a:spLocks noGrp="1"/>
+          </p:cNvSpPr>
+          <p:nvPr>
+            <p:ph type="body" idx="1"/>
+          </p:nvPr>
+        </p:nvSpPr>
+        <p:spPr/>
+        <p:txBody>
+          <a:bodyPr/>
+          <a:lstStyle/>
+          <a:p>
+            <a:endParaRPr lang="en-US"/>
+          </a:p>
+        </p:txBody>
+      </p:sp>
+      <p:sp>
+        <p:nvSpPr>
+          <p:cNvPr id="4" name="Slide Number Placeholder 3"/>
+          <p:cNvSpPr>
+            <a:spLocks noGrp="1"/>
+          </p:cNvSpPr>
+          <p:nvPr>
+            <p:ph type="sldNum" sz="quarter" idx="10"/>
+          </p:nvPr>
+        </p:nvSpPr>
+        <p:spPr/>
+        <p:txBody>
+          <a:bodyPr/>
+          <a:lstStyle/>
+          <a:p>
+            <a:fld id="{AD34EE32-5930-D04E-82BD-1EFDFF5B3073}" type="slidenum">
+              <a:rPr lang="en-US" smtClean="0"/>
+              <a:t>14</a:t>
+            </a:fld>
+            <a:endParaRPr lang="en-US"/>
+          </a:p>
+        </p:txBody>
+      </p:sp>
+    </p:spTree>
+    <p:extLst>
+      <p:ext uri="{BB962C8B-B14F-4D97-AF65-F5344CB8AC3E}">
+        <p14:creationId xmlns:p14="http://schemas.microsoft.com/office/powerpoint/2010/main" val="1226759066"/>
+      </p:ext>
+    </p:extLst>
+  </p:cSld>
+  <p:clrMapOvr>
+    <a:masterClrMapping/>
+  </p:clrMapOvr>
+</p:notes>
 </file>
 
 <file path=ppt/slideLayouts/slideLayout1.xml><?xml version="1.0" encoding="utf-8"?>
@@ -299,7 +822,7 @@
           <a:p>
             <a:fld id="{AFDE9052-349C-054D-9711-2324705B880B}" type="datetimeFigureOut">
               <a:rPr lang="en-US" smtClean="0"/>
-              <a:t>4/12/2012</a:t>
+              <a:t>4/12/12</a:t>
             </a:fld>
             <a:endParaRPr lang="en-US"/>
           </a:p>
@@ -341,7 +864,7 @@
           <a:p>
             <a:fld id="{20CED486-5A0C-DE4B-8F3E-AD11E5FEAE68}" type="slidenum">
               <a:rPr lang="en-US" smtClean="0"/>
-              <a:t>‹Nº›</a:t>
+              <a:t>‹#›</a:t>
             </a:fld>
             <a:endParaRPr lang="en-US"/>
           </a:p>
@@ -469,7 +992,7 @@
           <a:p>
             <a:fld id="{AFDE9052-349C-054D-9711-2324705B880B}" type="datetimeFigureOut">
               <a:rPr lang="en-US" smtClean="0"/>
-              <a:t>4/12/2012</a:t>
+              <a:t>4/12/12</a:t>
             </a:fld>
             <a:endParaRPr lang="en-US"/>
           </a:p>
@@ -511,7 +1034,7 @@
           <a:p>
             <a:fld id="{20CED486-5A0C-DE4B-8F3E-AD11E5FEAE68}" type="slidenum">
               <a:rPr lang="en-US" smtClean="0"/>
-              <a:t>‹Nº›</a:t>
+              <a:t>‹#›</a:t>
             </a:fld>
             <a:endParaRPr lang="en-US"/>
           </a:p>
@@ -649,7 +1172,7 @@
           <a:p>
             <a:fld id="{AFDE9052-349C-054D-9711-2324705B880B}" type="datetimeFigureOut">
               <a:rPr lang="en-US" smtClean="0"/>
-              <a:t>4/12/2012</a:t>
+              <a:t>4/12/12</a:t>
             </a:fld>
             <a:endParaRPr lang="en-US"/>
           </a:p>
@@ -691,7 +1214,7 @@
           <a:p>
             <a:fld id="{20CED486-5A0C-DE4B-8F3E-AD11E5FEAE68}" type="slidenum">
               <a:rPr lang="en-US" smtClean="0"/>
-              <a:t>‹Nº›</a:t>
+              <a:t>‹#›</a:t>
             </a:fld>
             <a:endParaRPr lang="en-US"/>
           </a:p>
@@ -819,7 +1342,7 @@
           <a:p>
             <a:fld id="{AFDE9052-349C-054D-9711-2324705B880B}" type="datetimeFigureOut">
               <a:rPr lang="en-US" smtClean="0"/>
-              <a:t>4/12/2012</a:t>
+              <a:t>4/12/12</a:t>
             </a:fld>
             <a:endParaRPr lang="en-US"/>
           </a:p>
@@ -861,7 +1384,7 @@
           <a:p>
             <a:fld id="{20CED486-5A0C-DE4B-8F3E-AD11E5FEAE68}" type="slidenum">
               <a:rPr lang="en-US" smtClean="0"/>
-              <a:t>‹Nº›</a:t>
+              <a:t>‹#›</a:t>
             </a:fld>
             <a:endParaRPr lang="en-US"/>
           </a:p>
@@ -1065,7 +1588,7 @@
           <a:p>
             <a:fld id="{AFDE9052-349C-054D-9711-2324705B880B}" type="datetimeFigureOut">
               <a:rPr lang="en-US" smtClean="0"/>
-              <a:t>4/12/2012</a:t>
+              <a:t>4/12/12</a:t>
             </a:fld>
             <a:endParaRPr lang="en-US"/>
           </a:p>
@@ -1107,7 +1630,7 @@
           <a:p>
             <a:fld id="{20CED486-5A0C-DE4B-8F3E-AD11E5FEAE68}" type="slidenum">
               <a:rPr lang="en-US" smtClean="0"/>
-              <a:t>‹Nº›</a:t>
+              <a:t>‹#›</a:t>
             </a:fld>
             <a:endParaRPr lang="en-US"/>
           </a:p>
@@ -1353,7 +1876,7 @@
           <a:p>
             <a:fld id="{AFDE9052-349C-054D-9711-2324705B880B}" type="datetimeFigureOut">
               <a:rPr lang="en-US" smtClean="0"/>
-              <a:t>4/12/2012</a:t>
+              <a:t>4/12/12</a:t>
             </a:fld>
             <a:endParaRPr lang="en-US"/>
           </a:p>
@@ -1395,7 +1918,7 @@
           <a:p>
             <a:fld id="{20CED486-5A0C-DE4B-8F3E-AD11E5FEAE68}" type="slidenum">
               <a:rPr lang="en-US" smtClean="0"/>
-              <a:t>‹Nº›</a:t>
+              <a:t>‹#›</a:t>
             </a:fld>
             <a:endParaRPr lang="en-US"/>
           </a:p>
@@ -1775,7 +2298,7 @@
           <a:p>
             <a:fld id="{AFDE9052-349C-054D-9711-2324705B880B}" type="datetimeFigureOut">
               <a:rPr lang="en-US" smtClean="0"/>
-              <a:t>4/12/2012</a:t>
+              <a:t>4/12/12</a:t>
             </a:fld>
             <a:endParaRPr lang="en-US"/>
           </a:p>
@@ -1817,7 +2340,7 @@
           <a:p>
             <a:fld id="{20CED486-5A0C-DE4B-8F3E-AD11E5FEAE68}" type="slidenum">
               <a:rPr lang="en-US" smtClean="0"/>
-              <a:t>‹Nº›</a:t>
+              <a:t>‹#›</a:t>
             </a:fld>
             <a:endParaRPr lang="en-US"/>
           </a:p>
@@ -1893,7 +2416,7 @@
           <a:p>
             <a:fld id="{AFDE9052-349C-054D-9711-2324705B880B}" type="datetimeFigureOut">
               <a:rPr lang="en-US" smtClean="0"/>
-              <a:t>4/12/2012</a:t>
+              <a:t>4/12/12</a:t>
             </a:fld>
             <a:endParaRPr lang="en-US"/>
           </a:p>
@@ -1935,7 +2458,7 @@
           <a:p>
             <a:fld id="{20CED486-5A0C-DE4B-8F3E-AD11E5FEAE68}" type="slidenum">
               <a:rPr lang="en-US" smtClean="0"/>
-              <a:t>‹Nº›</a:t>
+              <a:t>‹#›</a:t>
             </a:fld>
             <a:endParaRPr lang="en-US"/>
           </a:p>
@@ -1988,7 +2511,7 @@
           <a:p>
             <a:fld id="{AFDE9052-349C-054D-9711-2324705B880B}" type="datetimeFigureOut">
               <a:rPr lang="en-US" smtClean="0"/>
-              <a:t>4/12/2012</a:t>
+              <a:t>4/12/12</a:t>
             </a:fld>
             <a:endParaRPr lang="en-US"/>
           </a:p>
@@ -2030,7 +2553,7 @@
           <a:p>
             <a:fld id="{20CED486-5A0C-DE4B-8F3E-AD11E5FEAE68}" type="slidenum">
               <a:rPr lang="en-US" smtClean="0"/>
-              <a:t>‹Nº›</a:t>
+              <a:t>‹#›</a:t>
             </a:fld>
             <a:endParaRPr lang="en-US"/>
           </a:p>
@@ -2265,7 +2788,7 @@
           <a:p>
             <a:fld id="{AFDE9052-349C-054D-9711-2324705B880B}" type="datetimeFigureOut">
               <a:rPr lang="en-US" smtClean="0"/>
-              <a:t>4/12/2012</a:t>
+              <a:t>4/12/12</a:t>
             </a:fld>
             <a:endParaRPr lang="en-US"/>
           </a:p>
@@ -2307,7 +2830,7 @@
           <a:p>
             <a:fld id="{20CED486-5A0C-DE4B-8F3E-AD11E5FEAE68}" type="slidenum">
               <a:rPr lang="en-US" smtClean="0"/>
-              <a:t>‹Nº›</a:t>
+              <a:t>‹#›</a:t>
             </a:fld>
             <a:endParaRPr lang="en-US"/>
           </a:p>
@@ -2518,7 +3041,7 @@
           <a:p>
             <a:fld id="{AFDE9052-349C-054D-9711-2324705B880B}" type="datetimeFigureOut">
               <a:rPr lang="en-US" smtClean="0"/>
-              <a:t>4/12/2012</a:t>
+              <a:t>4/12/12</a:t>
             </a:fld>
             <a:endParaRPr lang="en-US"/>
           </a:p>
@@ -2560,7 +3083,7 @@
           <a:p>
             <a:fld id="{20CED486-5A0C-DE4B-8F3E-AD11E5FEAE68}" type="slidenum">
               <a:rPr lang="en-US" smtClean="0"/>
-              <a:t>‹Nº›</a:t>
+              <a:t>‹#›</a:t>
             </a:fld>
             <a:endParaRPr lang="en-US"/>
           </a:p>
@@ -2731,7 +3254,7 @@
           <a:p>
             <a:fld id="{AFDE9052-349C-054D-9711-2324705B880B}" type="datetimeFigureOut">
               <a:rPr lang="en-US" smtClean="0"/>
-              <a:t>4/12/2012</a:t>
+              <a:t>4/12/12</a:t>
             </a:fld>
             <a:endParaRPr lang="en-US"/>
           </a:p>
@@ -2809,7 +3332,7 @@
           <a:p>
             <a:fld id="{20CED486-5A0C-DE4B-8F3E-AD11E5FEAE68}" type="slidenum">
               <a:rPr lang="en-US" smtClean="0"/>
-              <a:t>‹Nº›</a:t>
+              <a:t>‹#›</a:t>
             </a:fld>
             <a:endParaRPr lang="en-US"/>
           </a:p>
@@ -3516,11 +4039,7 @@
             </a:r>
             <a:r>
               <a:rPr lang="en-US" sz="1600" dirty="0" smtClean="0"/>
-              <a:t> </a:t>
-            </a:r>
-            <a:r>
-              <a:rPr lang="en-US" sz="1600" dirty="0" smtClean="0"/>
-              <a:t>are </a:t>
+              <a:t> are </a:t>
             </a:r>
             <a:r>
               <a:rPr lang="en-US" sz="1600" dirty="0"/>
@@ -3579,7 +4098,7 @@
   <p:timing>
     <p:tnLst>
       <p:par>
-        <p:cTn id="1" dur="indefinite" restart="never" nodeType="tmRoot"/>
+        <p:cTn xmlns:p14="http://schemas.microsoft.com/office/powerpoint/2010/main" id="1" dur="indefinite" restart="never" nodeType="tmRoot"/>
       </p:par>
     </p:tnLst>
   </p:timing>
@@ -3630,7 +4149,6 @@
               <a:rPr lang="en-US" sz="3200" b="1" dirty="0" smtClean="0"/>
               <a:t>DATA FLOW</a:t>
             </a:r>
-            <a:endParaRPr lang="en-US" sz="3200" b="1" dirty="0" smtClean="0"/>
           </a:p>
         </p:txBody>
       </p:sp>
@@ -6080,7 +6598,7 @@
   <p:timing>
     <p:tnLst>
       <p:par>
-        <p:cTn id="1" dur="indefinite" restart="never" nodeType="tmRoot"/>
+        <p:cTn xmlns:p14="http://schemas.microsoft.com/office/powerpoint/2010/main" id="1" dur="indefinite" restart="never" nodeType="tmRoot"/>
       </p:par>
     </p:tnLst>
   </p:timing>
@@ -6207,17 +6725,12 @@
             </a:r>
             <a:r>
               <a:rPr lang="en-US" sz="2000" dirty="0" err="1" smtClean="0"/>
-              <a:t>Kmean</a:t>
-            </a:r>
-            <a:r>
-              <a:rPr lang="en-US" sz="2000" dirty="0" err="1" smtClean="0"/>
-              <a:t>s</a:t>
+              <a:t>Kmeans</a:t>
             </a:r>
             <a:r>
               <a:rPr lang="en-US" sz="2000" dirty="0" smtClean="0"/>
               <a:t> centroids)</a:t>
             </a:r>
-            <a:endParaRPr lang="en-US" sz="2000" dirty="0" smtClean="0"/>
           </a:p>
         </p:txBody>
       </p:sp>
@@ -7814,7 +8327,6 @@
               <a:rPr lang="en-US" sz="2000" dirty="0" smtClean="0"/>
               <a:t>STATE IS PASSED ON FORWARD BY THE FRAMEWORK TO CHILD TASKS</a:t>
             </a:r>
-            <a:endParaRPr lang="en-US" sz="2000" dirty="0" smtClean="0"/>
           </a:p>
         </p:txBody>
       </p:sp>
@@ -8171,7 +8683,7 @@
   <p:timing>
     <p:tnLst>
       <p:par>
-        <p:cTn id="1" dur="indefinite" restart="never" nodeType="tmRoot"/>
+        <p:cTn xmlns:p14="http://schemas.microsoft.com/office/powerpoint/2010/main" id="1" dur="indefinite" restart="never" nodeType="tmRoot"/>
       </p:par>
     </p:tnLst>
   </p:timing>
@@ -8231,11 +8743,7 @@
             </a:r>
             <a:r>
               <a:rPr lang="en-US" dirty="0" smtClean="0"/>
-              <a:t>rocessing </a:t>
-            </a:r>
-            <a:r>
-              <a:rPr lang="en-US" dirty="0" smtClean="0"/>
-              <a:t>model</a:t>
+              <a:t>rocessing model</a:t>
             </a:r>
             <a:endParaRPr lang="en-US" dirty="0"/>
           </a:p>
@@ -8396,10 +8904,10 @@
           <a:p>
             <a:pPr algn="ctr"/>
             <a:r>
-              <a:rPr lang="es-ES" sz="3600" b="1" dirty="0" smtClean="0"/>
+              <a:rPr lang="es-ES" sz="4400" b="1" dirty="0" smtClean="0"/>
               <a:t>TASK</a:t>
             </a:r>
-            <a:endParaRPr lang="es-ES" sz="3600" b="1" dirty="0"/>
+            <a:endParaRPr lang="es-ES" sz="4400" b="1" dirty="0"/>
           </a:p>
         </p:txBody>
       </p:sp>
@@ -8529,11 +9037,7 @@
             <a:pPr algn="ctr"/>
             <a:r>
               <a:rPr lang="en-US" sz="2000" dirty="0" smtClean="0"/>
-              <a:t>managed </a:t>
-            </a:r>
-            <a:r>
-              <a:rPr lang="en-US" sz="2000" dirty="0" smtClean="0"/>
-              <a:t>by BIGS</a:t>
+              <a:t>managed by BIGS</a:t>
             </a:r>
             <a:endParaRPr lang="en-US" sz="1200" dirty="0" smtClean="0"/>
           </a:p>
@@ -8653,11 +9157,7 @@
             <a:pPr algn="ctr"/>
             <a:r>
               <a:rPr lang="en-US" sz="2000" dirty="0" smtClean="0"/>
-              <a:t>managed </a:t>
-            </a:r>
-            <a:r>
-              <a:rPr lang="en-US" sz="2000" dirty="0" smtClean="0"/>
-              <a:t>by </a:t>
+              <a:t>managed by </a:t>
             </a:r>
           </a:p>
           <a:p>
@@ -8687,7 +9187,3495 @@
   <p:timing>
     <p:tnLst>
       <p:par>
-        <p:cTn id="1" dur="indefinite" restart="never" nodeType="tmRoot"/>
+        <p:cTn xmlns:p14="http://schemas.microsoft.com/office/powerpoint/2010/main" id="1" dur="indefinite" restart="never" nodeType="tmRoot"/>
+      </p:par>
+    </p:tnLst>
+  </p:timing>
+</p:sld>
+</file>
+
+<file path=ppt/slides/slide13.xml><?xml version="1.0" encoding="utf-8"?>
+<p:sld xmlns:a="http://schemas.openxmlformats.org/drawingml/2006/main" xmlns:r="http://schemas.openxmlformats.org/officeDocument/2006/relationships" xmlns:p="http://schemas.openxmlformats.org/presentationml/2006/main">
+  <p:cSld>
+    <p:spTree>
+      <p:nvGrpSpPr>
+        <p:cNvPr id="1" name=""/>
+        <p:cNvGrpSpPr/>
+        <p:nvPr/>
+      </p:nvGrpSpPr>
+      <p:grpSpPr>
+        <a:xfrm>
+          <a:off x="0" y="0"/>
+          <a:ext cx="0" cy="0"/>
+          <a:chOff x="0" y="0"/>
+          <a:chExt cx="0" cy="0"/>
+        </a:xfrm>
+      </p:grpSpPr>
+      <p:sp>
+        <p:nvSpPr>
+          <p:cNvPr id="4" name="TextBox 3"/>
+          <p:cNvSpPr txBox="1"/>
+          <p:nvPr/>
+        </p:nvSpPr>
+        <p:spPr>
+          <a:xfrm>
+            <a:off x="4732698" y="259787"/>
+            <a:ext cx="3790020" cy="861774"/>
+          </a:xfrm>
+          <a:prstGeom prst="rect">
+            <a:avLst/>
+          </a:prstGeom>
+          <a:noFill/>
+        </p:spPr>
+        <p:txBody>
+          <a:bodyPr wrap="none" rtlCol="0">
+            <a:spAutoFit/>
+          </a:bodyPr>
+          <a:lstStyle/>
+          <a:p>
+            <a:pPr algn="ctr"/>
+            <a:r>
+              <a:rPr lang="en-US" sz="3200" b="1" dirty="0" smtClean="0"/>
+              <a:t>TAG-SCHEDULE-TASK</a:t>
+            </a:r>
+          </a:p>
+          <a:p>
+            <a:pPr algn="ctr"/>
+            <a:r>
+              <a:rPr lang="en-US" dirty="0"/>
+              <a:t>p</a:t>
+            </a:r>
+            <a:r>
+              <a:rPr lang="en-US" dirty="0" smtClean="0"/>
+              <a:t>rocessing model</a:t>
+            </a:r>
+            <a:endParaRPr lang="en-US" dirty="0"/>
+          </a:p>
+        </p:txBody>
+      </p:sp>
+      <p:pic>
+        <p:nvPicPr>
+          <p:cNvPr id="5" name="Picture 4" descr="bigs-banner.png"/>
+          <p:cNvPicPr>
+            <a:picLocks noChangeAspect="1"/>
+          </p:cNvPicPr>
+          <p:nvPr/>
+        </p:nvPicPr>
+        <p:blipFill>
+          <a:blip r:embed="rId3">
+            <a:extLst>
+              <a:ext uri="{28A0092B-C50C-407E-A947-70E740481C1C}">
+                <a14:useLocalDpi xmlns:a14="http://schemas.microsoft.com/office/drawing/2010/main" val="0"/>
+              </a:ext>
+            </a:extLst>
+          </a:blip>
+          <a:stretch>
+            <a:fillRect/>
+          </a:stretch>
+        </p:blipFill>
+        <p:spPr>
+          <a:xfrm>
+            <a:off x="275151" y="134222"/>
+            <a:ext cx="4559267" cy="1139817"/>
+          </a:xfrm>
+          <a:prstGeom prst="rect">
+            <a:avLst/>
+          </a:prstGeom>
+        </p:spPr>
+      </p:pic>
+      <p:cxnSp>
+        <p:nvCxnSpPr>
+          <p:cNvPr id="9" name="Straight Arrow Connector 52"/>
+          <p:cNvCxnSpPr>
+            <a:stCxn id="10" idx="2"/>
+            <a:endCxn id="19" idx="0"/>
+          </p:cNvCxnSpPr>
+          <p:nvPr/>
+        </p:nvCxnSpPr>
+        <p:spPr>
+          <a:xfrm flipH="1">
+            <a:off x="3399198" y="1896339"/>
+            <a:ext cx="1333500" cy="546100"/>
+          </a:xfrm>
+          <a:prstGeom prst="straightConnector1">
+            <a:avLst/>
+          </a:prstGeom>
+          <a:ln w="19050" cmpd="sng">
+            <a:solidFill>
+              <a:schemeClr val="tx1"/>
+            </a:solidFill>
+            <a:tailEnd type="triangle" w="lg" len="med"/>
+          </a:ln>
+        </p:spPr>
+        <p:style>
+          <a:lnRef idx="2">
+            <a:schemeClr val="accent1"/>
+          </a:lnRef>
+          <a:fillRef idx="0">
+            <a:schemeClr val="accent1"/>
+          </a:fillRef>
+          <a:effectRef idx="1">
+            <a:schemeClr val="accent1"/>
+          </a:effectRef>
+          <a:fontRef idx="minor">
+            <a:schemeClr val="tx1"/>
+          </a:fontRef>
+        </p:style>
+      </p:cxnSp>
+      <p:sp>
+        <p:nvSpPr>
+          <p:cNvPr id="10" name="Rounded Rectangle 9"/>
+          <p:cNvSpPr/>
+          <p:nvPr/>
+        </p:nvSpPr>
+        <p:spPr>
+          <a:xfrm>
+            <a:off x="4084998" y="1274039"/>
+            <a:ext cx="1295400" cy="622300"/>
+          </a:xfrm>
+          <a:prstGeom prst="roundRect">
+            <a:avLst>
+              <a:gd name="adj" fmla="val 10785"/>
+            </a:avLst>
+          </a:prstGeom>
+        </p:spPr>
+        <p:style>
+          <a:lnRef idx="2">
+            <a:schemeClr val="accent1">
+              <a:shade val="50000"/>
+            </a:schemeClr>
+          </a:lnRef>
+          <a:fillRef idx="1">
+            <a:schemeClr val="accent1"/>
+          </a:fillRef>
+          <a:effectRef idx="0">
+            <a:schemeClr val="accent1"/>
+          </a:effectRef>
+          <a:fontRef idx="minor">
+            <a:schemeClr val="lt1"/>
+          </a:fontRef>
+        </p:style>
+        <p:txBody>
+          <a:bodyPr rtlCol="0" anchor="ctr"/>
+          <a:lstStyle/>
+          <a:p>
+            <a:pPr algn="ctr"/>
+            <a:r>
+              <a:rPr lang="en-US" sz="1200" dirty="0" smtClean="0"/>
+              <a:t>Iterative</a:t>
+            </a:r>
+          </a:p>
+          <a:p>
+            <a:pPr algn="ctr"/>
+            <a:r>
+              <a:rPr lang="en-US" sz="1200" dirty="0" err="1" smtClean="0"/>
+              <a:t>preMyContainers</a:t>
+            </a:r>
+            <a:endParaRPr lang="en-US" sz="1200" dirty="0"/>
+          </a:p>
+        </p:txBody>
+      </p:sp>
+      <p:sp>
+        <p:nvSpPr>
+          <p:cNvPr id="19" name="Rounded Rectangle 18"/>
+          <p:cNvSpPr/>
+          <p:nvPr/>
+        </p:nvSpPr>
+        <p:spPr>
+          <a:xfrm>
+            <a:off x="2656248" y="2442439"/>
+            <a:ext cx="1485900" cy="622300"/>
+          </a:xfrm>
+          <a:prstGeom prst="roundRect">
+            <a:avLst>
+              <a:gd name="adj" fmla="val 10785"/>
+            </a:avLst>
+          </a:prstGeom>
+        </p:spPr>
+        <p:style>
+          <a:lnRef idx="2">
+            <a:schemeClr val="accent1">
+              <a:shade val="50000"/>
+            </a:schemeClr>
+          </a:lnRef>
+          <a:fillRef idx="1">
+            <a:schemeClr val="accent1"/>
+          </a:fillRef>
+          <a:effectRef idx="0">
+            <a:schemeClr val="accent1"/>
+          </a:effectRef>
+          <a:fontRef idx="minor">
+            <a:schemeClr val="lt1"/>
+          </a:fontRef>
+        </p:style>
+        <p:txBody>
+          <a:bodyPr rtlCol="0" anchor="ctr"/>
+          <a:lstStyle/>
+          <a:p>
+            <a:pPr algn="ctr"/>
+            <a:r>
+              <a:rPr lang="en-US" sz="1200" dirty="0" smtClean="0"/>
+              <a:t>Iterative #1</a:t>
+            </a:r>
+          </a:p>
+          <a:p>
+            <a:pPr algn="ctr"/>
+            <a:r>
+              <a:rPr lang="en-US" sz="1200" dirty="0" err="1" smtClean="0"/>
+              <a:t>preSubcontainers</a:t>
+            </a:r>
+            <a:endParaRPr lang="en-US" sz="1200" dirty="0"/>
+          </a:p>
+        </p:txBody>
+      </p:sp>
+      <p:sp>
+        <p:nvSpPr>
+          <p:cNvPr id="22" name="Rounded Rectangle 21"/>
+          <p:cNvSpPr/>
+          <p:nvPr/>
+        </p:nvSpPr>
+        <p:spPr>
+          <a:xfrm>
+            <a:off x="808398" y="3483839"/>
+            <a:ext cx="1295400" cy="622300"/>
+          </a:xfrm>
+          <a:prstGeom prst="roundRect">
+            <a:avLst>
+              <a:gd name="adj" fmla="val 10785"/>
+            </a:avLst>
+          </a:prstGeom>
+        </p:spPr>
+        <p:style>
+          <a:lnRef idx="2">
+            <a:schemeClr val="accent1">
+              <a:shade val="50000"/>
+            </a:schemeClr>
+          </a:lnRef>
+          <a:fillRef idx="1">
+            <a:schemeClr val="accent1"/>
+          </a:fillRef>
+          <a:effectRef idx="0">
+            <a:schemeClr val="accent1"/>
+          </a:effectRef>
+          <a:fontRef idx="minor">
+            <a:schemeClr val="lt1"/>
+          </a:fontRef>
+        </p:style>
+        <p:txBody>
+          <a:bodyPr rtlCol="0" anchor="ctr"/>
+          <a:lstStyle/>
+          <a:p>
+            <a:pPr algn="ctr"/>
+            <a:r>
+              <a:rPr lang="en-US" sz="1200" dirty="0" err="1" smtClean="0"/>
+              <a:t>DataPartition</a:t>
+            </a:r>
+            <a:endParaRPr lang="en-US" sz="1200" dirty="0" smtClean="0"/>
+          </a:p>
+          <a:p>
+            <a:pPr algn="ctr"/>
+            <a:r>
+              <a:rPr lang="en-US" sz="1200" dirty="0" err="1" smtClean="0"/>
+              <a:t>preMyContainers</a:t>
+            </a:r>
+            <a:endParaRPr lang="en-US" sz="1200" dirty="0"/>
+          </a:p>
+        </p:txBody>
+      </p:sp>
+      <p:sp>
+        <p:nvSpPr>
+          <p:cNvPr id="23" name="Rounded Rectangle 22"/>
+          <p:cNvSpPr/>
+          <p:nvPr/>
+        </p:nvSpPr>
+        <p:spPr>
+          <a:xfrm>
+            <a:off x="2751498" y="3483839"/>
+            <a:ext cx="1295400" cy="622300"/>
+          </a:xfrm>
+          <a:prstGeom prst="roundRect">
+            <a:avLst>
+              <a:gd name="adj" fmla="val 10785"/>
+            </a:avLst>
+          </a:prstGeom>
+        </p:spPr>
+        <p:style>
+          <a:lnRef idx="2">
+            <a:schemeClr val="accent1">
+              <a:shade val="50000"/>
+            </a:schemeClr>
+          </a:lnRef>
+          <a:fillRef idx="1">
+            <a:schemeClr val="accent1"/>
+          </a:fillRef>
+          <a:effectRef idx="0">
+            <a:schemeClr val="accent1"/>
+          </a:effectRef>
+          <a:fontRef idx="minor">
+            <a:schemeClr val="lt1"/>
+          </a:fontRef>
+        </p:style>
+        <p:txBody>
+          <a:bodyPr rtlCol="0" anchor="ctr"/>
+          <a:lstStyle/>
+          <a:p>
+            <a:pPr algn="ctr"/>
+            <a:r>
+              <a:rPr lang="en-US" sz="1200" dirty="0" err="1" smtClean="0"/>
+              <a:t>DataPartition</a:t>
+            </a:r>
+            <a:endParaRPr lang="en-US" sz="1200" dirty="0" smtClean="0"/>
+          </a:p>
+          <a:p>
+            <a:pPr algn="ctr"/>
+            <a:r>
+              <a:rPr lang="en-US" sz="1200" dirty="0" err="1" smtClean="0"/>
+              <a:t>preMyContainers</a:t>
+            </a:r>
+            <a:endParaRPr lang="en-US" sz="1200" dirty="0"/>
+          </a:p>
+        </p:txBody>
+      </p:sp>
+      <p:sp>
+        <p:nvSpPr>
+          <p:cNvPr id="24" name="Rounded Rectangle 23"/>
+          <p:cNvSpPr/>
+          <p:nvPr/>
+        </p:nvSpPr>
+        <p:spPr>
+          <a:xfrm>
+            <a:off x="4207716" y="3483839"/>
+            <a:ext cx="1295400" cy="622300"/>
+          </a:xfrm>
+          <a:prstGeom prst="roundRect">
+            <a:avLst>
+              <a:gd name="adj" fmla="val 10785"/>
+            </a:avLst>
+          </a:prstGeom>
+        </p:spPr>
+        <p:style>
+          <a:lnRef idx="2">
+            <a:schemeClr val="accent1">
+              <a:shade val="50000"/>
+            </a:schemeClr>
+          </a:lnRef>
+          <a:fillRef idx="1">
+            <a:schemeClr val="accent1"/>
+          </a:fillRef>
+          <a:effectRef idx="0">
+            <a:schemeClr val="accent1"/>
+          </a:effectRef>
+          <a:fontRef idx="minor">
+            <a:schemeClr val="lt1"/>
+          </a:fontRef>
+        </p:style>
+        <p:txBody>
+          <a:bodyPr rtlCol="0" anchor="ctr"/>
+          <a:lstStyle/>
+          <a:p>
+            <a:pPr algn="ctr"/>
+            <a:r>
+              <a:rPr lang="en-US" sz="1200" dirty="0" err="1" smtClean="0"/>
+              <a:t>DataPartition</a:t>
+            </a:r>
+            <a:endParaRPr lang="en-US" sz="1200" dirty="0" smtClean="0"/>
+          </a:p>
+          <a:p>
+            <a:pPr algn="ctr"/>
+            <a:r>
+              <a:rPr lang="en-US" sz="1200" dirty="0" err="1" smtClean="0"/>
+              <a:t>preMyContainers</a:t>
+            </a:r>
+            <a:endParaRPr lang="en-US" sz="1200" dirty="0"/>
+          </a:p>
+        </p:txBody>
+      </p:sp>
+      <p:cxnSp>
+        <p:nvCxnSpPr>
+          <p:cNvPr id="25" name="Straight Arrow Connector 52"/>
+          <p:cNvCxnSpPr>
+            <a:stCxn id="19" idx="2"/>
+            <a:endCxn id="22" idx="0"/>
+          </p:cNvCxnSpPr>
+          <p:nvPr/>
+        </p:nvCxnSpPr>
+        <p:spPr>
+          <a:xfrm flipH="1">
+            <a:off x="1456098" y="3064739"/>
+            <a:ext cx="1943100" cy="419100"/>
+          </a:xfrm>
+          <a:prstGeom prst="straightConnector1">
+            <a:avLst/>
+          </a:prstGeom>
+          <a:ln w="19050" cmpd="sng">
+            <a:solidFill>
+              <a:schemeClr val="tx1"/>
+            </a:solidFill>
+            <a:tailEnd type="triangle" w="lg" len="med"/>
+          </a:ln>
+        </p:spPr>
+        <p:style>
+          <a:lnRef idx="2">
+            <a:schemeClr val="accent1"/>
+          </a:lnRef>
+          <a:fillRef idx="0">
+            <a:schemeClr val="accent1"/>
+          </a:fillRef>
+          <a:effectRef idx="1">
+            <a:schemeClr val="accent1"/>
+          </a:effectRef>
+          <a:fontRef idx="minor">
+            <a:schemeClr val="tx1"/>
+          </a:fontRef>
+        </p:style>
+      </p:cxnSp>
+      <p:cxnSp>
+        <p:nvCxnSpPr>
+          <p:cNvPr id="28" name="Straight Arrow Connector 52"/>
+          <p:cNvCxnSpPr>
+            <a:stCxn id="19" idx="2"/>
+            <a:endCxn id="23" idx="0"/>
+          </p:cNvCxnSpPr>
+          <p:nvPr/>
+        </p:nvCxnSpPr>
+        <p:spPr>
+          <a:xfrm>
+            <a:off x="3399198" y="3064739"/>
+            <a:ext cx="0" cy="419100"/>
+          </a:xfrm>
+          <a:prstGeom prst="straightConnector1">
+            <a:avLst/>
+          </a:prstGeom>
+          <a:ln w="19050" cmpd="sng">
+            <a:solidFill>
+              <a:schemeClr val="tx1"/>
+            </a:solidFill>
+            <a:tailEnd type="triangle" w="lg" len="med"/>
+          </a:ln>
+        </p:spPr>
+        <p:style>
+          <a:lnRef idx="2">
+            <a:schemeClr val="accent1"/>
+          </a:lnRef>
+          <a:fillRef idx="0">
+            <a:schemeClr val="accent1"/>
+          </a:fillRef>
+          <a:effectRef idx="1">
+            <a:schemeClr val="accent1"/>
+          </a:effectRef>
+          <a:fontRef idx="minor">
+            <a:schemeClr val="tx1"/>
+          </a:fontRef>
+        </p:style>
+      </p:cxnSp>
+      <p:cxnSp>
+        <p:nvCxnSpPr>
+          <p:cNvPr id="31" name="Straight Arrow Connector 52"/>
+          <p:cNvCxnSpPr>
+            <a:stCxn id="19" idx="2"/>
+            <a:endCxn id="24" idx="0"/>
+          </p:cNvCxnSpPr>
+          <p:nvPr/>
+        </p:nvCxnSpPr>
+        <p:spPr>
+          <a:xfrm>
+            <a:off x="3399198" y="3064739"/>
+            <a:ext cx="1456218" cy="419100"/>
+          </a:xfrm>
+          <a:prstGeom prst="straightConnector1">
+            <a:avLst/>
+          </a:prstGeom>
+          <a:ln w="19050" cmpd="sng">
+            <a:solidFill>
+              <a:schemeClr val="tx1"/>
+            </a:solidFill>
+            <a:tailEnd type="triangle" w="lg" len="med"/>
+          </a:ln>
+        </p:spPr>
+        <p:style>
+          <a:lnRef idx="2">
+            <a:schemeClr val="accent1"/>
+          </a:lnRef>
+          <a:fillRef idx="0">
+            <a:schemeClr val="accent1"/>
+          </a:fillRef>
+          <a:effectRef idx="1">
+            <a:schemeClr val="accent1"/>
+          </a:effectRef>
+          <a:fontRef idx="minor">
+            <a:schemeClr val="tx1"/>
+          </a:fontRef>
+        </p:style>
+      </p:cxnSp>
+      <p:sp>
+        <p:nvSpPr>
+          <p:cNvPr id="37" name="Rounded Rectangle 36"/>
+          <p:cNvSpPr/>
+          <p:nvPr/>
+        </p:nvSpPr>
+        <p:spPr>
+          <a:xfrm>
+            <a:off x="128948" y="4521200"/>
+            <a:ext cx="1295400" cy="622300"/>
+          </a:xfrm>
+          <a:prstGeom prst="roundRect">
+            <a:avLst>
+              <a:gd name="adj" fmla="val 10785"/>
+            </a:avLst>
+          </a:prstGeom>
+        </p:spPr>
+        <p:style>
+          <a:lnRef idx="2">
+            <a:schemeClr val="accent1">
+              <a:shade val="50000"/>
+            </a:schemeClr>
+          </a:lnRef>
+          <a:fillRef idx="1">
+            <a:schemeClr val="accent1"/>
+          </a:fillRef>
+          <a:effectRef idx="0">
+            <a:schemeClr val="accent1"/>
+          </a:effectRef>
+          <a:fontRef idx="minor">
+            <a:schemeClr val="lt1"/>
+          </a:fontRef>
+        </p:style>
+        <p:txBody>
+          <a:bodyPr rtlCol="0" anchor="ctr"/>
+          <a:lstStyle/>
+          <a:p>
+            <a:pPr algn="ctr"/>
+            <a:r>
+              <a:rPr lang="en-US" sz="1200" dirty="0" err="1" smtClean="0"/>
+              <a:t>DataPartition</a:t>
+            </a:r>
+            <a:r>
+              <a:rPr lang="en-US" sz="1200" dirty="0" smtClean="0"/>
+              <a:t> #1 </a:t>
+            </a:r>
+          </a:p>
+          <a:p>
+            <a:pPr algn="ctr"/>
+            <a:r>
+              <a:rPr lang="en-US" sz="1200" dirty="0" smtClean="0"/>
+              <a:t>LOOP data</a:t>
+            </a:r>
+            <a:endParaRPr lang="en-US" sz="1200" dirty="0"/>
+          </a:p>
+        </p:txBody>
+      </p:sp>
+      <p:sp>
+        <p:nvSpPr>
+          <p:cNvPr id="39" name="Rounded Rectangle 38"/>
+          <p:cNvSpPr/>
+          <p:nvPr/>
+        </p:nvSpPr>
+        <p:spPr>
+          <a:xfrm>
+            <a:off x="1456098" y="4521200"/>
+            <a:ext cx="1295400" cy="622300"/>
+          </a:xfrm>
+          <a:prstGeom prst="roundRect">
+            <a:avLst>
+              <a:gd name="adj" fmla="val 10785"/>
+            </a:avLst>
+          </a:prstGeom>
+        </p:spPr>
+        <p:style>
+          <a:lnRef idx="2">
+            <a:schemeClr val="accent1">
+              <a:shade val="50000"/>
+            </a:schemeClr>
+          </a:lnRef>
+          <a:fillRef idx="1">
+            <a:schemeClr val="accent1"/>
+          </a:fillRef>
+          <a:effectRef idx="0">
+            <a:schemeClr val="accent1"/>
+          </a:effectRef>
+          <a:fontRef idx="minor">
+            <a:schemeClr val="lt1"/>
+          </a:fontRef>
+        </p:style>
+        <p:txBody>
+          <a:bodyPr rtlCol="0" anchor="ctr"/>
+          <a:lstStyle/>
+          <a:p>
+            <a:pPr algn="ctr"/>
+            <a:r>
+              <a:rPr lang="en-US" sz="1200" dirty="0" err="1" smtClean="0"/>
+              <a:t>DataPartition</a:t>
+            </a:r>
+            <a:r>
+              <a:rPr lang="en-US" sz="1200" dirty="0" smtClean="0"/>
+              <a:t> #1 </a:t>
+            </a:r>
+          </a:p>
+          <a:p>
+            <a:pPr algn="ctr"/>
+            <a:r>
+              <a:rPr lang="en-US" sz="1200" dirty="0" smtClean="0"/>
+              <a:t>LOOP data</a:t>
+            </a:r>
+            <a:endParaRPr lang="en-US" sz="1200" dirty="0"/>
+          </a:p>
+        </p:txBody>
+      </p:sp>
+      <p:cxnSp>
+        <p:nvCxnSpPr>
+          <p:cNvPr id="40" name="Straight Arrow Connector 52"/>
+          <p:cNvCxnSpPr>
+            <a:stCxn id="22" idx="2"/>
+            <a:endCxn id="37" idx="0"/>
+          </p:cNvCxnSpPr>
+          <p:nvPr/>
+        </p:nvCxnSpPr>
+        <p:spPr>
+          <a:xfrm flipH="1">
+            <a:off x="776648" y="4106139"/>
+            <a:ext cx="679450" cy="415061"/>
+          </a:xfrm>
+          <a:prstGeom prst="straightConnector1">
+            <a:avLst/>
+          </a:prstGeom>
+          <a:ln w="19050" cmpd="sng">
+            <a:solidFill>
+              <a:schemeClr val="tx1"/>
+            </a:solidFill>
+            <a:tailEnd type="triangle" w="lg" len="med"/>
+          </a:ln>
+        </p:spPr>
+        <p:style>
+          <a:lnRef idx="2">
+            <a:schemeClr val="accent1"/>
+          </a:lnRef>
+          <a:fillRef idx="0">
+            <a:schemeClr val="accent1"/>
+          </a:fillRef>
+          <a:effectRef idx="1">
+            <a:schemeClr val="accent1"/>
+          </a:effectRef>
+          <a:fontRef idx="minor">
+            <a:schemeClr val="tx1"/>
+          </a:fontRef>
+        </p:style>
+      </p:cxnSp>
+      <p:cxnSp>
+        <p:nvCxnSpPr>
+          <p:cNvPr id="43" name="Straight Arrow Connector 52"/>
+          <p:cNvCxnSpPr>
+            <a:stCxn id="22" idx="2"/>
+            <a:endCxn id="39" idx="0"/>
+          </p:cNvCxnSpPr>
+          <p:nvPr/>
+        </p:nvCxnSpPr>
+        <p:spPr>
+          <a:xfrm>
+            <a:off x="1456098" y="4106139"/>
+            <a:ext cx="647700" cy="415061"/>
+          </a:xfrm>
+          <a:prstGeom prst="straightConnector1">
+            <a:avLst/>
+          </a:prstGeom>
+          <a:ln w="19050" cmpd="sng">
+            <a:solidFill>
+              <a:schemeClr val="tx1"/>
+            </a:solidFill>
+            <a:tailEnd type="triangle" w="lg" len="med"/>
+          </a:ln>
+        </p:spPr>
+        <p:style>
+          <a:lnRef idx="2">
+            <a:schemeClr val="accent1"/>
+          </a:lnRef>
+          <a:fillRef idx="0">
+            <a:schemeClr val="accent1"/>
+          </a:fillRef>
+          <a:effectRef idx="1">
+            <a:schemeClr val="accent1"/>
+          </a:effectRef>
+          <a:fontRef idx="minor">
+            <a:schemeClr val="tx1"/>
+          </a:fontRef>
+        </p:style>
+      </p:cxnSp>
+      <p:sp>
+        <p:nvSpPr>
+          <p:cNvPr id="46" name="Rounded Rectangle 45"/>
+          <p:cNvSpPr/>
+          <p:nvPr/>
+        </p:nvSpPr>
+        <p:spPr>
+          <a:xfrm>
+            <a:off x="776648" y="5473700"/>
+            <a:ext cx="1295400" cy="622300"/>
+          </a:xfrm>
+          <a:prstGeom prst="roundRect">
+            <a:avLst>
+              <a:gd name="adj" fmla="val 10785"/>
+            </a:avLst>
+          </a:prstGeom>
+        </p:spPr>
+        <p:style>
+          <a:lnRef idx="2">
+            <a:schemeClr val="accent1">
+              <a:shade val="50000"/>
+            </a:schemeClr>
+          </a:lnRef>
+          <a:fillRef idx="1">
+            <a:schemeClr val="accent1"/>
+          </a:fillRef>
+          <a:effectRef idx="0">
+            <a:schemeClr val="accent1"/>
+          </a:effectRef>
+          <a:fontRef idx="minor">
+            <a:schemeClr val="lt1"/>
+          </a:fontRef>
+        </p:style>
+        <p:txBody>
+          <a:bodyPr rtlCol="0" anchor="ctr"/>
+          <a:lstStyle/>
+          <a:p>
+            <a:pPr algn="ctr"/>
+            <a:r>
+              <a:rPr lang="en-US" sz="1200" dirty="0" err="1" smtClean="0"/>
+              <a:t>DataPartition</a:t>
+            </a:r>
+            <a:endParaRPr lang="en-US" sz="1200" dirty="0" smtClean="0"/>
+          </a:p>
+          <a:p>
+            <a:pPr algn="ctr"/>
+            <a:r>
+              <a:rPr lang="en-US" sz="1200" dirty="0" err="1" smtClean="0"/>
+              <a:t>preMyContainers</a:t>
+            </a:r>
+            <a:endParaRPr lang="en-US" sz="1200" dirty="0"/>
+          </a:p>
+        </p:txBody>
+      </p:sp>
+      <p:cxnSp>
+        <p:nvCxnSpPr>
+          <p:cNvPr id="47" name="Straight Arrow Connector 52"/>
+          <p:cNvCxnSpPr>
+            <a:stCxn id="37" idx="2"/>
+            <a:endCxn id="46" idx="0"/>
+          </p:cNvCxnSpPr>
+          <p:nvPr/>
+        </p:nvCxnSpPr>
+        <p:spPr>
+          <a:xfrm>
+            <a:off x="776648" y="5143500"/>
+            <a:ext cx="647700" cy="330200"/>
+          </a:xfrm>
+          <a:prstGeom prst="straightConnector1">
+            <a:avLst/>
+          </a:prstGeom>
+          <a:ln w="19050" cmpd="sng">
+            <a:solidFill>
+              <a:schemeClr val="tx1"/>
+            </a:solidFill>
+            <a:tailEnd type="triangle" w="lg" len="med"/>
+          </a:ln>
+        </p:spPr>
+        <p:style>
+          <a:lnRef idx="2">
+            <a:schemeClr val="accent1"/>
+          </a:lnRef>
+          <a:fillRef idx="0">
+            <a:schemeClr val="accent1"/>
+          </a:fillRef>
+          <a:effectRef idx="1">
+            <a:schemeClr val="accent1"/>
+          </a:effectRef>
+          <a:fontRef idx="minor">
+            <a:schemeClr val="tx1"/>
+          </a:fontRef>
+        </p:style>
+      </p:cxnSp>
+      <p:cxnSp>
+        <p:nvCxnSpPr>
+          <p:cNvPr id="50" name="Straight Arrow Connector 52"/>
+          <p:cNvCxnSpPr>
+            <a:stCxn id="39" idx="2"/>
+            <a:endCxn id="46" idx="0"/>
+          </p:cNvCxnSpPr>
+          <p:nvPr/>
+        </p:nvCxnSpPr>
+        <p:spPr>
+          <a:xfrm flipH="1">
+            <a:off x="1424348" y="5143500"/>
+            <a:ext cx="679450" cy="330200"/>
+          </a:xfrm>
+          <a:prstGeom prst="straightConnector1">
+            <a:avLst/>
+          </a:prstGeom>
+          <a:ln w="19050" cmpd="sng">
+            <a:solidFill>
+              <a:schemeClr val="tx1"/>
+            </a:solidFill>
+            <a:tailEnd type="triangle" w="lg" len="med"/>
+          </a:ln>
+        </p:spPr>
+        <p:style>
+          <a:lnRef idx="2">
+            <a:schemeClr val="accent1"/>
+          </a:lnRef>
+          <a:fillRef idx="0">
+            <a:schemeClr val="accent1"/>
+          </a:fillRef>
+          <a:effectRef idx="1">
+            <a:schemeClr val="accent1"/>
+          </a:effectRef>
+          <a:fontRef idx="minor">
+            <a:schemeClr val="tx1"/>
+          </a:fontRef>
+        </p:style>
+      </p:cxnSp>
+    </p:spTree>
+    <p:extLst>
+      <p:ext uri="{BB962C8B-B14F-4D97-AF65-F5344CB8AC3E}">
+        <p14:creationId xmlns:p14="http://schemas.microsoft.com/office/powerpoint/2010/main" val="2937140912"/>
+      </p:ext>
+    </p:extLst>
+  </p:cSld>
+  <p:clrMapOvr>
+    <a:masterClrMapping/>
+  </p:clrMapOvr>
+  <p:timing>
+    <p:tnLst>
+      <p:par>
+        <p:cTn xmlns:p14="http://schemas.microsoft.com/office/powerpoint/2010/main" id="1" dur="indefinite" restart="never" nodeType="tmRoot"/>
+      </p:par>
+    </p:tnLst>
+  </p:timing>
+</p:sld>
+</file>
+
+<file path=ppt/slides/slide14.xml><?xml version="1.0" encoding="utf-8"?>
+<p:sld xmlns:a="http://schemas.openxmlformats.org/drawingml/2006/main" xmlns:r="http://schemas.openxmlformats.org/officeDocument/2006/relationships" xmlns:p="http://schemas.openxmlformats.org/presentationml/2006/main">
+  <p:cSld>
+    <p:spTree>
+      <p:nvGrpSpPr>
+        <p:cNvPr id="1" name=""/>
+        <p:cNvGrpSpPr/>
+        <p:nvPr/>
+      </p:nvGrpSpPr>
+      <p:grpSpPr>
+        <a:xfrm>
+          <a:off x="0" y="0"/>
+          <a:ext cx="0" cy="0"/>
+          <a:chOff x="0" y="0"/>
+          <a:chExt cx="0" cy="0"/>
+        </a:xfrm>
+      </p:grpSpPr>
+      <p:sp>
+        <p:nvSpPr>
+          <p:cNvPr id="4" name="TextBox 3"/>
+          <p:cNvSpPr txBox="1"/>
+          <p:nvPr/>
+        </p:nvSpPr>
+        <p:spPr>
+          <a:xfrm>
+            <a:off x="4732698" y="259787"/>
+            <a:ext cx="3790020" cy="861774"/>
+          </a:xfrm>
+          <a:prstGeom prst="rect">
+            <a:avLst/>
+          </a:prstGeom>
+          <a:noFill/>
+        </p:spPr>
+        <p:txBody>
+          <a:bodyPr wrap="none" rtlCol="0">
+            <a:spAutoFit/>
+          </a:bodyPr>
+          <a:lstStyle/>
+          <a:p>
+            <a:pPr algn="ctr"/>
+            <a:r>
+              <a:rPr lang="en-US" sz="3200" b="1" dirty="0" smtClean="0"/>
+              <a:t>TAG-SCHEDULE-TASK</a:t>
+            </a:r>
+          </a:p>
+          <a:p>
+            <a:pPr algn="ctr"/>
+            <a:r>
+              <a:rPr lang="en-US" dirty="0"/>
+              <a:t>p</a:t>
+            </a:r>
+            <a:r>
+              <a:rPr lang="en-US" dirty="0" smtClean="0"/>
+              <a:t>rocessing model</a:t>
+            </a:r>
+            <a:endParaRPr lang="en-US" dirty="0"/>
+          </a:p>
+        </p:txBody>
+      </p:sp>
+      <p:pic>
+        <p:nvPicPr>
+          <p:cNvPr id="5" name="Picture 4" descr="bigs-banner.png"/>
+          <p:cNvPicPr>
+            <a:picLocks noChangeAspect="1"/>
+          </p:cNvPicPr>
+          <p:nvPr/>
+        </p:nvPicPr>
+        <p:blipFill>
+          <a:blip r:embed="rId3">
+            <a:extLst>
+              <a:ext uri="{28A0092B-C50C-407E-A947-70E740481C1C}">
+                <a14:useLocalDpi xmlns:a14="http://schemas.microsoft.com/office/drawing/2010/main" val="0"/>
+              </a:ext>
+            </a:extLst>
+          </a:blip>
+          <a:stretch>
+            <a:fillRect/>
+          </a:stretch>
+        </p:blipFill>
+        <p:spPr>
+          <a:xfrm>
+            <a:off x="275151" y="134222"/>
+            <a:ext cx="4559267" cy="1139817"/>
+          </a:xfrm>
+          <a:prstGeom prst="rect">
+            <a:avLst/>
+          </a:prstGeom>
+        </p:spPr>
+      </p:pic>
+      <p:grpSp>
+        <p:nvGrpSpPr>
+          <p:cNvPr id="129" name="Group 128"/>
+          <p:cNvGrpSpPr/>
+          <p:nvPr/>
+        </p:nvGrpSpPr>
+        <p:grpSpPr>
+          <a:xfrm>
+            <a:off x="726378" y="2474911"/>
+            <a:ext cx="840898" cy="2784477"/>
+            <a:chOff x="2253396" y="2177071"/>
+            <a:chExt cx="840898" cy="2784477"/>
+          </a:xfrm>
+        </p:grpSpPr>
+        <p:grpSp>
+          <p:nvGrpSpPr>
+            <p:cNvPr id="83" name="Group 82"/>
+            <p:cNvGrpSpPr/>
+            <p:nvPr/>
+          </p:nvGrpSpPr>
+          <p:grpSpPr>
+            <a:xfrm>
+              <a:off x="2253396" y="2701824"/>
+              <a:ext cx="840898" cy="1708352"/>
+              <a:chOff x="2089849" y="2701824"/>
+              <a:chExt cx="840898" cy="1708352"/>
+            </a:xfrm>
+          </p:grpSpPr>
+          <p:sp>
+            <p:nvSpPr>
+              <p:cNvPr id="26" name="Rounded Rectangle 25"/>
+              <p:cNvSpPr/>
+              <p:nvPr/>
+            </p:nvSpPr>
+            <p:spPr>
+              <a:xfrm>
+                <a:off x="2089849" y="3403600"/>
+                <a:ext cx="309202" cy="311150"/>
+              </a:xfrm>
+              <a:prstGeom prst="roundRect">
+                <a:avLst>
+                  <a:gd name="adj" fmla="val 10785"/>
+                </a:avLst>
+              </a:prstGeom>
+            </p:spPr>
+            <p:style>
+              <a:lnRef idx="2">
+                <a:schemeClr val="accent1">
+                  <a:shade val="50000"/>
+                </a:schemeClr>
+              </a:lnRef>
+              <a:fillRef idx="1">
+                <a:schemeClr val="accent1"/>
+              </a:fillRef>
+              <a:effectRef idx="0">
+                <a:schemeClr val="accent1"/>
+              </a:effectRef>
+              <a:fontRef idx="minor">
+                <a:schemeClr val="lt1"/>
+              </a:fontRef>
+            </p:style>
+            <p:txBody>
+              <a:bodyPr rtlCol="0" anchor="ctr"/>
+              <a:lstStyle/>
+              <a:p>
+                <a:pPr algn="ctr"/>
+                <a:endParaRPr lang="en-US" sz="1200" dirty="0" smtClean="0"/>
+              </a:p>
+            </p:txBody>
+          </p:sp>
+          <p:sp>
+            <p:nvSpPr>
+              <p:cNvPr id="29" name="Rounded Rectangle 28"/>
+              <p:cNvSpPr/>
+              <p:nvPr/>
+            </p:nvSpPr>
+            <p:spPr>
+              <a:xfrm>
+                <a:off x="2621545" y="3409950"/>
+                <a:ext cx="309202" cy="311150"/>
+              </a:xfrm>
+              <a:prstGeom prst="roundRect">
+                <a:avLst>
+                  <a:gd name="adj" fmla="val 10785"/>
+                </a:avLst>
+              </a:prstGeom>
+            </p:spPr>
+            <p:style>
+              <a:lnRef idx="2">
+                <a:schemeClr val="accent1">
+                  <a:shade val="50000"/>
+                </a:schemeClr>
+              </a:lnRef>
+              <a:fillRef idx="1">
+                <a:schemeClr val="accent1"/>
+              </a:fillRef>
+              <a:effectRef idx="0">
+                <a:schemeClr val="accent1"/>
+              </a:effectRef>
+              <a:fontRef idx="minor">
+                <a:schemeClr val="lt1"/>
+              </a:fontRef>
+            </p:style>
+            <p:txBody>
+              <a:bodyPr rtlCol="0" anchor="ctr"/>
+              <a:lstStyle/>
+              <a:p>
+                <a:pPr algn="ctr"/>
+                <a:endParaRPr lang="en-US" sz="1200" dirty="0" smtClean="0"/>
+              </a:p>
+            </p:txBody>
+          </p:sp>
+          <p:sp>
+            <p:nvSpPr>
+              <p:cNvPr id="53" name="Rounded Rectangle 52"/>
+              <p:cNvSpPr/>
+              <p:nvPr/>
+            </p:nvSpPr>
+            <p:spPr>
+              <a:xfrm>
+                <a:off x="2359759" y="4099026"/>
+                <a:ext cx="309202" cy="311150"/>
+              </a:xfrm>
+              <a:prstGeom prst="roundRect">
+                <a:avLst>
+                  <a:gd name="adj" fmla="val 10785"/>
+                </a:avLst>
+              </a:prstGeom>
+            </p:spPr>
+            <p:style>
+              <a:lnRef idx="2">
+                <a:schemeClr val="accent1">
+                  <a:shade val="50000"/>
+                </a:schemeClr>
+              </a:lnRef>
+              <a:fillRef idx="1">
+                <a:schemeClr val="accent1"/>
+              </a:fillRef>
+              <a:effectRef idx="0">
+                <a:schemeClr val="accent1"/>
+              </a:effectRef>
+              <a:fontRef idx="minor">
+                <a:schemeClr val="lt1"/>
+              </a:fontRef>
+            </p:style>
+            <p:txBody>
+              <a:bodyPr rtlCol="0" anchor="ctr"/>
+              <a:lstStyle/>
+              <a:p>
+                <a:pPr algn="ctr"/>
+                <a:r>
+                  <a:rPr lang="en-US" sz="1600" b="1" dirty="0" smtClean="0"/>
+                  <a:t>O</a:t>
+                </a:r>
+              </a:p>
+            </p:txBody>
+          </p:sp>
+          <p:sp>
+            <p:nvSpPr>
+              <p:cNvPr id="54" name="Rounded Rectangle 53"/>
+              <p:cNvSpPr/>
+              <p:nvPr/>
+            </p:nvSpPr>
+            <p:spPr>
+              <a:xfrm>
+                <a:off x="2359759" y="2701824"/>
+                <a:ext cx="309202" cy="311150"/>
+              </a:xfrm>
+              <a:prstGeom prst="roundRect">
+                <a:avLst>
+                  <a:gd name="adj" fmla="val 10785"/>
+                </a:avLst>
+              </a:prstGeom>
+            </p:spPr>
+            <p:style>
+              <a:lnRef idx="2">
+                <a:schemeClr val="accent1">
+                  <a:shade val="50000"/>
+                </a:schemeClr>
+              </a:lnRef>
+              <a:fillRef idx="1">
+                <a:schemeClr val="accent1"/>
+              </a:fillRef>
+              <a:effectRef idx="0">
+                <a:schemeClr val="accent1"/>
+              </a:effectRef>
+              <a:fontRef idx="minor">
+                <a:schemeClr val="lt1"/>
+              </a:fontRef>
+            </p:style>
+            <p:txBody>
+              <a:bodyPr rtlCol="0" anchor="ctr"/>
+              <a:lstStyle/>
+              <a:p>
+                <a:pPr algn="ctr"/>
+                <a:r>
+                  <a:rPr lang="en-US" b="1" dirty="0" smtClean="0"/>
+                  <a:t>X</a:t>
+                </a:r>
+              </a:p>
+            </p:txBody>
+          </p:sp>
+          <p:cxnSp>
+            <p:nvCxnSpPr>
+              <p:cNvPr id="8" name="Elbow Connector 7"/>
+              <p:cNvCxnSpPr>
+                <a:stCxn id="54" idx="2"/>
+                <a:endCxn id="26" idx="0"/>
+              </p:cNvCxnSpPr>
+              <p:nvPr/>
+            </p:nvCxnSpPr>
+            <p:spPr>
+              <a:xfrm rot="5400000">
+                <a:off x="2184092" y="3073332"/>
+                <a:ext cx="390626" cy="269910"/>
+              </a:xfrm>
+              <a:prstGeom prst="bentConnector3">
+                <a:avLst/>
+              </a:prstGeom>
+              <a:ln w="28575" cmpd="sng">
+                <a:solidFill>
+                  <a:schemeClr val="accent1">
+                    <a:lumMod val="75000"/>
+                  </a:schemeClr>
+                </a:solidFill>
+              </a:ln>
+            </p:spPr>
+            <p:style>
+              <a:lnRef idx="1">
+                <a:schemeClr val="accent1"/>
+              </a:lnRef>
+              <a:fillRef idx="0">
+                <a:schemeClr val="accent1"/>
+              </a:fillRef>
+              <a:effectRef idx="0">
+                <a:schemeClr val="accent1"/>
+              </a:effectRef>
+              <a:fontRef idx="minor">
+                <a:schemeClr val="tx1"/>
+              </a:fontRef>
+            </p:style>
+          </p:cxnSp>
+          <p:cxnSp>
+            <p:nvCxnSpPr>
+              <p:cNvPr id="73" name="Elbow Connector 72"/>
+              <p:cNvCxnSpPr>
+                <a:stCxn id="54" idx="2"/>
+                <a:endCxn id="29" idx="0"/>
+              </p:cNvCxnSpPr>
+              <p:nvPr/>
+            </p:nvCxnSpPr>
+            <p:spPr>
+              <a:xfrm rot="16200000" flipH="1">
+                <a:off x="2446765" y="3080569"/>
+                <a:ext cx="396976" cy="261786"/>
+              </a:xfrm>
+              <a:prstGeom prst="bentConnector3">
+                <a:avLst/>
+              </a:prstGeom>
+              <a:ln w="28575" cmpd="sng">
+                <a:solidFill>
+                  <a:schemeClr val="accent1">
+                    <a:lumMod val="75000"/>
+                  </a:schemeClr>
+                </a:solidFill>
+              </a:ln>
+            </p:spPr>
+            <p:style>
+              <a:lnRef idx="1">
+                <a:schemeClr val="accent1"/>
+              </a:lnRef>
+              <a:fillRef idx="0">
+                <a:schemeClr val="accent1"/>
+              </a:fillRef>
+              <a:effectRef idx="0">
+                <a:schemeClr val="accent1"/>
+              </a:effectRef>
+              <a:fontRef idx="minor">
+                <a:schemeClr val="tx1"/>
+              </a:fontRef>
+            </p:style>
+          </p:cxnSp>
+          <p:cxnSp>
+            <p:nvCxnSpPr>
+              <p:cNvPr id="74" name="Elbow Connector 73"/>
+              <p:cNvCxnSpPr>
+                <a:stCxn id="26" idx="2"/>
+                <a:endCxn id="53" idx="0"/>
+              </p:cNvCxnSpPr>
+              <p:nvPr/>
+            </p:nvCxnSpPr>
+            <p:spPr>
+              <a:xfrm rot="16200000" flipH="1">
+                <a:off x="2187267" y="3771933"/>
+                <a:ext cx="384276" cy="269910"/>
+              </a:xfrm>
+              <a:prstGeom prst="bentConnector3">
+                <a:avLst/>
+              </a:prstGeom>
+              <a:ln w="28575" cmpd="sng">
+                <a:solidFill>
+                  <a:schemeClr val="accent1">
+                    <a:lumMod val="75000"/>
+                  </a:schemeClr>
+                </a:solidFill>
+              </a:ln>
+            </p:spPr>
+            <p:style>
+              <a:lnRef idx="1">
+                <a:schemeClr val="accent1"/>
+              </a:lnRef>
+              <a:fillRef idx="0">
+                <a:schemeClr val="accent1"/>
+              </a:fillRef>
+              <a:effectRef idx="0">
+                <a:schemeClr val="accent1"/>
+              </a:effectRef>
+              <a:fontRef idx="minor">
+                <a:schemeClr val="tx1"/>
+              </a:fontRef>
+            </p:style>
+          </p:cxnSp>
+          <p:cxnSp>
+            <p:nvCxnSpPr>
+              <p:cNvPr id="76" name="Elbow Connector 75"/>
+              <p:cNvCxnSpPr>
+                <a:stCxn id="29" idx="2"/>
+                <a:endCxn id="53" idx="0"/>
+              </p:cNvCxnSpPr>
+              <p:nvPr/>
+            </p:nvCxnSpPr>
+            <p:spPr>
+              <a:xfrm rot="5400000">
+                <a:off x="2456290" y="3779170"/>
+                <a:ext cx="377926" cy="261786"/>
+              </a:xfrm>
+              <a:prstGeom prst="bentConnector3">
+                <a:avLst>
+                  <a:gd name="adj1" fmla="val 50000"/>
+                </a:avLst>
+              </a:prstGeom>
+              <a:ln w="28575" cmpd="sng">
+                <a:solidFill>
+                  <a:schemeClr val="accent1">
+                    <a:lumMod val="75000"/>
+                  </a:schemeClr>
+                </a:solidFill>
+              </a:ln>
+            </p:spPr>
+            <p:style>
+              <a:lnRef idx="1">
+                <a:schemeClr val="accent1"/>
+              </a:lnRef>
+              <a:fillRef idx="0">
+                <a:schemeClr val="accent1"/>
+              </a:fillRef>
+              <a:effectRef idx="0">
+                <a:schemeClr val="accent1"/>
+              </a:effectRef>
+              <a:fontRef idx="minor">
+                <a:schemeClr val="tx1"/>
+              </a:fontRef>
+            </p:style>
+          </p:cxnSp>
+        </p:grpSp>
+        <p:sp>
+          <p:nvSpPr>
+            <p:cNvPr id="96" name="Rounded Rectangle 95"/>
+            <p:cNvSpPr/>
+            <p:nvPr/>
+          </p:nvSpPr>
+          <p:spPr>
+            <a:xfrm>
+              <a:off x="2523307" y="2177071"/>
+              <a:ext cx="309202" cy="311150"/>
+            </a:xfrm>
+            <a:prstGeom prst="roundRect">
+              <a:avLst>
+                <a:gd name="adj" fmla="val 10785"/>
+              </a:avLst>
+            </a:prstGeom>
+          </p:spPr>
+          <p:style>
+            <a:lnRef idx="2">
+              <a:schemeClr val="accent3">
+                <a:shade val="50000"/>
+              </a:schemeClr>
+            </a:lnRef>
+            <a:fillRef idx="1">
+              <a:schemeClr val="accent3"/>
+            </a:fillRef>
+            <a:effectRef idx="0">
+              <a:schemeClr val="accent3"/>
+            </a:effectRef>
+            <a:fontRef idx="minor">
+              <a:schemeClr val="lt1"/>
+            </a:fontRef>
+          </p:style>
+          <p:txBody>
+            <a:bodyPr rtlCol="0" anchor="ctr"/>
+            <a:lstStyle/>
+            <a:p>
+              <a:pPr algn="ctr"/>
+              <a:endParaRPr lang="en-US" sz="1200" dirty="0" smtClean="0"/>
+            </a:p>
+          </p:txBody>
+        </p:sp>
+        <p:sp>
+          <p:nvSpPr>
+            <p:cNvPr id="97" name="Rounded Rectangle 96"/>
+            <p:cNvSpPr/>
+            <p:nvPr/>
+          </p:nvSpPr>
+          <p:spPr>
+            <a:xfrm>
+              <a:off x="2523306" y="4650398"/>
+              <a:ext cx="309202" cy="311150"/>
+            </a:xfrm>
+            <a:prstGeom prst="roundRect">
+              <a:avLst>
+                <a:gd name="adj" fmla="val 10785"/>
+              </a:avLst>
+            </a:prstGeom>
+          </p:spPr>
+          <p:style>
+            <a:lnRef idx="2">
+              <a:schemeClr val="accent3">
+                <a:shade val="50000"/>
+              </a:schemeClr>
+            </a:lnRef>
+            <a:fillRef idx="1">
+              <a:schemeClr val="accent3"/>
+            </a:fillRef>
+            <a:effectRef idx="0">
+              <a:schemeClr val="accent3"/>
+            </a:effectRef>
+            <a:fontRef idx="minor">
+              <a:schemeClr val="lt1"/>
+            </a:fontRef>
+          </p:style>
+          <p:txBody>
+            <a:bodyPr rtlCol="0" anchor="ctr"/>
+            <a:lstStyle/>
+            <a:p>
+              <a:pPr algn="ctr"/>
+              <a:endParaRPr lang="en-US" sz="1200" dirty="0" smtClean="0"/>
+            </a:p>
+          </p:txBody>
+        </p:sp>
+        <p:cxnSp>
+          <p:nvCxnSpPr>
+            <p:cNvPr id="98" name="Elbow Connector 97"/>
+            <p:cNvCxnSpPr>
+              <a:stCxn id="96" idx="2"/>
+              <a:endCxn id="54" idx="0"/>
+            </p:cNvCxnSpPr>
+            <p:nvPr/>
+          </p:nvCxnSpPr>
+          <p:spPr>
+            <a:xfrm rot="5400000">
+              <a:off x="2571107" y="2595022"/>
+              <a:ext cx="213603" cy="1"/>
+            </a:xfrm>
+            <a:prstGeom prst="bentConnector3">
+              <a:avLst>
+                <a:gd name="adj1" fmla="val 50000"/>
+              </a:avLst>
+            </a:prstGeom>
+            <a:ln w="28575" cmpd="sng">
+              <a:solidFill>
+                <a:schemeClr val="accent3">
+                  <a:lumMod val="75000"/>
+                </a:schemeClr>
+              </a:solidFill>
+            </a:ln>
+          </p:spPr>
+          <p:style>
+            <a:lnRef idx="1">
+              <a:schemeClr val="accent1"/>
+            </a:lnRef>
+            <a:fillRef idx="0">
+              <a:schemeClr val="accent1"/>
+            </a:fillRef>
+            <a:effectRef idx="0">
+              <a:schemeClr val="accent1"/>
+            </a:effectRef>
+            <a:fontRef idx="minor">
+              <a:schemeClr val="tx1"/>
+            </a:fontRef>
+          </p:style>
+        </p:cxnSp>
+        <p:cxnSp>
+          <p:nvCxnSpPr>
+            <p:cNvPr id="125" name="Straight Connector 124"/>
+            <p:cNvCxnSpPr>
+              <a:stCxn id="53" idx="2"/>
+              <a:endCxn id="97" idx="0"/>
+            </p:cNvCxnSpPr>
+            <p:nvPr/>
+          </p:nvCxnSpPr>
+          <p:spPr>
+            <a:xfrm>
+              <a:off x="2677907" y="4410176"/>
+              <a:ext cx="0" cy="240222"/>
+            </a:xfrm>
+            <a:prstGeom prst="line">
+              <a:avLst/>
+            </a:prstGeom>
+            <a:ln w="28575" cmpd="sng">
+              <a:solidFill>
+                <a:srgbClr val="77933C"/>
+              </a:solidFill>
+            </a:ln>
+          </p:spPr>
+          <p:style>
+            <a:lnRef idx="1">
+              <a:schemeClr val="accent1"/>
+            </a:lnRef>
+            <a:fillRef idx="0">
+              <a:schemeClr val="accent1"/>
+            </a:fillRef>
+            <a:effectRef idx="0">
+              <a:schemeClr val="accent1"/>
+            </a:effectRef>
+            <a:fontRef idx="minor">
+              <a:schemeClr val="tx1"/>
+            </a:fontRef>
+          </p:style>
+        </p:cxnSp>
+      </p:grpSp>
+      <p:grpSp>
+        <p:nvGrpSpPr>
+          <p:cNvPr id="130" name="Group 129"/>
+          <p:cNvGrpSpPr/>
+          <p:nvPr/>
+        </p:nvGrpSpPr>
+        <p:grpSpPr>
+          <a:xfrm>
+            <a:off x="1705063" y="2461601"/>
+            <a:ext cx="840898" cy="2784477"/>
+            <a:chOff x="2253396" y="2177071"/>
+            <a:chExt cx="840898" cy="2784477"/>
+          </a:xfrm>
+        </p:grpSpPr>
+        <p:grpSp>
+          <p:nvGrpSpPr>
+            <p:cNvPr id="131" name="Group 130"/>
+            <p:cNvGrpSpPr/>
+            <p:nvPr/>
+          </p:nvGrpSpPr>
+          <p:grpSpPr>
+            <a:xfrm>
+              <a:off x="2253396" y="2701824"/>
+              <a:ext cx="840898" cy="1708352"/>
+              <a:chOff x="2089849" y="2701824"/>
+              <a:chExt cx="840898" cy="1708352"/>
+            </a:xfrm>
+          </p:grpSpPr>
+          <p:sp>
+            <p:nvSpPr>
+              <p:cNvPr id="136" name="Rounded Rectangle 135"/>
+              <p:cNvSpPr/>
+              <p:nvPr/>
+            </p:nvSpPr>
+            <p:spPr>
+              <a:xfrm>
+                <a:off x="2089849" y="3403600"/>
+                <a:ext cx="309202" cy="311150"/>
+              </a:xfrm>
+              <a:prstGeom prst="roundRect">
+                <a:avLst>
+                  <a:gd name="adj" fmla="val 10785"/>
+                </a:avLst>
+              </a:prstGeom>
+            </p:spPr>
+            <p:style>
+              <a:lnRef idx="2">
+                <a:schemeClr val="accent1">
+                  <a:shade val="50000"/>
+                </a:schemeClr>
+              </a:lnRef>
+              <a:fillRef idx="1">
+                <a:schemeClr val="accent1"/>
+              </a:fillRef>
+              <a:effectRef idx="0">
+                <a:schemeClr val="accent1"/>
+              </a:effectRef>
+              <a:fontRef idx="minor">
+                <a:schemeClr val="lt1"/>
+              </a:fontRef>
+            </p:style>
+            <p:txBody>
+              <a:bodyPr rtlCol="0" anchor="ctr"/>
+              <a:lstStyle/>
+              <a:p>
+                <a:pPr algn="ctr"/>
+                <a:endParaRPr lang="en-US" sz="1200" dirty="0" smtClean="0"/>
+              </a:p>
+            </p:txBody>
+          </p:sp>
+          <p:sp>
+            <p:nvSpPr>
+              <p:cNvPr id="137" name="Rounded Rectangle 136"/>
+              <p:cNvSpPr/>
+              <p:nvPr/>
+            </p:nvSpPr>
+            <p:spPr>
+              <a:xfrm>
+                <a:off x="2621545" y="3409950"/>
+                <a:ext cx="309202" cy="311150"/>
+              </a:xfrm>
+              <a:prstGeom prst="roundRect">
+                <a:avLst>
+                  <a:gd name="adj" fmla="val 10785"/>
+                </a:avLst>
+              </a:prstGeom>
+            </p:spPr>
+            <p:style>
+              <a:lnRef idx="2">
+                <a:schemeClr val="accent1">
+                  <a:shade val="50000"/>
+                </a:schemeClr>
+              </a:lnRef>
+              <a:fillRef idx="1">
+                <a:schemeClr val="accent1"/>
+              </a:fillRef>
+              <a:effectRef idx="0">
+                <a:schemeClr val="accent1"/>
+              </a:effectRef>
+              <a:fontRef idx="minor">
+                <a:schemeClr val="lt1"/>
+              </a:fontRef>
+            </p:style>
+            <p:txBody>
+              <a:bodyPr rtlCol="0" anchor="ctr"/>
+              <a:lstStyle/>
+              <a:p>
+                <a:pPr algn="ctr"/>
+                <a:endParaRPr lang="en-US" sz="1200" dirty="0" smtClean="0"/>
+              </a:p>
+            </p:txBody>
+          </p:sp>
+          <p:sp>
+            <p:nvSpPr>
+              <p:cNvPr id="138" name="Rounded Rectangle 137"/>
+              <p:cNvSpPr/>
+              <p:nvPr/>
+            </p:nvSpPr>
+            <p:spPr>
+              <a:xfrm>
+                <a:off x="2359759" y="4099026"/>
+                <a:ext cx="309202" cy="311150"/>
+              </a:xfrm>
+              <a:prstGeom prst="roundRect">
+                <a:avLst>
+                  <a:gd name="adj" fmla="val 10785"/>
+                </a:avLst>
+              </a:prstGeom>
+            </p:spPr>
+            <p:style>
+              <a:lnRef idx="2">
+                <a:schemeClr val="accent1">
+                  <a:shade val="50000"/>
+                </a:schemeClr>
+              </a:lnRef>
+              <a:fillRef idx="1">
+                <a:schemeClr val="accent1"/>
+              </a:fillRef>
+              <a:effectRef idx="0">
+                <a:schemeClr val="accent1"/>
+              </a:effectRef>
+              <a:fontRef idx="minor">
+                <a:schemeClr val="lt1"/>
+              </a:fontRef>
+            </p:style>
+            <p:txBody>
+              <a:bodyPr rtlCol="0" anchor="ctr"/>
+              <a:lstStyle/>
+              <a:p>
+                <a:pPr algn="ctr"/>
+                <a:r>
+                  <a:rPr lang="en-US" sz="1600" b="1" dirty="0" smtClean="0"/>
+                  <a:t>O</a:t>
+                </a:r>
+              </a:p>
+            </p:txBody>
+          </p:sp>
+          <p:sp>
+            <p:nvSpPr>
+              <p:cNvPr id="139" name="Rounded Rectangle 138"/>
+              <p:cNvSpPr/>
+              <p:nvPr/>
+            </p:nvSpPr>
+            <p:spPr>
+              <a:xfrm>
+                <a:off x="2359759" y="2701824"/>
+                <a:ext cx="309202" cy="311150"/>
+              </a:xfrm>
+              <a:prstGeom prst="roundRect">
+                <a:avLst>
+                  <a:gd name="adj" fmla="val 10785"/>
+                </a:avLst>
+              </a:prstGeom>
+            </p:spPr>
+            <p:style>
+              <a:lnRef idx="2">
+                <a:schemeClr val="accent1">
+                  <a:shade val="50000"/>
+                </a:schemeClr>
+              </a:lnRef>
+              <a:fillRef idx="1">
+                <a:schemeClr val="accent1"/>
+              </a:fillRef>
+              <a:effectRef idx="0">
+                <a:schemeClr val="accent1"/>
+              </a:effectRef>
+              <a:fontRef idx="minor">
+                <a:schemeClr val="lt1"/>
+              </a:fontRef>
+            </p:style>
+            <p:txBody>
+              <a:bodyPr rtlCol="0" anchor="ctr"/>
+              <a:lstStyle/>
+              <a:p>
+                <a:pPr algn="ctr"/>
+                <a:r>
+                  <a:rPr lang="en-US" b="1" dirty="0" smtClean="0"/>
+                  <a:t>X</a:t>
+                </a:r>
+              </a:p>
+            </p:txBody>
+          </p:sp>
+          <p:cxnSp>
+            <p:nvCxnSpPr>
+              <p:cNvPr id="140" name="Elbow Connector 139"/>
+              <p:cNvCxnSpPr>
+                <a:stCxn id="139" idx="2"/>
+                <a:endCxn id="136" idx="0"/>
+              </p:cNvCxnSpPr>
+              <p:nvPr/>
+            </p:nvCxnSpPr>
+            <p:spPr>
+              <a:xfrm rot="5400000">
+                <a:off x="2184092" y="3073332"/>
+                <a:ext cx="390626" cy="269910"/>
+              </a:xfrm>
+              <a:prstGeom prst="bentConnector3">
+                <a:avLst/>
+              </a:prstGeom>
+              <a:ln w="28575" cmpd="sng">
+                <a:solidFill>
+                  <a:schemeClr val="accent1">
+                    <a:lumMod val="75000"/>
+                  </a:schemeClr>
+                </a:solidFill>
+              </a:ln>
+            </p:spPr>
+            <p:style>
+              <a:lnRef idx="1">
+                <a:schemeClr val="accent1"/>
+              </a:lnRef>
+              <a:fillRef idx="0">
+                <a:schemeClr val="accent1"/>
+              </a:fillRef>
+              <a:effectRef idx="0">
+                <a:schemeClr val="accent1"/>
+              </a:effectRef>
+              <a:fontRef idx="minor">
+                <a:schemeClr val="tx1"/>
+              </a:fontRef>
+            </p:style>
+          </p:cxnSp>
+          <p:cxnSp>
+            <p:nvCxnSpPr>
+              <p:cNvPr id="141" name="Elbow Connector 140"/>
+              <p:cNvCxnSpPr>
+                <a:stCxn id="139" idx="2"/>
+                <a:endCxn id="137" idx="0"/>
+              </p:cNvCxnSpPr>
+              <p:nvPr/>
+            </p:nvCxnSpPr>
+            <p:spPr>
+              <a:xfrm rot="16200000" flipH="1">
+                <a:off x="2446765" y="3080569"/>
+                <a:ext cx="396976" cy="261786"/>
+              </a:xfrm>
+              <a:prstGeom prst="bentConnector3">
+                <a:avLst/>
+              </a:prstGeom>
+              <a:ln w="28575" cmpd="sng">
+                <a:solidFill>
+                  <a:schemeClr val="accent1">
+                    <a:lumMod val="75000"/>
+                  </a:schemeClr>
+                </a:solidFill>
+              </a:ln>
+            </p:spPr>
+            <p:style>
+              <a:lnRef idx="1">
+                <a:schemeClr val="accent1"/>
+              </a:lnRef>
+              <a:fillRef idx="0">
+                <a:schemeClr val="accent1"/>
+              </a:fillRef>
+              <a:effectRef idx="0">
+                <a:schemeClr val="accent1"/>
+              </a:effectRef>
+              <a:fontRef idx="minor">
+                <a:schemeClr val="tx1"/>
+              </a:fontRef>
+            </p:style>
+          </p:cxnSp>
+          <p:cxnSp>
+            <p:nvCxnSpPr>
+              <p:cNvPr id="142" name="Elbow Connector 141"/>
+              <p:cNvCxnSpPr>
+                <a:stCxn id="136" idx="2"/>
+                <a:endCxn id="138" idx="0"/>
+              </p:cNvCxnSpPr>
+              <p:nvPr/>
+            </p:nvCxnSpPr>
+            <p:spPr>
+              <a:xfrm rot="16200000" flipH="1">
+                <a:off x="2187267" y="3771933"/>
+                <a:ext cx="384276" cy="269910"/>
+              </a:xfrm>
+              <a:prstGeom prst="bentConnector3">
+                <a:avLst/>
+              </a:prstGeom>
+              <a:ln w="28575" cmpd="sng">
+                <a:solidFill>
+                  <a:schemeClr val="accent1">
+                    <a:lumMod val="75000"/>
+                  </a:schemeClr>
+                </a:solidFill>
+              </a:ln>
+            </p:spPr>
+            <p:style>
+              <a:lnRef idx="1">
+                <a:schemeClr val="accent1"/>
+              </a:lnRef>
+              <a:fillRef idx="0">
+                <a:schemeClr val="accent1"/>
+              </a:fillRef>
+              <a:effectRef idx="0">
+                <a:schemeClr val="accent1"/>
+              </a:effectRef>
+              <a:fontRef idx="minor">
+                <a:schemeClr val="tx1"/>
+              </a:fontRef>
+            </p:style>
+          </p:cxnSp>
+          <p:cxnSp>
+            <p:nvCxnSpPr>
+              <p:cNvPr id="143" name="Elbow Connector 142"/>
+              <p:cNvCxnSpPr>
+                <a:stCxn id="137" idx="2"/>
+                <a:endCxn id="138" idx="0"/>
+              </p:cNvCxnSpPr>
+              <p:nvPr/>
+            </p:nvCxnSpPr>
+            <p:spPr>
+              <a:xfrm rot="5400000">
+                <a:off x="2456290" y="3779170"/>
+                <a:ext cx="377926" cy="261786"/>
+              </a:xfrm>
+              <a:prstGeom prst="bentConnector3">
+                <a:avLst>
+                  <a:gd name="adj1" fmla="val 50000"/>
+                </a:avLst>
+              </a:prstGeom>
+              <a:ln w="28575" cmpd="sng">
+                <a:solidFill>
+                  <a:schemeClr val="accent1">
+                    <a:lumMod val="75000"/>
+                  </a:schemeClr>
+                </a:solidFill>
+              </a:ln>
+            </p:spPr>
+            <p:style>
+              <a:lnRef idx="1">
+                <a:schemeClr val="accent1"/>
+              </a:lnRef>
+              <a:fillRef idx="0">
+                <a:schemeClr val="accent1"/>
+              </a:fillRef>
+              <a:effectRef idx="0">
+                <a:schemeClr val="accent1"/>
+              </a:effectRef>
+              <a:fontRef idx="minor">
+                <a:schemeClr val="tx1"/>
+              </a:fontRef>
+            </p:style>
+          </p:cxnSp>
+        </p:grpSp>
+        <p:sp>
+          <p:nvSpPr>
+            <p:cNvPr id="132" name="Rounded Rectangle 131"/>
+            <p:cNvSpPr/>
+            <p:nvPr/>
+          </p:nvSpPr>
+          <p:spPr>
+            <a:xfrm>
+              <a:off x="2523307" y="2177071"/>
+              <a:ext cx="309202" cy="311150"/>
+            </a:xfrm>
+            <a:prstGeom prst="roundRect">
+              <a:avLst>
+                <a:gd name="adj" fmla="val 10785"/>
+              </a:avLst>
+            </a:prstGeom>
+          </p:spPr>
+          <p:style>
+            <a:lnRef idx="2">
+              <a:schemeClr val="accent3">
+                <a:shade val="50000"/>
+              </a:schemeClr>
+            </a:lnRef>
+            <a:fillRef idx="1">
+              <a:schemeClr val="accent3"/>
+            </a:fillRef>
+            <a:effectRef idx="0">
+              <a:schemeClr val="accent3"/>
+            </a:effectRef>
+            <a:fontRef idx="minor">
+              <a:schemeClr val="lt1"/>
+            </a:fontRef>
+          </p:style>
+          <p:txBody>
+            <a:bodyPr rtlCol="0" anchor="ctr"/>
+            <a:lstStyle/>
+            <a:p>
+              <a:pPr algn="ctr"/>
+              <a:endParaRPr lang="en-US" sz="1200" dirty="0" smtClean="0"/>
+            </a:p>
+          </p:txBody>
+        </p:sp>
+        <p:sp>
+          <p:nvSpPr>
+            <p:cNvPr id="133" name="Rounded Rectangle 132"/>
+            <p:cNvSpPr/>
+            <p:nvPr/>
+          </p:nvSpPr>
+          <p:spPr>
+            <a:xfrm>
+              <a:off x="2523306" y="4650398"/>
+              <a:ext cx="309202" cy="311150"/>
+            </a:xfrm>
+            <a:prstGeom prst="roundRect">
+              <a:avLst>
+                <a:gd name="adj" fmla="val 10785"/>
+              </a:avLst>
+            </a:prstGeom>
+          </p:spPr>
+          <p:style>
+            <a:lnRef idx="2">
+              <a:schemeClr val="accent3">
+                <a:shade val="50000"/>
+              </a:schemeClr>
+            </a:lnRef>
+            <a:fillRef idx="1">
+              <a:schemeClr val="accent3"/>
+            </a:fillRef>
+            <a:effectRef idx="0">
+              <a:schemeClr val="accent3"/>
+            </a:effectRef>
+            <a:fontRef idx="minor">
+              <a:schemeClr val="lt1"/>
+            </a:fontRef>
+          </p:style>
+          <p:txBody>
+            <a:bodyPr rtlCol="0" anchor="ctr"/>
+            <a:lstStyle/>
+            <a:p>
+              <a:pPr algn="ctr"/>
+              <a:endParaRPr lang="en-US" sz="1200" dirty="0" smtClean="0"/>
+            </a:p>
+          </p:txBody>
+        </p:sp>
+        <p:cxnSp>
+          <p:nvCxnSpPr>
+            <p:cNvPr id="134" name="Elbow Connector 133"/>
+            <p:cNvCxnSpPr>
+              <a:stCxn id="132" idx="2"/>
+              <a:endCxn id="139" idx="0"/>
+            </p:cNvCxnSpPr>
+            <p:nvPr/>
+          </p:nvCxnSpPr>
+          <p:spPr>
+            <a:xfrm rot="5400000">
+              <a:off x="2571107" y="2595022"/>
+              <a:ext cx="213603" cy="1"/>
+            </a:xfrm>
+            <a:prstGeom prst="bentConnector3">
+              <a:avLst>
+                <a:gd name="adj1" fmla="val 50000"/>
+              </a:avLst>
+            </a:prstGeom>
+            <a:ln w="28575" cmpd="sng">
+              <a:solidFill>
+                <a:schemeClr val="accent3">
+                  <a:lumMod val="75000"/>
+                </a:schemeClr>
+              </a:solidFill>
+            </a:ln>
+          </p:spPr>
+          <p:style>
+            <a:lnRef idx="1">
+              <a:schemeClr val="accent1"/>
+            </a:lnRef>
+            <a:fillRef idx="0">
+              <a:schemeClr val="accent1"/>
+            </a:fillRef>
+            <a:effectRef idx="0">
+              <a:schemeClr val="accent1"/>
+            </a:effectRef>
+            <a:fontRef idx="minor">
+              <a:schemeClr val="tx1"/>
+            </a:fontRef>
+          </p:style>
+        </p:cxnSp>
+        <p:cxnSp>
+          <p:nvCxnSpPr>
+            <p:cNvPr id="135" name="Straight Connector 134"/>
+            <p:cNvCxnSpPr>
+              <a:stCxn id="138" idx="2"/>
+              <a:endCxn id="133" idx="0"/>
+            </p:cNvCxnSpPr>
+            <p:nvPr/>
+          </p:nvCxnSpPr>
+          <p:spPr>
+            <a:xfrm>
+              <a:off x="2677907" y="4410176"/>
+              <a:ext cx="0" cy="240222"/>
+            </a:xfrm>
+            <a:prstGeom prst="line">
+              <a:avLst/>
+            </a:prstGeom>
+            <a:ln w="28575" cmpd="sng">
+              <a:solidFill>
+                <a:srgbClr val="77933C"/>
+              </a:solidFill>
+            </a:ln>
+          </p:spPr>
+          <p:style>
+            <a:lnRef idx="1">
+              <a:schemeClr val="accent1"/>
+            </a:lnRef>
+            <a:fillRef idx="0">
+              <a:schemeClr val="accent1"/>
+            </a:fillRef>
+            <a:effectRef idx="0">
+              <a:schemeClr val="accent1"/>
+            </a:effectRef>
+            <a:fontRef idx="minor">
+              <a:schemeClr val="tx1"/>
+            </a:fontRef>
+          </p:style>
+        </p:cxnSp>
+      </p:grpSp>
+      <p:sp>
+        <p:nvSpPr>
+          <p:cNvPr id="144" name="Rounded Rectangle 143"/>
+          <p:cNvSpPr/>
+          <p:nvPr/>
+        </p:nvSpPr>
+        <p:spPr>
+          <a:xfrm>
+            <a:off x="1496967" y="1865311"/>
+            <a:ext cx="309202" cy="311150"/>
+          </a:xfrm>
+          <a:prstGeom prst="roundRect">
+            <a:avLst>
+              <a:gd name="adj" fmla="val 10785"/>
+            </a:avLst>
+          </a:prstGeom>
+        </p:spPr>
+        <p:style>
+          <a:lnRef idx="2">
+            <a:schemeClr val="accent3">
+              <a:shade val="50000"/>
+            </a:schemeClr>
+          </a:lnRef>
+          <a:fillRef idx="1">
+            <a:schemeClr val="accent3"/>
+          </a:fillRef>
+          <a:effectRef idx="0">
+            <a:schemeClr val="accent3"/>
+          </a:effectRef>
+          <a:fontRef idx="minor">
+            <a:schemeClr val="lt1"/>
+          </a:fontRef>
+        </p:style>
+        <p:txBody>
+          <a:bodyPr rtlCol="0" anchor="ctr"/>
+          <a:lstStyle/>
+          <a:p>
+            <a:pPr algn="ctr"/>
+            <a:r>
+              <a:rPr lang="en-US" sz="2000" b="1" dirty="0" smtClean="0"/>
+              <a:t>X</a:t>
+            </a:r>
+          </a:p>
+        </p:txBody>
+      </p:sp>
+      <p:cxnSp>
+        <p:nvCxnSpPr>
+          <p:cNvPr id="145" name="Elbow Connector 144"/>
+          <p:cNvCxnSpPr>
+            <a:stCxn id="144" idx="2"/>
+            <a:endCxn id="96" idx="0"/>
+          </p:cNvCxnSpPr>
+          <p:nvPr/>
+        </p:nvCxnSpPr>
+        <p:spPr>
+          <a:xfrm rot="5400000">
+            <a:off x="1252004" y="2075347"/>
+            <a:ext cx="298450" cy="500678"/>
+          </a:xfrm>
+          <a:prstGeom prst="bentConnector3">
+            <a:avLst/>
+          </a:prstGeom>
+          <a:ln w="28575" cmpd="sng">
+            <a:solidFill>
+              <a:srgbClr val="77933C"/>
+            </a:solidFill>
+          </a:ln>
+        </p:spPr>
+        <p:style>
+          <a:lnRef idx="1">
+            <a:schemeClr val="accent1"/>
+          </a:lnRef>
+          <a:fillRef idx="0">
+            <a:schemeClr val="accent1"/>
+          </a:fillRef>
+          <a:effectRef idx="0">
+            <a:schemeClr val="accent1"/>
+          </a:effectRef>
+          <a:fontRef idx="minor">
+            <a:schemeClr val="tx1"/>
+          </a:fontRef>
+        </p:style>
+      </p:cxnSp>
+      <p:cxnSp>
+        <p:nvCxnSpPr>
+          <p:cNvPr id="148" name="Elbow Connector 147"/>
+          <p:cNvCxnSpPr>
+            <a:stCxn id="144" idx="2"/>
+            <a:endCxn id="132" idx="0"/>
+          </p:cNvCxnSpPr>
+          <p:nvPr/>
+        </p:nvCxnSpPr>
+        <p:spPr>
+          <a:xfrm rot="16200000" flipH="1">
+            <a:off x="1748001" y="2080027"/>
+            <a:ext cx="285140" cy="478007"/>
+          </a:xfrm>
+          <a:prstGeom prst="bentConnector3">
+            <a:avLst/>
+          </a:prstGeom>
+          <a:ln w="28575" cmpd="sng">
+            <a:solidFill>
+              <a:srgbClr val="77933C"/>
+            </a:solidFill>
+          </a:ln>
+        </p:spPr>
+        <p:style>
+          <a:lnRef idx="1">
+            <a:schemeClr val="accent1"/>
+          </a:lnRef>
+          <a:fillRef idx="0">
+            <a:schemeClr val="accent1"/>
+          </a:fillRef>
+          <a:effectRef idx="0">
+            <a:schemeClr val="accent1"/>
+          </a:effectRef>
+          <a:fontRef idx="minor">
+            <a:schemeClr val="tx1"/>
+          </a:fontRef>
+        </p:style>
+      </p:cxnSp>
+      <p:sp>
+        <p:nvSpPr>
+          <p:cNvPr id="165" name="Rounded Rectangle 164"/>
+          <p:cNvSpPr/>
+          <p:nvPr/>
+        </p:nvSpPr>
+        <p:spPr>
+          <a:xfrm>
+            <a:off x="1496967" y="5567363"/>
+            <a:ext cx="309202" cy="311150"/>
+          </a:xfrm>
+          <a:prstGeom prst="roundRect">
+            <a:avLst>
+              <a:gd name="adj" fmla="val 10785"/>
+            </a:avLst>
+          </a:prstGeom>
+        </p:spPr>
+        <p:style>
+          <a:lnRef idx="2">
+            <a:schemeClr val="accent3">
+              <a:shade val="50000"/>
+            </a:schemeClr>
+          </a:lnRef>
+          <a:fillRef idx="1">
+            <a:schemeClr val="accent3"/>
+          </a:fillRef>
+          <a:effectRef idx="0">
+            <a:schemeClr val="accent3"/>
+          </a:effectRef>
+          <a:fontRef idx="minor">
+            <a:schemeClr val="lt1"/>
+          </a:fontRef>
+        </p:style>
+        <p:txBody>
+          <a:bodyPr rtlCol="0" anchor="ctr"/>
+          <a:lstStyle/>
+          <a:p>
+            <a:pPr algn="ctr"/>
+            <a:endParaRPr lang="en-US" sz="1200" dirty="0" smtClean="0"/>
+          </a:p>
+        </p:txBody>
+      </p:sp>
+      <p:cxnSp>
+        <p:nvCxnSpPr>
+          <p:cNvPr id="166" name="Elbow Connector 165"/>
+          <p:cNvCxnSpPr>
+            <a:stCxn id="97" idx="2"/>
+            <a:endCxn id="165" idx="0"/>
+          </p:cNvCxnSpPr>
+          <p:nvPr/>
+        </p:nvCxnSpPr>
+        <p:spPr>
+          <a:xfrm rot="16200000" flipH="1">
+            <a:off x="1247241" y="5163035"/>
+            <a:ext cx="307975" cy="500679"/>
+          </a:xfrm>
+          <a:prstGeom prst="bentConnector3">
+            <a:avLst/>
+          </a:prstGeom>
+          <a:ln w="28575" cmpd="sng">
+            <a:solidFill>
+              <a:srgbClr val="77933C"/>
+            </a:solidFill>
+          </a:ln>
+        </p:spPr>
+        <p:style>
+          <a:lnRef idx="1">
+            <a:schemeClr val="accent1"/>
+          </a:lnRef>
+          <a:fillRef idx="0">
+            <a:schemeClr val="accent1"/>
+          </a:fillRef>
+          <a:effectRef idx="0">
+            <a:schemeClr val="accent1"/>
+          </a:effectRef>
+          <a:fontRef idx="minor">
+            <a:schemeClr val="tx1"/>
+          </a:fontRef>
+        </p:style>
+      </p:cxnSp>
+      <p:cxnSp>
+        <p:nvCxnSpPr>
+          <p:cNvPr id="170" name="Elbow Connector 169"/>
+          <p:cNvCxnSpPr>
+            <a:stCxn id="133" idx="2"/>
+            <a:endCxn id="165" idx="0"/>
+          </p:cNvCxnSpPr>
+          <p:nvPr/>
+        </p:nvCxnSpPr>
+        <p:spPr>
+          <a:xfrm rot="5400000">
+            <a:off x="1729929" y="5167717"/>
+            <a:ext cx="321285" cy="478006"/>
+          </a:xfrm>
+          <a:prstGeom prst="bentConnector3">
+            <a:avLst/>
+          </a:prstGeom>
+          <a:ln w="28575" cmpd="sng">
+            <a:solidFill>
+              <a:srgbClr val="77933C"/>
+            </a:solidFill>
+          </a:ln>
+        </p:spPr>
+        <p:style>
+          <a:lnRef idx="1">
+            <a:schemeClr val="accent1"/>
+          </a:lnRef>
+          <a:fillRef idx="0">
+            <a:schemeClr val="accent1"/>
+          </a:fillRef>
+          <a:effectRef idx="0">
+            <a:schemeClr val="accent1"/>
+          </a:effectRef>
+          <a:fontRef idx="minor">
+            <a:schemeClr val="tx1"/>
+          </a:fontRef>
+        </p:style>
+      </p:cxnSp>
+      <p:grpSp>
+        <p:nvGrpSpPr>
+          <p:cNvPr id="173" name="Group 172"/>
+          <p:cNvGrpSpPr/>
+          <p:nvPr/>
+        </p:nvGrpSpPr>
+        <p:grpSpPr>
+          <a:xfrm>
+            <a:off x="3283778" y="2461600"/>
+            <a:ext cx="318971" cy="2784477"/>
+            <a:chOff x="2523306" y="2177071"/>
+            <a:chExt cx="318971" cy="2784477"/>
+          </a:xfrm>
+        </p:grpSpPr>
+        <p:grpSp>
+          <p:nvGrpSpPr>
+            <p:cNvPr id="174" name="Group 173"/>
+            <p:cNvGrpSpPr/>
+            <p:nvPr/>
+          </p:nvGrpSpPr>
+          <p:grpSpPr>
+            <a:xfrm>
+              <a:off x="2523306" y="2701824"/>
+              <a:ext cx="318971" cy="1708352"/>
+              <a:chOff x="2359759" y="2701824"/>
+              <a:chExt cx="318971" cy="1708352"/>
+            </a:xfrm>
+          </p:grpSpPr>
+          <p:sp>
+            <p:nvSpPr>
+              <p:cNvPr id="179" name="Rounded Rectangle 178"/>
+              <p:cNvSpPr/>
+              <p:nvPr/>
+            </p:nvSpPr>
+            <p:spPr>
+              <a:xfrm>
+                <a:off x="2369528" y="3176101"/>
+                <a:ext cx="309202" cy="311150"/>
+              </a:xfrm>
+              <a:prstGeom prst="roundRect">
+                <a:avLst>
+                  <a:gd name="adj" fmla="val 10785"/>
+                </a:avLst>
+              </a:prstGeom>
+            </p:spPr>
+            <p:style>
+              <a:lnRef idx="2">
+                <a:schemeClr val="accent1">
+                  <a:shade val="50000"/>
+                </a:schemeClr>
+              </a:lnRef>
+              <a:fillRef idx="1">
+                <a:schemeClr val="accent1"/>
+              </a:fillRef>
+              <a:effectRef idx="0">
+                <a:schemeClr val="accent1"/>
+              </a:effectRef>
+              <a:fontRef idx="minor">
+                <a:schemeClr val="lt1"/>
+              </a:fontRef>
+            </p:style>
+            <p:txBody>
+              <a:bodyPr rtlCol="0" anchor="ctr"/>
+              <a:lstStyle/>
+              <a:p>
+                <a:pPr algn="ctr"/>
+                <a:endParaRPr lang="en-US" sz="1200" dirty="0" smtClean="0"/>
+              </a:p>
+            </p:txBody>
+          </p:sp>
+          <p:sp>
+            <p:nvSpPr>
+              <p:cNvPr id="180" name="Rounded Rectangle 179"/>
+              <p:cNvSpPr/>
+              <p:nvPr/>
+            </p:nvSpPr>
+            <p:spPr>
+              <a:xfrm>
+                <a:off x="2367370" y="3642825"/>
+                <a:ext cx="309202" cy="311150"/>
+              </a:xfrm>
+              <a:prstGeom prst="roundRect">
+                <a:avLst>
+                  <a:gd name="adj" fmla="val 10785"/>
+                </a:avLst>
+              </a:prstGeom>
+            </p:spPr>
+            <p:style>
+              <a:lnRef idx="2">
+                <a:schemeClr val="accent1">
+                  <a:shade val="50000"/>
+                </a:schemeClr>
+              </a:lnRef>
+              <a:fillRef idx="1">
+                <a:schemeClr val="accent1"/>
+              </a:fillRef>
+              <a:effectRef idx="0">
+                <a:schemeClr val="accent1"/>
+              </a:effectRef>
+              <a:fontRef idx="minor">
+                <a:schemeClr val="lt1"/>
+              </a:fontRef>
+            </p:style>
+            <p:txBody>
+              <a:bodyPr rtlCol="0" anchor="ctr"/>
+              <a:lstStyle/>
+              <a:p>
+                <a:pPr algn="ctr"/>
+                <a:endParaRPr lang="en-US" sz="1200" dirty="0" smtClean="0"/>
+              </a:p>
+            </p:txBody>
+          </p:sp>
+          <p:sp>
+            <p:nvSpPr>
+              <p:cNvPr id="181" name="Rounded Rectangle 180"/>
+              <p:cNvSpPr/>
+              <p:nvPr/>
+            </p:nvSpPr>
+            <p:spPr>
+              <a:xfrm>
+                <a:off x="2359759" y="4099026"/>
+                <a:ext cx="309202" cy="311150"/>
+              </a:xfrm>
+              <a:prstGeom prst="roundRect">
+                <a:avLst>
+                  <a:gd name="adj" fmla="val 10785"/>
+                </a:avLst>
+              </a:prstGeom>
+            </p:spPr>
+            <p:style>
+              <a:lnRef idx="2">
+                <a:schemeClr val="accent1">
+                  <a:shade val="50000"/>
+                </a:schemeClr>
+              </a:lnRef>
+              <a:fillRef idx="1">
+                <a:schemeClr val="accent1"/>
+              </a:fillRef>
+              <a:effectRef idx="0">
+                <a:schemeClr val="accent1"/>
+              </a:effectRef>
+              <a:fontRef idx="minor">
+                <a:schemeClr val="lt1"/>
+              </a:fontRef>
+            </p:style>
+            <p:txBody>
+              <a:bodyPr rtlCol="0" anchor="ctr"/>
+              <a:lstStyle/>
+              <a:p>
+                <a:pPr algn="ctr"/>
+                <a:r>
+                  <a:rPr lang="en-US" sz="1600" b="1" dirty="0" smtClean="0"/>
+                  <a:t>O</a:t>
+                </a:r>
+              </a:p>
+            </p:txBody>
+          </p:sp>
+          <p:sp>
+            <p:nvSpPr>
+              <p:cNvPr id="182" name="Rounded Rectangle 181"/>
+              <p:cNvSpPr/>
+              <p:nvPr/>
+            </p:nvSpPr>
+            <p:spPr>
+              <a:xfrm>
+                <a:off x="2359759" y="2701824"/>
+                <a:ext cx="309202" cy="311150"/>
+              </a:xfrm>
+              <a:prstGeom prst="roundRect">
+                <a:avLst>
+                  <a:gd name="adj" fmla="val 10785"/>
+                </a:avLst>
+              </a:prstGeom>
+            </p:spPr>
+            <p:style>
+              <a:lnRef idx="2">
+                <a:schemeClr val="accent1">
+                  <a:shade val="50000"/>
+                </a:schemeClr>
+              </a:lnRef>
+              <a:fillRef idx="1">
+                <a:schemeClr val="accent1"/>
+              </a:fillRef>
+              <a:effectRef idx="0">
+                <a:schemeClr val="accent1"/>
+              </a:effectRef>
+              <a:fontRef idx="minor">
+                <a:schemeClr val="lt1"/>
+              </a:fontRef>
+            </p:style>
+            <p:txBody>
+              <a:bodyPr rtlCol="0" anchor="ctr"/>
+              <a:lstStyle/>
+              <a:p>
+                <a:pPr algn="ctr"/>
+                <a:r>
+                  <a:rPr lang="en-US" b="1" dirty="0" smtClean="0"/>
+                  <a:t>X</a:t>
+                </a:r>
+              </a:p>
+            </p:txBody>
+          </p:sp>
+          <p:cxnSp>
+            <p:nvCxnSpPr>
+              <p:cNvPr id="183" name="Elbow Connector 182"/>
+              <p:cNvCxnSpPr>
+                <a:stCxn id="182" idx="2"/>
+                <a:endCxn id="179" idx="0"/>
+              </p:cNvCxnSpPr>
+              <p:nvPr/>
+            </p:nvCxnSpPr>
+            <p:spPr>
+              <a:xfrm rot="16200000" flipH="1">
+                <a:off x="2437681" y="3089652"/>
+                <a:ext cx="163127" cy="9769"/>
+              </a:xfrm>
+              <a:prstGeom prst="bentConnector3">
+                <a:avLst/>
+              </a:prstGeom>
+              <a:ln w="28575" cmpd="sng">
+                <a:solidFill>
+                  <a:schemeClr val="accent1">
+                    <a:lumMod val="75000"/>
+                  </a:schemeClr>
+                </a:solidFill>
+              </a:ln>
+            </p:spPr>
+            <p:style>
+              <a:lnRef idx="1">
+                <a:schemeClr val="accent1"/>
+              </a:lnRef>
+              <a:fillRef idx="0">
+                <a:schemeClr val="accent1"/>
+              </a:fillRef>
+              <a:effectRef idx="0">
+                <a:schemeClr val="accent1"/>
+              </a:effectRef>
+              <a:fontRef idx="minor">
+                <a:schemeClr val="tx1"/>
+              </a:fontRef>
+            </p:style>
+          </p:cxnSp>
+          <p:cxnSp>
+            <p:nvCxnSpPr>
+              <p:cNvPr id="185" name="Elbow Connector 184"/>
+              <p:cNvCxnSpPr>
+                <a:stCxn id="179" idx="2"/>
+                <a:endCxn id="180" idx="0"/>
+              </p:cNvCxnSpPr>
+              <p:nvPr/>
+            </p:nvCxnSpPr>
+            <p:spPr>
+              <a:xfrm rot="5400000">
+                <a:off x="2445263" y="3563959"/>
+                <a:ext cx="155574" cy="2158"/>
+              </a:xfrm>
+              <a:prstGeom prst="bentConnector3">
+                <a:avLst>
+                  <a:gd name="adj1" fmla="val 50000"/>
+                </a:avLst>
+              </a:prstGeom>
+              <a:ln w="28575" cmpd="sng">
+                <a:solidFill>
+                  <a:schemeClr val="accent1">
+                    <a:lumMod val="75000"/>
+                  </a:schemeClr>
+                </a:solidFill>
+              </a:ln>
+            </p:spPr>
+            <p:style>
+              <a:lnRef idx="1">
+                <a:schemeClr val="accent1"/>
+              </a:lnRef>
+              <a:fillRef idx="0">
+                <a:schemeClr val="accent1"/>
+              </a:fillRef>
+              <a:effectRef idx="0">
+                <a:schemeClr val="accent1"/>
+              </a:effectRef>
+              <a:fontRef idx="minor">
+                <a:schemeClr val="tx1"/>
+              </a:fontRef>
+            </p:style>
+          </p:cxnSp>
+          <p:cxnSp>
+            <p:nvCxnSpPr>
+              <p:cNvPr id="186" name="Elbow Connector 185"/>
+              <p:cNvCxnSpPr>
+                <a:stCxn id="180" idx="2"/>
+                <a:endCxn id="181" idx="0"/>
+              </p:cNvCxnSpPr>
+              <p:nvPr/>
+            </p:nvCxnSpPr>
+            <p:spPr>
+              <a:xfrm rot="5400000">
+                <a:off x="2445641" y="4022695"/>
+                <a:ext cx="145051" cy="7611"/>
+              </a:xfrm>
+              <a:prstGeom prst="bentConnector3">
+                <a:avLst>
+                  <a:gd name="adj1" fmla="val 50000"/>
+                </a:avLst>
+              </a:prstGeom>
+              <a:ln w="28575" cmpd="sng">
+                <a:solidFill>
+                  <a:schemeClr val="accent1">
+                    <a:lumMod val="75000"/>
+                  </a:schemeClr>
+                </a:solidFill>
+              </a:ln>
+            </p:spPr>
+            <p:style>
+              <a:lnRef idx="1">
+                <a:schemeClr val="accent1"/>
+              </a:lnRef>
+              <a:fillRef idx="0">
+                <a:schemeClr val="accent1"/>
+              </a:fillRef>
+              <a:effectRef idx="0">
+                <a:schemeClr val="accent1"/>
+              </a:effectRef>
+              <a:fontRef idx="minor">
+                <a:schemeClr val="tx1"/>
+              </a:fontRef>
+            </p:style>
+          </p:cxnSp>
+        </p:grpSp>
+        <p:sp>
+          <p:nvSpPr>
+            <p:cNvPr id="175" name="Rounded Rectangle 174"/>
+            <p:cNvSpPr/>
+            <p:nvPr/>
+          </p:nvSpPr>
+          <p:spPr>
+            <a:xfrm>
+              <a:off x="2523307" y="2177071"/>
+              <a:ext cx="309202" cy="311150"/>
+            </a:xfrm>
+            <a:prstGeom prst="roundRect">
+              <a:avLst>
+                <a:gd name="adj" fmla="val 10785"/>
+              </a:avLst>
+            </a:prstGeom>
+          </p:spPr>
+          <p:style>
+            <a:lnRef idx="2">
+              <a:schemeClr val="accent3">
+                <a:shade val="50000"/>
+              </a:schemeClr>
+            </a:lnRef>
+            <a:fillRef idx="1">
+              <a:schemeClr val="accent3"/>
+            </a:fillRef>
+            <a:effectRef idx="0">
+              <a:schemeClr val="accent3"/>
+            </a:effectRef>
+            <a:fontRef idx="minor">
+              <a:schemeClr val="lt1"/>
+            </a:fontRef>
+          </p:style>
+          <p:txBody>
+            <a:bodyPr rtlCol="0" anchor="ctr"/>
+            <a:lstStyle/>
+            <a:p>
+              <a:pPr algn="ctr"/>
+              <a:endParaRPr lang="en-US" sz="1200" dirty="0" smtClean="0"/>
+            </a:p>
+          </p:txBody>
+        </p:sp>
+        <p:sp>
+          <p:nvSpPr>
+            <p:cNvPr id="176" name="Rounded Rectangle 175"/>
+            <p:cNvSpPr/>
+            <p:nvPr/>
+          </p:nvSpPr>
+          <p:spPr>
+            <a:xfrm>
+              <a:off x="2523306" y="4650398"/>
+              <a:ext cx="309202" cy="311150"/>
+            </a:xfrm>
+            <a:prstGeom prst="roundRect">
+              <a:avLst>
+                <a:gd name="adj" fmla="val 10785"/>
+              </a:avLst>
+            </a:prstGeom>
+          </p:spPr>
+          <p:style>
+            <a:lnRef idx="2">
+              <a:schemeClr val="accent3">
+                <a:shade val="50000"/>
+              </a:schemeClr>
+            </a:lnRef>
+            <a:fillRef idx="1">
+              <a:schemeClr val="accent3"/>
+            </a:fillRef>
+            <a:effectRef idx="0">
+              <a:schemeClr val="accent3"/>
+            </a:effectRef>
+            <a:fontRef idx="minor">
+              <a:schemeClr val="lt1"/>
+            </a:fontRef>
+          </p:style>
+          <p:txBody>
+            <a:bodyPr rtlCol="0" anchor="ctr"/>
+            <a:lstStyle/>
+            <a:p>
+              <a:pPr algn="ctr"/>
+              <a:endParaRPr lang="en-US" sz="1200" dirty="0" smtClean="0"/>
+            </a:p>
+          </p:txBody>
+        </p:sp>
+        <p:cxnSp>
+          <p:nvCxnSpPr>
+            <p:cNvPr id="177" name="Elbow Connector 176"/>
+            <p:cNvCxnSpPr>
+              <a:stCxn id="175" idx="2"/>
+              <a:endCxn id="182" idx="0"/>
+            </p:cNvCxnSpPr>
+            <p:nvPr/>
+          </p:nvCxnSpPr>
+          <p:spPr>
+            <a:xfrm rot="5400000">
+              <a:off x="2571107" y="2595022"/>
+              <a:ext cx="213603" cy="1"/>
+            </a:xfrm>
+            <a:prstGeom prst="bentConnector3">
+              <a:avLst>
+                <a:gd name="adj1" fmla="val 50000"/>
+              </a:avLst>
+            </a:prstGeom>
+            <a:ln w="28575" cmpd="sng">
+              <a:solidFill>
+                <a:schemeClr val="accent3">
+                  <a:lumMod val="75000"/>
+                </a:schemeClr>
+              </a:solidFill>
+            </a:ln>
+          </p:spPr>
+          <p:style>
+            <a:lnRef idx="1">
+              <a:schemeClr val="accent1"/>
+            </a:lnRef>
+            <a:fillRef idx="0">
+              <a:schemeClr val="accent1"/>
+            </a:fillRef>
+            <a:effectRef idx="0">
+              <a:schemeClr val="accent1"/>
+            </a:effectRef>
+            <a:fontRef idx="minor">
+              <a:schemeClr val="tx1"/>
+            </a:fontRef>
+          </p:style>
+        </p:cxnSp>
+        <p:cxnSp>
+          <p:nvCxnSpPr>
+            <p:cNvPr id="178" name="Straight Connector 177"/>
+            <p:cNvCxnSpPr>
+              <a:stCxn id="181" idx="2"/>
+              <a:endCxn id="176" idx="0"/>
+            </p:cNvCxnSpPr>
+            <p:nvPr/>
+          </p:nvCxnSpPr>
+          <p:spPr>
+            <a:xfrm>
+              <a:off x="2677907" y="4410176"/>
+              <a:ext cx="0" cy="240222"/>
+            </a:xfrm>
+            <a:prstGeom prst="line">
+              <a:avLst/>
+            </a:prstGeom>
+            <a:ln w="28575" cmpd="sng">
+              <a:solidFill>
+                <a:srgbClr val="77933C"/>
+              </a:solidFill>
+            </a:ln>
+          </p:spPr>
+          <p:style>
+            <a:lnRef idx="1">
+              <a:schemeClr val="accent1"/>
+            </a:lnRef>
+            <a:fillRef idx="0">
+              <a:schemeClr val="accent1"/>
+            </a:fillRef>
+            <a:effectRef idx="0">
+              <a:schemeClr val="accent1"/>
+            </a:effectRef>
+            <a:fontRef idx="minor">
+              <a:schemeClr val="tx1"/>
+            </a:fontRef>
+          </p:style>
+        </p:cxnSp>
+      </p:grpSp>
+      <p:grpSp>
+        <p:nvGrpSpPr>
+          <p:cNvPr id="187" name="Group 186"/>
+          <p:cNvGrpSpPr/>
+          <p:nvPr/>
+        </p:nvGrpSpPr>
+        <p:grpSpPr>
+          <a:xfrm>
+            <a:off x="4262463" y="2448290"/>
+            <a:ext cx="318971" cy="2784477"/>
+            <a:chOff x="2523306" y="2177071"/>
+            <a:chExt cx="318971" cy="2784477"/>
+          </a:xfrm>
+        </p:grpSpPr>
+        <p:grpSp>
+          <p:nvGrpSpPr>
+            <p:cNvPr id="188" name="Group 187"/>
+            <p:cNvGrpSpPr/>
+            <p:nvPr/>
+          </p:nvGrpSpPr>
+          <p:grpSpPr>
+            <a:xfrm>
+              <a:off x="2523306" y="2701824"/>
+              <a:ext cx="318971" cy="1708352"/>
+              <a:chOff x="2359759" y="2701824"/>
+              <a:chExt cx="318971" cy="1708352"/>
+            </a:xfrm>
+          </p:grpSpPr>
+          <p:sp>
+            <p:nvSpPr>
+              <p:cNvPr id="193" name="Rounded Rectangle 192"/>
+              <p:cNvSpPr/>
+              <p:nvPr/>
+            </p:nvSpPr>
+            <p:spPr>
+              <a:xfrm>
+                <a:off x="2369528" y="3126278"/>
+                <a:ext cx="309202" cy="311150"/>
+              </a:xfrm>
+              <a:prstGeom prst="roundRect">
+                <a:avLst>
+                  <a:gd name="adj" fmla="val 10785"/>
+                </a:avLst>
+              </a:prstGeom>
+            </p:spPr>
+            <p:style>
+              <a:lnRef idx="2">
+                <a:schemeClr val="accent1">
+                  <a:shade val="50000"/>
+                </a:schemeClr>
+              </a:lnRef>
+              <a:fillRef idx="1">
+                <a:schemeClr val="accent1"/>
+              </a:fillRef>
+              <a:effectRef idx="0">
+                <a:schemeClr val="accent1"/>
+              </a:effectRef>
+              <a:fontRef idx="minor">
+                <a:schemeClr val="lt1"/>
+              </a:fontRef>
+            </p:style>
+            <p:txBody>
+              <a:bodyPr rtlCol="0" anchor="ctr"/>
+              <a:lstStyle/>
+              <a:p>
+                <a:pPr algn="ctr"/>
+                <a:endParaRPr lang="en-US" sz="1200" dirty="0" smtClean="0"/>
+              </a:p>
+            </p:txBody>
+          </p:sp>
+          <p:sp>
+            <p:nvSpPr>
+              <p:cNvPr id="194" name="Rounded Rectangle 193"/>
+              <p:cNvSpPr/>
+              <p:nvPr/>
+            </p:nvSpPr>
+            <p:spPr>
+              <a:xfrm>
+                <a:off x="2363178" y="3634033"/>
+                <a:ext cx="309202" cy="311150"/>
+              </a:xfrm>
+              <a:prstGeom prst="roundRect">
+                <a:avLst>
+                  <a:gd name="adj" fmla="val 10785"/>
+                </a:avLst>
+              </a:prstGeom>
+            </p:spPr>
+            <p:style>
+              <a:lnRef idx="2">
+                <a:schemeClr val="accent1">
+                  <a:shade val="50000"/>
+                </a:schemeClr>
+              </a:lnRef>
+              <a:fillRef idx="1">
+                <a:schemeClr val="accent1"/>
+              </a:fillRef>
+              <a:effectRef idx="0">
+                <a:schemeClr val="accent1"/>
+              </a:effectRef>
+              <a:fontRef idx="minor">
+                <a:schemeClr val="lt1"/>
+              </a:fontRef>
+            </p:style>
+            <p:txBody>
+              <a:bodyPr rtlCol="0" anchor="ctr"/>
+              <a:lstStyle/>
+              <a:p>
+                <a:pPr algn="ctr"/>
+                <a:endParaRPr lang="en-US" sz="1200" dirty="0" smtClean="0"/>
+              </a:p>
+            </p:txBody>
+          </p:sp>
+          <p:sp>
+            <p:nvSpPr>
+              <p:cNvPr id="195" name="Rounded Rectangle 194"/>
+              <p:cNvSpPr/>
+              <p:nvPr/>
+            </p:nvSpPr>
+            <p:spPr>
+              <a:xfrm>
+                <a:off x="2359759" y="4099026"/>
+                <a:ext cx="309202" cy="311150"/>
+              </a:xfrm>
+              <a:prstGeom prst="roundRect">
+                <a:avLst>
+                  <a:gd name="adj" fmla="val 10785"/>
+                </a:avLst>
+              </a:prstGeom>
+            </p:spPr>
+            <p:style>
+              <a:lnRef idx="2">
+                <a:schemeClr val="accent1">
+                  <a:shade val="50000"/>
+                </a:schemeClr>
+              </a:lnRef>
+              <a:fillRef idx="1">
+                <a:schemeClr val="accent1"/>
+              </a:fillRef>
+              <a:effectRef idx="0">
+                <a:schemeClr val="accent1"/>
+              </a:effectRef>
+              <a:fontRef idx="minor">
+                <a:schemeClr val="lt1"/>
+              </a:fontRef>
+            </p:style>
+            <p:txBody>
+              <a:bodyPr rtlCol="0" anchor="ctr"/>
+              <a:lstStyle/>
+              <a:p>
+                <a:pPr algn="ctr"/>
+                <a:r>
+                  <a:rPr lang="en-US" sz="1600" b="1" dirty="0" smtClean="0"/>
+                  <a:t>O</a:t>
+                </a:r>
+              </a:p>
+            </p:txBody>
+          </p:sp>
+          <p:sp>
+            <p:nvSpPr>
+              <p:cNvPr id="196" name="Rounded Rectangle 195"/>
+              <p:cNvSpPr/>
+              <p:nvPr/>
+            </p:nvSpPr>
+            <p:spPr>
+              <a:xfrm>
+                <a:off x="2359759" y="2701824"/>
+                <a:ext cx="309202" cy="311150"/>
+              </a:xfrm>
+              <a:prstGeom prst="roundRect">
+                <a:avLst>
+                  <a:gd name="adj" fmla="val 10785"/>
+                </a:avLst>
+              </a:prstGeom>
+            </p:spPr>
+            <p:style>
+              <a:lnRef idx="2">
+                <a:schemeClr val="accent1">
+                  <a:shade val="50000"/>
+                </a:schemeClr>
+              </a:lnRef>
+              <a:fillRef idx="1">
+                <a:schemeClr val="accent1"/>
+              </a:fillRef>
+              <a:effectRef idx="0">
+                <a:schemeClr val="accent1"/>
+              </a:effectRef>
+              <a:fontRef idx="minor">
+                <a:schemeClr val="lt1"/>
+              </a:fontRef>
+            </p:style>
+            <p:txBody>
+              <a:bodyPr rtlCol="0" anchor="ctr"/>
+              <a:lstStyle/>
+              <a:p>
+                <a:pPr algn="ctr"/>
+                <a:r>
+                  <a:rPr lang="en-US" b="1" dirty="0" smtClean="0"/>
+                  <a:t>X</a:t>
+                </a:r>
+              </a:p>
+            </p:txBody>
+          </p:sp>
+          <p:cxnSp>
+            <p:nvCxnSpPr>
+              <p:cNvPr id="197" name="Elbow Connector 196"/>
+              <p:cNvCxnSpPr>
+                <a:stCxn id="196" idx="2"/>
+                <a:endCxn id="193" idx="0"/>
+              </p:cNvCxnSpPr>
+              <p:nvPr/>
+            </p:nvCxnSpPr>
+            <p:spPr>
+              <a:xfrm rot="16200000" flipH="1">
+                <a:off x="2462592" y="3064741"/>
+                <a:ext cx="113304" cy="9769"/>
+              </a:xfrm>
+              <a:prstGeom prst="bentConnector3">
+                <a:avLst/>
+              </a:prstGeom>
+              <a:ln w="28575" cmpd="sng">
+                <a:solidFill>
+                  <a:schemeClr val="accent1">
+                    <a:lumMod val="75000"/>
+                  </a:schemeClr>
+                </a:solidFill>
+              </a:ln>
+            </p:spPr>
+            <p:style>
+              <a:lnRef idx="1">
+                <a:schemeClr val="accent1"/>
+              </a:lnRef>
+              <a:fillRef idx="0">
+                <a:schemeClr val="accent1"/>
+              </a:fillRef>
+              <a:effectRef idx="0">
+                <a:schemeClr val="accent1"/>
+              </a:effectRef>
+              <a:fontRef idx="minor">
+                <a:schemeClr val="tx1"/>
+              </a:fontRef>
+            </p:style>
+          </p:cxnSp>
+          <p:cxnSp>
+            <p:nvCxnSpPr>
+              <p:cNvPr id="199" name="Elbow Connector 198"/>
+              <p:cNvCxnSpPr>
+                <a:stCxn id="193" idx="2"/>
+                <a:endCxn id="194" idx="0"/>
+              </p:cNvCxnSpPr>
+              <p:nvPr/>
+            </p:nvCxnSpPr>
+            <p:spPr>
+              <a:xfrm rot="5400000">
+                <a:off x="2422652" y="3532555"/>
+                <a:ext cx="196605" cy="6350"/>
+              </a:xfrm>
+              <a:prstGeom prst="bentConnector3">
+                <a:avLst>
+                  <a:gd name="adj1" fmla="val 50000"/>
+                </a:avLst>
+              </a:prstGeom>
+              <a:ln w="28575" cmpd="sng">
+                <a:solidFill>
+                  <a:schemeClr val="accent1">
+                    <a:lumMod val="75000"/>
+                  </a:schemeClr>
+                </a:solidFill>
+              </a:ln>
+            </p:spPr>
+            <p:style>
+              <a:lnRef idx="1">
+                <a:schemeClr val="accent1"/>
+              </a:lnRef>
+              <a:fillRef idx="0">
+                <a:schemeClr val="accent1"/>
+              </a:fillRef>
+              <a:effectRef idx="0">
+                <a:schemeClr val="accent1"/>
+              </a:effectRef>
+              <a:fontRef idx="minor">
+                <a:schemeClr val="tx1"/>
+              </a:fontRef>
+            </p:style>
+          </p:cxnSp>
+          <p:cxnSp>
+            <p:nvCxnSpPr>
+              <p:cNvPr id="200" name="Elbow Connector 199"/>
+              <p:cNvCxnSpPr>
+                <a:stCxn id="194" idx="2"/>
+                <a:endCxn id="195" idx="0"/>
+              </p:cNvCxnSpPr>
+              <p:nvPr/>
+            </p:nvCxnSpPr>
+            <p:spPr>
+              <a:xfrm rot="5400000">
+                <a:off x="2439149" y="4020395"/>
+                <a:ext cx="153843" cy="3419"/>
+              </a:xfrm>
+              <a:prstGeom prst="bentConnector3">
+                <a:avLst>
+                  <a:gd name="adj1" fmla="val 50000"/>
+                </a:avLst>
+              </a:prstGeom>
+              <a:ln w="28575" cmpd="sng">
+                <a:solidFill>
+                  <a:schemeClr val="accent1">
+                    <a:lumMod val="75000"/>
+                  </a:schemeClr>
+                </a:solidFill>
+              </a:ln>
+            </p:spPr>
+            <p:style>
+              <a:lnRef idx="1">
+                <a:schemeClr val="accent1"/>
+              </a:lnRef>
+              <a:fillRef idx="0">
+                <a:schemeClr val="accent1"/>
+              </a:fillRef>
+              <a:effectRef idx="0">
+                <a:schemeClr val="accent1"/>
+              </a:effectRef>
+              <a:fontRef idx="minor">
+                <a:schemeClr val="tx1"/>
+              </a:fontRef>
+            </p:style>
+          </p:cxnSp>
+        </p:grpSp>
+        <p:sp>
+          <p:nvSpPr>
+            <p:cNvPr id="189" name="Rounded Rectangle 188"/>
+            <p:cNvSpPr/>
+            <p:nvPr/>
+          </p:nvSpPr>
+          <p:spPr>
+            <a:xfrm>
+              <a:off x="2523307" y="2177071"/>
+              <a:ext cx="309202" cy="311150"/>
+            </a:xfrm>
+            <a:prstGeom prst="roundRect">
+              <a:avLst>
+                <a:gd name="adj" fmla="val 10785"/>
+              </a:avLst>
+            </a:prstGeom>
+          </p:spPr>
+          <p:style>
+            <a:lnRef idx="2">
+              <a:schemeClr val="accent3">
+                <a:shade val="50000"/>
+              </a:schemeClr>
+            </a:lnRef>
+            <a:fillRef idx="1">
+              <a:schemeClr val="accent3"/>
+            </a:fillRef>
+            <a:effectRef idx="0">
+              <a:schemeClr val="accent3"/>
+            </a:effectRef>
+            <a:fontRef idx="minor">
+              <a:schemeClr val="lt1"/>
+            </a:fontRef>
+          </p:style>
+          <p:txBody>
+            <a:bodyPr rtlCol="0" anchor="ctr"/>
+            <a:lstStyle/>
+            <a:p>
+              <a:pPr algn="ctr"/>
+              <a:endParaRPr lang="en-US" sz="1200" dirty="0" smtClean="0"/>
+            </a:p>
+          </p:txBody>
+        </p:sp>
+        <p:sp>
+          <p:nvSpPr>
+            <p:cNvPr id="190" name="Rounded Rectangle 189"/>
+            <p:cNvSpPr/>
+            <p:nvPr/>
+          </p:nvSpPr>
+          <p:spPr>
+            <a:xfrm>
+              <a:off x="2523306" y="4650398"/>
+              <a:ext cx="309202" cy="311150"/>
+            </a:xfrm>
+            <a:prstGeom prst="roundRect">
+              <a:avLst>
+                <a:gd name="adj" fmla="val 10785"/>
+              </a:avLst>
+            </a:prstGeom>
+          </p:spPr>
+          <p:style>
+            <a:lnRef idx="2">
+              <a:schemeClr val="accent3">
+                <a:shade val="50000"/>
+              </a:schemeClr>
+            </a:lnRef>
+            <a:fillRef idx="1">
+              <a:schemeClr val="accent3"/>
+            </a:fillRef>
+            <a:effectRef idx="0">
+              <a:schemeClr val="accent3"/>
+            </a:effectRef>
+            <a:fontRef idx="minor">
+              <a:schemeClr val="lt1"/>
+            </a:fontRef>
+          </p:style>
+          <p:txBody>
+            <a:bodyPr rtlCol="0" anchor="ctr"/>
+            <a:lstStyle/>
+            <a:p>
+              <a:pPr algn="ctr"/>
+              <a:endParaRPr lang="en-US" sz="1200" dirty="0" smtClean="0"/>
+            </a:p>
+          </p:txBody>
+        </p:sp>
+        <p:cxnSp>
+          <p:nvCxnSpPr>
+            <p:cNvPr id="191" name="Elbow Connector 190"/>
+            <p:cNvCxnSpPr>
+              <a:stCxn id="189" idx="2"/>
+              <a:endCxn id="196" idx="0"/>
+            </p:cNvCxnSpPr>
+            <p:nvPr/>
+          </p:nvCxnSpPr>
+          <p:spPr>
+            <a:xfrm rot="5400000">
+              <a:off x="2571107" y="2595022"/>
+              <a:ext cx="213603" cy="1"/>
+            </a:xfrm>
+            <a:prstGeom prst="bentConnector3">
+              <a:avLst>
+                <a:gd name="adj1" fmla="val 50000"/>
+              </a:avLst>
+            </a:prstGeom>
+            <a:ln w="28575" cmpd="sng">
+              <a:solidFill>
+                <a:schemeClr val="accent3">
+                  <a:lumMod val="75000"/>
+                </a:schemeClr>
+              </a:solidFill>
+            </a:ln>
+          </p:spPr>
+          <p:style>
+            <a:lnRef idx="1">
+              <a:schemeClr val="accent1"/>
+            </a:lnRef>
+            <a:fillRef idx="0">
+              <a:schemeClr val="accent1"/>
+            </a:fillRef>
+            <a:effectRef idx="0">
+              <a:schemeClr val="accent1"/>
+            </a:effectRef>
+            <a:fontRef idx="minor">
+              <a:schemeClr val="tx1"/>
+            </a:fontRef>
+          </p:style>
+        </p:cxnSp>
+        <p:cxnSp>
+          <p:nvCxnSpPr>
+            <p:cNvPr id="192" name="Straight Connector 191"/>
+            <p:cNvCxnSpPr>
+              <a:stCxn id="195" idx="2"/>
+              <a:endCxn id="190" idx="0"/>
+            </p:cNvCxnSpPr>
+            <p:nvPr/>
+          </p:nvCxnSpPr>
+          <p:spPr>
+            <a:xfrm>
+              <a:off x="2677907" y="4410176"/>
+              <a:ext cx="0" cy="240222"/>
+            </a:xfrm>
+            <a:prstGeom prst="line">
+              <a:avLst/>
+            </a:prstGeom>
+            <a:ln w="28575" cmpd="sng">
+              <a:solidFill>
+                <a:srgbClr val="77933C"/>
+              </a:solidFill>
+            </a:ln>
+          </p:spPr>
+          <p:style>
+            <a:lnRef idx="1">
+              <a:schemeClr val="accent1"/>
+            </a:lnRef>
+            <a:fillRef idx="0">
+              <a:schemeClr val="accent1"/>
+            </a:fillRef>
+            <a:effectRef idx="0">
+              <a:schemeClr val="accent1"/>
+            </a:effectRef>
+            <a:fontRef idx="minor">
+              <a:schemeClr val="tx1"/>
+            </a:fontRef>
+          </p:style>
+        </p:cxnSp>
+      </p:grpSp>
+      <p:sp>
+        <p:nvSpPr>
+          <p:cNvPr id="201" name="Rounded Rectangle 200"/>
+          <p:cNvSpPr/>
+          <p:nvPr/>
+        </p:nvSpPr>
+        <p:spPr>
+          <a:xfrm>
+            <a:off x="3784457" y="1852000"/>
+            <a:ext cx="309202" cy="311150"/>
+          </a:xfrm>
+          <a:prstGeom prst="roundRect">
+            <a:avLst>
+              <a:gd name="adj" fmla="val 10785"/>
+            </a:avLst>
+          </a:prstGeom>
+        </p:spPr>
+        <p:style>
+          <a:lnRef idx="2">
+            <a:schemeClr val="accent3">
+              <a:shade val="50000"/>
+            </a:schemeClr>
+          </a:lnRef>
+          <a:fillRef idx="1">
+            <a:schemeClr val="accent3"/>
+          </a:fillRef>
+          <a:effectRef idx="0">
+            <a:schemeClr val="accent3"/>
+          </a:effectRef>
+          <a:fontRef idx="minor">
+            <a:schemeClr val="lt1"/>
+          </a:fontRef>
+        </p:style>
+        <p:txBody>
+          <a:bodyPr rtlCol="0" anchor="ctr"/>
+          <a:lstStyle/>
+          <a:p>
+            <a:pPr algn="ctr"/>
+            <a:r>
+              <a:rPr lang="en-US" sz="2000" b="1" dirty="0" smtClean="0"/>
+              <a:t>X</a:t>
+            </a:r>
+          </a:p>
+        </p:txBody>
+      </p:sp>
+      <p:cxnSp>
+        <p:nvCxnSpPr>
+          <p:cNvPr id="202" name="Elbow Connector 201"/>
+          <p:cNvCxnSpPr>
+            <a:stCxn id="201" idx="2"/>
+            <a:endCxn id="175" idx="0"/>
+          </p:cNvCxnSpPr>
+          <p:nvPr/>
+        </p:nvCxnSpPr>
+        <p:spPr>
+          <a:xfrm rot="5400000">
+            <a:off x="3539494" y="2062036"/>
+            <a:ext cx="298450" cy="500678"/>
+          </a:xfrm>
+          <a:prstGeom prst="bentConnector3">
+            <a:avLst/>
+          </a:prstGeom>
+          <a:ln w="28575" cmpd="sng">
+            <a:solidFill>
+              <a:srgbClr val="77933C"/>
+            </a:solidFill>
+          </a:ln>
+        </p:spPr>
+        <p:style>
+          <a:lnRef idx="1">
+            <a:schemeClr val="accent1"/>
+          </a:lnRef>
+          <a:fillRef idx="0">
+            <a:schemeClr val="accent1"/>
+          </a:fillRef>
+          <a:effectRef idx="0">
+            <a:schemeClr val="accent1"/>
+          </a:effectRef>
+          <a:fontRef idx="minor">
+            <a:schemeClr val="tx1"/>
+          </a:fontRef>
+        </p:style>
+      </p:cxnSp>
+      <p:cxnSp>
+        <p:nvCxnSpPr>
+          <p:cNvPr id="203" name="Elbow Connector 202"/>
+          <p:cNvCxnSpPr>
+            <a:stCxn id="201" idx="2"/>
+            <a:endCxn id="189" idx="0"/>
+          </p:cNvCxnSpPr>
+          <p:nvPr/>
+        </p:nvCxnSpPr>
+        <p:spPr>
+          <a:xfrm rot="16200000" flipH="1">
+            <a:off x="4035491" y="2066716"/>
+            <a:ext cx="285140" cy="478007"/>
+          </a:xfrm>
+          <a:prstGeom prst="bentConnector3">
+            <a:avLst/>
+          </a:prstGeom>
+          <a:ln w="28575" cmpd="sng">
+            <a:solidFill>
+              <a:srgbClr val="77933C"/>
+            </a:solidFill>
+          </a:ln>
+        </p:spPr>
+        <p:style>
+          <a:lnRef idx="1">
+            <a:schemeClr val="accent1"/>
+          </a:lnRef>
+          <a:fillRef idx="0">
+            <a:schemeClr val="accent1"/>
+          </a:fillRef>
+          <a:effectRef idx="0">
+            <a:schemeClr val="accent1"/>
+          </a:effectRef>
+          <a:fontRef idx="minor">
+            <a:schemeClr val="tx1"/>
+          </a:fontRef>
+        </p:style>
+      </p:cxnSp>
+      <p:sp>
+        <p:nvSpPr>
+          <p:cNvPr id="204" name="Rounded Rectangle 203"/>
+          <p:cNvSpPr/>
+          <p:nvPr/>
+        </p:nvSpPr>
+        <p:spPr>
+          <a:xfrm>
+            <a:off x="3784457" y="5554052"/>
+            <a:ext cx="309202" cy="311150"/>
+          </a:xfrm>
+          <a:prstGeom prst="roundRect">
+            <a:avLst>
+              <a:gd name="adj" fmla="val 10785"/>
+            </a:avLst>
+          </a:prstGeom>
+        </p:spPr>
+        <p:style>
+          <a:lnRef idx="2">
+            <a:schemeClr val="accent3">
+              <a:shade val="50000"/>
+            </a:schemeClr>
+          </a:lnRef>
+          <a:fillRef idx="1">
+            <a:schemeClr val="accent3"/>
+          </a:fillRef>
+          <a:effectRef idx="0">
+            <a:schemeClr val="accent3"/>
+          </a:effectRef>
+          <a:fontRef idx="minor">
+            <a:schemeClr val="lt1"/>
+          </a:fontRef>
+        </p:style>
+        <p:txBody>
+          <a:bodyPr rtlCol="0" anchor="ctr"/>
+          <a:lstStyle/>
+          <a:p>
+            <a:pPr algn="ctr"/>
+            <a:endParaRPr lang="en-US" sz="1200" dirty="0" smtClean="0"/>
+          </a:p>
+        </p:txBody>
+      </p:sp>
+      <p:cxnSp>
+        <p:nvCxnSpPr>
+          <p:cNvPr id="205" name="Elbow Connector 204"/>
+          <p:cNvCxnSpPr>
+            <a:stCxn id="176" idx="2"/>
+            <a:endCxn id="204" idx="0"/>
+          </p:cNvCxnSpPr>
+          <p:nvPr/>
+        </p:nvCxnSpPr>
+        <p:spPr>
+          <a:xfrm rot="16200000" flipH="1">
+            <a:off x="3534731" y="5149724"/>
+            <a:ext cx="307975" cy="500679"/>
+          </a:xfrm>
+          <a:prstGeom prst="bentConnector3">
+            <a:avLst/>
+          </a:prstGeom>
+          <a:ln w="28575" cmpd="sng">
+            <a:solidFill>
+              <a:srgbClr val="77933C"/>
+            </a:solidFill>
+          </a:ln>
+        </p:spPr>
+        <p:style>
+          <a:lnRef idx="1">
+            <a:schemeClr val="accent1"/>
+          </a:lnRef>
+          <a:fillRef idx="0">
+            <a:schemeClr val="accent1"/>
+          </a:fillRef>
+          <a:effectRef idx="0">
+            <a:schemeClr val="accent1"/>
+          </a:effectRef>
+          <a:fontRef idx="minor">
+            <a:schemeClr val="tx1"/>
+          </a:fontRef>
+        </p:style>
+      </p:cxnSp>
+      <p:cxnSp>
+        <p:nvCxnSpPr>
+          <p:cNvPr id="206" name="Elbow Connector 205"/>
+          <p:cNvCxnSpPr>
+            <a:stCxn id="190" idx="2"/>
+            <a:endCxn id="204" idx="0"/>
+          </p:cNvCxnSpPr>
+          <p:nvPr/>
+        </p:nvCxnSpPr>
+        <p:spPr>
+          <a:xfrm rot="5400000">
+            <a:off x="4017419" y="5154406"/>
+            <a:ext cx="321285" cy="478006"/>
+          </a:xfrm>
+          <a:prstGeom prst="bentConnector3">
+            <a:avLst/>
+          </a:prstGeom>
+          <a:ln w="28575" cmpd="sng">
+            <a:solidFill>
+              <a:srgbClr val="77933C"/>
+            </a:solidFill>
+          </a:ln>
+        </p:spPr>
+        <p:style>
+          <a:lnRef idx="1">
+            <a:schemeClr val="accent1"/>
+          </a:lnRef>
+          <a:fillRef idx="0">
+            <a:schemeClr val="accent1"/>
+          </a:fillRef>
+          <a:effectRef idx="0">
+            <a:schemeClr val="accent1"/>
+          </a:effectRef>
+          <a:fontRef idx="minor">
+            <a:schemeClr val="tx1"/>
+          </a:fontRef>
+        </p:style>
+      </p:cxnSp>
+    </p:spTree>
+    <p:extLst>
+      <p:ext uri="{BB962C8B-B14F-4D97-AF65-F5344CB8AC3E}">
+        <p14:creationId xmlns:p14="http://schemas.microsoft.com/office/powerpoint/2010/main" val="2764726139"/>
+      </p:ext>
+    </p:extLst>
+  </p:cSld>
+  <p:clrMapOvr>
+    <a:masterClrMapping/>
+  </p:clrMapOvr>
+  <p:timing>
+    <p:tnLst>
+      <p:par>
+        <p:cTn xmlns:p14="http://schemas.microsoft.com/office/powerpoint/2010/main" id="1" dur="indefinite" restart="never" nodeType="tmRoot"/>
       </p:par>
     </p:tnLst>
   </p:timing>
@@ -9070,7 +13058,7 @@
   <p:timing>
     <p:tnLst>
       <p:par>
-        <p:cTn id="1" dur="indefinite" restart="never" nodeType="tmRoot"/>
+        <p:cTn xmlns:p14="http://schemas.microsoft.com/office/powerpoint/2010/main" id="1" dur="indefinite" restart="never" nodeType="tmRoot"/>
       </p:par>
     </p:tnLst>
   </p:timing>
@@ -9278,10 +13266,6 @@
               </a:rPr>
               <a:t>stage.01.DataPartitionTaskContainer.numberOfPartitions: 3</a:t>
             </a:r>
-            <a:endParaRPr lang="en-US" sz="1100" dirty="0">
-              <a:latin typeface="Lucida Console"/>
-              <a:cs typeface="Lucida Console"/>
-            </a:endParaRPr>
           </a:p>
         </p:txBody>
       </p:sp>
@@ -10132,7 +14116,7 @@
   <p:timing>
     <p:tnLst>
       <p:par>
-        <p:cTn id="1" dur="indefinite" restart="never" nodeType="tmRoot"/>
+        <p:cTn xmlns:p14="http://schemas.microsoft.com/office/powerpoint/2010/main" id="1" dur="indefinite" restart="never" nodeType="tmRoot"/>
       </p:par>
     </p:tnLst>
   </p:timing>
@@ -12279,7 +16263,7 @@
   <p:timing>
     <p:tnLst>
       <p:par>
-        <p:cTn id="1" dur="indefinite" restart="never" nodeType="tmRoot"/>
+        <p:cTn xmlns:p14="http://schemas.microsoft.com/office/powerpoint/2010/main" id="1" dur="indefinite" restart="never" nodeType="tmRoot"/>
       </p:par>
     </p:tnLst>
   </p:timing>
@@ -14030,7 +18014,7 @@
   <p:timing>
     <p:tnLst>
       <p:par>
-        <p:cTn id="1" dur="indefinite" restart="never" nodeType="tmRoot"/>
+        <p:cTn xmlns:p14="http://schemas.microsoft.com/office/powerpoint/2010/main" id="1" dur="indefinite" restart="never" nodeType="tmRoot"/>
       </p:par>
     </p:tnLst>
   </p:timing>
@@ -15781,7 +19765,7 @@
   <p:timing>
     <p:tnLst>
       <p:par>
-        <p:cTn id="1" dur="indefinite" restart="never" nodeType="tmRoot"/>
+        <p:cTn xmlns:p14="http://schemas.microsoft.com/office/powerpoint/2010/main" id="1" dur="indefinite" restart="never" nodeType="tmRoot"/>
       </p:par>
     </p:tnLst>
   </p:timing>
@@ -16592,7 +20576,6 @@
               <a:rPr lang="en-US" sz="2800" b="1" dirty="0" smtClean="0"/>
               <a:t>Its siblings with lower priority have finished</a:t>
             </a:r>
-            <a:endParaRPr lang="en-US" sz="2800" b="1" dirty="0" smtClean="0"/>
           </a:p>
           <a:p>
             <a:pPr marL="514350" indent="-514350" algn="ctr">
@@ -16646,7 +20629,7 @@
   <p:timing>
     <p:tnLst>
       <p:par>
-        <p:cTn id="1" dur="indefinite" restart="never" nodeType="tmRoot"/>
+        <p:cTn xmlns:p14="http://schemas.microsoft.com/office/powerpoint/2010/main" id="1" dur="indefinite" restart="never" nodeType="tmRoot"/>
       </p:par>
     </p:tnLst>
   </p:timing>
@@ -18075,7 +22058,7 @@
   <p:timing>
     <p:tnLst>
       <p:par>
-        <p:cTn id="1" dur="indefinite" restart="never" nodeType="tmRoot"/>
+        <p:cTn xmlns:p14="http://schemas.microsoft.com/office/powerpoint/2010/main" id="1" dur="indefinite" restart="never" nodeType="tmRoot"/>
       </p:par>
     </p:tnLst>
   </p:timing>
@@ -18923,15 +22906,7 @@
                     <a:schemeClr val="tx1"/>
                   </a:solidFill>
                 </a:rPr>
-                <a:t>implemented </a:t>
-              </a:r>
-              <a:r>
-                <a:rPr lang="en-US" sz="1200" b="1" dirty="0" smtClean="0">
-                  <a:solidFill>
-                    <a:schemeClr val="tx1"/>
-                  </a:solidFill>
-                </a:rPr>
-                <a:t>methods</a:t>
+                <a:t>implemented methods</a:t>
               </a:r>
             </a:p>
             <a:p>
@@ -19090,12 +23065,6 @@
                 </a:rPr>
                 <a:t>}</a:t>
               </a:r>
-              <a:endParaRPr lang="en-US" sz="1000" dirty="0">
-                <a:solidFill>
-                  <a:schemeClr val="tx1"/>
-                </a:solidFill>
-                <a:latin typeface="Lucida Console" pitchFamily="49" charset="0"/>
-              </a:endParaRPr>
             </a:p>
           </p:txBody>
         </p:sp>
@@ -19246,11 +23215,6 @@
                 </a:rPr>
                 <a:t>abstract methods</a:t>
               </a:r>
-              <a:endParaRPr lang="en-US" sz="1200" b="1" dirty="0" smtClean="0">
-                <a:solidFill>
-                  <a:schemeClr val="tx1"/>
-                </a:solidFill>
-              </a:endParaRPr>
             </a:p>
             <a:p>
               <a:endParaRPr lang="en-US" sz="1000" dirty="0" smtClean="0">
@@ -19506,11 +23470,6 @@
                 </a:rPr>
                 <a:t>implemented methods</a:t>
               </a:r>
-              <a:endParaRPr lang="en-US" sz="1200" b="1" dirty="0" smtClean="0">
-                <a:solidFill>
-                  <a:schemeClr val="tx1"/>
-                </a:solidFill>
-              </a:endParaRPr>
             </a:p>
             <a:p>
               <a:endParaRPr lang="en-US" sz="1000" dirty="0" smtClean="0">
@@ -19669,7 +23628,7 @@
   <p:timing>
     <p:tnLst>
       <p:par>
-        <p:cTn id="1" dur="indefinite" restart="never" nodeType="tmRoot"/>
+        <p:cTn xmlns:p14="http://schemas.microsoft.com/office/powerpoint/2010/main" id="1" dur="indefinite" restart="never" nodeType="tmRoot"/>
       </p:par>
     </p:tnLst>
   </p:timing>
@@ -19994,4 +23953,324 @@
   </a:objectDefaults>
   <a:extraClrSchemeLst/>
 </a:theme>
+</file>
+
+<file path=ppt/theme/theme2.xml><?xml version="1.0" encoding="utf-8"?>
+<a:theme xmlns:a="http://schemas.openxmlformats.org/drawingml/2006/main" name="Office Theme">
+  <a:themeElements>
+    <a:clrScheme name="Office">
+      <a:dk1>
+        <a:sysClr val="windowText" lastClr="000000"/>
+      </a:dk1>
+      <a:lt1>
+        <a:sysClr val="window" lastClr="FFFFFF"/>
+      </a:lt1>
+      <a:dk2>
+        <a:srgbClr val="1F497D"/>
+      </a:dk2>
+      <a:lt2>
+        <a:srgbClr val="EEECE1"/>
+      </a:lt2>
+      <a:accent1>
+        <a:srgbClr val="4F81BD"/>
+      </a:accent1>
+      <a:accent2>
+        <a:srgbClr val="C0504D"/>
+      </a:accent2>
+      <a:accent3>
+        <a:srgbClr val="9BBB59"/>
+      </a:accent3>
+      <a:accent4>
+        <a:srgbClr val="8064A2"/>
+      </a:accent4>
+      <a:accent5>
+        <a:srgbClr val="4BACC6"/>
+      </a:accent5>
+      <a:accent6>
+        <a:srgbClr val="F79646"/>
+      </a:accent6>
+      <a:hlink>
+        <a:srgbClr val="0000FF"/>
+      </a:hlink>
+      <a:folHlink>
+        <a:srgbClr val="800080"/>
+      </a:folHlink>
+    </a:clrScheme>
+    <a:fontScheme name="Office">
+      <a:majorFont>
+        <a:latin typeface="Calibri"/>
+        <a:ea typeface=""/>
+        <a:cs typeface=""/>
+        <a:font script="Jpan" typeface="ＭＳ Ｐゴシック"/>
+        <a:font script="Hang" typeface="맑은 고딕"/>
+        <a:font script="Hans" typeface="宋体"/>
+        <a:font script="Hant" typeface="新細明體"/>
+        <a:font script="Arab" typeface="Times New Roman"/>
+        <a:font script="Hebr" typeface="Times New Roman"/>
+        <a:font script="Thai" typeface="Angsana New"/>
+        <a:font script="Ethi" typeface="Nyala"/>
+        <a:font script="Beng" typeface="Vrinda"/>
+        <a:font script="Gujr" typeface="Shruti"/>
+        <a:font script="Khmr" typeface="MoolBoran"/>
+        <a:font script="Knda" typeface="Tunga"/>
+        <a:font script="Guru" typeface="Raavi"/>
+        <a:font script="Cans" typeface="Euphemia"/>
+        <a:font script="Cher" typeface="Plantagenet Cherokee"/>
+        <a:font script="Yiii" typeface="Microsoft Yi Baiti"/>
+        <a:font script="Tibt" typeface="Microsoft Himalaya"/>
+        <a:font script="Thaa" typeface="MV Boli"/>
+        <a:font script="Deva" typeface="Mangal"/>
+        <a:font script="Telu" typeface="Gautami"/>
+        <a:font script="Taml" typeface="Latha"/>
+        <a:font script="Syrc" typeface="Estrangelo Edessa"/>
+        <a:font script="Orya" typeface="Kalinga"/>
+        <a:font script="Mlym" typeface="Kartika"/>
+        <a:font script="Laoo" typeface="DokChampa"/>
+        <a:font script="Sinh" typeface="Iskoola Pota"/>
+        <a:font script="Mong" typeface="Mongolian Baiti"/>
+        <a:font script="Viet" typeface="Times New Roman"/>
+        <a:font script="Uigh" typeface="Microsoft Uighur"/>
+        <a:font script="Geor" typeface="Sylfaen"/>
+      </a:majorFont>
+      <a:minorFont>
+        <a:latin typeface="Calibri"/>
+        <a:ea typeface=""/>
+        <a:cs typeface=""/>
+        <a:font script="Jpan" typeface="ＭＳ Ｐゴシック"/>
+        <a:font script="Hang" typeface="맑은 고딕"/>
+        <a:font script="Hans" typeface="宋体"/>
+        <a:font script="Hant" typeface="新細明體"/>
+        <a:font script="Arab" typeface="Arial"/>
+        <a:font script="Hebr" typeface="Arial"/>
+        <a:font script="Thai" typeface="Cordia New"/>
+        <a:font script="Ethi" typeface="Nyala"/>
+        <a:font script="Beng" typeface="Vrinda"/>
+        <a:font script="Gujr" typeface="Shruti"/>
+        <a:font script="Khmr" typeface="DaunPenh"/>
+        <a:font script="Knda" typeface="Tunga"/>
+        <a:font script="Guru" typeface="Raavi"/>
+        <a:font script="Cans" typeface="Euphemia"/>
+        <a:font script="Cher" typeface="Plantagenet Cherokee"/>
+        <a:font script="Yiii" typeface="Microsoft Yi Baiti"/>
+        <a:font script="Tibt" typeface="Microsoft Himalaya"/>
+        <a:font script="Thaa" typeface="MV Boli"/>
+        <a:font script="Deva" typeface="Mangal"/>
+        <a:font script="Telu" typeface="Gautami"/>
+        <a:font script="Taml" typeface="Latha"/>
+        <a:font script="Syrc" typeface="Estrangelo Edessa"/>
+        <a:font script="Orya" typeface="Kalinga"/>
+        <a:font script="Mlym" typeface="Kartika"/>
+        <a:font script="Laoo" typeface="DokChampa"/>
+        <a:font script="Sinh" typeface="Iskoola Pota"/>
+        <a:font script="Mong" typeface="Mongolian Baiti"/>
+        <a:font script="Viet" typeface="Arial"/>
+        <a:font script="Uigh" typeface="Microsoft Uighur"/>
+        <a:font script="Geor" typeface="Sylfaen"/>
+      </a:minorFont>
+    </a:fontScheme>
+    <a:fmtScheme name="Office">
+      <a:fillStyleLst>
+        <a:solidFill>
+          <a:schemeClr val="phClr"/>
+        </a:solidFill>
+        <a:gradFill rotWithShape="1">
+          <a:gsLst>
+            <a:gs pos="0">
+              <a:schemeClr val="phClr">
+                <a:tint val="50000"/>
+                <a:satMod val="300000"/>
+              </a:schemeClr>
+            </a:gs>
+            <a:gs pos="35000">
+              <a:schemeClr val="phClr">
+                <a:tint val="37000"/>
+                <a:satMod val="300000"/>
+              </a:schemeClr>
+            </a:gs>
+            <a:gs pos="100000">
+              <a:schemeClr val="phClr">
+                <a:tint val="15000"/>
+                <a:satMod val="350000"/>
+              </a:schemeClr>
+            </a:gs>
+          </a:gsLst>
+          <a:lin ang="16200000" scaled="1"/>
+        </a:gradFill>
+        <a:gradFill rotWithShape="1">
+          <a:gsLst>
+            <a:gs pos="0">
+              <a:schemeClr val="phClr">
+                <a:tint val="100000"/>
+                <a:shade val="100000"/>
+                <a:satMod val="130000"/>
+              </a:schemeClr>
+            </a:gs>
+            <a:gs pos="100000">
+              <a:schemeClr val="phClr">
+                <a:tint val="50000"/>
+                <a:shade val="100000"/>
+                <a:satMod val="350000"/>
+              </a:schemeClr>
+            </a:gs>
+          </a:gsLst>
+          <a:lin ang="16200000" scaled="0"/>
+        </a:gradFill>
+      </a:fillStyleLst>
+      <a:lnStyleLst>
+        <a:ln w="9525" cap="flat" cmpd="sng" algn="ctr">
+          <a:solidFill>
+            <a:schemeClr val="phClr">
+              <a:shade val="95000"/>
+              <a:satMod val="105000"/>
+            </a:schemeClr>
+          </a:solidFill>
+          <a:prstDash val="solid"/>
+        </a:ln>
+        <a:ln w="25400" cap="flat" cmpd="sng" algn="ctr">
+          <a:solidFill>
+            <a:schemeClr val="phClr"/>
+          </a:solidFill>
+          <a:prstDash val="solid"/>
+        </a:ln>
+        <a:ln w="38100" cap="flat" cmpd="sng" algn="ctr">
+          <a:solidFill>
+            <a:schemeClr val="phClr"/>
+          </a:solidFill>
+          <a:prstDash val="solid"/>
+        </a:ln>
+      </a:lnStyleLst>
+      <a:effectStyleLst>
+        <a:effectStyle>
+          <a:effectLst>
+            <a:outerShdw blurRad="40000" dist="20000" dir="5400000" rotWithShape="0">
+              <a:srgbClr val="000000">
+                <a:alpha val="38000"/>
+              </a:srgbClr>
+            </a:outerShdw>
+          </a:effectLst>
+        </a:effectStyle>
+        <a:effectStyle>
+          <a:effectLst>
+            <a:outerShdw blurRad="40000" dist="23000" dir="5400000" rotWithShape="0">
+              <a:srgbClr val="000000">
+                <a:alpha val="35000"/>
+              </a:srgbClr>
+            </a:outerShdw>
+          </a:effectLst>
+        </a:effectStyle>
+        <a:effectStyle>
+          <a:effectLst>
+            <a:outerShdw blurRad="40000" dist="23000" dir="5400000" rotWithShape="0">
+              <a:srgbClr val="000000">
+                <a:alpha val="35000"/>
+              </a:srgbClr>
+            </a:outerShdw>
+          </a:effectLst>
+          <a:scene3d>
+            <a:camera prst="orthographicFront">
+              <a:rot lat="0" lon="0" rev="0"/>
+            </a:camera>
+            <a:lightRig rig="threePt" dir="t">
+              <a:rot lat="0" lon="0" rev="1200000"/>
+            </a:lightRig>
+          </a:scene3d>
+          <a:sp3d>
+            <a:bevelT w="63500" h="25400"/>
+          </a:sp3d>
+        </a:effectStyle>
+      </a:effectStyleLst>
+      <a:bgFillStyleLst>
+        <a:solidFill>
+          <a:schemeClr val="phClr"/>
+        </a:solidFill>
+        <a:gradFill rotWithShape="1">
+          <a:gsLst>
+            <a:gs pos="0">
+              <a:schemeClr val="phClr">
+                <a:tint val="40000"/>
+                <a:satMod val="350000"/>
+              </a:schemeClr>
+            </a:gs>
+            <a:gs pos="40000">
+              <a:schemeClr val="phClr">
+                <a:tint val="45000"/>
+                <a:shade val="99000"/>
+                <a:satMod val="350000"/>
+              </a:schemeClr>
+            </a:gs>
+            <a:gs pos="100000">
+              <a:schemeClr val="phClr">
+                <a:shade val="20000"/>
+                <a:satMod val="255000"/>
+              </a:schemeClr>
+            </a:gs>
+          </a:gsLst>
+          <a:path path="circle">
+            <a:fillToRect l="50000" t="-80000" r="50000" b="180000"/>
+          </a:path>
+        </a:gradFill>
+        <a:gradFill rotWithShape="1">
+          <a:gsLst>
+            <a:gs pos="0">
+              <a:schemeClr val="phClr">
+                <a:tint val="80000"/>
+                <a:satMod val="300000"/>
+              </a:schemeClr>
+            </a:gs>
+            <a:gs pos="100000">
+              <a:schemeClr val="phClr">
+                <a:shade val="30000"/>
+                <a:satMod val="200000"/>
+              </a:schemeClr>
+            </a:gs>
+          </a:gsLst>
+          <a:path path="circle">
+            <a:fillToRect l="50000" t="50000" r="50000" b="50000"/>
+          </a:path>
+        </a:gradFill>
+      </a:bgFillStyleLst>
+    </a:fmtScheme>
+  </a:themeElements>
+  <a:objectDefaults>
+    <a:spDef>
+      <a:spPr/>
+      <a:bodyPr/>
+      <a:lstStyle/>
+      <a:style>
+        <a:lnRef idx="1">
+          <a:schemeClr val="accent1"/>
+        </a:lnRef>
+        <a:fillRef idx="3">
+          <a:schemeClr val="accent1"/>
+        </a:fillRef>
+        <a:effectRef idx="2">
+          <a:schemeClr val="accent1"/>
+        </a:effectRef>
+        <a:fontRef idx="minor">
+          <a:schemeClr val="lt1"/>
+        </a:fontRef>
+      </a:style>
+    </a:spDef>
+    <a:lnDef>
+      <a:spPr/>
+      <a:bodyPr/>
+      <a:lstStyle/>
+      <a:style>
+        <a:lnRef idx="2">
+          <a:schemeClr val="accent1"/>
+        </a:lnRef>
+        <a:fillRef idx="0">
+          <a:schemeClr val="accent1"/>
+        </a:fillRef>
+        <a:effectRef idx="1">
+          <a:schemeClr val="accent1"/>
+        </a:effectRef>
+        <a:fontRef idx="minor">
+          <a:schemeClr val="tx1"/>
+        </a:fontRef>
+      </a:style>
+    </a:lnDef>
+  </a:objectDefaults>
+  <a:extraClrSchemeLst/>
+</a:theme>
 </file>
--- a/docs/design/TST-api.pptx
+++ b/docs/design/TST-api.pptx
@@ -5,7 +5,7 @@
     <p:sldMasterId id="2147483648" r:id="rId1"/>
   </p:sldMasterIdLst>
   <p:notesMasterIdLst>
-    <p:notesMasterId r:id="rId16"/>
+    <p:notesMasterId r:id="rId17"/>
   </p:notesMasterIdLst>
   <p:sldIdLst>
     <p:sldId id="258" r:id="rId2"/>
@@ -22,6 +22,7 @@
     <p:sldId id="264" r:id="rId13"/>
     <p:sldId id="269" r:id="rId14"/>
     <p:sldId id="270" r:id="rId15"/>
+    <p:sldId id="271" r:id="rId16"/>
   </p:sldIdLst>
   <p:sldSz cx="9144000" cy="6858000" type="screen4x3"/>
   <p:notesSz cx="6858000" cy="9144000"/>
@@ -205,7 +206,7 @@
           <a:p>
             <a:fld id="{0B8764E9-0EA1-D04A-88DF-A3BA3B3D4A5D}" type="datetimeFigureOut">
               <a:rPr lang="en-US" smtClean="0"/>
-              <a:t>4/13/2012</a:t>
+              <a:t>4/14/12</a:t>
             </a:fld>
             <a:endParaRPr lang="en-US"/>
           </a:p>
@@ -364,7 +365,7 @@
           <a:p>
             <a:fld id="{AD34EE32-5930-D04E-82BD-1EFDFF5B3073}" type="slidenum">
               <a:rPr lang="en-US" smtClean="0"/>
-              <a:t>‹Nº›</a:t>
+              <a:t>‹#›</a:t>
             </a:fld>
             <a:endParaRPr lang="en-US"/>
           </a:p>
@@ -641,6 +642,90 @@
 </p:notes>
 </file>
 
+<file path=ppt/notesSlides/notesSlide3.xml><?xml version="1.0" encoding="utf-8"?>
+<p:notes xmlns:a="http://schemas.openxmlformats.org/drawingml/2006/main" xmlns:r="http://schemas.openxmlformats.org/officeDocument/2006/relationships" xmlns:p="http://schemas.openxmlformats.org/presentationml/2006/main">
+  <p:cSld>
+    <p:spTree>
+      <p:nvGrpSpPr>
+        <p:cNvPr id="1" name=""/>
+        <p:cNvGrpSpPr/>
+        <p:nvPr/>
+      </p:nvGrpSpPr>
+      <p:grpSpPr>
+        <a:xfrm>
+          <a:off x="0" y="0"/>
+          <a:ext cx="0" cy="0"/>
+          <a:chOff x="0" y="0"/>
+          <a:chExt cx="0" cy="0"/>
+        </a:xfrm>
+      </p:grpSpPr>
+      <p:sp>
+        <p:nvSpPr>
+          <p:cNvPr id="2" name="Slide Image Placeholder 1"/>
+          <p:cNvSpPr>
+            <a:spLocks noGrp="1" noRot="1" noChangeAspect="1"/>
+          </p:cNvSpPr>
+          <p:nvPr>
+            <p:ph type="sldImg"/>
+          </p:nvPr>
+        </p:nvSpPr>
+        <p:spPr/>
+      </p:sp>
+      <p:sp>
+        <p:nvSpPr>
+          <p:cNvPr id="3" name="Notes Placeholder 2"/>
+          <p:cNvSpPr>
+            <a:spLocks noGrp="1"/>
+          </p:cNvSpPr>
+          <p:nvPr>
+            <p:ph type="body" idx="1"/>
+          </p:nvPr>
+        </p:nvSpPr>
+        <p:spPr/>
+        <p:txBody>
+          <a:bodyPr/>
+          <a:lstStyle/>
+          <a:p>
+            <a:endParaRPr lang="en-US"/>
+          </a:p>
+        </p:txBody>
+      </p:sp>
+      <p:sp>
+        <p:nvSpPr>
+          <p:cNvPr id="4" name="Slide Number Placeholder 3"/>
+          <p:cNvSpPr>
+            <a:spLocks noGrp="1"/>
+          </p:cNvSpPr>
+          <p:nvPr>
+            <p:ph type="sldNum" sz="quarter" idx="10"/>
+          </p:nvPr>
+        </p:nvSpPr>
+        <p:spPr/>
+        <p:txBody>
+          <a:bodyPr/>
+          <a:lstStyle/>
+          <a:p>
+            <a:fld id="{AD34EE32-5930-D04E-82BD-1EFDFF5B3073}" type="slidenum">
+              <a:rPr lang="en-US" smtClean="0"/>
+              <a:t>15</a:t>
+            </a:fld>
+            <a:endParaRPr lang="en-US"/>
+          </a:p>
+        </p:txBody>
+      </p:sp>
+    </p:spTree>
+    <p:extLst>
+      <p:ext uri="{BB962C8B-B14F-4D97-AF65-F5344CB8AC3E}">
+        <p14:creationId xmlns:p14="http://schemas.microsoft.com/office/powerpoint/2010/main" val="1226759066"/>
+      </p:ext>
+    </p:extLst>
+  </p:cSld>
+  <p:clrMapOvr>
+    <a:masterClrMapping/>
+  </p:clrMapOvr>
+</p:notes>
+</file>
+
 <file path=ppt/slideLayouts/slideLayout1.xml><?xml version="1.0" encoding="utf-8"?>
 <p:sldLayout xmlns:a="http://schemas.openxmlformats.org/drawingml/2006/main" xmlns:r="http://schemas.openxmlformats.org/officeDocument/2006/relationships" xmlns:p="http://schemas.openxmlformats.org/presentationml/2006/main" type="title" preserve="1">
   <p:cSld name="Title Slide">
@@ -822,7 +907,7 @@
           <a:p>
             <a:fld id="{AFDE9052-349C-054D-9711-2324705B880B}" type="datetimeFigureOut">
               <a:rPr lang="en-US" smtClean="0"/>
-              <a:t>4/13/2012</a:t>
+              <a:t>4/14/12</a:t>
             </a:fld>
             <a:endParaRPr lang="en-US"/>
           </a:p>
@@ -864,7 +949,7 @@
           <a:p>
             <a:fld id="{20CED486-5A0C-DE4B-8F3E-AD11E5FEAE68}" type="slidenum">
               <a:rPr lang="en-US" smtClean="0"/>
-              <a:t>‹Nº›</a:t>
+              <a:t>‹#›</a:t>
             </a:fld>
             <a:endParaRPr lang="en-US"/>
           </a:p>
@@ -992,7 +1077,7 @@
           <a:p>
             <a:fld id="{AFDE9052-349C-054D-9711-2324705B880B}" type="datetimeFigureOut">
               <a:rPr lang="en-US" smtClean="0"/>
-              <a:t>4/13/2012</a:t>
+              <a:t>4/14/12</a:t>
             </a:fld>
             <a:endParaRPr lang="en-US"/>
           </a:p>
@@ -1034,7 +1119,7 @@
           <a:p>
             <a:fld id="{20CED486-5A0C-DE4B-8F3E-AD11E5FEAE68}" type="slidenum">
               <a:rPr lang="en-US" smtClean="0"/>
-              <a:t>‹Nº›</a:t>
+              <a:t>‹#›</a:t>
             </a:fld>
             <a:endParaRPr lang="en-US"/>
           </a:p>
@@ -1172,7 +1257,7 @@
           <a:p>
             <a:fld id="{AFDE9052-349C-054D-9711-2324705B880B}" type="datetimeFigureOut">
               <a:rPr lang="en-US" smtClean="0"/>
-              <a:t>4/13/2012</a:t>
+              <a:t>4/14/12</a:t>
             </a:fld>
             <a:endParaRPr lang="en-US"/>
           </a:p>
@@ -1214,7 +1299,7 @@
           <a:p>
             <a:fld id="{20CED486-5A0C-DE4B-8F3E-AD11E5FEAE68}" type="slidenum">
               <a:rPr lang="en-US" smtClean="0"/>
-              <a:t>‹Nº›</a:t>
+              <a:t>‹#›</a:t>
             </a:fld>
             <a:endParaRPr lang="en-US"/>
           </a:p>
@@ -1342,7 +1427,7 @@
           <a:p>
             <a:fld id="{AFDE9052-349C-054D-9711-2324705B880B}" type="datetimeFigureOut">
               <a:rPr lang="en-US" smtClean="0"/>
-              <a:t>4/13/2012</a:t>
+              <a:t>4/14/12</a:t>
             </a:fld>
             <a:endParaRPr lang="en-US"/>
           </a:p>
@@ -1384,7 +1469,7 @@
           <a:p>
             <a:fld id="{20CED486-5A0C-DE4B-8F3E-AD11E5FEAE68}" type="slidenum">
               <a:rPr lang="en-US" smtClean="0"/>
-              <a:t>‹Nº›</a:t>
+              <a:t>‹#›</a:t>
             </a:fld>
             <a:endParaRPr lang="en-US"/>
           </a:p>
@@ -1588,7 +1673,7 @@
           <a:p>
             <a:fld id="{AFDE9052-349C-054D-9711-2324705B880B}" type="datetimeFigureOut">
               <a:rPr lang="en-US" smtClean="0"/>
-              <a:t>4/13/2012</a:t>
+              <a:t>4/14/12</a:t>
             </a:fld>
             <a:endParaRPr lang="en-US"/>
           </a:p>
@@ -1630,7 +1715,7 @@
           <a:p>
             <a:fld id="{20CED486-5A0C-DE4B-8F3E-AD11E5FEAE68}" type="slidenum">
               <a:rPr lang="en-US" smtClean="0"/>
-              <a:t>‹Nº›</a:t>
+              <a:t>‹#›</a:t>
             </a:fld>
             <a:endParaRPr lang="en-US"/>
           </a:p>
@@ -1876,7 +1961,7 @@
           <a:p>
             <a:fld id="{AFDE9052-349C-054D-9711-2324705B880B}" type="datetimeFigureOut">
               <a:rPr lang="en-US" smtClean="0"/>
-              <a:t>4/13/2012</a:t>
+              <a:t>4/14/12</a:t>
             </a:fld>
             <a:endParaRPr lang="en-US"/>
           </a:p>
@@ -1918,7 +2003,7 @@
           <a:p>
             <a:fld id="{20CED486-5A0C-DE4B-8F3E-AD11E5FEAE68}" type="slidenum">
               <a:rPr lang="en-US" smtClean="0"/>
-              <a:t>‹Nº›</a:t>
+              <a:t>‹#›</a:t>
             </a:fld>
             <a:endParaRPr lang="en-US"/>
           </a:p>
@@ -2298,7 +2383,7 @@
           <a:p>
             <a:fld id="{AFDE9052-349C-054D-9711-2324705B880B}" type="datetimeFigureOut">
               <a:rPr lang="en-US" smtClean="0"/>
-              <a:t>4/13/2012</a:t>
+              <a:t>4/14/12</a:t>
             </a:fld>
             <a:endParaRPr lang="en-US"/>
           </a:p>
@@ -2340,7 +2425,7 @@
           <a:p>
             <a:fld id="{20CED486-5A0C-DE4B-8F3E-AD11E5FEAE68}" type="slidenum">
               <a:rPr lang="en-US" smtClean="0"/>
-              <a:t>‹Nº›</a:t>
+              <a:t>‹#›</a:t>
             </a:fld>
             <a:endParaRPr lang="en-US"/>
           </a:p>
@@ -2416,7 +2501,7 @@
           <a:p>
             <a:fld id="{AFDE9052-349C-054D-9711-2324705B880B}" type="datetimeFigureOut">
               <a:rPr lang="en-US" smtClean="0"/>
-              <a:t>4/13/2012</a:t>
+              <a:t>4/14/12</a:t>
             </a:fld>
             <a:endParaRPr lang="en-US"/>
           </a:p>
@@ -2458,7 +2543,7 @@
           <a:p>
             <a:fld id="{20CED486-5A0C-DE4B-8F3E-AD11E5FEAE68}" type="slidenum">
               <a:rPr lang="en-US" smtClean="0"/>
-              <a:t>‹Nº›</a:t>
+              <a:t>‹#›</a:t>
             </a:fld>
             <a:endParaRPr lang="en-US"/>
           </a:p>
@@ -2511,7 +2596,7 @@
           <a:p>
             <a:fld id="{AFDE9052-349C-054D-9711-2324705B880B}" type="datetimeFigureOut">
               <a:rPr lang="en-US" smtClean="0"/>
-              <a:t>4/13/2012</a:t>
+              <a:t>4/14/12</a:t>
             </a:fld>
             <a:endParaRPr lang="en-US"/>
           </a:p>
@@ -2553,7 +2638,7 @@
           <a:p>
             <a:fld id="{20CED486-5A0C-DE4B-8F3E-AD11E5FEAE68}" type="slidenum">
               <a:rPr lang="en-US" smtClean="0"/>
-              <a:t>‹Nº›</a:t>
+              <a:t>‹#›</a:t>
             </a:fld>
             <a:endParaRPr lang="en-US"/>
           </a:p>
@@ -2788,7 +2873,7 @@
           <a:p>
             <a:fld id="{AFDE9052-349C-054D-9711-2324705B880B}" type="datetimeFigureOut">
               <a:rPr lang="en-US" smtClean="0"/>
-              <a:t>4/13/2012</a:t>
+              <a:t>4/14/12</a:t>
             </a:fld>
             <a:endParaRPr lang="en-US"/>
           </a:p>
@@ -2830,7 +2915,7 @@
           <a:p>
             <a:fld id="{20CED486-5A0C-DE4B-8F3E-AD11E5FEAE68}" type="slidenum">
               <a:rPr lang="en-US" smtClean="0"/>
-              <a:t>‹Nº›</a:t>
+              <a:t>‹#›</a:t>
             </a:fld>
             <a:endParaRPr lang="en-US"/>
           </a:p>
@@ -3041,7 +3126,7 @@
           <a:p>
             <a:fld id="{AFDE9052-349C-054D-9711-2324705B880B}" type="datetimeFigureOut">
               <a:rPr lang="en-US" smtClean="0"/>
-              <a:t>4/13/2012</a:t>
+              <a:t>4/14/12</a:t>
             </a:fld>
             <a:endParaRPr lang="en-US"/>
           </a:p>
@@ -3083,7 +3168,7 @@
           <a:p>
             <a:fld id="{20CED486-5A0C-DE4B-8F3E-AD11E5FEAE68}" type="slidenum">
               <a:rPr lang="en-US" smtClean="0"/>
-              <a:t>‹Nº›</a:t>
+              <a:t>‹#›</a:t>
             </a:fld>
             <a:endParaRPr lang="en-US"/>
           </a:p>
@@ -3254,7 +3339,7 @@
           <a:p>
             <a:fld id="{AFDE9052-349C-054D-9711-2324705B880B}" type="datetimeFigureOut">
               <a:rPr lang="en-US" smtClean="0"/>
-              <a:t>4/13/2012</a:t>
+              <a:t>4/14/12</a:t>
             </a:fld>
             <a:endParaRPr lang="en-US"/>
           </a:p>
@@ -3332,7 +3417,7 @@
           <a:p>
             <a:fld id="{20CED486-5A0C-DE4B-8F3E-AD11E5FEAE68}" type="slidenum">
               <a:rPr lang="en-US" smtClean="0"/>
-              <a:t>‹Nº›</a:t>
+              <a:t>‹#›</a:t>
             </a:fld>
             <a:endParaRPr lang="en-US"/>
           </a:p>
@@ -4098,7 +4183,7 @@
   <p:timing>
     <p:tnLst>
       <p:par>
-        <p:cTn id="1" dur="indefinite" restart="never" nodeType="tmRoot"/>
+        <p:cTn xmlns:p14="http://schemas.microsoft.com/office/powerpoint/2010/main" id="1" dur="indefinite" restart="never" nodeType="tmRoot"/>
       </p:par>
     </p:tnLst>
   </p:timing>
@@ -6598,7 +6683,7 @@
   <p:timing>
     <p:tnLst>
       <p:par>
-        <p:cTn id="1" dur="indefinite" restart="never" nodeType="tmRoot"/>
+        <p:cTn xmlns:p14="http://schemas.microsoft.com/office/powerpoint/2010/main" id="1" dur="indefinite" restart="never" nodeType="tmRoot"/>
       </p:par>
     </p:tnLst>
   </p:timing>
@@ -8683,7 +8768,7 @@
   <p:timing>
     <p:tnLst>
       <p:par>
-        <p:cTn id="1" dur="indefinite" restart="never" nodeType="tmRoot"/>
+        <p:cTn xmlns:p14="http://schemas.microsoft.com/office/powerpoint/2010/main" id="1" dur="indefinite" restart="never" nodeType="tmRoot"/>
       </p:par>
     </p:tnLst>
   </p:timing>
@@ -9187,7 +9272,7 @@
   <p:timing>
     <p:tnLst>
       <p:par>
-        <p:cTn id="1" dur="indefinite" restart="never" nodeType="tmRoot"/>
+        <p:cTn xmlns:p14="http://schemas.microsoft.com/office/powerpoint/2010/main" id="1" dur="indefinite" restart="never" nodeType="tmRoot"/>
       </p:par>
     </p:tnLst>
   </p:timing>
@@ -9579,7 +9664,6 @@
                   <a:rPr lang="en-US" sz="1600" b="1" dirty="0" smtClean="0"/>
                   <a:t>TC</a:t>
                 </a:r>
-                <a:endParaRPr lang="en-US" sz="1600" b="1" dirty="0" smtClean="0"/>
               </a:p>
             </p:txBody>
           </p:sp>
@@ -9625,7 +9709,6 @@
                   <a:rPr lang="en-US" sz="1600" b="1" dirty="0" smtClean="0"/>
                   <a:t>TC</a:t>
                 </a:r>
-                <a:endParaRPr lang="en-US" sz="1600" b="1" dirty="0" smtClean="0"/>
               </a:p>
             </p:txBody>
           </p:sp>
@@ -9672,7 +9755,6 @@
                 <a:rPr lang="en-US" sz="1600" b="1" dirty="0" smtClean="0"/>
                 <a:t>PL</a:t>
               </a:r>
-              <a:endParaRPr lang="en-US" sz="1600" b="1" dirty="0" smtClean="0"/>
             </a:p>
           </p:txBody>
         </p:sp>
@@ -9879,7 +9961,6 @@
                 <a:rPr lang="en-US" sz="1600" b="1" dirty="0" smtClean="0"/>
                 <a:t>PL</a:t>
               </a:r>
-              <a:endParaRPr lang="en-US" sz="1600" b="1" dirty="0" smtClean="0"/>
             </a:p>
           </p:txBody>
         </p:sp>
@@ -10086,7 +10167,6 @@
                 <a:rPr lang="en-US" sz="1600" b="1" dirty="0" smtClean="0"/>
                 <a:t>PL</a:t>
               </a:r>
-              <a:endParaRPr lang="en-US" sz="1600" b="1" dirty="0" smtClean="0"/>
             </a:p>
           </p:txBody>
         </p:sp>
@@ -10208,7 +10288,6 @@
                 <a:rPr lang="en-US" sz="1600" b="1" dirty="0" smtClean="0"/>
                 <a:t>SL</a:t>
               </a:r>
-              <a:endParaRPr lang="en-US" sz="1600" b="1" dirty="0" smtClean="0"/>
             </a:p>
           </p:txBody>
         </p:sp>
@@ -10330,7 +10409,6 @@
                 <a:rPr lang="en-US" sz="1600" b="1" dirty="0" smtClean="0"/>
                 <a:t>SL</a:t>
               </a:r>
-              <a:endParaRPr lang="en-US" sz="1600" b="1" dirty="0" smtClean="0"/>
             </a:p>
           </p:txBody>
         </p:sp>
@@ -10380,7 +10458,6 @@
                 <a:rPr lang="en-US" sz="1600" b="1" dirty="0" smtClean="0"/>
                 <a:t>L</a:t>
               </a:r>
-              <a:endParaRPr lang="en-US" sz="1600" b="1" dirty="0" smtClean="0"/>
             </a:p>
           </p:txBody>
         </p:sp>
@@ -10426,7 +10503,6 @@
                 <a:rPr lang="en-US" sz="1600" b="1" dirty="0" smtClean="0"/>
                 <a:t>PS</a:t>
               </a:r>
-              <a:endParaRPr lang="en-US" sz="1600" b="1" dirty="0" smtClean="0"/>
             </a:p>
           </p:txBody>
         </p:sp>
@@ -10472,7 +10548,6 @@
                 <a:rPr lang="en-US" sz="1600" b="1" dirty="0" smtClean="0"/>
                 <a:t>PS</a:t>
               </a:r>
-              <a:endParaRPr lang="en-US" sz="1600" b="1" dirty="0" smtClean="0"/>
             </a:p>
           </p:txBody>
         </p:sp>
@@ -10522,7 +10597,6 @@
                 <a:rPr lang="en-US" sz="1600" b="1" dirty="0" smtClean="0"/>
                 <a:t>S</a:t>
               </a:r>
-              <a:endParaRPr lang="en-US" sz="1600" b="1" dirty="0" smtClean="0"/>
             </a:p>
           </p:txBody>
         </p:sp>
@@ -10572,7 +10646,6 @@
                 <a:rPr lang="en-US" sz="1600" b="1" dirty="0" smtClean="0"/>
                 <a:t>S</a:t>
               </a:r>
-              <a:endParaRPr lang="en-US" sz="1600" b="1" dirty="0" smtClean="0"/>
             </a:p>
           </p:txBody>
         </p:sp>
@@ -10632,7 +10705,6 @@
                   <a:rPr lang="en-US" sz="1600" b="1" dirty="0" smtClean="0"/>
                   <a:t>TC</a:t>
                 </a:r>
-                <a:endParaRPr lang="en-US" sz="1600" b="1" dirty="0" smtClean="0"/>
               </a:p>
             </p:txBody>
           </p:sp>
@@ -10678,7 +10750,6 @@
                   <a:rPr lang="en-US" sz="1600" b="1" dirty="0" smtClean="0"/>
                   <a:t>TC</a:t>
                 </a:r>
-                <a:endParaRPr lang="en-US" sz="1600" b="1" dirty="0" smtClean="0"/>
               </a:p>
             </p:txBody>
           </p:sp>
@@ -10904,7 +10975,6 @@
                 <a:rPr lang="en-US" sz="1600" b="1" dirty="0" smtClean="0"/>
                 <a:t>PL</a:t>
               </a:r>
-              <a:endParaRPr lang="en-US" sz="1600" b="1" dirty="0" smtClean="0"/>
             </a:p>
           </p:txBody>
         </p:sp>
@@ -10950,7 +11020,6 @@
                 <a:rPr lang="en-US" sz="1600" b="1" dirty="0" smtClean="0"/>
                 <a:t>PL</a:t>
               </a:r>
-              <a:endParaRPr lang="en-US" sz="1600" b="1" dirty="0" smtClean="0"/>
             </a:p>
           </p:txBody>
         </p:sp>
@@ -11072,7 +11141,6 @@
                 <a:rPr lang="en-US" sz="1600" b="1" dirty="0" smtClean="0"/>
                 <a:t>SL</a:t>
               </a:r>
-              <a:endParaRPr lang="en-US" sz="1600" b="1" dirty="0" smtClean="0"/>
             </a:p>
           </p:txBody>
         </p:sp>
@@ -11399,7 +11467,6 @@
                 <a:rPr lang="en-US" sz="1600" b="1" dirty="0" smtClean="0"/>
                 <a:t>PL</a:t>
               </a:r>
-              <a:endParaRPr lang="en-US" sz="1600" b="1" dirty="0" smtClean="0"/>
             </a:p>
           </p:txBody>
         </p:sp>
@@ -11449,7 +11516,6 @@
                 <a:rPr lang="en-US" sz="1600" b="1" dirty="0" smtClean="0"/>
                 <a:t>L</a:t>
               </a:r>
-              <a:endParaRPr lang="en-US" sz="1600" b="1" dirty="0" smtClean="0"/>
             </a:p>
           </p:txBody>
         </p:sp>
@@ -11499,7 +11565,6 @@
                 <a:rPr lang="en-US" sz="1600" b="1" dirty="0" smtClean="0"/>
                 <a:t>L</a:t>
               </a:r>
-              <a:endParaRPr lang="en-US" sz="1600" b="1" dirty="0" smtClean="0"/>
             </a:p>
           </p:txBody>
         </p:sp>
@@ -11545,7 +11610,6 @@
                 <a:rPr lang="en-US" sz="1600" b="1" dirty="0" smtClean="0"/>
                 <a:t>PS</a:t>
               </a:r>
-              <a:endParaRPr lang="en-US" sz="1600" b="1" dirty="0" smtClean="0"/>
             </a:p>
           </p:txBody>
         </p:sp>
@@ -11591,7 +11655,6 @@
                 <a:rPr lang="en-US" sz="1600" b="1" dirty="0" smtClean="0"/>
                 <a:t>PS</a:t>
               </a:r>
-              <a:endParaRPr lang="en-US" sz="1600" b="1" dirty="0" smtClean="0"/>
             </a:p>
           </p:txBody>
         </p:sp>
@@ -11641,7 +11704,6 @@
                 <a:rPr lang="en-US" sz="1600" b="1" dirty="0" smtClean="0"/>
                 <a:t>S</a:t>
               </a:r>
-              <a:endParaRPr lang="en-US" sz="1600" b="1" dirty="0" smtClean="0"/>
             </a:p>
           </p:txBody>
         </p:sp>
@@ -11691,7 +11753,6 @@
                 <a:rPr lang="en-US" sz="1600" b="1" dirty="0" smtClean="0"/>
                 <a:t>S</a:t>
               </a:r>
-              <a:endParaRPr lang="en-US" sz="1600" b="1" dirty="0" smtClean="0"/>
             </a:p>
           </p:txBody>
         </p:sp>
@@ -11737,7 +11798,6 @@
                 <a:rPr lang="en-US" sz="1600" b="1" dirty="0" smtClean="0"/>
                 <a:t>TC</a:t>
               </a:r>
-              <a:endParaRPr lang="en-US" sz="1600" b="1" dirty="0" smtClean="0"/>
             </a:p>
           </p:txBody>
         </p:sp>
@@ -11783,7 +11843,6 @@
                 <a:rPr lang="en-US" sz="1600" b="1" dirty="0" smtClean="0"/>
                 <a:t>TC</a:t>
               </a:r>
-              <a:endParaRPr lang="en-US" sz="1600" b="1" dirty="0" smtClean="0"/>
             </a:p>
           </p:txBody>
         </p:sp>
@@ -11870,7 +11929,6 @@
                 <a:rPr lang="en-US" sz="1600" b="1" dirty="0" smtClean="0"/>
                 <a:t>TC</a:t>
               </a:r>
-              <a:endParaRPr lang="en-US" sz="1600" b="1" dirty="0" smtClean="0"/>
             </a:p>
           </p:txBody>
         </p:sp>
@@ -11916,7 +11974,6 @@
                 <a:rPr lang="en-US" sz="1600" b="1" dirty="0" smtClean="0"/>
                 <a:t>TC</a:t>
               </a:r>
-              <a:endParaRPr lang="en-US" sz="1600" b="1" dirty="0" smtClean="0"/>
             </a:p>
           </p:txBody>
         </p:sp>
@@ -12059,7 +12116,6 @@
                 <a:rPr lang="en-US" sz="1600" b="1" dirty="0" smtClean="0"/>
                 <a:t>PL</a:t>
               </a:r>
-              <a:endParaRPr lang="en-US" sz="1600" b="1" dirty="0" smtClean="0"/>
             </a:p>
           </p:txBody>
         </p:sp>
@@ -12267,7 +12323,6 @@
                 <a:rPr lang="en-US" sz="1600" b="1" dirty="0" smtClean="0"/>
                 <a:t>PL</a:t>
               </a:r>
-              <a:endParaRPr lang="en-US" sz="1600" b="1" dirty="0" smtClean="0"/>
             </a:p>
           </p:txBody>
         </p:sp>
@@ -12317,7 +12372,6 @@
                 <a:rPr lang="en-US" sz="1600" b="1" dirty="0" smtClean="0"/>
                 <a:t>L</a:t>
               </a:r>
-              <a:endParaRPr lang="en-US" sz="1600" b="1" dirty="0" smtClean="0"/>
             </a:p>
           </p:txBody>
         </p:sp>
@@ -12363,7 +12417,6 @@
                 <a:rPr lang="en-US" sz="1600" b="1" dirty="0" smtClean="0"/>
                 <a:t>PS</a:t>
               </a:r>
-              <a:endParaRPr lang="en-US" sz="1600" b="1" dirty="0" smtClean="0"/>
             </a:p>
           </p:txBody>
         </p:sp>
@@ -12413,7 +12466,6 @@
                 <a:rPr lang="en-US" sz="1600" b="1" dirty="0" smtClean="0"/>
                 <a:t>S</a:t>
               </a:r>
-              <a:endParaRPr lang="en-US" sz="1600" b="1" dirty="0" smtClean="0"/>
             </a:p>
           </p:txBody>
         </p:sp>
@@ -12500,7 +12552,6 @@
                 <a:rPr lang="en-US" sz="1600" b="1" dirty="0" smtClean="0"/>
                 <a:t>TC</a:t>
               </a:r>
-              <a:endParaRPr lang="en-US" sz="1600" b="1" dirty="0" smtClean="0"/>
             </a:p>
           </p:txBody>
         </p:sp>
@@ -12546,7 +12597,6 @@
                 <a:rPr lang="en-US" sz="1600" b="1" dirty="0" smtClean="0"/>
                 <a:t>TC</a:t>
               </a:r>
-              <a:endParaRPr lang="en-US" sz="1600" b="1" dirty="0" smtClean="0"/>
             </a:p>
           </p:txBody>
         </p:sp>
@@ -12795,7 +12845,6 @@
                 <a:rPr lang="en-US" sz="1600" b="1" dirty="0" smtClean="0"/>
                 <a:t>PL</a:t>
               </a:r>
-              <a:endParaRPr lang="en-US" sz="1600" b="1" dirty="0" smtClean="0"/>
             </a:p>
           </p:txBody>
         </p:sp>
@@ -12845,7 +12894,6 @@
                 <a:rPr lang="en-US" sz="1600" b="1" dirty="0" smtClean="0"/>
                 <a:t>L</a:t>
               </a:r>
-              <a:endParaRPr lang="en-US" sz="1600" b="1" dirty="0" smtClean="0"/>
             </a:p>
           </p:txBody>
         </p:sp>
@@ -12891,7 +12939,6 @@
                 <a:rPr lang="en-US" sz="1600" b="1" dirty="0" smtClean="0"/>
                 <a:t>PS</a:t>
               </a:r>
-              <a:endParaRPr lang="en-US" sz="1600" b="1" dirty="0" smtClean="0"/>
             </a:p>
           </p:txBody>
         </p:sp>
@@ -12941,7 +12988,6 @@
                 <a:rPr lang="en-US" sz="1600" b="1" dirty="0" smtClean="0"/>
                 <a:t>S</a:t>
               </a:r>
-              <a:endParaRPr lang="en-US" sz="1600" b="1" dirty="0" smtClean="0"/>
             </a:p>
           </p:txBody>
         </p:sp>
@@ -13028,7 +13074,6 @@
                 <a:rPr lang="en-US" sz="1600" b="1" dirty="0" smtClean="0"/>
                 <a:t>TC</a:t>
               </a:r>
-              <a:endParaRPr lang="en-US" sz="1600" b="1" dirty="0" smtClean="0"/>
             </a:p>
           </p:txBody>
         </p:sp>
@@ -13074,7 +13119,6 @@
                 <a:rPr lang="en-US" sz="1600" b="1" dirty="0" smtClean="0"/>
                 <a:t>TC</a:t>
               </a:r>
-              <a:endParaRPr lang="en-US" sz="1600" b="1" dirty="0" smtClean="0"/>
             </a:p>
           </p:txBody>
         </p:sp>
@@ -13124,7 +13168,6 @@
                 <a:rPr lang="en-US" sz="1600" b="1" dirty="0" smtClean="0"/>
                 <a:t>L</a:t>
               </a:r>
-              <a:endParaRPr lang="en-US" sz="1600" b="1" dirty="0" smtClean="0"/>
             </a:p>
           </p:txBody>
         </p:sp>
@@ -13267,7 +13310,6 @@
                 <a:rPr lang="en-US" sz="1600" b="1" dirty="0" smtClean="0"/>
                 <a:t>PL</a:t>
               </a:r>
-              <a:endParaRPr lang="en-US" sz="1600" b="1" dirty="0" smtClean="0"/>
             </a:p>
           </p:txBody>
         </p:sp>
@@ -13393,7 +13435,6 @@
                 <a:rPr lang="en-US" sz="1600" b="1" dirty="0" smtClean="0"/>
                 <a:t>PL</a:t>
               </a:r>
-              <a:endParaRPr lang="en-US" sz="1600" b="1" dirty="0" smtClean="0"/>
             </a:p>
           </p:txBody>
         </p:sp>
@@ -13443,7 +13484,6 @@
                 <a:rPr lang="en-US" sz="1600" b="1" dirty="0" smtClean="0"/>
                 <a:t>L</a:t>
               </a:r>
-              <a:endParaRPr lang="en-US" sz="1600" b="1" dirty="0" smtClean="0"/>
             </a:p>
           </p:txBody>
         </p:sp>
@@ -13489,7 +13529,6 @@
                 <a:rPr lang="en-US" sz="1600" b="1" dirty="0" smtClean="0"/>
                 <a:t>PS</a:t>
               </a:r>
-              <a:endParaRPr lang="en-US" sz="1600" b="1" dirty="0" smtClean="0"/>
             </a:p>
           </p:txBody>
         </p:sp>
@@ -13539,7 +13578,6 @@
                 <a:rPr lang="en-US" sz="1600" b="1" dirty="0" smtClean="0"/>
                 <a:t>S</a:t>
               </a:r>
-              <a:endParaRPr lang="en-US" sz="1600" b="1" dirty="0" smtClean="0"/>
             </a:p>
           </p:txBody>
         </p:sp>
@@ -13707,7 +13745,6 @@
                 <a:rPr lang="en-US" sz="1600" b="1" dirty="0" smtClean="0"/>
                 <a:t>PL</a:t>
               </a:r>
-              <a:endParaRPr lang="en-US" sz="1600" b="1" dirty="0" smtClean="0"/>
             </a:p>
           </p:txBody>
         </p:sp>
@@ -13757,7 +13794,6 @@
                 <a:rPr lang="en-US" sz="1600" b="1" dirty="0" smtClean="0"/>
                 <a:t>L</a:t>
               </a:r>
-              <a:endParaRPr lang="en-US" sz="1600" b="1" dirty="0" smtClean="0"/>
             </a:p>
           </p:txBody>
         </p:sp>
@@ -13803,7 +13839,6 @@
                 <a:rPr lang="en-US" sz="1600" b="1" dirty="0" smtClean="0"/>
                 <a:t>PS</a:t>
               </a:r>
-              <a:endParaRPr lang="en-US" sz="1600" b="1" dirty="0" smtClean="0"/>
             </a:p>
           </p:txBody>
         </p:sp>
@@ -13853,7 +13888,6 @@
                 <a:rPr lang="en-US" sz="1600" b="1" dirty="0" smtClean="0"/>
                 <a:t>S</a:t>
               </a:r>
-              <a:endParaRPr lang="en-US" sz="1600" b="1" dirty="0" smtClean="0"/>
             </a:p>
           </p:txBody>
         </p:sp>
@@ -13903,7 +13937,6 @@
                 <a:rPr lang="en-US" sz="1600" b="1" dirty="0" smtClean="0"/>
                 <a:t>L</a:t>
               </a:r>
-              <a:endParaRPr lang="en-US" sz="1600" b="1" dirty="0" smtClean="0"/>
             </a:p>
           </p:txBody>
         </p:sp>
@@ -13949,7 +13982,6 @@
                 <a:rPr lang="en-US" sz="1600" b="1" dirty="0" smtClean="0"/>
                 <a:t>TC</a:t>
               </a:r>
-              <a:endParaRPr lang="en-US" sz="1600" b="1" dirty="0" smtClean="0"/>
             </a:p>
           </p:txBody>
         </p:sp>
@@ -13995,7 +14027,6 @@
                 <a:rPr lang="en-US" sz="1600" b="1" dirty="0" smtClean="0"/>
                 <a:t>TC</a:t>
               </a:r>
-              <a:endParaRPr lang="en-US" sz="1600" b="1" dirty="0" smtClean="0"/>
             </a:p>
           </p:txBody>
         </p:sp>
@@ -14209,7 +14240,6 @@
                 <a:rPr lang="en-US" sz="1600" b="1" dirty="0" smtClean="0"/>
                 <a:t>TC</a:t>
               </a:r>
-              <a:endParaRPr lang="en-US" sz="1600" b="1" dirty="0" smtClean="0"/>
             </a:p>
           </p:txBody>
         </p:sp>
@@ -14255,7 +14285,6 @@
                 <a:rPr lang="en-US" sz="1600" b="1" dirty="0" smtClean="0"/>
                 <a:t>TC</a:t>
               </a:r>
-              <a:endParaRPr lang="en-US" sz="1600" b="1" dirty="0" smtClean="0"/>
             </a:p>
           </p:txBody>
         </p:sp>
@@ -14441,7 +14470,7 @@
   <p:timing>
     <p:tnLst>
       <p:par>
-        <p:cTn id="1" dur="indefinite" restart="never" nodeType="tmRoot"/>
+        <p:cTn xmlns:p14="http://schemas.microsoft.com/office/powerpoint/2010/main" id="1" dur="indefinite" restart="never" nodeType="tmRoot"/>
       </p:par>
     </p:tnLst>
   </p:timing>
@@ -15093,7 +15122,6 @@
                 <a:rPr lang="en-US" sz="1600" b="1" dirty="0" smtClean="0"/>
                 <a:t>PL</a:t>
               </a:r>
-              <a:endParaRPr lang="en-US" sz="1600" b="1" dirty="0" smtClean="0"/>
             </a:p>
           </p:txBody>
         </p:sp>
@@ -15219,7 +15247,6 @@
                 <a:rPr lang="en-US" sz="1600" b="1" dirty="0" smtClean="0"/>
                 <a:t>PL</a:t>
               </a:r>
-              <a:endParaRPr lang="en-US" sz="1600" b="1" dirty="0" smtClean="0"/>
             </a:p>
           </p:txBody>
         </p:sp>
@@ -15269,7 +15296,6 @@
                 <a:rPr lang="en-US" sz="1600" b="1" dirty="0" smtClean="0"/>
                 <a:t>L</a:t>
               </a:r>
-              <a:endParaRPr lang="en-US" sz="1600" b="1" dirty="0" smtClean="0"/>
             </a:p>
           </p:txBody>
         </p:sp>
@@ -15315,7 +15341,6 @@
                 <a:rPr lang="en-US" sz="1600" b="1" dirty="0" smtClean="0"/>
                 <a:t>PS</a:t>
               </a:r>
-              <a:endParaRPr lang="en-US" sz="1600" b="1" dirty="0" smtClean="0"/>
             </a:p>
           </p:txBody>
         </p:sp>
@@ -15365,7 +15390,6 @@
                 <a:rPr lang="en-US" sz="1600" b="1" dirty="0" smtClean="0"/>
                 <a:t>S</a:t>
               </a:r>
-              <a:endParaRPr lang="en-US" sz="1600" b="1" dirty="0" smtClean="0"/>
             </a:p>
           </p:txBody>
         </p:sp>
@@ -15533,7 +15557,6 @@
                 <a:rPr lang="en-US" sz="1600" b="1" dirty="0" smtClean="0"/>
                 <a:t>PL</a:t>
               </a:r>
-              <a:endParaRPr lang="en-US" sz="1600" b="1" dirty="0" smtClean="0"/>
             </a:p>
           </p:txBody>
         </p:sp>
@@ -15583,7 +15606,6 @@
                 <a:rPr lang="en-US" sz="1600" b="1" dirty="0" smtClean="0"/>
                 <a:t>L</a:t>
               </a:r>
-              <a:endParaRPr lang="en-US" sz="1600" b="1" dirty="0" smtClean="0"/>
             </a:p>
           </p:txBody>
         </p:sp>
@@ -15629,7 +15651,6 @@
                 <a:rPr lang="en-US" sz="1600" b="1" dirty="0" smtClean="0"/>
                 <a:t>PS</a:t>
               </a:r>
-              <a:endParaRPr lang="en-US" sz="1600" b="1" dirty="0" smtClean="0"/>
             </a:p>
           </p:txBody>
         </p:sp>
@@ -15679,7 +15700,6 @@
                 <a:rPr lang="en-US" sz="1600" b="1" dirty="0" smtClean="0"/>
                 <a:t>S</a:t>
               </a:r>
-              <a:endParaRPr lang="en-US" sz="1600" b="1" dirty="0" smtClean="0"/>
             </a:p>
           </p:txBody>
         </p:sp>
@@ -15729,7 +15749,6 @@
                 <a:rPr lang="en-US" sz="1600" b="1" dirty="0" smtClean="0"/>
                 <a:t>L</a:t>
               </a:r>
-              <a:endParaRPr lang="en-US" sz="1600" b="1" dirty="0" smtClean="0"/>
             </a:p>
           </p:txBody>
         </p:sp>
@@ -15775,7 +15794,6 @@
                 <a:rPr lang="en-US" sz="1600" b="1" dirty="0" smtClean="0"/>
                 <a:t>TC</a:t>
               </a:r>
-              <a:endParaRPr lang="en-US" sz="1600" b="1" dirty="0" smtClean="0"/>
             </a:p>
           </p:txBody>
         </p:sp>
@@ -15821,7 +15839,6 @@
                 <a:rPr lang="en-US" sz="1600" b="1" dirty="0" smtClean="0"/>
                 <a:t>TC</a:t>
               </a:r>
-              <a:endParaRPr lang="en-US" sz="1600" b="1" dirty="0" smtClean="0"/>
             </a:p>
           </p:txBody>
         </p:sp>
@@ -16035,7 +16052,6 @@
                 <a:rPr lang="en-US" sz="1600" b="1" dirty="0" smtClean="0"/>
                 <a:t>TC</a:t>
               </a:r>
-              <a:endParaRPr lang="en-US" sz="1600" b="1" dirty="0" smtClean="0"/>
             </a:p>
           </p:txBody>
         </p:sp>
@@ -16081,7 +16097,6 @@
                 <a:rPr lang="en-US" sz="1600" b="1" dirty="0" smtClean="0"/>
                 <a:t>TC</a:t>
               </a:r>
-              <a:endParaRPr lang="en-US" sz="1600" b="1" dirty="0" smtClean="0"/>
             </a:p>
           </p:txBody>
         </p:sp>
@@ -17086,7 +17101,4964 @@
   <p:timing>
     <p:tnLst>
       <p:par>
-        <p:cTn id="1" dur="indefinite" restart="never" nodeType="tmRoot"/>
+        <p:cTn xmlns:p14="http://schemas.microsoft.com/office/powerpoint/2010/main" id="1" dur="indefinite" restart="never" nodeType="tmRoot"/>
+      </p:par>
+    </p:tnLst>
+  </p:timing>
+</p:sld>
+</file>
+
+<file path=ppt/slides/slide15.xml><?xml version="1.0" encoding="utf-8"?>
+<p:sld xmlns:a="http://schemas.openxmlformats.org/drawingml/2006/main" xmlns:r="http://schemas.openxmlformats.org/officeDocument/2006/relationships" xmlns:p="http://schemas.openxmlformats.org/presentationml/2006/main">
+  <p:cSld>
+    <p:spTree>
+      <p:nvGrpSpPr>
+        <p:cNvPr id="1" name=""/>
+        <p:cNvGrpSpPr/>
+        <p:nvPr/>
+      </p:nvGrpSpPr>
+      <p:grpSpPr>
+        <a:xfrm>
+          <a:off x="0" y="0"/>
+          <a:ext cx="0" cy="0"/>
+          <a:chOff x="0" y="0"/>
+          <a:chExt cx="0" cy="0"/>
+        </a:xfrm>
+      </p:grpSpPr>
+      <p:sp>
+        <p:nvSpPr>
+          <p:cNvPr id="189" name="TextBox 3"/>
+          <p:cNvSpPr txBox="1"/>
+          <p:nvPr/>
+        </p:nvSpPr>
+        <p:spPr>
+          <a:xfrm>
+            <a:off x="124544" y="149655"/>
+            <a:ext cx="4760037" cy="892552"/>
+          </a:xfrm>
+          <a:prstGeom prst="rect">
+            <a:avLst/>
+          </a:prstGeom>
+          <a:noFill/>
+        </p:spPr>
+        <p:txBody>
+          <a:bodyPr wrap="none" rtlCol="0">
+            <a:spAutoFit/>
+          </a:bodyPr>
+          <a:lstStyle/>
+          <a:p>
+            <a:r>
+              <a:rPr lang="en-US" sz="3200" b="1" dirty="0" smtClean="0"/>
+              <a:t>USE CASE: </a:t>
+            </a:r>
+            <a:r>
+              <a:rPr lang="en-US" sz="3200" b="1" dirty="0" smtClean="0"/>
+              <a:t>Cross Validation </a:t>
+            </a:r>
+          </a:p>
+          <a:p>
+            <a:r>
+              <a:rPr lang="en-US" sz="2000" b="1" dirty="0" smtClean="0"/>
+              <a:t>(train + predict)</a:t>
+            </a:r>
+            <a:endParaRPr lang="en-US" sz="2000" b="1" dirty="0" smtClean="0"/>
+          </a:p>
+        </p:txBody>
+      </p:sp>
+      <p:grpSp>
+        <p:nvGrpSpPr>
+          <p:cNvPr id="16" name="Group 15"/>
+          <p:cNvGrpSpPr/>
+          <p:nvPr/>
+        </p:nvGrpSpPr>
+        <p:grpSpPr>
+          <a:xfrm>
+            <a:off x="416263" y="1400969"/>
+            <a:ext cx="1795471" cy="839186"/>
+            <a:chOff x="1053230" y="3102581"/>
+            <a:chExt cx="1795471" cy="839186"/>
+          </a:xfrm>
+        </p:grpSpPr>
+        <p:sp>
+          <p:nvSpPr>
+            <p:cNvPr id="84" name="Rounded Rectangle 181"/>
+            <p:cNvSpPr/>
+            <p:nvPr/>
+          </p:nvSpPr>
+          <p:spPr>
+            <a:xfrm>
+              <a:off x="1053230" y="3389279"/>
+              <a:ext cx="309202" cy="311150"/>
+            </a:xfrm>
+            <a:prstGeom prst="roundRect">
+              <a:avLst>
+                <a:gd name="adj" fmla="val 10785"/>
+              </a:avLst>
+            </a:prstGeom>
+          </p:spPr>
+          <p:style>
+            <a:lnRef idx="2">
+              <a:schemeClr val="accent1">
+                <a:shade val="50000"/>
+              </a:schemeClr>
+            </a:lnRef>
+            <a:fillRef idx="1">
+              <a:schemeClr val="accent1"/>
+            </a:fillRef>
+            <a:effectRef idx="0">
+              <a:schemeClr val="accent1"/>
+            </a:effectRef>
+            <a:fontRef idx="minor">
+              <a:schemeClr val="lt1"/>
+            </a:fontRef>
+          </p:style>
+          <p:txBody>
+            <a:bodyPr lIns="0" rIns="0" rtlCol="0" anchor="ctr"/>
+            <a:lstStyle/>
+            <a:p>
+              <a:pPr algn="ctr"/>
+              <a:r>
+                <a:rPr lang="en-US" sz="1600" b="1" dirty="0" smtClean="0"/>
+                <a:t>PL</a:t>
+              </a:r>
+            </a:p>
+          </p:txBody>
+        </p:sp>
+        <p:sp>
+          <p:nvSpPr>
+            <p:cNvPr id="85" name="Rounded Rectangle 53"/>
+            <p:cNvSpPr/>
+            <p:nvPr/>
+          </p:nvSpPr>
+          <p:spPr>
+            <a:xfrm>
+              <a:off x="2539499" y="3389279"/>
+              <a:ext cx="309202" cy="311150"/>
+            </a:xfrm>
+            <a:prstGeom prst="roundRect">
+              <a:avLst>
+                <a:gd name="adj" fmla="val 10785"/>
+              </a:avLst>
+            </a:prstGeom>
+          </p:spPr>
+          <p:style>
+            <a:lnRef idx="2">
+              <a:schemeClr val="accent1">
+                <a:shade val="50000"/>
+              </a:schemeClr>
+            </a:lnRef>
+            <a:fillRef idx="1">
+              <a:schemeClr val="accent1"/>
+            </a:fillRef>
+            <a:effectRef idx="0">
+              <a:schemeClr val="accent1"/>
+            </a:effectRef>
+            <a:fontRef idx="minor">
+              <a:schemeClr val="lt1"/>
+            </a:fontRef>
+          </p:style>
+          <p:txBody>
+            <a:bodyPr lIns="0" rIns="0" rtlCol="0" anchor="ctr"/>
+            <a:lstStyle/>
+            <a:p>
+              <a:pPr algn="ctr"/>
+              <a:r>
+                <a:rPr lang="en-US" sz="1600" b="1" dirty="0"/>
+                <a:t>S</a:t>
+              </a:r>
+              <a:r>
+                <a:rPr lang="en-US" sz="1600" b="1" dirty="0" smtClean="0"/>
+                <a:t>L</a:t>
+              </a:r>
+            </a:p>
+          </p:txBody>
+        </p:sp>
+        <p:sp>
+          <p:nvSpPr>
+            <p:cNvPr id="87" name="Rounded Rectangle 28"/>
+            <p:cNvSpPr/>
+            <p:nvPr/>
+          </p:nvSpPr>
+          <p:spPr>
+            <a:xfrm>
+              <a:off x="1777565" y="3102581"/>
+              <a:ext cx="309202" cy="311150"/>
+            </a:xfrm>
+            <a:prstGeom prst="roundRect">
+              <a:avLst>
+                <a:gd name="adj" fmla="val 10785"/>
+              </a:avLst>
+            </a:prstGeom>
+          </p:spPr>
+          <p:style>
+            <a:lnRef idx="2">
+              <a:schemeClr val="accent1">
+                <a:shade val="50000"/>
+              </a:schemeClr>
+            </a:lnRef>
+            <a:fillRef idx="1">
+              <a:schemeClr val="accent1"/>
+            </a:fillRef>
+            <a:effectRef idx="0">
+              <a:schemeClr val="accent1"/>
+            </a:effectRef>
+            <a:fontRef idx="minor">
+              <a:schemeClr val="lt1"/>
+            </a:fontRef>
+          </p:style>
+          <p:txBody>
+            <a:bodyPr lIns="0" rIns="0" rtlCol="0" anchor="ctr"/>
+            <a:lstStyle/>
+            <a:p>
+              <a:pPr algn="ctr"/>
+              <a:r>
+                <a:rPr lang="en-US" sz="1600" b="1" dirty="0" smtClean="0"/>
+                <a:t>TC</a:t>
+              </a:r>
+            </a:p>
+          </p:txBody>
+        </p:sp>
+        <p:cxnSp>
+          <p:nvCxnSpPr>
+            <p:cNvPr id="89" name="Elbow Connector 72"/>
+            <p:cNvCxnSpPr>
+              <a:stCxn id="84" idx="3"/>
+              <a:endCxn id="87" idx="1"/>
+            </p:cNvCxnSpPr>
+            <p:nvPr/>
+          </p:nvCxnSpPr>
+          <p:spPr>
+            <a:xfrm flipV="1">
+              <a:off x="1362432" y="3258156"/>
+              <a:ext cx="415133" cy="286698"/>
+            </a:xfrm>
+            <a:prstGeom prst="bentConnector3">
+              <a:avLst>
+                <a:gd name="adj1" fmla="val 50000"/>
+              </a:avLst>
+            </a:prstGeom>
+            <a:ln w="28575" cmpd="sng">
+              <a:solidFill>
+                <a:schemeClr val="accent1">
+                  <a:lumMod val="75000"/>
+                </a:schemeClr>
+              </a:solidFill>
+            </a:ln>
+          </p:spPr>
+          <p:style>
+            <a:lnRef idx="1">
+              <a:schemeClr val="accent1"/>
+            </a:lnRef>
+            <a:fillRef idx="0">
+              <a:schemeClr val="accent1"/>
+            </a:fillRef>
+            <a:effectRef idx="0">
+              <a:schemeClr val="accent1"/>
+            </a:effectRef>
+            <a:fontRef idx="minor">
+              <a:schemeClr val="tx1"/>
+            </a:fontRef>
+          </p:style>
+        </p:cxnSp>
+        <p:cxnSp>
+          <p:nvCxnSpPr>
+            <p:cNvPr id="91" name="Elbow Connector 75"/>
+            <p:cNvCxnSpPr>
+              <a:stCxn id="87" idx="3"/>
+              <a:endCxn id="85" idx="1"/>
+            </p:cNvCxnSpPr>
+            <p:nvPr/>
+          </p:nvCxnSpPr>
+          <p:spPr>
+            <a:xfrm>
+              <a:off x="2086767" y="3258156"/>
+              <a:ext cx="452732" cy="286698"/>
+            </a:xfrm>
+            <a:prstGeom prst="bentConnector3">
+              <a:avLst>
+                <a:gd name="adj1" fmla="val 50000"/>
+              </a:avLst>
+            </a:prstGeom>
+            <a:ln w="28575" cmpd="sng">
+              <a:solidFill>
+                <a:schemeClr val="accent1">
+                  <a:lumMod val="75000"/>
+                </a:schemeClr>
+              </a:solidFill>
+            </a:ln>
+          </p:spPr>
+          <p:style>
+            <a:lnRef idx="1">
+              <a:schemeClr val="accent1"/>
+            </a:lnRef>
+            <a:fillRef idx="0">
+              <a:schemeClr val="accent1"/>
+            </a:fillRef>
+            <a:effectRef idx="0">
+              <a:schemeClr val="accent1"/>
+            </a:effectRef>
+            <a:fontRef idx="minor">
+              <a:schemeClr val="tx1"/>
+            </a:fontRef>
+          </p:style>
+        </p:cxnSp>
+        <p:sp>
+          <p:nvSpPr>
+            <p:cNvPr id="92" name="Rounded Rectangle 25"/>
+            <p:cNvSpPr/>
+            <p:nvPr/>
+          </p:nvSpPr>
+          <p:spPr>
+            <a:xfrm>
+              <a:off x="1780829" y="3630617"/>
+              <a:ext cx="309202" cy="311150"/>
+            </a:xfrm>
+            <a:prstGeom prst="roundRect">
+              <a:avLst>
+                <a:gd name="adj" fmla="val 10785"/>
+              </a:avLst>
+            </a:prstGeom>
+          </p:spPr>
+          <p:style>
+            <a:lnRef idx="2">
+              <a:schemeClr val="accent1">
+                <a:shade val="50000"/>
+              </a:schemeClr>
+            </a:lnRef>
+            <a:fillRef idx="1">
+              <a:schemeClr val="accent1"/>
+            </a:fillRef>
+            <a:effectRef idx="0">
+              <a:schemeClr val="accent1"/>
+            </a:effectRef>
+            <a:fontRef idx="minor">
+              <a:schemeClr val="lt1"/>
+            </a:fontRef>
+          </p:style>
+          <p:txBody>
+            <a:bodyPr lIns="0" rIns="0" rtlCol="0" anchor="ctr"/>
+            <a:lstStyle/>
+            <a:p>
+              <a:pPr algn="ctr"/>
+              <a:r>
+                <a:rPr lang="en-US" sz="1600" b="1" dirty="0" smtClean="0"/>
+                <a:t>TC</a:t>
+              </a:r>
+            </a:p>
+          </p:txBody>
+        </p:sp>
+        <p:cxnSp>
+          <p:nvCxnSpPr>
+            <p:cNvPr id="93" name="Elbow Connector 7"/>
+            <p:cNvCxnSpPr>
+              <a:stCxn id="84" idx="3"/>
+              <a:endCxn id="92" idx="1"/>
+            </p:cNvCxnSpPr>
+            <p:nvPr/>
+          </p:nvCxnSpPr>
+          <p:spPr>
+            <a:xfrm>
+              <a:off x="1362432" y="3544854"/>
+              <a:ext cx="418397" cy="241338"/>
+            </a:xfrm>
+            <a:prstGeom prst="bentConnector3">
+              <a:avLst>
+                <a:gd name="adj1" fmla="val 50000"/>
+              </a:avLst>
+            </a:prstGeom>
+            <a:ln w="28575" cmpd="sng">
+              <a:solidFill>
+                <a:schemeClr val="accent1">
+                  <a:lumMod val="75000"/>
+                </a:schemeClr>
+              </a:solidFill>
+            </a:ln>
+          </p:spPr>
+          <p:style>
+            <a:lnRef idx="1">
+              <a:schemeClr val="accent1"/>
+            </a:lnRef>
+            <a:fillRef idx="0">
+              <a:schemeClr val="accent1"/>
+            </a:fillRef>
+            <a:effectRef idx="0">
+              <a:schemeClr val="accent1"/>
+            </a:effectRef>
+            <a:fontRef idx="minor">
+              <a:schemeClr val="tx1"/>
+            </a:fontRef>
+          </p:style>
+        </p:cxnSp>
+        <p:cxnSp>
+          <p:nvCxnSpPr>
+            <p:cNvPr id="96" name="Elbow Connector 73"/>
+            <p:cNvCxnSpPr>
+              <a:stCxn id="92" idx="3"/>
+              <a:endCxn id="85" idx="1"/>
+            </p:cNvCxnSpPr>
+            <p:nvPr/>
+          </p:nvCxnSpPr>
+          <p:spPr>
+            <a:xfrm flipV="1">
+              <a:off x="2090031" y="3544854"/>
+              <a:ext cx="449468" cy="241338"/>
+            </a:xfrm>
+            <a:prstGeom prst="bentConnector3">
+              <a:avLst>
+                <a:gd name="adj1" fmla="val 50000"/>
+              </a:avLst>
+            </a:prstGeom>
+            <a:ln w="28575" cmpd="sng">
+              <a:solidFill>
+                <a:schemeClr val="accent1">
+                  <a:lumMod val="75000"/>
+                </a:schemeClr>
+              </a:solidFill>
+            </a:ln>
+          </p:spPr>
+          <p:style>
+            <a:lnRef idx="1">
+              <a:schemeClr val="accent1"/>
+            </a:lnRef>
+            <a:fillRef idx="0">
+              <a:schemeClr val="accent1"/>
+            </a:fillRef>
+            <a:effectRef idx="0">
+              <a:schemeClr val="accent1"/>
+            </a:effectRef>
+            <a:fontRef idx="minor">
+              <a:schemeClr val="tx1"/>
+            </a:fontRef>
+          </p:style>
+        </p:cxnSp>
+      </p:grpSp>
+      <p:grpSp>
+        <p:nvGrpSpPr>
+          <p:cNvPr id="263" name="Group 262"/>
+          <p:cNvGrpSpPr/>
+          <p:nvPr/>
+        </p:nvGrpSpPr>
+        <p:grpSpPr>
+          <a:xfrm>
+            <a:off x="27118" y="4130654"/>
+            <a:ext cx="2649030" cy="2727412"/>
+            <a:chOff x="5475060" y="2865825"/>
+            <a:chExt cx="2649030" cy="2727412"/>
+          </a:xfrm>
+        </p:grpSpPr>
+        <p:sp>
+          <p:nvSpPr>
+            <p:cNvPr id="105" name="Rectangle 2"/>
+            <p:cNvSpPr/>
+            <p:nvPr/>
+          </p:nvSpPr>
+          <p:spPr>
+            <a:xfrm>
+              <a:off x="5475060" y="3172939"/>
+              <a:ext cx="473491" cy="2400657"/>
+            </a:xfrm>
+            <a:prstGeom prst="rect">
+              <a:avLst/>
+            </a:prstGeom>
+          </p:spPr>
+          <p:txBody>
+            <a:bodyPr wrap="square">
+              <a:spAutoFit/>
+            </a:bodyPr>
+            <a:lstStyle/>
+            <a:p>
+              <a:r>
+                <a:rPr lang="en-US" sz="1000" dirty="0" smtClean="0">
+                  <a:latin typeface="Lucida Console"/>
+                  <a:cs typeface="Lucida Console"/>
+                </a:rPr>
+                <a:t>Key</a:t>
+              </a:r>
+            </a:p>
+            <a:p>
+              <a:r>
+                <a:rPr lang="en-US" sz="1000" dirty="0" smtClean="0">
+                  <a:latin typeface="Lucida Console"/>
+                  <a:cs typeface="Lucida Console"/>
+                </a:rPr>
+                <a:t>1</a:t>
+              </a:r>
+            </a:p>
+            <a:p>
+              <a:r>
+                <a:rPr lang="en-US" sz="1000" dirty="0" smtClean="0">
+                  <a:latin typeface="Lucida Console"/>
+                  <a:cs typeface="Lucida Console"/>
+                </a:rPr>
+                <a:t>2</a:t>
+              </a:r>
+            </a:p>
+            <a:p>
+              <a:r>
+                <a:rPr lang="en-US" sz="1000" dirty="0" smtClean="0">
+                  <a:latin typeface="Lucida Console"/>
+                  <a:cs typeface="Lucida Console"/>
+                </a:rPr>
+                <a:t>3</a:t>
+              </a:r>
+            </a:p>
+            <a:p>
+              <a:r>
+                <a:rPr lang="en-US" sz="1000" dirty="0" smtClean="0">
+                  <a:latin typeface="Lucida Console"/>
+                  <a:cs typeface="Lucida Console"/>
+                </a:rPr>
+                <a:t>4</a:t>
+              </a:r>
+            </a:p>
+            <a:p>
+              <a:r>
+                <a:rPr lang="en-US" sz="1000" dirty="0" smtClean="0">
+                  <a:latin typeface="Lucida Console"/>
+                  <a:cs typeface="Lucida Console"/>
+                </a:rPr>
+                <a:t>5</a:t>
+              </a:r>
+            </a:p>
+            <a:p>
+              <a:r>
+                <a:rPr lang="en-US" sz="1000" dirty="0" smtClean="0">
+                  <a:latin typeface="Lucida Console"/>
+                  <a:cs typeface="Lucida Console"/>
+                </a:rPr>
+                <a:t>6</a:t>
+              </a:r>
+            </a:p>
+            <a:p>
+              <a:r>
+                <a:rPr lang="en-US" sz="1000" dirty="0" smtClean="0">
+                  <a:latin typeface="Lucida Console"/>
+                  <a:cs typeface="Lucida Console"/>
+                </a:rPr>
+                <a:t>7</a:t>
+              </a:r>
+            </a:p>
+            <a:p>
+              <a:r>
+                <a:rPr lang="en-US" sz="1000" dirty="0" smtClean="0">
+                  <a:latin typeface="Lucida Console"/>
+                  <a:cs typeface="Lucida Console"/>
+                </a:rPr>
+                <a:t>8</a:t>
+              </a:r>
+            </a:p>
+            <a:p>
+              <a:r>
+                <a:rPr lang="en-US" sz="1000" dirty="0" smtClean="0">
+                  <a:latin typeface="Lucida Console"/>
+                  <a:cs typeface="Lucida Console"/>
+                </a:rPr>
+                <a:t>9</a:t>
+              </a:r>
+            </a:p>
+            <a:p>
+              <a:r>
+                <a:rPr lang="en-US" sz="1000" dirty="0" smtClean="0">
+                  <a:latin typeface="Lucida Console"/>
+                  <a:cs typeface="Lucida Console"/>
+                </a:rPr>
+                <a:t>10</a:t>
+              </a:r>
+            </a:p>
+            <a:p>
+              <a:r>
+                <a:rPr lang="en-US" sz="1000" dirty="0" smtClean="0">
+                  <a:latin typeface="Lucida Console"/>
+                  <a:cs typeface="Lucida Console"/>
+                </a:rPr>
+                <a:t>11</a:t>
+              </a:r>
+            </a:p>
+            <a:p>
+              <a:r>
+                <a:rPr lang="en-US" sz="1000" dirty="0" smtClean="0">
+                  <a:latin typeface="Lucida Console"/>
+                  <a:cs typeface="Lucida Console"/>
+                </a:rPr>
+                <a:t>12</a:t>
+              </a:r>
+            </a:p>
+            <a:p>
+              <a:r>
+                <a:rPr lang="en-US" sz="1000" dirty="0" smtClean="0">
+                  <a:latin typeface="Lucida Console"/>
+                  <a:cs typeface="Lucida Console"/>
+                </a:rPr>
+                <a:t>13</a:t>
+              </a:r>
+            </a:p>
+            <a:p>
+              <a:r>
+                <a:rPr lang="en-US" sz="1000" dirty="0" smtClean="0">
+                  <a:latin typeface="Lucida Console"/>
+                  <a:cs typeface="Lucida Console"/>
+                </a:rPr>
+                <a:t>14</a:t>
+              </a:r>
+            </a:p>
+          </p:txBody>
+        </p:sp>
+        <p:sp>
+          <p:nvSpPr>
+            <p:cNvPr id="106" name="Rectangle 2"/>
+            <p:cNvSpPr/>
+            <p:nvPr/>
+          </p:nvSpPr>
+          <p:spPr>
+            <a:xfrm>
+              <a:off x="5864205" y="3172939"/>
+              <a:ext cx="830795" cy="2400657"/>
+            </a:xfrm>
+            <a:prstGeom prst="rect">
+              <a:avLst/>
+            </a:prstGeom>
+          </p:spPr>
+          <p:txBody>
+            <a:bodyPr wrap="square">
+              <a:spAutoFit/>
+            </a:bodyPr>
+            <a:lstStyle/>
+            <a:p>
+              <a:r>
+                <a:rPr lang="en-US" sz="1000" dirty="0" smtClean="0">
+                  <a:latin typeface="Lucida Console"/>
+                  <a:cs typeface="Lucida Console"/>
+                </a:rPr>
+                <a:t>Content</a:t>
+              </a:r>
+            </a:p>
+            <a:p>
+              <a:r>
+                <a:rPr lang="en-US" sz="1000" dirty="0" smtClean="0">
+                  <a:latin typeface="Lucida Console"/>
+                  <a:cs typeface="Lucida Console"/>
+                </a:rPr>
+                <a:t>...</a:t>
+              </a:r>
+              <a:endParaRPr lang="en-US" sz="1000" dirty="0">
+                <a:latin typeface="Lucida Console"/>
+                <a:cs typeface="Lucida Console"/>
+              </a:endParaRPr>
+            </a:p>
+            <a:p>
+              <a:r>
+                <a:rPr lang="en-US" sz="1000" dirty="0" smtClean="0">
+                  <a:latin typeface="Lucida Console"/>
+                  <a:cs typeface="Lucida Console"/>
+                </a:rPr>
+                <a:t>...</a:t>
+              </a:r>
+            </a:p>
+            <a:p>
+              <a:r>
+                <a:rPr lang="en-US" sz="1000" dirty="0" smtClean="0">
+                  <a:latin typeface="Lucida Console"/>
+                  <a:cs typeface="Lucida Console"/>
+                </a:rPr>
+                <a:t>...</a:t>
+              </a:r>
+            </a:p>
+            <a:p>
+              <a:r>
+                <a:rPr lang="en-US" sz="1000" dirty="0" smtClean="0">
+                  <a:latin typeface="Lucida Console"/>
+                  <a:cs typeface="Lucida Console"/>
+                </a:rPr>
+                <a:t>...</a:t>
+              </a:r>
+            </a:p>
+            <a:p>
+              <a:r>
+                <a:rPr lang="en-US" sz="1000" dirty="0" smtClean="0">
+                  <a:latin typeface="Lucida Console"/>
+                  <a:cs typeface="Lucida Console"/>
+                </a:rPr>
+                <a:t>...</a:t>
+              </a:r>
+            </a:p>
+            <a:p>
+              <a:r>
+                <a:rPr lang="en-US" sz="1000" dirty="0" smtClean="0">
+                  <a:latin typeface="Lucida Console"/>
+                  <a:cs typeface="Lucida Console"/>
+                </a:rPr>
+                <a:t>...</a:t>
+              </a:r>
+            </a:p>
+            <a:p>
+              <a:r>
+                <a:rPr lang="en-US" sz="1000" dirty="0" smtClean="0">
+                  <a:latin typeface="Lucida Console"/>
+                  <a:cs typeface="Lucida Console"/>
+                </a:rPr>
+                <a:t>...</a:t>
+              </a:r>
+            </a:p>
+            <a:p>
+              <a:r>
+                <a:rPr lang="en-US" sz="1000" dirty="0" smtClean="0">
+                  <a:latin typeface="Lucida Console"/>
+                  <a:cs typeface="Lucida Console"/>
+                </a:rPr>
+                <a:t>...</a:t>
+              </a:r>
+            </a:p>
+            <a:p>
+              <a:r>
+                <a:rPr lang="en-US" sz="1000" dirty="0" smtClean="0">
+                  <a:latin typeface="Lucida Console"/>
+                  <a:cs typeface="Lucida Console"/>
+                </a:rPr>
+                <a:t>...</a:t>
+              </a:r>
+              <a:endParaRPr lang="en-US" sz="1000" dirty="0">
+                <a:latin typeface="Lucida Console"/>
+                <a:cs typeface="Lucida Console"/>
+              </a:endParaRPr>
+            </a:p>
+            <a:p>
+              <a:r>
+                <a:rPr lang="en-US" sz="1000" dirty="0">
+                  <a:latin typeface="Lucida Console"/>
+                  <a:cs typeface="Lucida Console"/>
+                </a:rPr>
+                <a:t>...</a:t>
+              </a:r>
+            </a:p>
+            <a:p>
+              <a:r>
+                <a:rPr lang="en-US" sz="1000" dirty="0">
+                  <a:latin typeface="Lucida Console"/>
+                  <a:cs typeface="Lucida Console"/>
+                </a:rPr>
+                <a:t>...</a:t>
+              </a:r>
+            </a:p>
+            <a:p>
+              <a:r>
+                <a:rPr lang="en-US" sz="1000" dirty="0">
+                  <a:latin typeface="Lucida Console"/>
+                  <a:cs typeface="Lucida Console"/>
+                </a:rPr>
+                <a:t>...</a:t>
+              </a:r>
+            </a:p>
+            <a:p>
+              <a:r>
+                <a:rPr lang="en-US" sz="1000" dirty="0">
+                  <a:latin typeface="Lucida Console"/>
+                  <a:cs typeface="Lucida Console"/>
+                </a:rPr>
+                <a:t>...</a:t>
+              </a:r>
+            </a:p>
+            <a:p>
+              <a:r>
+                <a:rPr lang="en-US" sz="1000" dirty="0" smtClean="0">
+                  <a:latin typeface="Lucida Console"/>
+                  <a:cs typeface="Lucida Console"/>
+                </a:rPr>
+                <a:t>...</a:t>
+              </a:r>
+              <a:endParaRPr lang="en-US" sz="1000" dirty="0">
+                <a:latin typeface="Lucida Console"/>
+                <a:cs typeface="Lucida Console"/>
+              </a:endParaRPr>
+            </a:p>
+          </p:txBody>
+        </p:sp>
+        <p:sp>
+          <p:nvSpPr>
+            <p:cNvPr id="108" name="Rectangle 2"/>
+            <p:cNvSpPr/>
+            <p:nvPr/>
+          </p:nvSpPr>
+          <p:spPr>
+            <a:xfrm>
+              <a:off x="6649965" y="2884803"/>
+              <a:ext cx="1474125" cy="2708434"/>
+            </a:xfrm>
+            <a:prstGeom prst="rect">
+              <a:avLst/>
+            </a:prstGeom>
+          </p:spPr>
+          <p:txBody>
+            <a:bodyPr wrap="square">
+              <a:spAutoFit/>
+            </a:bodyPr>
+            <a:lstStyle/>
+            <a:p>
+              <a:r>
+                <a:rPr lang="en-US" sz="1000" dirty="0" smtClean="0">
+                  <a:latin typeface="Lucida Console"/>
+                  <a:cs typeface="Lucida Console"/>
+                </a:rPr>
+                <a:t>Tags by </a:t>
+              </a:r>
+            </a:p>
+            <a:p>
+              <a:r>
+                <a:rPr lang="en-US" sz="1000" dirty="0" err="1" smtClean="0">
+                  <a:latin typeface="Lucida Console"/>
+                  <a:cs typeface="Lucida Console"/>
+                </a:rPr>
+                <a:t>CrossValidation</a:t>
+              </a:r>
+              <a:endParaRPr lang="en-US" sz="1000" dirty="0" smtClean="0">
+                <a:latin typeface="Lucida Console"/>
+                <a:cs typeface="Lucida Console"/>
+              </a:endParaRPr>
+            </a:p>
+            <a:p>
+              <a:r>
+                <a:rPr lang="en-US" sz="1000" dirty="0" smtClean="0">
+                  <a:latin typeface="Lucida Console"/>
+                  <a:cs typeface="Lucida Console"/>
+                </a:rPr>
+                <a:t>Fold    </a:t>
+              </a:r>
+              <a:r>
+                <a:rPr lang="en-US" sz="1000" dirty="0" smtClean="0">
+                  <a:latin typeface="Lucida Console"/>
+                  <a:cs typeface="Lucida Console"/>
+                </a:rPr>
+                <a:t>Function</a:t>
+              </a:r>
+            </a:p>
+            <a:p>
+              <a:r>
+                <a:rPr lang="en-US" sz="1000" dirty="0" smtClean="0">
+                  <a:latin typeface="Lucida Console"/>
+                  <a:cs typeface="Lucida Console"/>
+                </a:rPr>
+                <a:t>  1 	    TRAIN</a:t>
+              </a:r>
+            </a:p>
+            <a:p>
+              <a:r>
+                <a:rPr lang="en-US" sz="1000" dirty="0">
+                  <a:latin typeface="Lucida Console"/>
+                  <a:cs typeface="Lucida Console"/>
+                </a:rPr>
+                <a:t> </a:t>
+              </a:r>
+              <a:r>
+                <a:rPr lang="en-US" sz="1000" dirty="0" smtClean="0">
+                  <a:latin typeface="Lucida Console"/>
+                  <a:cs typeface="Lucida Console"/>
+                </a:rPr>
+                <a:t> 1 	    TRAIN</a:t>
+              </a:r>
+            </a:p>
+            <a:p>
+              <a:r>
+                <a:rPr lang="en-US" sz="1000" dirty="0" smtClean="0">
+                  <a:latin typeface="Lucida Console"/>
+                  <a:cs typeface="Lucida Console"/>
+                </a:rPr>
+                <a:t>  </a:t>
+              </a:r>
+              <a:r>
+                <a:rPr lang="en-US" sz="1000" dirty="0">
+                  <a:latin typeface="Lucida Console"/>
+                  <a:cs typeface="Lucida Console"/>
+                </a:rPr>
+                <a:t>1 	    </a:t>
+              </a:r>
+              <a:r>
+                <a:rPr lang="en-US" sz="1000" dirty="0" smtClean="0">
+                  <a:latin typeface="Lucida Console"/>
+                  <a:cs typeface="Lucida Console"/>
+                </a:rPr>
+                <a:t>TRAIN</a:t>
+              </a:r>
+            </a:p>
+            <a:p>
+              <a:r>
+                <a:rPr lang="en-US" sz="1000" dirty="0" smtClean="0">
+                  <a:latin typeface="Lucida Console"/>
+                  <a:cs typeface="Lucida Console"/>
+                </a:rPr>
+                <a:t>  1 </a:t>
+              </a:r>
+              <a:r>
+                <a:rPr lang="en-US" sz="1000" dirty="0">
+                  <a:latin typeface="Lucida Console"/>
+                  <a:cs typeface="Lucida Console"/>
+                </a:rPr>
+                <a:t>	    </a:t>
+              </a:r>
+              <a:r>
+                <a:rPr lang="en-US" sz="1000" dirty="0" smtClean="0">
+                  <a:latin typeface="Lucida Console"/>
+                  <a:cs typeface="Lucida Console"/>
+                </a:rPr>
+                <a:t>TRAIN</a:t>
+              </a:r>
+            </a:p>
+            <a:p>
+              <a:r>
+                <a:rPr lang="en-US" sz="1000" dirty="0" smtClean="0">
+                  <a:latin typeface="Lucida Console"/>
+                  <a:cs typeface="Lucida Console"/>
+                </a:rPr>
+                <a:t>  </a:t>
+              </a:r>
+              <a:r>
+                <a:rPr lang="en-US" sz="1000" dirty="0">
+                  <a:latin typeface="Lucida Console"/>
+                  <a:cs typeface="Lucida Console"/>
+                </a:rPr>
+                <a:t>1 	    </a:t>
+              </a:r>
+              <a:r>
+                <a:rPr lang="en-US" sz="1000" dirty="0" smtClean="0">
+                  <a:latin typeface="Lucida Console"/>
+                  <a:cs typeface="Lucida Console"/>
+                </a:rPr>
+                <a:t>TEST</a:t>
+              </a:r>
+            </a:p>
+            <a:p>
+              <a:r>
+                <a:rPr lang="en-US" sz="1000" dirty="0" smtClean="0">
+                  <a:latin typeface="Lucida Console"/>
+                  <a:cs typeface="Lucida Console"/>
+                </a:rPr>
+                <a:t>  </a:t>
+              </a:r>
+              <a:r>
+                <a:rPr lang="en-US" sz="1000" dirty="0">
+                  <a:latin typeface="Lucida Console"/>
+                  <a:cs typeface="Lucida Console"/>
+                </a:rPr>
+                <a:t>1 	    </a:t>
+              </a:r>
+              <a:r>
+                <a:rPr lang="en-US" sz="1000" dirty="0" smtClean="0">
+                  <a:latin typeface="Lucida Console"/>
+                  <a:cs typeface="Lucida Console"/>
+                </a:rPr>
+                <a:t>TEST</a:t>
+              </a:r>
+            </a:p>
+            <a:p>
+              <a:r>
+                <a:rPr lang="en-US" sz="1000" dirty="0" smtClean="0">
+                  <a:latin typeface="Lucida Console"/>
+                  <a:cs typeface="Lucida Console"/>
+                </a:rPr>
+                <a:t>  2 </a:t>
+              </a:r>
+              <a:r>
+                <a:rPr lang="en-US" sz="1000" dirty="0">
+                  <a:latin typeface="Lucida Console"/>
+                  <a:cs typeface="Lucida Console"/>
+                </a:rPr>
+                <a:t>	    </a:t>
+              </a:r>
+              <a:r>
+                <a:rPr lang="en-US" sz="1000" dirty="0" smtClean="0">
+                  <a:latin typeface="Lucida Console"/>
+                  <a:cs typeface="Lucida Console"/>
+                </a:rPr>
+                <a:t>TRAIN</a:t>
+              </a:r>
+            </a:p>
+            <a:p>
+              <a:r>
+                <a:rPr lang="en-US" sz="1000" dirty="0" smtClean="0">
+                  <a:latin typeface="Lucida Console"/>
+                  <a:cs typeface="Lucida Console"/>
+                </a:rPr>
+                <a:t>  </a:t>
+              </a:r>
+              <a:r>
+                <a:rPr lang="en-US" sz="1000" dirty="0">
+                  <a:latin typeface="Lucida Console"/>
+                  <a:cs typeface="Lucida Console"/>
+                </a:rPr>
+                <a:t>2 	    </a:t>
+              </a:r>
+              <a:r>
+                <a:rPr lang="en-US" sz="1000" dirty="0" smtClean="0">
+                  <a:latin typeface="Lucida Console"/>
+                  <a:cs typeface="Lucida Console"/>
+                </a:rPr>
+                <a:t>TRAIN</a:t>
+              </a:r>
+            </a:p>
+            <a:p>
+              <a:r>
+                <a:rPr lang="en-US" sz="1000" dirty="0">
+                  <a:latin typeface="Lucida Console"/>
+                  <a:cs typeface="Lucida Console"/>
+                </a:rPr>
+                <a:t> </a:t>
+              </a:r>
+              <a:r>
+                <a:rPr lang="en-US" sz="1000" dirty="0" smtClean="0">
+                  <a:latin typeface="Lucida Console"/>
+                  <a:cs typeface="Lucida Console"/>
+                </a:rPr>
+                <a:t> 2 </a:t>
+              </a:r>
+              <a:r>
+                <a:rPr lang="en-US" sz="1000" dirty="0">
+                  <a:latin typeface="Lucida Console"/>
+                  <a:cs typeface="Lucida Console"/>
+                </a:rPr>
+                <a:t>	    </a:t>
+              </a:r>
+              <a:r>
+                <a:rPr lang="en-US" sz="1000" dirty="0" smtClean="0">
+                  <a:latin typeface="Lucida Console"/>
+                  <a:cs typeface="Lucida Console"/>
+                </a:rPr>
+                <a:t>TRAIN</a:t>
+              </a:r>
+            </a:p>
+            <a:p>
+              <a:r>
+                <a:rPr lang="en-US" sz="1000" dirty="0">
+                  <a:latin typeface="Lucida Console"/>
+                  <a:cs typeface="Lucida Console"/>
+                </a:rPr>
+                <a:t> </a:t>
+              </a:r>
+              <a:r>
+                <a:rPr lang="en-US" sz="1000" dirty="0" smtClean="0">
+                  <a:latin typeface="Lucida Console"/>
+                  <a:cs typeface="Lucida Console"/>
+                </a:rPr>
+                <a:t> 2 </a:t>
+              </a:r>
+              <a:r>
+                <a:rPr lang="en-US" sz="1000" dirty="0">
+                  <a:latin typeface="Lucida Console"/>
+                  <a:cs typeface="Lucida Console"/>
+                </a:rPr>
+                <a:t>	    </a:t>
+              </a:r>
+              <a:r>
+                <a:rPr lang="en-US" sz="1000" dirty="0" smtClean="0">
+                  <a:latin typeface="Lucida Console"/>
+                  <a:cs typeface="Lucida Console"/>
+                </a:rPr>
+                <a:t>TRAIN</a:t>
+              </a:r>
+            </a:p>
+            <a:p>
+              <a:r>
+                <a:rPr lang="en-US" sz="1000" dirty="0">
+                  <a:latin typeface="Lucida Console"/>
+                  <a:cs typeface="Lucida Console"/>
+                </a:rPr>
+                <a:t> </a:t>
+              </a:r>
+              <a:r>
+                <a:rPr lang="en-US" sz="1000" dirty="0" smtClean="0">
+                  <a:latin typeface="Lucida Console"/>
+                  <a:cs typeface="Lucida Console"/>
+                </a:rPr>
+                <a:t> 2 </a:t>
+              </a:r>
+              <a:r>
+                <a:rPr lang="en-US" sz="1000" dirty="0">
+                  <a:latin typeface="Lucida Console"/>
+                  <a:cs typeface="Lucida Console"/>
+                </a:rPr>
+                <a:t>	    </a:t>
+              </a:r>
+              <a:r>
+                <a:rPr lang="en-US" sz="1000" dirty="0" smtClean="0">
+                  <a:latin typeface="Lucida Console"/>
+                  <a:cs typeface="Lucida Console"/>
+                </a:rPr>
+                <a:t>TRAIN</a:t>
+              </a:r>
+            </a:p>
+            <a:p>
+              <a:r>
+                <a:rPr lang="en-US" sz="1000" dirty="0">
+                  <a:latin typeface="Lucida Console"/>
+                  <a:cs typeface="Lucida Console"/>
+                </a:rPr>
+                <a:t> </a:t>
+              </a:r>
+              <a:r>
+                <a:rPr lang="en-US" sz="1000" dirty="0" smtClean="0">
+                  <a:latin typeface="Lucida Console"/>
+                  <a:cs typeface="Lucida Console"/>
+                </a:rPr>
+                <a:t> 2 </a:t>
+              </a:r>
+              <a:r>
+                <a:rPr lang="en-US" sz="1000" dirty="0">
+                  <a:latin typeface="Lucida Console"/>
+                  <a:cs typeface="Lucida Console"/>
+                </a:rPr>
+                <a:t>	    </a:t>
+              </a:r>
+              <a:r>
+                <a:rPr lang="en-US" sz="1000" dirty="0" smtClean="0">
+                  <a:latin typeface="Lucida Console"/>
+                  <a:cs typeface="Lucida Console"/>
+                </a:rPr>
+                <a:t>TRAIN</a:t>
+              </a:r>
+            </a:p>
+            <a:p>
+              <a:r>
+                <a:rPr lang="en-US" sz="1000" dirty="0" smtClean="0">
+                  <a:latin typeface="Lucida Console"/>
+                  <a:cs typeface="Lucida Console"/>
+                </a:rPr>
+                <a:t>  </a:t>
+              </a:r>
+              <a:r>
+                <a:rPr lang="en-US" sz="1000" dirty="0">
+                  <a:latin typeface="Lucida Console"/>
+                  <a:cs typeface="Lucida Console"/>
+                </a:rPr>
+                <a:t>2 	    </a:t>
+              </a:r>
+              <a:r>
+                <a:rPr lang="en-US" sz="1000" dirty="0" smtClean="0">
+                  <a:latin typeface="Lucida Console"/>
+                  <a:cs typeface="Lucida Console"/>
+                </a:rPr>
+                <a:t>TEST</a:t>
+              </a:r>
+            </a:p>
+            <a:p>
+              <a:r>
+                <a:rPr lang="en-US" sz="1000" dirty="0" smtClean="0">
+                  <a:latin typeface="Lucida Console"/>
+                  <a:cs typeface="Lucida Console"/>
+                </a:rPr>
+                <a:t>  </a:t>
+              </a:r>
+              <a:r>
+                <a:rPr lang="en-US" sz="1000" dirty="0">
+                  <a:latin typeface="Lucida Console"/>
+                  <a:cs typeface="Lucida Console"/>
+                </a:rPr>
+                <a:t>2 	    </a:t>
+              </a:r>
+              <a:r>
+                <a:rPr lang="en-US" sz="1000" dirty="0" smtClean="0">
+                  <a:latin typeface="Lucida Console"/>
+                  <a:cs typeface="Lucida Console"/>
+                </a:rPr>
+                <a:t>TEST</a:t>
+              </a:r>
+            </a:p>
+          </p:txBody>
+        </p:sp>
+        <p:sp>
+          <p:nvSpPr>
+            <p:cNvPr id="110" name="Rectangle 7"/>
+            <p:cNvSpPr/>
+            <p:nvPr/>
+          </p:nvSpPr>
+          <p:spPr>
+            <a:xfrm>
+              <a:off x="5533237" y="3375338"/>
+              <a:ext cx="2590853" cy="316285"/>
+            </a:xfrm>
+            <a:prstGeom prst="rect">
+              <a:avLst/>
+            </a:prstGeom>
+            <a:solidFill>
+              <a:schemeClr val="accent6">
+                <a:alpha val="26000"/>
+              </a:schemeClr>
+            </a:solidFill>
+            <a:ln>
+              <a:noFill/>
+            </a:ln>
+          </p:spPr>
+          <p:style>
+            <a:lnRef idx="2">
+              <a:schemeClr val="accent6">
+                <a:shade val="50000"/>
+              </a:schemeClr>
+            </a:lnRef>
+            <a:fillRef idx="1">
+              <a:schemeClr val="accent6"/>
+            </a:fillRef>
+            <a:effectRef idx="0">
+              <a:schemeClr val="accent6"/>
+            </a:effectRef>
+            <a:fontRef idx="minor">
+              <a:schemeClr val="lt1"/>
+            </a:fontRef>
+          </p:style>
+          <p:txBody>
+            <a:bodyPr rtlCol="0" anchor="ctr"/>
+            <a:lstStyle/>
+            <a:p>
+              <a:endParaRPr lang="en-US" sz="1000" dirty="0" smtClean="0">
+                <a:solidFill>
+                  <a:schemeClr val="tx1"/>
+                </a:solidFill>
+                <a:latin typeface="Lucida Console" pitchFamily="49" charset="0"/>
+              </a:endParaRPr>
+            </a:p>
+          </p:txBody>
+        </p:sp>
+        <p:sp>
+          <p:nvSpPr>
+            <p:cNvPr id="111" name="Rectangle 7"/>
+            <p:cNvSpPr/>
+            <p:nvPr/>
+          </p:nvSpPr>
+          <p:spPr>
+            <a:xfrm>
+              <a:off x="5533237" y="4008031"/>
+              <a:ext cx="2590853" cy="316285"/>
+            </a:xfrm>
+            <a:prstGeom prst="rect">
+              <a:avLst/>
+            </a:prstGeom>
+            <a:solidFill>
+              <a:schemeClr val="accent6">
+                <a:alpha val="26000"/>
+              </a:schemeClr>
+            </a:solidFill>
+            <a:ln>
+              <a:noFill/>
+            </a:ln>
+          </p:spPr>
+          <p:style>
+            <a:lnRef idx="2">
+              <a:schemeClr val="accent6">
+                <a:shade val="50000"/>
+              </a:schemeClr>
+            </a:lnRef>
+            <a:fillRef idx="1">
+              <a:schemeClr val="accent6"/>
+            </a:fillRef>
+            <a:effectRef idx="0">
+              <a:schemeClr val="accent6"/>
+            </a:effectRef>
+            <a:fontRef idx="minor">
+              <a:schemeClr val="lt1"/>
+            </a:fontRef>
+          </p:style>
+          <p:txBody>
+            <a:bodyPr rtlCol="0" anchor="ctr"/>
+            <a:lstStyle/>
+            <a:p>
+              <a:endParaRPr lang="en-US" sz="1000" dirty="0" smtClean="0">
+                <a:solidFill>
+                  <a:schemeClr val="tx1"/>
+                </a:solidFill>
+                <a:latin typeface="Lucida Console" pitchFamily="49" charset="0"/>
+              </a:endParaRPr>
+            </a:p>
+          </p:txBody>
+        </p:sp>
+        <p:sp>
+          <p:nvSpPr>
+            <p:cNvPr id="112" name="Rectangle 7"/>
+            <p:cNvSpPr/>
+            <p:nvPr/>
+          </p:nvSpPr>
+          <p:spPr>
+            <a:xfrm>
+              <a:off x="5533237" y="4600758"/>
+              <a:ext cx="2590853" cy="316285"/>
+            </a:xfrm>
+            <a:prstGeom prst="rect">
+              <a:avLst/>
+            </a:prstGeom>
+            <a:solidFill>
+              <a:schemeClr val="accent6">
+                <a:alpha val="26000"/>
+              </a:schemeClr>
+            </a:solidFill>
+            <a:ln>
+              <a:noFill/>
+            </a:ln>
+          </p:spPr>
+          <p:style>
+            <a:lnRef idx="2">
+              <a:schemeClr val="accent6">
+                <a:shade val="50000"/>
+              </a:schemeClr>
+            </a:lnRef>
+            <a:fillRef idx="1">
+              <a:schemeClr val="accent6"/>
+            </a:fillRef>
+            <a:effectRef idx="0">
+              <a:schemeClr val="accent6"/>
+            </a:effectRef>
+            <a:fontRef idx="minor">
+              <a:schemeClr val="lt1"/>
+            </a:fontRef>
+          </p:style>
+          <p:txBody>
+            <a:bodyPr rtlCol="0" anchor="ctr"/>
+            <a:lstStyle/>
+            <a:p>
+              <a:endParaRPr lang="en-US" sz="1000" dirty="0" smtClean="0">
+                <a:solidFill>
+                  <a:schemeClr val="tx1"/>
+                </a:solidFill>
+                <a:latin typeface="Lucida Console" pitchFamily="49" charset="0"/>
+              </a:endParaRPr>
+            </a:p>
+          </p:txBody>
+        </p:sp>
+        <p:sp>
+          <p:nvSpPr>
+            <p:cNvPr id="113" name="Rectangle 7"/>
+            <p:cNvSpPr/>
+            <p:nvPr/>
+          </p:nvSpPr>
+          <p:spPr>
+            <a:xfrm>
+              <a:off x="5533237" y="5229318"/>
+              <a:ext cx="2590853" cy="316285"/>
+            </a:xfrm>
+            <a:prstGeom prst="rect">
+              <a:avLst/>
+            </a:prstGeom>
+            <a:solidFill>
+              <a:schemeClr val="accent6">
+                <a:alpha val="26000"/>
+              </a:schemeClr>
+            </a:solidFill>
+            <a:ln>
+              <a:noFill/>
+            </a:ln>
+          </p:spPr>
+          <p:style>
+            <a:lnRef idx="2">
+              <a:schemeClr val="accent6">
+                <a:shade val="50000"/>
+              </a:schemeClr>
+            </a:lnRef>
+            <a:fillRef idx="1">
+              <a:schemeClr val="accent6"/>
+            </a:fillRef>
+            <a:effectRef idx="0">
+              <a:schemeClr val="accent6"/>
+            </a:effectRef>
+            <a:fontRef idx="minor">
+              <a:schemeClr val="lt1"/>
+            </a:fontRef>
+          </p:style>
+          <p:txBody>
+            <a:bodyPr rtlCol="0" anchor="ctr"/>
+            <a:lstStyle/>
+            <a:p>
+              <a:endParaRPr lang="en-US" sz="1000" dirty="0" smtClean="0">
+                <a:solidFill>
+                  <a:schemeClr val="tx1"/>
+                </a:solidFill>
+                <a:latin typeface="Lucida Console" pitchFamily="49" charset="0"/>
+              </a:endParaRPr>
+            </a:p>
+          </p:txBody>
+        </p:sp>
+        <p:sp>
+          <p:nvSpPr>
+            <p:cNvPr id="114" name="Rectangle 7"/>
+            <p:cNvSpPr/>
+            <p:nvPr/>
+          </p:nvSpPr>
+          <p:spPr>
+            <a:xfrm>
+              <a:off x="5533237" y="3691746"/>
+              <a:ext cx="2590853" cy="316285"/>
+            </a:xfrm>
+            <a:prstGeom prst="rect">
+              <a:avLst/>
+            </a:prstGeom>
+            <a:solidFill>
+              <a:schemeClr val="accent1">
+                <a:lumMod val="60000"/>
+                <a:lumOff val="40000"/>
+                <a:alpha val="26000"/>
+              </a:schemeClr>
+            </a:solidFill>
+            <a:ln>
+              <a:noFill/>
+            </a:ln>
+          </p:spPr>
+          <p:style>
+            <a:lnRef idx="2">
+              <a:schemeClr val="accent6">
+                <a:shade val="50000"/>
+              </a:schemeClr>
+            </a:lnRef>
+            <a:fillRef idx="1">
+              <a:schemeClr val="accent6"/>
+            </a:fillRef>
+            <a:effectRef idx="0">
+              <a:schemeClr val="accent6"/>
+            </a:effectRef>
+            <a:fontRef idx="minor">
+              <a:schemeClr val="lt1"/>
+            </a:fontRef>
+          </p:style>
+          <p:txBody>
+            <a:bodyPr rtlCol="0" anchor="ctr"/>
+            <a:lstStyle/>
+            <a:p>
+              <a:endParaRPr lang="en-US" sz="1000" dirty="0" smtClean="0">
+                <a:solidFill>
+                  <a:schemeClr val="tx1"/>
+                </a:solidFill>
+                <a:latin typeface="Lucida Console" pitchFamily="49" charset="0"/>
+              </a:endParaRPr>
+            </a:p>
+          </p:txBody>
+        </p:sp>
+        <p:sp>
+          <p:nvSpPr>
+            <p:cNvPr id="115" name="Rectangle 7"/>
+            <p:cNvSpPr/>
+            <p:nvPr/>
+          </p:nvSpPr>
+          <p:spPr>
+            <a:xfrm>
+              <a:off x="5533237" y="4324317"/>
+              <a:ext cx="2590853" cy="276442"/>
+            </a:xfrm>
+            <a:prstGeom prst="rect">
+              <a:avLst/>
+            </a:prstGeom>
+            <a:solidFill>
+              <a:schemeClr val="accent1">
+                <a:lumMod val="60000"/>
+                <a:lumOff val="40000"/>
+                <a:alpha val="26000"/>
+              </a:schemeClr>
+            </a:solidFill>
+            <a:ln>
+              <a:noFill/>
+            </a:ln>
+          </p:spPr>
+          <p:style>
+            <a:lnRef idx="2">
+              <a:schemeClr val="accent6">
+                <a:shade val="50000"/>
+              </a:schemeClr>
+            </a:lnRef>
+            <a:fillRef idx="1">
+              <a:schemeClr val="accent6"/>
+            </a:fillRef>
+            <a:effectRef idx="0">
+              <a:schemeClr val="accent6"/>
+            </a:effectRef>
+            <a:fontRef idx="minor">
+              <a:schemeClr val="lt1"/>
+            </a:fontRef>
+          </p:style>
+          <p:txBody>
+            <a:bodyPr rtlCol="0" anchor="ctr"/>
+            <a:lstStyle/>
+            <a:p>
+              <a:endParaRPr lang="en-US" sz="1000" dirty="0" smtClean="0">
+                <a:solidFill>
+                  <a:schemeClr val="tx1"/>
+                </a:solidFill>
+                <a:latin typeface="Lucida Console" pitchFamily="49" charset="0"/>
+              </a:endParaRPr>
+            </a:p>
+          </p:txBody>
+        </p:sp>
+        <p:sp>
+          <p:nvSpPr>
+            <p:cNvPr id="116" name="Rectangle 7"/>
+            <p:cNvSpPr/>
+            <p:nvPr/>
+          </p:nvSpPr>
+          <p:spPr>
+            <a:xfrm>
+              <a:off x="5533237" y="4918296"/>
+              <a:ext cx="2590853" cy="312275"/>
+            </a:xfrm>
+            <a:prstGeom prst="rect">
+              <a:avLst/>
+            </a:prstGeom>
+            <a:solidFill>
+              <a:schemeClr val="accent1">
+                <a:lumMod val="60000"/>
+                <a:lumOff val="40000"/>
+                <a:alpha val="26000"/>
+              </a:schemeClr>
+            </a:solidFill>
+            <a:ln>
+              <a:noFill/>
+            </a:ln>
+          </p:spPr>
+          <p:style>
+            <a:lnRef idx="2">
+              <a:schemeClr val="accent6">
+                <a:shade val="50000"/>
+              </a:schemeClr>
+            </a:lnRef>
+            <a:fillRef idx="1">
+              <a:schemeClr val="accent6"/>
+            </a:fillRef>
+            <a:effectRef idx="0">
+              <a:schemeClr val="accent6"/>
+            </a:effectRef>
+            <a:fontRef idx="minor">
+              <a:schemeClr val="lt1"/>
+            </a:fontRef>
+          </p:style>
+          <p:txBody>
+            <a:bodyPr rtlCol="0" anchor="ctr"/>
+            <a:lstStyle/>
+            <a:p>
+              <a:endParaRPr lang="en-US" sz="1000" dirty="0" smtClean="0">
+                <a:solidFill>
+                  <a:schemeClr val="tx1"/>
+                </a:solidFill>
+                <a:latin typeface="Lucida Console" pitchFamily="49" charset="0"/>
+              </a:endParaRPr>
+            </a:p>
+          </p:txBody>
+        </p:sp>
+        <p:sp>
+          <p:nvSpPr>
+            <p:cNvPr id="118" name="Rectangle 7"/>
+            <p:cNvSpPr/>
+            <p:nvPr/>
+          </p:nvSpPr>
+          <p:spPr>
+            <a:xfrm>
+              <a:off x="6649965" y="2865825"/>
+              <a:ext cx="1474125" cy="2671425"/>
+            </a:xfrm>
+            <a:prstGeom prst="rect">
+              <a:avLst/>
+            </a:prstGeom>
+            <a:noFill/>
+            <a:ln>
+              <a:solidFill>
+                <a:schemeClr val="tx1"/>
+              </a:solidFill>
+            </a:ln>
+          </p:spPr>
+          <p:style>
+            <a:lnRef idx="2">
+              <a:schemeClr val="accent6">
+                <a:shade val="50000"/>
+              </a:schemeClr>
+            </a:lnRef>
+            <a:fillRef idx="1">
+              <a:schemeClr val="accent6"/>
+            </a:fillRef>
+            <a:effectRef idx="0">
+              <a:schemeClr val="accent6"/>
+            </a:effectRef>
+            <a:fontRef idx="minor">
+              <a:schemeClr val="lt1"/>
+            </a:fontRef>
+          </p:style>
+          <p:txBody>
+            <a:bodyPr rtlCol="0" anchor="ctr"/>
+            <a:lstStyle/>
+            <a:p>
+              <a:endParaRPr lang="en-US" sz="1000" dirty="0" smtClean="0">
+                <a:solidFill>
+                  <a:schemeClr val="tx1"/>
+                </a:solidFill>
+                <a:latin typeface="Lucida Console" pitchFamily="49" charset="0"/>
+              </a:endParaRPr>
+            </a:p>
+          </p:txBody>
+        </p:sp>
+      </p:grpSp>
+      <p:sp>
+        <p:nvSpPr>
+          <p:cNvPr id="171" name="258 CuadroTexto"/>
+          <p:cNvSpPr txBox="1"/>
+          <p:nvPr/>
+        </p:nvSpPr>
+        <p:spPr>
+          <a:xfrm>
+            <a:off x="2089843" y="772549"/>
+            <a:ext cx="635380" cy="246221"/>
+          </a:xfrm>
+          <a:prstGeom prst="rect">
+            <a:avLst/>
+          </a:prstGeom>
+        </p:spPr>
+        <p:style>
+          <a:lnRef idx="1">
+            <a:schemeClr val="accent2"/>
+          </a:lnRef>
+          <a:fillRef idx="2">
+            <a:schemeClr val="accent2"/>
+          </a:fillRef>
+          <a:effectRef idx="1">
+            <a:schemeClr val="accent2"/>
+          </a:effectRef>
+          <a:fontRef idx="minor">
+            <a:schemeClr val="dk1"/>
+          </a:fontRef>
+        </p:style>
+        <p:txBody>
+          <a:bodyPr wrap="square" lIns="0" rIns="0" rtlCol="0">
+            <a:spAutoFit/>
+          </a:bodyPr>
+          <a:lstStyle/>
+          <a:p>
+            <a:r>
+              <a:rPr lang="es-ES" sz="1000" dirty="0" smtClean="0">
+                <a:latin typeface="Lucida Console" pitchFamily="49" charset="0"/>
+              </a:rPr>
+              <a:t> STATE</a:t>
+            </a:r>
+          </a:p>
+        </p:txBody>
+      </p:sp>
+      <p:sp>
+        <p:nvSpPr>
+          <p:cNvPr id="172" name="258 CuadroTexto"/>
+          <p:cNvSpPr txBox="1"/>
+          <p:nvPr/>
+        </p:nvSpPr>
+        <p:spPr>
+          <a:xfrm>
+            <a:off x="2940732" y="772549"/>
+            <a:ext cx="635380" cy="246221"/>
+          </a:xfrm>
+          <a:prstGeom prst="rect">
+            <a:avLst/>
+          </a:prstGeom>
+        </p:spPr>
+        <p:style>
+          <a:lnRef idx="1">
+            <a:schemeClr val="accent3"/>
+          </a:lnRef>
+          <a:fillRef idx="2">
+            <a:schemeClr val="accent3"/>
+          </a:fillRef>
+          <a:effectRef idx="1">
+            <a:schemeClr val="accent3"/>
+          </a:effectRef>
+          <a:fontRef idx="minor">
+            <a:schemeClr val="dk1"/>
+          </a:fontRef>
+        </p:style>
+        <p:txBody>
+          <a:bodyPr wrap="square" lIns="0" rIns="0" rtlCol="0">
+            <a:spAutoFit/>
+          </a:bodyPr>
+          <a:lstStyle/>
+          <a:p>
+            <a:r>
+              <a:rPr lang="es-ES" sz="1000" dirty="0" smtClean="0">
+                <a:latin typeface="Lucida Console" pitchFamily="49" charset="0"/>
+              </a:rPr>
+              <a:t> DATA</a:t>
+            </a:r>
+          </a:p>
+        </p:txBody>
+      </p:sp>
+      <p:grpSp>
+        <p:nvGrpSpPr>
+          <p:cNvPr id="265" name="Group 264"/>
+          <p:cNvGrpSpPr/>
+          <p:nvPr/>
+        </p:nvGrpSpPr>
+        <p:grpSpPr>
+          <a:xfrm>
+            <a:off x="2940732" y="1182798"/>
+            <a:ext cx="2728122" cy="2202734"/>
+            <a:chOff x="2319331" y="1888229"/>
+            <a:chExt cx="2728122" cy="2202734"/>
+          </a:xfrm>
+        </p:grpSpPr>
+        <p:grpSp>
+          <p:nvGrpSpPr>
+            <p:cNvPr id="262" name="Group 261"/>
+            <p:cNvGrpSpPr/>
+            <p:nvPr/>
+          </p:nvGrpSpPr>
+          <p:grpSpPr>
+            <a:xfrm>
+              <a:off x="2464648" y="2094522"/>
+              <a:ext cx="2438567" cy="835820"/>
+              <a:chOff x="2570365" y="2376223"/>
+              <a:chExt cx="2438567" cy="835820"/>
+            </a:xfrm>
+          </p:grpSpPr>
+          <p:sp>
+            <p:nvSpPr>
+              <p:cNvPr id="122" name="Rounded Rectangle 28"/>
+              <p:cNvSpPr/>
+              <p:nvPr/>
+            </p:nvSpPr>
+            <p:spPr>
+              <a:xfrm>
+                <a:off x="3756724" y="2575757"/>
+                <a:ext cx="382237" cy="357922"/>
+              </a:xfrm>
+              <a:prstGeom prst="roundRect">
+                <a:avLst>
+                  <a:gd name="adj" fmla="val 10785"/>
+                </a:avLst>
+              </a:prstGeom>
+            </p:spPr>
+            <p:style>
+              <a:lnRef idx="2">
+                <a:schemeClr val="accent1">
+                  <a:shade val="50000"/>
+                </a:schemeClr>
+              </a:lnRef>
+              <a:fillRef idx="1">
+                <a:schemeClr val="accent1"/>
+              </a:fillRef>
+              <a:effectRef idx="0">
+                <a:schemeClr val="accent1"/>
+              </a:effectRef>
+              <a:fontRef idx="minor">
+                <a:schemeClr val="lt1"/>
+              </a:fontRef>
+            </p:style>
+            <p:txBody>
+              <a:bodyPr lIns="0" rIns="0" rtlCol="0" anchor="ctr"/>
+              <a:lstStyle/>
+              <a:p>
+                <a:pPr algn="ctr"/>
+                <a:r>
+                  <a:rPr lang="en-US" sz="1600" b="1" dirty="0" smtClean="0"/>
+                  <a:t>TC</a:t>
+                </a:r>
+                <a:r>
+                  <a:rPr lang="en-US" sz="1600" b="1" baseline="-25000" dirty="0" smtClean="0"/>
+                  <a:t>1</a:t>
+                </a:r>
+                <a:endParaRPr lang="en-US" sz="1600" b="1" dirty="0" smtClean="0"/>
+              </a:p>
+            </p:txBody>
+          </p:sp>
+          <p:sp>
+            <p:nvSpPr>
+              <p:cNvPr id="123" name="258 CuadroTexto"/>
+              <p:cNvSpPr txBox="1"/>
+              <p:nvPr/>
+            </p:nvSpPr>
+            <p:spPr>
+              <a:xfrm>
+                <a:off x="2570365" y="2477358"/>
+                <a:ext cx="933584" cy="553998"/>
+              </a:xfrm>
+              <a:prstGeom prst="rect">
+                <a:avLst/>
+              </a:prstGeom>
+            </p:spPr>
+            <p:style>
+              <a:lnRef idx="1">
+                <a:schemeClr val="accent3"/>
+              </a:lnRef>
+              <a:fillRef idx="2">
+                <a:schemeClr val="accent3"/>
+              </a:fillRef>
+              <a:effectRef idx="1">
+                <a:schemeClr val="accent3"/>
+              </a:effectRef>
+              <a:fontRef idx="minor">
+                <a:schemeClr val="dk1"/>
+              </a:fontRef>
+            </p:style>
+            <p:txBody>
+              <a:bodyPr wrap="square" lIns="0" rIns="0" rtlCol="0">
+                <a:spAutoFit/>
+              </a:bodyPr>
+              <a:lstStyle/>
+              <a:p>
+                <a:r>
+                  <a:rPr lang="es-ES" sz="1000" dirty="0" smtClean="0">
+                    <a:latin typeface="Lucida Console" pitchFamily="49" charset="0"/>
+                  </a:rPr>
+                  <a:t>... 1 TRAIN</a:t>
+                </a:r>
+              </a:p>
+              <a:p>
+                <a:r>
+                  <a:rPr lang="es-ES" sz="1000" dirty="0" smtClean="0">
+                    <a:latin typeface="Lucida Console" pitchFamily="49" charset="0"/>
+                  </a:rPr>
+                  <a:t>... 1 TRAIN</a:t>
+                </a:r>
+              </a:p>
+              <a:p>
+                <a:r>
+                  <a:rPr lang="es-ES" sz="1000" dirty="0" smtClean="0">
+                    <a:latin typeface="Lucida Console" pitchFamily="49" charset="0"/>
+                  </a:rPr>
+                  <a:t>... 1 TRAIN</a:t>
+                </a:r>
+              </a:p>
+            </p:txBody>
+          </p:sp>
+          <p:cxnSp>
+            <p:nvCxnSpPr>
+              <p:cNvPr id="21" name="Straight Arrow Connector 20"/>
+              <p:cNvCxnSpPr>
+                <a:stCxn id="123" idx="3"/>
+                <a:endCxn id="122" idx="1"/>
+              </p:cNvCxnSpPr>
+              <p:nvPr/>
+            </p:nvCxnSpPr>
+            <p:spPr>
+              <a:xfrm>
+                <a:off x="3503949" y="2754357"/>
+                <a:ext cx="252775" cy="361"/>
+              </a:xfrm>
+              <a:prstGeom prst="straightConnector1">
+                <a:avLst/>
+              </a:prstGeom>
+              <a:ln>
+                <a:solidFill>
+                  <a:schemeClr val="tx1"/>
+                </a:solidFill>
+                <a:headEnd type="none"/>
+                <a:tailEnd type="triangle" w="lg" len="med"/>
+              </a:ln>
+              <a:effectLst/>
+            </p:spPr>
+            <p:style>
+              <a:lnRef idx="2">
+                <a:schemeClr val="accent1"/>
+              </a:lnRef>
+              <a:fillRef idx="0">
+                <a:schemeClr val="accent1"/>
+              </a:fillRef>
+              <a:effectRef idx="1">
+                <a:schemeClr val="accent1"/>
+              </a:effectRef>
+              <a:fontRef idx="minor">
+                <a:schemeClr val="tx1"/>
+              </a:fontRef>
+            </p:style>
+          </p:cxnSp>
+          <p:cxnSp>
+            <p:nvCxnSpPr>
+              <p:cNvPr id="145" name="Straight Arrow Connector 144"/>
+              <p:cNvCxnSpPr>
+                <a:stCxn id="122" idx="3"/>
+                <a:endCxn id="146" idx="1"/>
+              </p:cNvCxnSpPr>
+              <p:nvPr/>
+            </p:nvCxnSpPr>
+            <p:spPr>
+              <a:xfrm flipV="1">
+                <a:off x="4138961" y="2499334"/>
+                <a:ext cx="234591" cy="255384"/>
+              </a:xfrm>
+              <a:prstGeom prst="straightConnector1">
+                <a:avLst/>
+              </a:prstGeom>
+              <a:ln>
+                <a:solidFill>
+                  <a:schemeClr val="tx1"/>
+                </a:solidFill>
+                <a:headEnd type="none"/>
+                <a:tailEnd type="triangle" w="lg" len="med"/>
+              </a:ln>
+              <a:effectLst/>
+            </p:spPr>
+            <p:style>
+              <a:lnRef idx="2">
+                <a:schemeClr val="accent1"/>
+              </a:lnRef>
+              <a:fillRef idx="0">
+                <a:schemeClr val="accent1"/>
+              </a:fillRef>
+              <a:effectRef idx="1">
+                <a:schemeClr val="accent1"/>
+              </a:effectRef>
+              <a:fontRef idx="minor">
+                <a:schemeClr val="tx1"/>
+              </a:fontRef>
+            </p:style>
+          </p:cxnSp>
+          <p:sp>
+            <p:nvSpPr>
+              <p:cNvPr id="146" name="258 CuadroTexto"/>
+              <p:cNvSpPr txBox="1"/>
+              <p:nvPr/>
+            </p:nvSpPr>
+            <p:spPr>
+              <a:xfrm>
+                <a:off x="4373552" y="2376223"/>
+                <a:ext cx="635380" cy="246221"/>
+              </a:xfrm>
+              <a:prstGeom prst="rect">
+                <a:avLst/>
+              </a:prstGeom>
+            </p:spPr>
+            <p:style>
+              <a:lnRef idx="1">
+                <a:schemeClr val="accent2"/>
+              </a:lnRef>
+              <a:fillRef idx="2">
+                <a:schemeClr val="accent2"/>
+              </a:fillRef>
+              <a:effectRef idx="1">
+                <a:schemeClr val="accent2"/>
+              </a:effectRef>
+              <a:fontRef idx="minor">
+                <a:schemeClr val="dk1"/>
+              </a:fontRef>
+            </p:style>
+            <p:txBody>
+              <a:bodyPr wrap="square" lIns="0" rIns="0" rtlCol="0">
+                <a:spAutoFit/>
+              </a:bodyPr>
+              <a:lstStyle/>
+              <a:p>
+                <a:r>
+                  <a:rPr lang="es-ES" sz="1000" dirty="0" smtClean="0">
+                    <a:latin typeface="Lucida Console" pitchFamily="49" charset="0"/>
+                  </a:rPr>
+                  <a:t> MODEL 1</a:t>
+                </a:r>
+              </a:p>
+            </p:txBody>
+          </p:sp>
+          <p:sp>
+            <p:nvSpPr>
+              <p:cNvPr id="154" name="258 CuadroTexto"/>
+              <p:cNvSpPr txBox="1"/>
+              <p:nvPr/>
+            </p:nvSpPr>
+            <p:spPr>
+              <a:xfrm>
+                <a:off x="4367626" y="2658045"/>
+                <a:ext cx="641306" cy="553998"/>
+              </a:xfrm>
+              <a:prstGeom prst="rect">
+                <a:avLst/>
+              </a:prstGeom>
+            </p:spPr>
+            <p:style>
+              <a:lnRef idx="1">
+                <a:schemeClr val="accent3"/>
+              </a:lnRef>
+              <a:fillRef idx="2">
+                <a:schemeClr val="accent3"/>
+              </a:fillRef>
+              <a:effectRef idx="1">
+                <a:schemeClr val="accent3"/>
+              </a:effectRef>
+              <a:fontRef idx="minor">
+                <a:schemeClr val="dk1"/>
+              </a:fontRef>
+            </p:style>
+            <p:txBody>
+              <a:bodyPr wrap="square" lIns="36000" rIns="0" rtlCol="0">
+                <a:spAutoFit/>
+              </a:bodyPr>
+              <a:lstStyle/>
+              <a:p>
+                <a:r>
+                  <a:rPr lang="es-ES" sz="1000" dirty="0" smtClean="0">
+                    <a:latin typeface="Lucida Console" pitchFamily="49" charset="0"/>
+                  </a:rPr>
+                  <a:t>NULL</a:t>
+                </a:r>
+              </a:p>
+              <a:p>
+                <a:r>
+                  <a:rPr lang="es-ES" sz="1000" dirty="0" smtClean="0">
+                    <a:latin typeface="Lucida Console" pitchFamily="49" charset="0"/>
+                  </a:rPr>
+                  <a:t>NULL</a:t>
+                </a:r>
+              </a:p>
+              <a:p>
+                <a:r>
+                  <a:rPr lang="es-ES" sz="1000" dirty="0" smtClean="0">
+                    <a:latin typeface="Lucida Console" pitchFamily="49" charset="0"/>
+                  </a:rPr>
+                  <a:t>NULL</a:t>
+                </a:r>
+              </a:p>
+            </p:txBody>
+          </p:sp>
+          <p:cxnSp>
+            <p:nvCxnSpPr>
+              <p:cNvPr id="155" name="Straight Arrow Connector 154"/>
+              <p:cNvCxnSpPr>
+                <a:stCxn id="122" idx="3"/>
+                <a:endCxn id="154" idx="1"/>
+              </p:cNvCxnSpPr>
+              <p:nvPr/>
+            </p:nvCxnSpPr>
+            <p:spPr>
+              <a:xfrm>
+                <a:off x="4138961" y="2754718"/>
+                <a:ext cx="228665" cy="180326"/>
+              </a:xfrm>
+              <a:prstGeom prst="straightConnector1">
+                <a:avLst/>
+              </a:prstGeom>
+              <a:ln>
+                <a:solidFill>
+                  <a:schemeClr val="tx1"/>
+                </a:solidFill>
+                <a:headEnd type="none"/>
+                <a:tailEnd type="triangle" w="lg" len="med"/>
+              </a:ln>
+              <a:effectLst/>
+            </p:spPr>
+            <p:style>
+              <a:lnRef idx="2">
+                <a:schemeClr val="accent1"/>
+              </a:lnRef>
+              <a:fillRef idx="0">
+                <a:schemeClr val="accent1"/>
+              </a:fillRef>
+              <a:effectRef idx="1">
+                <a:schemeClr val="accent1"/>
+              </a:effectRef>
+              <a:fontRef idx="minor">
+                <a:schemeClr val="tx1"/>
+              </a:fontRef>
+            </p:style>
+          </p:cxnSp>
+        </p:grpSp>
+        <p:grpSp>
+          <p:nvGrpSpPr>
+            <p:cNvPr id="159" name="Group 158"/>
+            <p:cNvGrpSpPr/>
+            <p:nvPr/>
+          </p:nvGrpSpPr>
+          <p:grpSpPr>
+            <a:xfrm>
+              <a:off x="2464648" y="3107578"/>
+              <a:ext cx="2438567" cy="835820"/>
+              <a:chOff x="2570365" y="2376223"/>
+              <a:chExt cx="2438567" cy="835820"/>
+            </a:xfrm>
+          </p:grpSpPr>
+          <p:sp>
+            <p:nvSpPr>
+              <p:cNvPr id="162" name="Rounded Rectangle 28"/>
+              <p:cNvSpPr/>
+              <p:nvPr/>
+            </p:nvSpPr>
+            <p:spPr>
+              <a:xfrm>
+                <a:off x="3756724" y="2587097"/>
+                <a:ext cx="382237" cy="357922"/>
+              </a:xfrm>
+              <a:prstGeom prst="roundRect">
+                <a:avLst>
+                  <a:gd name="adj" fmla="val 10785"/>
+                </a:avLst>
+              </a:prstGeom>
+            </p:spPr>
+            <p:style>
+              <a:lnRef idx="2">
+                <a:schemeClr val="accent1">
+                  <a:shade val="50000"/>
+                </a:schemeClr>
+              </a:lnRef>
+              <a:fillRef idx="1">
+                <a:schemeClr val="accent1"/>
+              </a:fillRef>
+              <a:effectRef idx="0">
+                <a:schemeClr val="accent1"/>
+              </a:effectRef>
+              <a:fontRef idx="minor">
+                <a:schemeClr val="lt1"/>
+              </a:fontRef>
+            </p:style>
+            <p:txBody>
+              <a:bodyPr lIns="0" rIns="0" rtlCol="0" anchor="ctr"/>
+              <a:lstStyle/>
+              <a:p>
+                <a:pPr algn="ctr"/>
+                <a:r>
+                  <a:rPr lang="en-US" sz="1600" b="1" dirty="0" smtClean="0"/>
+                  <a:t>TC</a:t>
+                </a:r>
+                <a:r>
+                  <a:rPr lang="en-US" sz="1600" b="1" baseline="-25000" dirty="0"/>
+                  <a:t>2</a:t>
+                </a:r>
+                <a:endParaRPr lang="en-US" sz="1600" b="1" dirty="0" smtClean="0"/>
+              </a:p>
+            </p:txBody>
+          </p:sp>
+          <p:sp>
+            <p:nvSpPr>
+              <p:cNvPr id="165" name="258 CuadroTexto"/>
+              <p:cNvSpPr txBox="1"/>
+              <p:nvPr/>
+            </p:nvSpPr>
+            <p:spPr>
+              <a:xfrm>
+                <a:off x="2570365" y="2477358"/>
+                <a:ext cx="933584" cy="553998"/>
+              </a:xfrm>
+              <a:prstGeom prst="rect">
+                <a:avLst/>
+              </a:prstGeom>
+            </p:spPr>
+            <p:style>
+              <a:lnRef idx="1">
+                <a:schemeClr val="accent3"/>
+              </a:lnRef>
+              <a:fillRef idx="2">
+                <a:schemeClr val="accent3"/>
+              </a:fillRef>
+              <a:effectRef idx="1">
+                <a:schemeClr val="accent3"/>
+              </a:effectRef>
+              <a:fontRef idx="minor">
+                <a:schemeClr val="dk1"/>
+              </a:fontRef>
+            </p:style>
+            <p:txBody>
+              <a:bodyPr wrap="square" lIns="0" rIns="0" rtlCol="0">
+                <a:spAutoFit/>
+              </a:bodyPr>
+              <a:lstStyle/>
+              <a:p>
+                <a:r>
+                  <a:rPr lang="es-ES" sz="1000" dirty="0" smtClean="0">
+                    <a:latin typeface="Lucida Console" pitchFamily="49" charset="0"/>
+                  </a:rPr>
+                  <a:t>... 2 TRAIN</a:t>
+                </a:r>
+              </a:p>
+              <a:p>
+                <a:r>
+                  <a:rPr lang="es-ES" sz="1000" dirty="0" smtClean="0">
+                    <a:latin typeface="Lucida Console" pitchFamily="49" charset="0"/>
+                  </a:rPr>
+                  <a:t>... 2 TRAIN</a:t>
+                </a:r>
+              </a:p>
+              <a:p>
+                <a:r>
+                  <a:rPr lang="es-ES" sz="1000" dirty="0" smtClean="0">
+                    <a:latin typeface="Lucida Console" pitchFamily="49" charset="0"/>
+                  </a:rPr>
+                  <a:t>... 2 TRAIN</a:t>
+                </a:r>
+              </a:p>
+            </p:txBody>
+          </p:sp>
+          <p:cxnSp>
+            <p:nvCxnSpPr>
+              <p:cNvPr id="166" name="Straight Arrow Connector 165"/>
+              <p:cNvCxnSpPr>
+                <a:stCxn id="165" idx="3"/>
+                <a:endCxn id="162" idx="1"/>
+              </p:cNvCxnSpPr>
+              <p:nvPr/>
+            </p:nvCxnSpPr>
+            <p:spPr>
+              <a:xfrm>
+                <a:off x="3503949" y="2754357"/>
+                <a:ext cx="252775" cy="11701"/>
+              </a:xfrm>
+              <a:prstGeom prst="straightConnector1">
+                <a:avLst/>
+              </a:prstGeom>
+              <a:ln>
+                <a:solidFill>
+                  <a:schemeClr val="tx1"/>
+                </a:solidFill>
+                <a:headEnd type="none"/>
+                <a:tailEnd type="triangle" w="lg" len="med"/>
+              </a:ln>
+              <a:effectLst/>
+            </p:spPr>
+            <p:style>
+              <a:lnRef idx="2">
+                <a:schemeClr val="accent1"/>
+              </a:lnRef>
+              <a:fillRef idx="0">
+                <a:schemeClr val="accent1"/>
+              </a:fillRef>
+              <a:effectRef idx="1">
+                <a:schemeClr val="accent1"/>
+              </a:effectRef>
+              <a:fontRef idx="minor">
+                <a:schemeClr val="tx1"/>
+              </a:fontRef>
+            </p:style>
+          </p:cxnSp>
+          <p:cxnSp>
+            <p:nvCxnSpPr>
+              <p:cNvPr id="167" name="Straight Arrow Connector 166"/>
+              <p:cNvCxnSpPr>
+                <a:stCxn id="162" idx="3"/>
+                <a:endCxn id="168" idx="1"/>
+              </p:cNvCxnSpPr>
+              <p:nvPr/>
+            </p:nvCxnSpPr>
+            <p:spPr>
+              <a:xfrm flipV="1">
+                <a:off x="4138961" y="2499334"/>
+                <a:ext cx="234591" cy="266724"/>
+              </a:xfrm>
+              <a:prstGeom prst="straightConnector1">
+                <a:avLst/>
+              </a:prstGeom>
+              <a:ln>
+                <a:solidFill>
+                  <a:schemeClr val="tx1"/>
+                </a:solidFill>
+                <a:headEnd type="none"/>
+                <a:tailEnd type="triangle" w="lg" len="med"/>
+              </a:ln>
+              <a:effectLst/>
+            </p:spPr>
+            <p:style>
+              <a:lnRef idx="2">
+                <a:schemeClr val="accent1"/>
+              </a:lnRef>
+              <a:fillRef idx="0">
+                <a:schemeClr val="accent1"/>
+              </a:fillRef>
+              <a:effectRef idx="1">
+                <a:schemeClr val="accent1"/>
+              </a:effectRef>
+              <a:fontRef idx="minor">
+                <a:schemeClr val="tx1"/>
+              </a:fontRef>
+            </p:style>
+          </p:cxnSp>
+          <p:sp>
+            <p:nvSpPr>
+              <p:cNvPr id="168" name="258 CuadroTexto"/>
+              <p:cNvSpPr txBox="1"/>
+              <p:nvPr/>
+            </p:nvSpPr>
+            <p:spPr>
+              <a:xfrm>
+                <a:off x="4373552" y="2376223"/>
+                <a:ext cx="635380" cy="246221"/>
+              </a:xfrm>
+              <a:prstGeom prst="rect">
+                <a:avLst/>
+              </a:prstGeom>
+            </p:spPr>
+            <p:style>
+              <a:lnRef idx="1">
+                <a:schemeClr val="accent2"/>
+              </a:lnRef>
+              <a:fillRef idx="2">
+                <a:schemeClr val="accent2"/>
+              </a:fillRef>
+              <a:effectRef idx="1">
+                <a:schemeClr val="accent2"/>
+              </a:effectRef>
+              <a:fontRef idx="minor">
+                <a:schemeClr val="dk1"/>
+              </a:fontRef>
+            </p:style>
+            <p:txBody>
+              <a:bodyPr wrap="square" lIns="0" rIns="0" rtlCol="0">
+                <a:spAutoFit/>
+              </a:bodyPr>
+              <a:lstStyle/>
+              <a:p>
+                <a:r>
+                  <a:rPr lang="es-ES" sz="1000" dirty="0" smtClean="0">
+                    <a:latin typeface="Lucida Console" pitchFamily="49" charset="0"/>
+                  </a:rPr>
+                  <a:t> MODEL 2</a:t>
+                </a:r>
+              </a:p>
+            </p:txBody>
+          </p:sp>
+          <p:sp>
+            <p:nvSpPr>
+              <p:cNvPr id="169" name="258 CuadroTexto"/>
+              <p:cNvSpPr txBox="1"/>
+              <p:nvPr/>
+            </p:nvSpPr>
+            <p:spPr>
+              <a:xfrm>
+                <a:off x="4367626" y="2658045"/>
+                <a:ext cx="641306" cy="553998"/>
+              </a:xfrm>
+              <a:prstGeom prst="rect">
+                <a:avLst/>
+              </a:prstGeom>
+            </p:spPr>
+            <p:style>
+              <a:lnRef idx="1">
+                <a:schemeClr val="accent3"/>
+              </a:lnRef>
+              <a:fillRef idx="2">
+                <a:schemeClr val="accent3"/>
+              </a:fillRef>
+              <a:effectRef idx="1">
+                <a:schemeClr val="accent3"/>
+              </a:effectRef>
+              <a:fontRef idx="minor">
+                <a:schemeClr val="dk1"/>
+              </a:fontRef>
+            </p:style>
+            <p:txBody>
+              <a:bodyPr wrap="square" lIns="36000" rIns="0" rtlCol="0">
+                <a:spAutoFit/>
+              </a:bodyPr>
+              <a:lstStyle/>
+              <a:p>
+                <a:r>
+                  <a:rPr lang="es-ES" sz="1000" dirty="0" smtClean="0">
+                    <a:latin typeface="Lucida Console" pitchFamily="49" charset="0"/>
+                  </a:rPr>
+                  <a:t>NULL</a:t>
+                </a:r>
+              </a:p>
+              <a:p>
+                <a:r>
+                  <a:rPr lang="es-ES" sz="1000" dirty="0" smtClean="0">
+                    <a:latin typeface="Lucida Console" pitchFamily="49" charset="0"/>
+                  </a:rPr>
+                  <a:t>NULL</a:t>
+                </a:r>
+              </a:p>
+              <a:p>
+                <a:r>
+                  <a:rPr lang="es-ES" sz="1000" dirty="0" smtClean="0">
+                    <a:latin typeface="Lucida Console" pitchFamily="49" charset="0"/>
+                  </a:rPr>
+                  <a:t>NULL</a:t>
+                </a:r>
+              </a:p>
+            </p:txBody>
+          </p:sp>
+          <p:cxnSp>
+            <p:nvCxnSpPr>
+              <p:cNvPr id="170" name="Straight Arrow Connector 169"/>
+              <p:cNvCxnSpPr>
+                <a:stCxn id="162" idx="3"/>
+                <a:endCxn id="169" idx="1"/>
+              </p:cNvCxnSpPr>
+              <p:nvPr/>
+            </p:nvCxnSpPr>
+            <p:spPr>
+              <a:xfrm>
+                <a:off x="4138961" y="2766058"/>
+                <a:ext cx="228665" cy="168986"/>
+              </a:xfrm>
+              <a:prstGeom prst="straightConnector1">
+                <a:avLst/>
+              </a:prstGeom>
+              <a:ln>
+                <a:solidFill>
+                  <a:schemeClr val="tx1"/>
+                </a:solidFill>
+                <a:headEnd type="none"/>
+                <a:tailEnd type="triangle" w="lg" len="med"/>
+              </a:ln>
+              <a:effectLst/>
+            </p:spPr>
+            <p:style>
+              <a:lnRef idx="2">
+                <a:schemeClr val="accent1"/>
+              </a:lnRef>
+              <a:fillRef idx="0">
+                <a:schemeClr val="accent1"/>
+              </a:fillRef>
+              <a:effectRef idx="1">
+                <a:schemeClr val="accent1"/>
+              </a:effectRef>
+              <a:fontRef idx="minor">
+                <a:schemeClr val="tx1"/>
+              </a:fontRef>
+            </p:style>
+          </p:cxnSp>
+        </p:grpSp>
+        <p:sp>
+          <p:nvSpPr>
+            <p:cNvPr id="182" name="Rectangle 7"/>
+            <p:cNvSpPr/>
+            <p:nvPr/>
+          </p:nvSpPr>
+          <p:spPr>
+            <a:xfrm>
+              <a:off x="2319331" y="1888229"/>
+              <a:ext cx="2728122" cy="2202734"/>
+            </a:xfrm>
+            <a:prstGeom prst="rect">
+              <a:avLst/>
+            </a:prstGeom>
+            <a:noFill/>
+            <a:ln>
+              <a:solidFill>
+                <a:schemeClr val="tx1"/>
+              </a:solidFill>
+            </a:ln>
+          </p:spPr>
+          <p:style>
+            <a:lnRef idx="2">
+              <a:schemeClr val="accent6">
+                <a:shade val="50000"/>
+              </a:schemeClr>
+            </a:lnRef>
+            <a:fillRef idx="1">
+              <a:schemeClr val="accent6"/>
+            </a:fillRef>
+            <a:effectRef idx="0">
+              <a:schemeClr val="accent6"/>
+            </a:effectRef>
+            <a:fontRef idx="minor">
+              <a:schemeClr val="lt1"/>
+            </a:fontRef>
+          </p:style>
+          <p:txBody>
+            <a:bodyPr rtlCol="0" anchor="t" anchorCtr="0"/>
+            <a:lstStyle/>
+            <a:p>
+              <a:r>
+                <a:rPr lang="en-US" sz="1000" dirty="0" smtClean="0">
+                  <a:solidFill>
+                    <a:schemeClr val="tx1"/>
+                  </a:solidFill>
+                  <a:latin typeface="Lucida Console" pitchFamily="49" charset="0"/>
+                </a:rPr>
+                <a:t>SVM TRAIN</a:t>
+              </a:r>
+              <a:endParaRPr lang="en-US" sz="1000" dirty="0" smtClean="0">
+                <a:solidFill>
+                  <a:schemeClr val="tx1"/>
+                </a:solidFill>
+                <a:latin typeface="Lucida Console" pitchFamily="49" charset="0"/>
+              </a:endParaRPr>
+            </a:p>
+          </p:txBody>
+        </p:sp>
+      </p:grpSp>
+      <p:sp>
+        <p:nvSpPr>
+          <p:cNvPr id="184" name="258 CuadroTexto"/>
+          <p:cNvSpPr txBox="1"/>
+          <p:nvPr/>
+        </p:nvSpPr>
+        <p:spPr>
+          <a:xfrm>
+            <a:off x="3160028" y="4437768"/>
+            <a:ext cx="5789603" cy="1631216"/>
+          </a:xfrm>
+          <a:prstGeom prst="rect">
+            <a:avLst/>
+          </a:prstGeom>
+          <a:noFill/>
+        </p:spPr>
+        <p:txBody>
+          <a:bodyPr wrap="square" rtlCol="0">
+            <a:spAutoFit/>
+          </a:bodyPr>
+          <a:lstStyle/>
+          <a:p>
+            <a:r>
+              <a:rPr lang="en-US" sz="1000" dirty="0" err="1">
+                <a:latin typeface="Lucida Console" pitchFamily="49" charset="0"/>
+              </a:rPr>
+              <a:t>i</a:t>
+            </a:r>
+            <a:r>
+              <a:rPr lang="es-ES" sz="1000" dirty="0" err="1" smtClean="0">
+                <a:latin typeface="Lucida Console" pitchFamily="49" charset="0"/>
+              </a:rPr>
+              <a:t>nterface</a:t>
+            </a:r>
+            <a:r>
+              <a:rPr lang="es-ES" sz="1000" dirty="0" smtClean="0">
+                <a:latin typeface="Lucida Console" pitchFamily="49" charset="0"/>
+              </a:rPr>
+              <a:t> </a:t>
+            </a:r>
+            <a:r>
+              <a:rPr lang="es-ES" sz="1000" dirty="0" err="1" smtClean="0">
+                <a:latin typeface="Lucida Console" pitchFamily="49" charset="0"/>
+              </a:rPr>
+              <a:t>CrossValidationTask</a:t>
+            </a:r>
+            <a:r>
+              <a:rPr lang="es-ES" sz="1000" dirty="0" smtClean="0">
+                <a:latin typeface="Lucida Console" pitchFamily="49" charset="0"/>
+              </a:rPr>
+              <a:t> </a:t>
+            </a:r>
+          </a:p>
+          <a:p>
+            <a:r>
+              <a:rPr lang="es-ES" sz="1000" dirty="0" smtClean="0">
+                <a:latin typeface="Lucida Console" pitchFamily="49" charset="0"/>
+              </a:rPr>
+              <a:t>   </a:t>
+            </a:r>
+            <a:r>
+              <a:rPr lang="es-ES" sz="1000" dirty="0" err="1" smtClean="0">
+                <a:latin typeface="Lucida Console" pitchFamily="49" charset="0"/>
+              </a:rPr>
+              <a:t>String</a:t>
+            </a:r>
+            <a:r>
+              <a:rPr lang="es-ES" sz="1000" dirty="0" smtClean="0">
+                <a:latin typeface="Lucida Console" pitchFamily="49" charset="0"/>
+              </a:rPr>
+              <a:t>[] </a:t>
+            </a:r>
+            <a:r>
+              <a:rPr lang="es-ES" sz="1000" dirty="0" err="1" smtClean="0">
+                <a:latin typeface="Lucida Console" pitchFamily="49" charset="0"/>
+              </a:rPr>
+              <a:t>tagsToProcess</a:t>
+            </a:r>
+            <a:r>
+              <a:rPr lang="es-ES" sz="1000" dirty="0" smtClean="0">
+                <a:latin typeface="Lucida Console" pitchFamily="49" charset="0"/>
+              </a:rPr>
+              <a:t>()</a:t>
+            </a:r>
+          </a:p>
+          <a:p>
+            <a:endParaRPr lang="es-ES" sz="1000" dirty="0">
+              <a:latin typeface="Lucida Console" pitchFamily="49" charset="0"/>
+            </a:endParaRPr>
+          </a:p>
+          <a:p>
+            <a:r>
+              <a:rPr lang="en-US" sz="1000" dirty="0">
+                <a:latin typeface="Lucida Console" pitchFamily="49" charset="0"/>
+              </a:rPr>
+              <a:t>c</a:t>
+            </a:r>
+            <a:r>
+              <a:rPr lang="es-ES" sz="1000" dirty="0" err="1" smtClean="0">
+                <a:latin typeface="Lucida Console" pitchFamily="49" charset="0"/>
+              </a:rPr>
+              <a:t>lass</a:t>
+            </a:r>
+            <a:r>
+              <a:rPr lang="es-ES" sz="1000" dirty="0" smtClean="0">
+                <a:latin typeface="Lucida Console" pitchFamily="49" charset="0"/>
+              </a:rPr>
+              <a:t> </a:t>
+            </a:r>
+            <a:r>
+              <a:rPr lang="es-ES" sz="1000" dirty="0" err="1" smtClean="0">
+                <a:latin typeface="Lucida Console" pitchFamily="49" charset="0"/>
+              </a:rPr>
+              <a:t>SVMTrain</a:t>
+            </a:r>
+            <a:r>
+              <a:rPr lang="es-ES" sz="1000" dirty="0" smtClean="0">
+                <a:latin typeface="Lucida Console" pitchFamily="49" charset="0"/>
+              </a:rPr>
+              <a:t> </a:t>
+            </a:r>
+            <a:r>
+              <a:rPr lang="es-ES" sz="1000" dirty="0" err="1" smtClean="0">
+                <a:latin typeface="Lucida Console" pitchFamily="49" charset="0"/>
+              </a:rPr>
+              <a:t>implements</a:t>
+            </a:r>
+            <a:r>
+              <a:rPr lang="es-ES" sz="1000" dirty="0" smtClean="0">
+                <a:latin typeface="Lucida Console" pitchFamily="49" charset="0"/>
+              </a:rPr>
+              <a:t> </a:t>
+            </a:r>
+            <a:r>
+              <a:rPr lang="es-ES" sz="1000" dirty="0" err="1" smtClean="0">
+                <a:latin typeface="Lucida Console" pitchFamily="49" charset="0"/>
+              </a:rPr>
+              <a:t>CrossValidationTask</a:t>
+            </a:r>
+            <a:endParaRPr lang="es-ES" sz="1000" dirty="0" smtClean="0">
+              <a:latin typeface="Lucida Console" pitchFamily="49" charset="0"/>
+            </a:endParaRPr>
+          </a:p>
+          <a:p>
+            <a:r>
+              <a:rPr lang="es-ES" sz="1000" dirty="0" smtClean="0">
+                <a:latin typeface="Lucida Console" pitchFamily="49" charset="0"/>
+              </a:rPr>
+              <a:t>   </a:t>
+            </a:r>
+            <a:r>
+              <a:rPr lang="es-ES" sz="1000" dirty="0" err="1" smtClean="0">
+                <a:latin typeface="Lucida Console" pitchFamily="49" charset="0"/>
+              </a:rPr>
+              <a:t>tagsToProcess</a:t>
+            </a:r>
+            <a:r>
+              <a:rPr lang="es-ES" sz="1000" dirty="0" smtClean="0">
+                <a:latin typeface="Lucida Console" pitchFamily="49" charset="0"/>
+              </a:rPr>
+              <a:t> { </a:t>
+            </a:r>
+            <a:r>
+              <a:rPr lang="es-ES" sz="1000" dirty="0" err="1" smtClean="0">
+                <a:latin typeface="Lucida Console" pitchFamily="49" charset="0"/>
+              </a:rPr>
+              <a:t>return</a:t>
+            </a:r>
+            <a:r>
+              <a:rPr lang="es-ES" sz="1000" dirty="0" smtClean="0">
+                <a:latin typeface="Lucida Console" pitchFamily="49" charset="0"/>
+              </a:rPr>
+              <a:t> [“TRAIN”] }</a:t>
+            </a:r>
+          </a:p>
+          <a:p>
+            <a:endParaRPr lang="es-ES" sz="1000" dirty="0">
+              <a:latin typeface="Lucida Console" pitchFamily="49" charset="0"/>
+            </a:endParaRPr>
+          </a:p>
+          <a:p>
+            <a:r>
+              <a:rPr lang="en-US" sz="1000" dirty="0" smtClean="0">
+                <a:latin typeface="Lucida Console" pitchFamily="49" charset="0"/>
+              </a:rPr>
+              <a:t>C</a:t>
+            </a:r>
+            <a:r>
+              <a:rPr lang="es-ES" sz="1000" dirty="0" err="1" smtClean="0">
+                <a:latin typeface="Lucida Console" pitchFamily="49" charset="0"/>
+              </a:rPr>
+              <a:t>lass</a:t>
+            </a:r>
+            <a:r>
+              <a:rPr lang="es-ES" sz="1000" dirty="0" smtClean="0">
+                <a:latin typeface="Lucida Console" pitchFamily="49" charset="0"/>
+              </a:rPr>
+              <a:t> </a:t>
+            </a:r>
+            <a:r>
+              <a:rPr lang="es-ES" sz="1000" dirty="0" err="1" smtClean="0">
+                <a:latin typeface="Lucida Console" pitchFamily="49" charset="0"/>
+              </a:rPr>
+              <a:t>SVMPredict</a:t>
+            </a:r>
+            <a:r>
+              <a:rPr lang="es-ES" sz="1000" dirty="0" smtClean="0">
+                <a:latin typeface="Lucida Console" pitchFamily="49" charset="0"/>
+              </a:rPr>
+              <a:t> </a:t>
+            </a:r>
+            <a:r>
+              <a:rPr lang="es-ES" sz="1000" dirty="0" err="1" smtClean="0">
+                <a:latin typeface="Lucida Console" pitchFamily="49" charset="0"/>
+              </a:rPr>
+              <a:t>implements</a:t>
+            </a:r>
+            <a:r>
+              <a:rPr lang="es-ES" sz="1000" dirty="0" smtClean="0">
+                <a:latin typeface="Lucida Console" pitchFamily="49" charset="0"/>
+              </a:rPr>
+              <a:t> </a:t>
+            </a:r>
+            <a:r>
+              <a:rPr lang="es-ES" sz="1000" dirty="0" err="1" smtClean="0">
+                <a:latin typeface="Lucida Console" pitchFamily="49" charset="0"/>
+              </a:rPr>
+              <a:t>CrossValidationTask</a:t>
+            </a:r>
+            <a:endParaRPr lang="es-ES" sz="1000" dirty="0" smtClean="0">
+              <a:latin typeface="Lucida Console" pitchFamily="49" charset="0"/>
+            </a:endParaRPr>
+          </a:p>
+          <a:p>
+            <a:r>
+              <a:rPr lang="es-ES" sz="1000" dirty="0">
+                <a:latin typeface="Lucida Console" pitchFamily="49" charset="0"/>
+              </a:rPr>
+              <a:t> </a:t>
+            </a:r>
+            <a:r>
+              <a:rPr lang="es-ES" sz="1000" dirty="0" smtClean="0">
+                <a:latin typeface="Lucida Console" pitchFamily="49" charset="0"/>
+              </a:rPr>
+              <a:t>  </a:t>
+            </a:r>
+            <a:r>
+              <a:rPr lang="es-ES" sz="1000" dirty="0" err="1" smtClean="0">
+                <a:latin typeface="Lucida Console" pitchFamily="49" charset="0"/>
+              </a:rPr>
+              <a:t>tagsToProcess</a:t>
+            </a:r>
+            <a:r>
+              <a:rPr lang="es-ES" sz="1000" dirty="0" smtClean="0">
+                <a:latin typeface="Lucida Console" pitchFamily="49" charset="0"/>
+              </a:rPr>
+              <a:t> { </a:t>
+            </a:r>
+            <a:r>
+              <a:rPr lang="es-ES" sz="1000" dirty="0" err="1" smtClean="0">
+                <a:latin typeface="Lucida Console" pitchFamily="49" charset="0"/>
+              </a:rPr>
+              <a:t>return</a:t>
+            </a:r>
+            <a:r>
+              <a:rPr lang="es-ES" sz="1000" dirty="0" smtClean="0">
+                <a:latin typeface="Lucida Console" pitchFamily="49" charset="0"/>
+              </a:rPr>
+              <a:t> [“TRAIN” “TEST”] }</a:t>
+            </a:r>
+            <a:endParaRPr lang="es-ES" sz="1000" dirty="0" smtClean="0">
+              <a:latin typeface="Lucida Console" pitchFamily="49" charset="0"/>
+            </a:endParaRPr>
+          </a:p>
+          <a:p>
+            <a:endParaRPr lang="es-ES" sz="1000" dirty="0">
+              <a:latin typeface="Lucida Console" pitchFamily="49" charset="0"/>
+            </a:endParaRPr>
+          </a:p>
+          <a:p>
+            <a:endParaRPr lang="es-ES" sz="1000" dirty="0" smtClean="0">
+              <a:latin typeface="Lucida Console" pitchFamily="49" charset="0"/>
+            </a:endParaRPr>
+          </a:p>
+        </p:txBody>
+      </p:sp>
+      <p:grpSp>
+        <p:nvGrpSpPr>
+          <p:cNvPr id="271" name="Group 270"/>
+          <p:cNvGrpSpPr/>
+          <p:nvPr/>
+        </p:nvGrpSpPr>
+        <p:grpSpPr>
+          <a:xfrm>
+            <a:off x="5933289" y="215698"/>
+            <a:ext cx="3016343" cy="3933934"/>
+            <a:chOff x="5238180" y="1842869"/>
+            <a:chExt cx="3016343" cy="3933934"/>
+          </a:xfrm>
+        </p:grpSpPr>
+        <p:grpSp>
+          <p:nvGrpSpPr>
+            <p:cNvPr id="197" name="Group 196"/>
+            <p:cNvGrpSpPr/>
+            <p:nvPr/>
+          </p:nvGrpSpPr>
+          <p:grpSpPr>
+            <a:xfrm>
+              <a:off x="5366122" y="2099769"/>
+              <a:ext cx="2780309" cy="835819"/>
+              <a:chOff x="2570365" y="2228804"/>
+              <a:chExt cx="2780309" cy="835819"/>
+            </a:xfrm>
+          </p:grpSpPr>
+          <p:sp>
+            <p:nvSpPr>
+              <p:cNvPr id="199" name="Rounded Rectangle 28"/>
+              <p:cNvSpPr/>
+              <p:nvPr/>
+            </p:nvSpPr>
+            <p:spPr>
+              <a:xfrm>
+                <a:off x="3756724" y="2428337"/>
+                <a:ext cx="382237" cy="357922"/>
+              </a:xfrm>
+              <a:prstGeom prst="roundRect">
+                <a:avLst>
+                  <a:gd name="adj" fmla="val 10785"/>
+                </a:avLst>
+              </a:prstGeom>
+            </p:spPr>
+            <p:style>
+              <a:lnRef idx="2">
+                <a:schemeClr val="accent1">
+                  <a:shade val="50000"/>
+                </a:schemeClr>
+              </a:lnRef>
+              <a:fillRef idx="1">
+                <a:schemeClr val="accent1"/>
+              </a:fillRef>
+              <a:effectRef idx="0">
+                <a:schemeClr val="accent1"/>
+              </a:effectRef>
+              <a:fontRef idx="minor">
+                <a:schemeClr val="lt1"/>
+              </a:fontRef>
+            </p:style>
+            <p:txBody>
+              <a:bodyPr lIns="0" rIns="0" rtlCol="0" anchor="ctr"/>
+              <a:lstStyle/>
+              <a:p>
+                <a:pPr algn="ctr"/>
+                <a:r>
+                  <a:rPr lang="en-US" sz="1600" b="1" dirty="0" smtClean="0"/>
+                  <a:t>TC</a:t>
+                </a:r>
+                <a:r>
+                  <a:rPr lang="en-US" sz="1600" b="1" baseline="-25000" dirty="0" smtClean="0"/>
+                  <a:t>1</a:t>
+                </a:r>
+                <a:endParaRPr lang="en-US" sz="1600" b="1" dirty="0" smtClean="0"/>
+              </a:p>
+            </p:txBody>
+          </p:sp>
+          <p:sp>
+            <p:nvSpPr>
+              <p:cNvPr id="200" name="258 CuadroTexto"/>
+              <p:cNvSpPr txBox="1"/>
+              <p:nvPr/>
+            </p:nvSpPr>
+            <p:spPr>
+              <a:xfrm>
+                <a:off x="2570365" y="2329938"/>
+                <a:ext cx="933584" cy="553998"/>
+              </a:xfrm>
+              <a:prstGeom prst="rect">
+                <a:avLst/>
+              </a:prstGeom>
+            </p:spPr>
+            <p:style>
+              <a:lnRef idx="1">
+                <a:schemeClr val="accent3"/>
+              </a:lnRef>
+              <a:fillRef idx="2">
+                <a:schemeClr val="accent3"/>
+              </a:fillRef>
+              <a:effectRef idx="1">
+                <a:schemeClr val="accent3"/>
+              </a:effectRef>
+              <a:fontRef idx="minor">
+                <a:schemeClr val="dk1"/>
+              </a:fontRef>
+            </p:style>
+            <p:txBody>
+              <a:bodyPr wrap="square" lIns="0" rIns="0" rtlCol="0">
+                <a:spAutoFit/>
+              </a:bodyPr>
+              <a:lstStyle/>
+              <a:p>
+                <a:r>
+                  <a:rPr lang="es-ES" sz="1000" dirty="0" smtClean="0">
+                    <a:latin typeface="Lucida Console" pitchFamily="49" charset="0"/>
+                  </a:rPr>
+                  <a:t>... 1 TRAIN</a:t>
+                </a:r>
+              </a:p>
+              <a:p>
+                <a:r>
+                  <a:rPr lang="es-ES" sz="1000" dirty="0" smtClean="0">
+                    <a:latin typeface="Lucida Console" pitchFamily="49" charset="0"/>
+                  </a:rPr>
+                  <a:t>... 1 TRAIN</a:t>
+                </a:r>
+              </a:p>
+              <a:p>
+                <a:r>
+                  <a:rPr lang="es-ES" sz="1000" dirty="0" smtClean="0">
+                    <a:latin typeface="Lucida Console" pitchFamily="49" charset="0"/>
+                  </a:rPr>
+                  <a:t>... 1 TRAIN</a:t>
+                </a:r>
+              </a:p>
+            </p:txBody>
+          </p:sp>
+          <p:cxnSp>
+            <p:nvCxnSpPr>
+              <p:cNvPr id="201" name="Straight Arrow Connector 200"/>
+              <p:cNvCxnSpPr>
+                <a:stCxn id="200" idx="3"/>
+                <a:endCxn id="199" idx="1"/>
+              </p:cNvCxnSpPr>
+              <p:nvPr/>
+            </p:nvCxnSpPr>
+            <p:spPr>
+              <a:xfrm>
+                <a:off x="3503949" y="2606937"/>
+                <a:ext cx="252775" cy="361"/>
+              </a:xfrm>
+              <a:prstGeom prst="straightConnector1">
+                <a:avLst/>
+              </a:prstGeom>
+              <a:ln>
+                <a:solidFill>
+                  <a:schemeClr val="tx1"/>
+                </a:solidFill>
+                <a:headEnd type="none"/>
+                <a:tailEnd type="triangle" w="lg" len="med"/>
+              </a:ln>
+              <a:effectLst/>
+            </p:spPr>
+            <p:style>
+              <a:lnRef idx="2">
+                <a:schemeClr val="accent1"/>
+              </a:lnRef>
+              <a:fillRef idx="0">
+                <a:schemeClr val="accent1"/>
+              </a:fillRef>
+              <a:effectRef idx="1">
+                <a:schemeClr val="accent1"/>
+              </a:effectRef>
+              <a:fontRef idx="minor">
+                <a:schemeClr val="tx1"/>
+              </a:fontRef>
+            </p:style>
+          </p:cxnSp>
+          <p:cxnSp>
+            <p:nvCxnSpPr>
+              <p:cNvPr id="202" name="Straight Arrow Connector 201"/>
+              <p:cNvCxnSpPr>
+                <a:stCxn id="199" idx="3"/>
+                <a:endCxn id="203" idx="1"/>
+              </p:cNvCxnSpPr>
+              <p:nvPr/>
+            </p:nvCxnSpPr>
+            <p:spPr>
+              <a:xfrm flipV="1">
+                <a:off x="4138961" y="2351915"/>
+                <a:ext cx="234591" cy="255383"/>
+              </a:xfrm>
+              <a:prstGeom prst="straightConnector1">
+                <a:avLst/>
+              </a:prstGeom>
+              <a:ln>
+                <a:solidFill>
+                  <a:schemeClr val="tx1"/>
+                </a:solidFill>
+                <a:headEnd type="none"/>
+                <a:tailEnd type="triangle" w="lg" len="med"/>
+              </a:ln>
+              <a:effectLst/>
+            </p:spPr>
+            <p:style>
+              <a:lnRef idx="2">
+                <a:schemeClr val="accent1"/>
+              </a:lnRef>
+              <a:fillRef idx="0">
+                <a:schemeClr val="accent1"/>
+              </a:fillRef>
+              <a:effectRef idx="1">
+                <a:schemeClr val="accent1"/>
+              </a:effectRef>
+              <a:fontRef idx="minor">
+                <a:schemeClr val="tx1"/>
+              </a:fontRef>
+            </p:style>
+          </p:cxnSp>
+          <p:sp>
+            <p:nvSpPr>
+              <p:cNvPr id="203" name="258 CuadroTexto"/>
+              <p:cNvSpPr txBox="1"/>
+              <p:nvPr/>
+            </p:nvSpPr>
+            <p:spPr>
+              <a:xfrm>
+                <a:off x="4373552" y="2228804"/>
+                <a:ext cx="977122" cy="246221"/>
+              </a:xfrm>
+              <a:prstGeom prst="rect">
+                <a:avLst/>
+              </a:prstGeom>
+            </p:spPr>
+            <p:style>
+              <a:lnRef idx="1">
+                <a:schemeClr val="accent2"/>
+              </a:lnRef>
+              <a:fillRef idx="2">
+                <a:schemeClr val="accent2"/>
+              </a:fillRef>
+              <a:effectRef idx="1">
+                <a:schemeClr val="accent2"/>
+              </a:effectRef>
+              <a:fontRef idx="minor">
+                <a:schemeClr val="dk1"/>
+              </a:fontRef>
+            </p:style>
+            <p:txBody>
+              <a:bodyPr wrap="square" lIns="0" rIns="0" rtlCol="0">
+                <a:spAutoFit/>
+              </a:bodyPr>
+              <a:lstStyle/>
+              <a:p>
+                <a:r>
+                  <a:rPr lang="es-ES" sz="1000" dirty="0">
+                    <a:latin typeface="Lucida Console" pitchFamily="49" charset="0"/>
+                  </a:rPr>
+                  <a:t> </a:t>
+                </a:r>
+                <a:r>
+                  <a:rPr lang="es-ES" sz="1000" dirty="0" smtClean="0">
+                    <a:latin typeface="Lucida Console" pitchFamily="49" charset="0"/>
+                  </a:rPr>
+                  <a:t>ACC AUC</a:t>
+                </a:r>
+                <a:endParaRPr lang="es-ES" sz="1000" dirty="0" smtClean="0">
+                  <a:latin typeface="Lucida Console" pitchFamily="49" charset="0"/>
+                </a:endParaRPr>
+              </a:p>
+            </p:txBody>
+          </p:sp>
+          <p:sp>
+            <p:nvSpPr>
+              <p:cNvPr id="204" name="258 CuadroTexto"/>
+              <p:cNvSpPr txBox="1"/>
+              <p:nvPr/>
+            </p:nvSpPr>
+            <p:spPr>
+              <a:xfrm>
+                <a:off x="4367626" y="2510625"/>
+                <a:ext cx="983048" cy="553998"/>
+              </a:xfrm>
+              <a:prstGeom prst="rect">
+                <a:avLst/>
+              </a:prstGeom>
+            </p:spPr>
+            <p:style>
+              <a:lnRef idx="1">
+                <a:schemeClr val="accent3"/>
+              </a:lnRef>
+              <a:fillRef idx="2">
+                <a:schemeClr val="accent3"/>
+              </a:fillRef>
+              <a:effectRef idx="1">
+                <a:schemeClr val="accent3"/>
+              </a:effectRef>
+              <a:fontRef idx="minor">
+                <a:schemeClr val="dk1"/>
+              </a:fontRef>
+            </p:style>
+            <p:txBody>
+              <a:bodyPr wrap="square" lIns="36000" rIns="0" rtlCol="0">
+                <a:spAutoFit/>
+              </a:bodyPr>
+              <a:lstStyle/>
+              <a:p>
+                <a:r>
+                  <a:rPr lang="es-ES" sz="1000" dirty="0" smtClean="0">
+                    <a:latin typeface="Lucida Console" pitchFamily="49" charset="0"/>
+                  </a:rPr>
+                  <a:t>SCORE CLASS</a:t>
+                </a:r>
+              </a:p>
+              <a:p>
+                <a:r>
+                  <a:rPr lang="es-ES" sz="1000" dirty="0" smtClean="0">
+                    <a:latin typeface="Lucida Console" pitchFamily="49" charset="0"/>
+                  </a:rPr>
+                  <a:t>SCORE CLASS</a:t>
+                </a:r>
+              </a:p>
+              <a:p>
+                <a:r>
+                  <a:rPr lang="es-ES" sz="1000" dirty="0" smtClean="0">
+                    <a:latin typeface="Lucida Console" pitchFamily="49" charset="0"/>
+                  </a:rPr>
+                  <a:t>SCORE CLASS</a:t>
+                </a:r>
+              </a:p>
+            </p:txBody>
+          </p:sp>
+          <p:cxnSp>
+            <p:nvCxnSpPr>
+              <p:cNvPr id="205" name="Straight Arrow Connector 204"/>
+              <p:cNvCxnSpPr>
+                <a:stCxn id="199" idx="3"/>
+                <a:endCxn id="204" idx="1"/>
+              </p:cNvCxnSpPr>
+              <p:nvPr/>
+            </p:nvCxnSpPr>
+            <p:spPr>
+              <a:xfrm>
+                <a:off x="4138961" y="2607298"/>
+                <a:ext cx="228665" cy="180326"/>
+              </a:xfrm>
+              <a:prstGeom prst="straightConnector1">
+                <a:avLst/>
+              </a:prstGeom>
+              <a:ln>
+                <a:solidFill>
+                  <a:schemeClr val="tx1"/>
+                </a:solidFill>
+                <a:headEnd type="none"/>
+                <a:tailEnd type="triangle" w="lg" len="med"/>
+              </a:ln>
+              <a:effectLst/>
+            </p:spPr>
+            <p:style>
+              <a:lnRef idx="2">
+                <a:schemeClr val="accent1"/>
+              </a:lnRef>
+              <a:fillRef idx="0">
+                <a:schemeClr val="accent1"/>
+              </a:fillRef>
+              <a:effectRef idx="1">
+                <a:schemeClr val="accent1"/>
+              </a:effectRef>
+              <a:fontRef idx="minor">
+                <a:schemeClr val="tx1"/>
+              </a:fontRef>
+            </p:style>
+          </p:cxnSp>
+        </p:grpSp>
+        <p:sp>
+          <p:nvSpPr>
+            <p:cNvPr id="198" name="Rectangle 7"/>
+            <p:cNvSpPr/>
+            <p:nvPr/>
+          </p:nvSpPr>
+          <p:spPr>
+            <a:xfrm>
+              <a:off x="5238180" y="1842869"/>
+              <a:ext cx="3016343" cy="3933934"/>
+            </a:xfrm>
+            <a:prstGeom prst="rect">
+              <a:avLst/>
+            </a:prstGeom>
+            <a:noFill/>
+            <a:ln>
+              <a:solidFill>
+                <a:schemeClr val="tx1"/>
+              </a:solidFill>
+            </a:ln>
+          </p:spPr>
+          <p:style>
+            <a:lnRef idx="2">
+              <a:schemeClr val="accent6">
+                <a:shade val="50000"/>
+              </a:schemeClr>
+            </a:lnRef>
+            <a:fillRef idx="1">
+              <a:schemeClr val="accent6"/>
+            </a:fillRef>
+            <a:effectRef idx="0">
+              <a:schemeClr val="accent6"/>
+            </a:effectRef>
+            <a:fontRef idx="minor">
+              <a:schemeClr val="lt1"/>
+            </a:fontRef>
+          </p:style>
+          <p:txBody>
+            <a:bodyPr rtlCol="0" anchor="t" anchorCtr="0"/>
+            <a:lstStyle/>
+            <a:p>
+              <a:r>
+                <a:rPr lang="en-US" sz="1000" dirty="0" smtClean="0">
+                  <a:solidFill>
+                    <a:schemeClr val="tx1"/>
+                  </a:solidFill>
+                  <a:latin typeface="Lucida Console" pitchFamily="49" charset="0"/>
+                </a:rPr>
+                <a:t>SVM PREDICT (FOR EACH MODEL)</a:t>
+              </a:r>
+              <a:endParaRPr lang="en-US" sz="1000" dirty="0" smtClean="0">
+                <a:solidFill>
+                  <a:schemeClr val="tx1"/>
+                </a:solidFill>
+                <a:latin typeface="Lucida Console" pitchFamily="49" charset="0"/>
+              </a:endParaRPr>
+            </a:p>
+          </p:txBody>
+        </p:sp>
+        <p:grpSp>
+          <p:nvGrpSpPr>
+            <p:cNvPr id="215" name="Group 214"/>
+            <p:cNvGrpSpPr/>
+            <p:nvPr/>
+          </p:nvGrpSpPr>
+          <p:grpSpPr>
+            <a:xfrm>
+              <a:off x="5348746" y="4854950"/>
+              <a:ext cx="2780309" cy="835819"/>
+              <a:chOff x="2570365" y="2126744"/>
+              <a:chExt cx="2780309" cy="835819"/>
+            </a:xfrm>
+          </p:grpSpPr>
+          <p:sp>
+            <p:nvSpPr>
+              <p:cNvPr id="216" name="Rounded Rectangle 28"/>
+              <p:cNvSpPr/>
+              <p:nvPr/>
+            </p:nvSpPr>
+            <p:spPr>
+              <a:xfrm>
+                <a:off x="3756724" y="2337617"/>
+                <a:ext cx="382237" cy="357922"/>
+              </a:xfrm>
+              <a:prstGeom prst="roundRect">
+                <a:avLst>
+                  <a:gd name="adj" fmla="val 10785"/>
+                </a:avLst>
+              </a:prstGeom>
+            </p:spPr>
+            <p:style>
+              <a:lnRef idx="2">
+                <a:schemeClr val="accent1">
+                  <a:shade val="50000"/>
+                </a:schemeClr>
+              </a:lnRef>
+              <a:fillRef idx="1">
+                <a:schemeClr val="accent1"/>
+              </a:fillRef>
+              <a:effectRef idx="0">
+                <a:schemeClr val="accent1"/>
+              </a:effectRef>
+              <a:fontRef idx="minor">
+                <a:schemeClr val="lt1"/>
+              </a:fontRef>
+            </p:style>
+            <p:txBody>
+              <a:bodyPr lIns="0" rIns="0" rtlCol="0" anchor="ctr"/>
+              <a:lstStyle/>
+              <a:p>
+                <a:pPr algn="ctr"/>
+                <a:r>
+                  <a:rPr lang="en-US" sz="1600" b="1" dirty="0" smtClean="0"/>
+                  <a:t>TC</a:t>
+                </a:r>
+                <a:r>
+                  <a:rPr lang="en-US" sz="1600" b="1" baseline="-25000" dirty="0"/>
+                  <a:t>4</a:t>
+                </a:r>
+                <a:endParaRPr lang="en-US" sz="1600" b="1" dirty="0" smtClean="0"/>
+              </a:p>
+            </p:txBody>
+          </p:sp>
+          <p:sp>
+            <p:nvSpPr>
+              <p:cNvPr id="217" name="258 CuadroTexto"/>
+              <p:cNvSpPr txBox="1"/>
+              <p:nvPr/>
+            </p:nvSpPr>
+            <p:spPr>
+              <a:xfrm>
+                <a:off x="2570365" y="2227878"/>
+                <a:ext cx="933584" cy="553998"/>
+              </a:xfrm>
+              <a:prstGeom prst="rect">
+                <a:avLst/>
+              </a:prstGeom>
+            </p:spPr>
+            <p:style>
+              <a:lnRef idx="1">
+                <a:schemeClr val="accent3"/>
+              </a:lnRef>
+              <a:fillRef idx="2">
+                <a:schemeClr val="accent3"/>
+              </a:fillRef>
+              <a:effectRef idx="1">
+                <a:schemeClr val="accent3"/>
+              </a:effectRef>
+              <a:fontRef idx="minor">
+                <a:schemeClr val="dk1"/>
+              </a:fontRef>
+            </p:style>
+            <p:txBody>
+              <a:bodyPr wrap="square" lIns="0" rIns="0" rtlCol="0">
+                <a:spAutoFit/>
+              </a:bodyPr>
+              <a:lstStyle/>
+              <a:p>
+                <a:r>
+                  <a:rPr lang="es-ES" sz="1000" dirty="0" smtClean="0">
+                    <a:latin typeface="Lucida Console" pitchFamily="49" charset="0"/>
+                  </a:rPr>
+                  <a:t>... 2 TEST</a:t>
+                </a:r>
+              </a:p>
+              <a:p>
+                <a:r>
+                  <a:rPr lang="es-ES" sz="1000" dirty="0" smtClean="0">
+                    <a:latin typeface="Lucida Console" pitchFamily="49" charset="0"/>
+                  </a:rPr>
+                  <a:t>... 2 TEST</a:t>
+                </a:r>
+              </a:p>
+              <a:p>
+                <a:r>
+                  <a:rPr lang="es-ES" sz="1000" dirty="0" smtClean="0">
+                    <a:latin typeface="Lucida Console" pitchFamily="49" charset="0"/>
+                  </a:rPr>
+                  <a:t>... 2 TEST</a:t>
+                </a:r>
+              </a:p>
+            </p:txBody>
+          </p:sp>
+          <p:cxnSp>
+            <p:nvCxnSpPr>
+              <p:cNvPr id="218" name="Straight Arrow Connector 217"/>
+              <p:cNvCxnSpPr>
+                <a:stCxn id="217" idx="3"/>
+                <a:endCxn id="216" idx="1"/>
+              </p:cNvCxnSpPr>
+              <p:nvPr/>
+            </p:nvCxnSpPr>
+            <p:spPr>
+              <a:xfrm>
+                <a:off x="3503949" y="2504877"/>
+                <a:ext cx="252775" cy="11701"/>
+              </a:xfrm>
+              <a:prstGeom prst="straightConnector1">
+                <a:avLst/>
+              </a:prstGeom>
+              <a:ln>
+                <a:solidFill>
+                  <a:schemeClr val="tx1"/>
+                </a:solidFill>
+                <a:headEnd type="none"/>
+                <a:tailEnd type="triangle" w="lg" len="med"/>
+              </a:ln>
+              <a:effectLst/>
+            </p:spPr>
+            <p:style>
+              <a:lnRef idx="2">
+                <a:schemeClr val="accent1"/>
+              </a:lnRef>
+              <a:fillRef idx="0">
+                <a:schemeClr val="accent1"/>
+              </a:fillRef>
+              <a:effectRef idx="1">
+                <a:schemeClr val="accent1"/>
+              </a:effectRef>
+              <a:fontRef idx="minor">
+                <a:schemeClr val="tx1"/>
+              </a:fontRef>
+            </p:style>
+          </p:cxnSp>
+          <p:cxnSp>
+            <p:nvCxnSpPr>
+              <p:cNvPr id="219" name="Straight Arrow Connector 218"/>
+              <p:cNvCxnSpPr>
+                <a:stCxn id="216" idx="3"/>
+                <a:endCxn id="220" idx="1"/>
+              </p:cNvCxnSpPr>
+              <p:nvPr/>
+            </p:nvCxnSpPr>
+            <p:spPr>
+              <a:xfrm flipV="1">
+                <a:off x="4138961" y="2249855"/>
+                <a:ext cx="234591" cy="266723"/>
+              </a:xfrm>
+              <a:prstGeom prst="straightConnector1">
+                <a:avLst/>
+              </a:prstGeom>
+              <a:ln>
+                <a:solidFill>
+                  <a:schemeClr val="tx1"/>
+                </a:solidFill>
+                <a:headEnd type="none"/>
+                <a:tailEnd type="triangle" w="lg" len="med"/>
+              </a:ln>
+              <a:effectLst/>
+            </p:spPr>
+            <p:style>
+              <a:lnRef idx="2">
+                <a:schemeClr val="accent1"/>
+              </a:lnRef>
+              <a:fillRef idx="0">
+                <a:schemeClr val="accent1"/>
+              </a:fillRef>
+              <a:effectRef idx="1">
+                <a:schemeClr val="accent1"/>
+              </a:effectRef>
+              <a:fontRef idx="minor">
+                <a:schemeClr val="tx1"/>
+              </a:fontRef>
+            </p:style>
+          </p:cxnSp>
+          <p:sp>
+            <p:nvSpPr>
+              <p:cNvPr id="220" name="258 CuadroTexto"/>
+              <p:cNvSpPr txBox="1"/>
+              <p:nvPr/>
+            </p:nvSpPr>
+            <p:spPr>
+              <a:xfrm>
+                <a:off x="4373552" y="2126744"/>
+                <a:ext cx="977122" cy="246221"/>
+              </a:xfrm>
+              <a:prstGeom prst="rect">
+                <a:avLst/>
+              </a:prstGeom>
+            </p:spPr>
+            <p:style>
+              <a:lnRef idx="1">
+                <a:schemeClr val="accent2"/>
+              </a:lnRef>
+              <a:fillRef idx="2">
+                <a:schemeClr val="accent2"/>
+              </a:fillRef>
+              <a:effectRef idx="1">
+                <a:schemeClr val="accent2"/>
+              </a:effectRef>
+              <a:fontRef idx="minor">
+                <a:schemeClr val="dk1"/>
+              </a:fontRef>
+            </p:style>
+            <p:txBody>
+              <a:bodyPr wrap="square" lIns="0" rIns="0" rtlCol="0">
+                <a:spAutoFit/>
+              </a:bodyPr>
+              <a:lstStyle/>
+              <a:p>
+                <a:r>
+                  <a:rPr lang="es-ES" sz="1000" dirty="0">
+                    <a:latin typeface="Lucida Console" pitchFamily="49" charset="0"/>
+                  </a:rPr>
+                  <a:t> </a:t>
+                </a:r>
+                <a:r>
+                  <a:rPr lang="es-ES" sz="1000" dirty="0" smtClean="0">
+                    <a:latin typeface="Lucida Console" pitchFamily="49" charset="0"/>
+                  </a:rPr>
+                  <a:t>ACC AUC</a:t>
+                </a:r>
+                <a:endParaRPr lang="es-ES" sz="1000" dirty="0" smtClean="0">
+                  <a:latin typeface="Lucida Console" pitchFamily="49" charset="0"/>
+                </a:endParaRPr>
+              </a:p>
+            </p:txBody>
+          </p:sp>
+          <p:sp>
+            <p:nvSpPr>
+              <p:cNvPr id="221" name="258 CuadroTexto"/>
+              <p:cNvSpPr txBox="1"/>
+              <p:nvPr/>
+            </p:nvSpPr>
+            <p:spPr>
+              <a:xfrm>
+                <a:off x="4367626" y="2408565"/>
+                <a:ext cx="983048" cy="553998"/>
+              </a:xfrm>
+              <a:prstGeom prst="rect">
+                <a:avLst/>
+              </a:prstGeom>
+            </p:spPr>
+            <p:style>
+              <a:lnRef idx="1">
+                <a:schemeClr val="accent3"/>
+              </a:lnRef>
+              <a:fillRef idx="2">
+                <a:schemeClr val="accent3"/>
+              </a:fillRef>
+              <a:effectRef idx="1">
+                <a:schemeClr val="accent3"/>
+              </a:effectRef>
+              <a:fontRef idx="minor">
+                <a:schemeClr val="dk1"/>
+              </a:fontRef>
+            </p:style>
+            <p:txBody>
+              <a:bodyPr wrap="square" lIns="36000" rIns="0" rtlCol="0">
+                <a:spAutoFit/>
+              </a:bodyPr>
+              <a:lstStyle/>
+              <a:p>
+                <a:r>
+                  <a:rPr lang="es-ES" sz="1000" dirty="0" smtClean="0">
+                    <a:latin typeface="Lucida Console" pitchFamily="49" charset="0"/>
+                  </a:rPr>
+                  <a:t>SCORE CLASS</a:t>
+                </a:r>
+              </a:p>
+              <a:p>
+                <a:r>
+                  <a:rPr lang="es-ES" sz="1000" dirty="0" smtClean="0">
+                    <a:latin typeface="Lucida Console" pitchFamily="49" charset="0"/>
+                  </a:rPr>
+                  <a:t>SCORE CLASS</a:t>
+                </a:r>
+              </a:p>
+              <a:p>
+                <a:r>
+                  <a:rPr lang="es-ES" sz="1000" dirty="0" smtClean="0">
+                    <a:latin typeface="Lucida Console" pitchFamily="49" charset="0"/>
+                  </a:rPr>
+                  <a:t>SCORE CLASS</a:t>
+                </a:r>
+              </a:p>
+            </p:txBody>
+          </p:sp>
+          <p:cxnSp>
+            <p:nvCxnSpPr>
+              <p:cNvPr id="223" name="Straight Arrow Connector 222"/>
+              <p:cNvCxnSpPr>
+                <a:stCxn id="216" idx="3"/>
+                <a:endCxn id="221" idx="1"/>
+              </p:cNvCxnSpPr>
+              <p:nvPr/>
+            </p:nvCxnSpPr>
+            <p:spPr>
+              <a:xfrm>
+                <a:off x="4138961" y="2516578"/>
+                <a:ext cx="228665" cy="168986"/>
+              </a:xfrm>
+              <a:prstGeom prst="straightConnector1">
+                <a:avLst/>
+              </a:prstGeom>
+              <a:ln>
+                <a:solidFill>
+                  <a:schemeClr val="tx1"/>
+                </a:solidFill>
+                <a:headEnd type="none"/>
+                <a:tailEnd type="triangle" w="lg" len="med"/>
+              </a:ln>
+              <a:effectLst/>
+            </p:spPr>
+            <p:style>
+              <a:lnRef idx="2">
+                <a:schemeClr val="accent1"/>
+              </a:lnRef>
+              <a:fillRef idx="0">
+                <a:schemeClr val="accent1"/>
+              </a:fillRef>
+              <a:effectRef idx="1">
+                <a:schemeClr val="accent1"/>
+              </a:effectRef>
+              <a:fontRef idx="minor">
+                <a:schemeClr val="tx1"/>
+              </a:fontRef>
+            </p:style>
+          </p:cxnSp>
+        </p:grpSp>
+        <p:grpSp>
+          <p:nvGrpSpPr>
+            <p:cNvPr id="224" name="Group 223"/>
+            <p:cNvGrpSpPr/>
+            <p:nvPr/>
+          </p:nvGrpSpPr>
+          <p:grpSpPr>
+            <a:xfrm>
+              <a:off x="5344875" y="3943398"/>
+              <a:ext cx="2780309" cy="835819"/>
+              <a:chOff x="2570365" y="2228804"/>
+              <a:chExt cx="2780309" cy="835819"/>
+            </a:xfrm>
+          </p:grpSpPr>
+          <p:sp>
+            <p:nvSpPr>
+              <p:cNvPr id="225" name="Rounded Rectangle 28"/>
+              <p:cNvSpPr/>
+              <p:nvPr/>
+            </p:nvSpPr>
+            <p:spPr>
+              <a:xfrm>
+                <a:off x="3756724" y="2428337"/>
+                <a:ext cx="382237" cy="357922"/>
+              </a:xfrm>
+              <a:prstGeom prst="roundRect">
+                <a:avLst>
+                  <a:gd name="adj" fmla="val 10785"/>
+                </a:avLst>
+              </a:prstGeom>
+            </p:spPr>
+            <p:style>
+              <a:lnRef idx="2">
+                <a:schemeClr val="accent1">
+                  <a:shade val="50000"/>
+                </a:schemeClr>
+              </a:lnRef>
+              <a:fillRef idx="1">
+                <a:schemeClr val="accent1"/>
+              </a:fillRef>
+              <a:effectRef idx="0">
+                <a:schemeClr val="accent1"/>
+              </a:effectRef>
+              <a:fontRef idx="minor">
+                <a:schemeClr val="lt1"/>
+              </a:fontRef>
+            </p:style>
+            <p:txBody>
+              <a:bodyPr lIns="0" rIns="0" rtlCol="0" anchor="ctr"/>
+              <a:lstStyle/>
+              <a:p>
+                <a:pPr algn="ctr"/>
+                <a:r>
+                  <a:rPr lang="en-US" sz="1600" b="1" dirty="0" smtClean="0"/>
+                  <a:t>TC</a:t>
+                </a:r>
+                <a:r>
+                  <a:rPr lang="en-US" sz="1600" b="1" baseline="-25000" dirty="0" smtClean="0"/>
+                  <a:t>3</a:t>
+                </a:r>
+                <a:endParaRPr lang="en-US" sz="1600" b="1" dirty="0" smtClean="0"/>
+              </a:p>
+            </p:txBody>
+          </p:sp>
+          <p:sp>
+            <p:nvSpPr>
+              <p:cNvPr id="226" name="258 CuadroTexto"/>
+              <p:cNvSpPr txBox="1"/>
+              <p:nvPr/>
+            </p:nvSpPr>
+            <p:spPr>
+              <a:xfrm>
+                <a:off x="2570365" y="2329938"/>
+                <a:ext cx="933584" cy="553998"/>
+              </a:xfrm>
+              <a:prstGeom prst="rect">
+                <a:avLst/>
+              </a:prstGeom>
+            </p:spPr>
+            <p:style>
+              <a:lnRef idx="1">
+                <a:schemeClr val="accent3"/>
+              </a:lnRef>
+              <a:fillRef idx="2">
+                <a:schemeClr val="accent3"/>
+              </a:fillRef>
+              <a:effectRef idx="1">
+                <a:schemeClr val="accent3"/>
+              </a:effectRef>
+              <a:fontRef idx="minor">
+                <a:schemeClr val="dk1"/>
+              </a:fontRef>
+            </p:style>
+            <p:txBody>
+              <a:bodyPr wrap="square" lIns="0" rIns="0" rtlCol="0">
+                <a:spAutoFit/>
+              </a:bodyPr>
+              <a:lstStyle/>
+              <a:p>
+                <a:r>
+                  <a:rPr lang="es-ES" sz="1000" dirty="0" smtClean="0">
+                    <a:latin typeface="Lucida Console" pitchFamily="49" charset="0"/>
+                  </a:rPr>
+                  <a:t>... 2 TRAIN</a:t>
+                </a:r>
+              </a:p>
+              <a:p>
+                <a:r>
+                  <a:rPr lang="es-ES" sz="1000" dirty="0" smtClean="0">
+                    <a:latin typeface="Lucida Console" pitchFamily="49" charset="0"/>
+                  </a:rPr>
+                  <a:t>... 2 TRAIN</a:t>
+                </a:r>
+              </a:p>
+              <a:p>
+                <a:r>
+                  <a:rPr lang="es-ES" sz="1000" dirty="0" smtClean="0">
+                    <a:latin typeface="Lucida Console" pitchFamily="49" charset="0"/>
+                  </a:rPr>
+                  <a:t>... 2 TRAIN</a:t>
+                </a:r>
+              </a:p>
+            </p:txBody>
+          </p:sp>
+          <p:cxnSp>
+            <p:nvCxnSpPr>
+              <p:cNvPr id="227" name="Straight Arrow Connector 226"/>
+              <p:cNvCxnSpPr>
+                <a:stCxn id="226" idx="3"/>
+                <a:endCxn id="225" idx="1"/>
+              </p:cNvCxnSpPr>
+              <p:nvPr/>
+            </p:nvCxnSpPr>
+            <p:spPr>
+              <a:xfrm>
+                <a:off x="3503949" y="2606937"/>
+                <a:ext cx="252775" cy="361"/>
+              </a:xfrm>
+              <a:prstGeom prst="straightConnector1">
+                <a:avLst/>
+              </a:prstGeom>
+              <a:ln>
+                <a:solidFill>
+                  <a:schemeClr val="tx1"/>
+                </a:solidFill>
+                <a:headEnd type="none"/>
+                <a:tailEnd type="triangle" w="lg" len="med"/>
+              </a:ln>
+              <a:effectLst/>
+            </p:spPr>
+            <p:style>
+              <a:lnRef idx="2">
+                <a:schemeClr val="accent1"/>
+              </a:lnRef>
+              <a:fillRef idx="0">
+                <a:schemeClr val="accent1"/>
+              </a:fillRef>
+              <a:effectRef idx="1">
+                <a:schemeClr val="accent1"/>
+              </a:effectRef>
+              <a:fontRef idx="minor">
+                <a:schemeClr val="tx1"/>
+              </a:fontRef>
+            </p:style>
+          </p:cxnSp>
+          <p:cxnSp>
+            <p:nvCxnSpPr>
+              <p:cNvPr id="228" name="Straight Arrow Connector 227"/>
+              <p:cNvCxnSpPr>
+                <a:stCxn id="225" idx="3"/>
+                <a:endCxn id="229" idx="1"/>
+              </p:cNvCxnSpPr>
+              <p:nvPr/>
+            </p:nvCxnSpPr>
+            <p:spPr>
+              <a:xfrm flipV="1">
+                <a:off x="4138961" y="2351915"/>
+                <a:ext cx="234591" cy="255383"/>
+              </a:xfrm>
+              <a:prstGeom prst="straightConnector1">
+                <a:avLst/>
+              </a:prstGeom>
+              <a:ln>
+                <a:solidFill>
+                  <a:schemeClr val="tx1"/>
+                </a:solidFill>
+                <a:headEnd type="none"/>
+                <a:tailEnd type="triangle" w="lg" len="med"/>
+              </a:ln>
+              <a:effectLst/>
+            </p:spPr>
+            <p:style>
+              <a:lnRef idx="2">
+                <a:schemeClr val="accent1"/>
+              </a:lnRef>
+              <a:fillRef idx="0">
+                <a:schemeClr val="accent1"/>
+              </a:fillRef>
+              <a:effectRef idx="1">
+                <a:schemeClr val="accent1"/>
+              </a:effectRef>
+              <a:fontRef idx="minor">
+                <a:schemeClr val="tx1"/>
+              </a:fontRef>
+            </p:style>
+          </p:cxnSp>
+          <p:sp>
+            <p:nvSpPr>
+              <p:cNvPr id="229" name="258 CuadroTexto"/>
+              <p:cNvSpPr txBox="1"/>
+              <p:nvPr/>
+            </p:nvSpPr>
+            <p:spPr>
+              <a:xfrm>
+                <a:off x="4373552" y="2228804"/>
+                <a:ext cx="977122" cy="246221"/>
+              </a:xfrm>
+              <a:prstGeom prst="rect">
+                <a:avLst/>
+              </a:prstGeom>
+            </p:spPr>
+            <p:style>
+              <a:lnRef idx="1">
+                <a:schemeClr val="accent2"/>
+              </a:lnRef>
+              <a:fillRef idx="2">
+                <a:schemeClr val="accent2"/>
+              </a:fillRef>
+              <a:effectRef idx="1">
+                <a:schemeClr val="accent2"/>
+              </a:effectRef>
+              <a:fontRef idx="minor">
+                <a:schemeClr val="dk1"/>
+              </a:fontRef>
+            </p:style>
+            <p:txBody>
+              <a:bodyPr wrap="square" lIns="0" rIns="0" rtlCol="0">
+                <a:spAutoFit/>
+              </a:bodyPr>
+              <a:lstStyle/>
+              <a:p>
+                <a:r>
+                  <a:rPr lang="es-ES" sz="1000" dirty="0">
+                    <a:latin typeface="Lucida Console" pitchFamily="49" charset="0"/>
+                  </a:rPr>
+                  <a:t> </a:t>
+                </a:r>
+                <a:r>
+                  <a:rPr lang="es-ES" sz="1000" dirty="0" smtClean="0">
+                    <a:latin typeface="Lucida Console" pitchFamily="49" charset="0"/>
+                  </a:rPr>
+                  <a:t>ACC AUC</a:t>
+                </a:r>
+                <a:endParaRPr lang="es-ES" sz="1000" dirty="0" smtClean="0">
+                  <a:latin typeface="Lucida Console" pitchFamily="49" charset="0"/>
+                </a:endParaRPr>
+              </a:p>
+            </p:txBody>
+          </p:sp>
+          <p:sp>
+            <p:nvSpPr>
+              <p:cNvPr id="230" name="258 CuadroTexto"/>
+              <p:cNvSpPr txBox="1"/>
+              <p:nvPr/>
+            </p:nvSpPr>
+            <p:spPr>
+              <a:xfrm>
+                <a:off x="4367626" y="2510625"/>
+                <a:ext cx="983048" cy="553998"/>
+              </a:xfrm>
+              <a:prstGeom prst="rect">
+                <a:avLst/>
+              </a:prstGeom>
+            </p:spPr>
+            <p:style>
+              <a:lnRef idx="1">
+                <a:schemeClr val="accent3"/>
+              </a:lnRef>
+              <a:fillRef idx="2">
+                <a:schemeClr val="accent3"/>
+              </a:fillRef>
+              <a:effectRef idx="1">
+                <a:schemeClr val="accent3"/>
+              </a:effectRef>
+              <a:fontRef idx="minor">
+                <a:schemeClr val="dk1"/>
+              </a:fontRef>
+            </p:style>
+            <p:txBody>
+              <a:bodyPr wrap="square" lIns="36000" rIns="0" rtlCol="0">
+                <a:spAutoFit/>
+              </a:bodyPr>
+              <a:lstStyle/>
+              <a:p>
+                <a:r>
+                  <a:rPr lang="es-ES" sz="1000" dirty="0" smtClean="0">
+                    <a:latin typeface="Lucida Console" pitchFamily="49" charset="0"/>
+                  </a:rPr>
+                  <a:t>SCORE CLASS</a:t>
+                </a:r>
+              </a:p>
+              <a:p>
+                <a:r>
+                  <a:rPr lang="es-ES" sz="1000" dirty="0" smtClean="0">
+                    <a:latin typeface="Lucida Console" pitchFamily="49" charset="0"/>
+                  </a:rPr>
+                  <a:t>SCORE CLASS</a:t>
+                </a:r>
+              </a:p>
+              <a:p>
+                <a:r>
+                  <a:rPr lang="es-ES" sz="1000" dirty="0" smtClean="0">
+                    <a:latin typeface="Lucida Console" pitchFamily="49" charset="0"/>
+                  </a:rPr>
+                  <a:t>SCORE CLASS</a:t>
+                </a:r>
+              </a:p>
+            </p:txBody>
+          </p:sp>
+          <p:cxnSp>
+            <p:nvCxnSpPr>
+              <p:cNvPr id="231" name="Straight Arrow Connector 230"/>
+              <p:cNvCxnSpPr>
+                <a:stCxn id="225" idx="3"/>
+                <a:endCxn id="230" idx="1"/>
+              </p:cNvCxnSpPr>
+              <p:nvPr/>
+            </p:nvCxnSpPr>
+            <p:spPr>
+              <a:xfrm>
+                <a:off x="4138961" y="2607298"/>
+                <a:ext cx="228665" cy="180326"/>
+              </a:xfrm>
+              <a:prstGeom prst="straightConnector1">
+                <a:avLst/>
+              </a:prstGeom>
+              <a:ln>
+                <a:solidFill>
+                  <a:schemeClr val="tx1"/>
+                </a:solidFill>
+                <a:headEnd type="none"/>
+                <a:tailEnd type="triangle" w="lg" len="med"/>
+              </a:ln>
+              <a:effectLst/>
+            </p:spPr>
+            <p:style>
+              <a:lnRef idx="2">
+                <a:schemeClr val="accent1"/>
+              </a:lnRef>
+              <a:fillRef idx="0">
+                <a:schemeClr val="accent1"/>
+              </a:fillRef>
+              <a:effectRef idx="1">
+                <a:schemeClr val="accent1"/>
+              </a:effectRef>
+              <a:fontRef idx="minor">
+                <a:schemeClr val="tx1"/>
+              </a:fontRef>
+            </p:style>
+          </p:cxnSp>
+        </p:grpSp>
+        <p:grpSp>
+          <p:nvGrpSpPr>
+            <p:cNvPr id="240" name="Group 239"/>
+            <p:cNvGrpSpPr/>
+            <p:nvPr/>
+          </p:nvGrpSpPr>
+          <p:grpSpPr>
+            <a:xfrm>
+              <a:off x="5348746" y="3001388"/>
+              <a:ext cx="2780309" cy="835819"/>
+              <a:chOff x="2570365" y="2126744"/>
+              <a:chExt cx="2780309" cy="835819"/>
+            </a:xfrm>
+          </p:grpSpPr>
+          <p:sp>
+            <p:nvSpPr>
+              <p:cNvPr id="241" name="Rounded Rectangle 28"/>
+              <p:cNvSpPr/>
+              <p:nvPr/>
+            </p:nvSpPr>
+            <p:spPr>
+              <a:xfrm>
+                <a:off x="3756724" y="2326277"/>
+                <a:ext cx="382237" cy="357922"/>
+              </a:xfrm>
+              <a:prstGeom prst="roundRect">
+                <a:avLst>
+                  <a:gd name="adj" fmla="val 10785"/>
+                </a:avLst>
+              </a:prstGeom>
+            </p:spPr>
+            <p:style>
+              <a:lnRef idx="2">
+                <a:schemeClr val="accent1">
+                  <a:shade val="50000"/>
+                </a:schemeClr>
+              </a:lnRef>
+              <a:fillRef idx="1">
+                <a:schemeClr val="accent1"/>
+              </a:fillRef>
+              <a:effectRef idx="0">
+                <a:schemeClr val="accent1"/>
+              </a:effectRef>
+              <a:fontRef idx="minor">
+                <a:schemeClr val="lt1"/>
+              </a:fontRef>
+            </p:style>
+            <p:txBody>
+              <a:bodyPr lIns="0" rIns="0" rtlCol="0" anchor="ctr"/>
+              <a:lstStyle/>
+              <a:p>
+                <a:pPr algn="ctr"/>
+                <a:r>
+                  <a:rPr lang="en-US" sz="1600" b="1" dirty="0" smtClean="0"/>
+                  <a:t>TC</a:t>
+                </a:r>
+                <a:r>
+                  <a:rPr lang="en-US" sz="1600" b="1" baseline="-25000" dirty="0"/>
+                  <a:t>2</a:t>
+                </a:r>
+                <a:endParaRPr lang="en-US" sz="1600" b="1" dirty="0" smtClean="0"/>
+              </a:p>
+            </p:txBody>
+          </p:sp>
+          <p:sp>
+            <p:nvSpPr>
+              <p:cNvPr id="242" name="258 CuadroTexto"/>
+              <p:cNvSpPr txBox="1"/>
+              <p:nvPr/>
+            </p:nvSpPr>
+            <p:spPr>
+              <a:xfrm>
+                <a:off x="2570365" y="2227878"/>
+                <a:ext cx="933584" cy="553998"/>
+              </a:xfrm>
+              <a:prstGeom prst="rect">
+                <a:avLst/>
+              </a:prstGeom>
+            </p:spPr>
+            <p:style>
+              <a:lnRef idx="1">
+                <a:schemeClr val="accent3"/>
+              </a:lnRef>
+              <a:fillRef idx="2">
+                <a:schemeClr val="accent3"/>
+              </a:fillRef>
+              <a:effectRef idx="1">
+                <a:schemeClr val="accent3"/>
+              </a:effectRef>
+              <a:fontRef idx="minor">
+                <a:schemeClr val="dk1"/>
+              </a:fontRef>
+            </p:style>
+            <p:txBody>
+              <a:bodyPr wrap="square" lIns="0" rIns="0" rtlCol="0">
+                <a:spAutoFit/>
+              </a:bodyPr>
+              <a:lstStyle/>
+              <a:p>
+                <a:r>
+                  <a:rPr lang="es-ES" sz="1000" dirty="0" smtClean="0">
+                    <a:latin typeface="Lucida Console" pitchFamily="49" charset="0"/>
+                  </a:rPr>
+                  <a:t>... 1 TEST</a:t>
+                </a:r>
+              </a:p>
+              <a:p>
+                <a:r>
+                  <a:rPr lang="es-ES" sz="1000" dirty="0" smtClean="0">
+                    <a:latin typeface="Lucida Console" pitchFamily="49" charset="0"/>
+                  </a:rPr>
+                  <a:t>... 1 TEST</a:t>
+                </a:r>
+              </a:p>
+              <a:p>
+                <a:r>
+                  <a:rPr lang="es-ES" sz="1000" dirty="0" smtClean="0">
+                    <a:latin typeface="Lucida Console" pitchFamily="49" charset="0"/>
+                  </a:rPr>
+                  <a:t>... 1 TEST</a:t>
+                </a:r>
+              </a:p>
+            </p:txBody>
+          </p:sp>
+          <p:cxnSp>
+            <p:nvCxnSpPr>
+              <p:cNvPr id="243" name="Straight Arrow Connector 242"/>
+              <p:cNvCxnSpPr>
+                <a:stCxn id="242" idx="3"/>
+                <a:endCxn id="241" idx="1"/>
+              </p:cNvCxnSpPr>
+              <p:nvPr/>
+            </p:nvCxnSpPr>
+            <p:spPr>
+              <a:xfrm>
+                <a:off x="3503949" y="2504877"/>
+                <a:ext cx="252775" cy="361"/>
+              </a:xfrm>
+              <a:prstGeom prst="straightConnector1">
+                <a:avLst/>
+              </a:prstGeom>
+              <a:ln>
+                <a:solidFill>
+                  <a:schemeClr val="tx1"/>
+                </a:solidFill>
+                <a:headEnd type="none"/>
+                <a:tailEnd type="triangle" w="lg" len="med"/>
+              </a:ln>
+              <a:effectLst/>
+            </p:spPr>
+            <p:style>
+              <a:lnRef idx="2">
+                <a:schemeClr val="accent1"/>
+              </a:lnRef>
+              <a:fillRef idx="0">
+                <a:schemeClr val="accent1"/>
+              </a:fillRef>
+              <a:effectRef idx="1">
+                <a:schemeClr val="accent1"/>
+              </a:effectRef>
+              <a:fontRef idx="minor">
+                <a:schemeClr val="tx1"/>
+              </a:fontRef>
+            </p:style>
+          </p:cxnSp>
+          <p:cxnSp>
+            <p:nvCxnSpPr>
+              <p:cNvPr id="244" name="Straight Arrow Connector 243"/>
+              <p:cNvCxnSpPr>
+                <a:stCxn id="241" idx="3"/>
+                <a:endCxn id="245" idx="1"/>
+              </p:cNvCxnSpPr>
+              <p:nvPr/>
+            </p:nvCxnSpPr>
+            <p:spPr>
+              <a:xfrm flipV="1">
+                <a:off x="4138961" y="2249855"/>
+                <a:ext cx="234591" cy="255383"/>
+              </a:xfrm>
+              <a:prstGeom prst="straightConnector1">
+                <a:avLst/>
+              </a:prstGeom>
+              <a:ln>
+                <a:solidFill>
+                  <a:schemeClr val="tx1"/>
+                </a:solidFill>
+                <a:headEnd type="none"/>
+                <a:tailEnd type="triangle" w="lg" len="med"/>
+              </a:ln>
+              <a:effectLst/>
+            </p:spPr>
+            <p:style>
+              <a:lnRef idx="2">
+                <a:schemeClr val="accent1"/>
+              </a:lnRef>
+              <a:fillRef idx="0">
+                <a:schemeClr val="accent1"/>
+              </a:fillRef>
+              <a:effectRef idx="1">
+                <a:schemeClr val="accent1"/>
+              </a:effectRef>
+              <a:fontRef idx="minor">
+                <a:schemeClr val="tx1"/>
+              </a:fontRef>
+            </p:style>
+          </p:cxnSp>
+          <p:sp>
+            <p:nvSpPr>
+              <p:cNvPr id="245" name="258 CuadroTexto"/>
+              <p:cNvSpPr txBox="1"/>
+              <p:nvPr/>
+            </p:nvSpPr>
+            <p:spPr>
+              <a:xfrm>
+                <a:off x="4373552" y="2126744"/>
+                <a:ext cx="977122" cy="246221"/>
+              </a:xfrm>
+              <a:prstGeom prst="rect">
+                <a:avLst/>
+              </a:prstGeom>
+            </p:spPr>
+            <p:style>
+              <a:lnRef idx="1">
+                <a:schemeClr val="accent2"/>
+              </a:lnRef>
+              <a:fillRef idx="2">
+                <a:schemeClr val="accent2"/>
+              </a:fillRef>
+              <a:effectRef idx="1">
+                <a:schemeClr val="accent2"/>
+              </a:effectRef>
+              <a:fontRef idx="minor">
+                <a:schemeClr val="dk1"/>
+              </a:fontRef>
+            </p:style>
+            <p:txBody>
+              <a:bodyPr wrap="square" lIns="0" rIns="0" rtlCol="0">
+                <a:spAutoFit/>
+              </a:bodyPr>
+              <a:lstStyle/>
+              <a:p>
+                <a:r>
+                  <a:rPr lang="es-ES" sz="1000" dirty="0">
+                    <a:latin typeface="Lucida Console" pitchFamily="49" charset="0"/>
+                  </a:rPr>
+                  <a:t> </a:t>
+                </a:r>
+                <a:r>
+                  <a:rPr lang="es-ES" sz="1000" dirty="0" smtClean="0">
+                    <a:latin typeface="Lucida Console" pitchFamily="49" charset="0"/>
+                  </a:rPr>
+                  <a:t>ACC AUC</a:t>
+                </a:r>
+                <a:endParaRPr lang="es-ES" sz="1000" dirty="0" smtClean="0">
+                  <a:latin typeface="Lucida Console" pitchFamily="49" charset="0"/>
+                </a:endParaRPr>
+              </a:p>
+            </p:txBody>
+          </p:sp>
+          <p:sp>
+            <p:nvSpPr>
+              <p:cNvPr id="246" name="258 CuadroTexto"/>
+              <p:cNvSpPr txBox="1"/>
+              <p:nvPr/>
+            </p:nvSpPr>
+            <p:spPr>
+              <a:xfrm>
+                <a:off x="4367626" y="2408565"/>
+                <a:ext cx="983048" cy="553998"/>
+              </a:xfrm>
+              <a:prstGeom prst="rect">
+                <a:avLst/>
+              </a:prstGeom>
+            </p:spPr>
+            <p:style>
+              <a:lnRef idx="1">
+                <a:schemeClr val="accent3"/>
+              </a:lnRef>
+              <a:fillRef idx="2">
+                <a:schemeClr val="accent3"/>
+              </a:fillRef>
+              <a:effectRef idx="1">
+                <a:schemeClr val="accent3"/>
+              </a:effectRef>
+              <a:fontRef idx="minor">
+                <a:schemeClr val="dk1"/>
+              </a:fontRef>
+            </p:style>
+            <p:txBody>
+              <a:bodyPr wrap="square" lIns="36000" rIns="0" rtlCol="0">
+                <a:spAutoFit/>
+              </a:bodyPr>
+              <a:lstStyle/>
+              <a:p>
+                <a:r>
+                  <a:rPr lang="es-ES" sz="1000" dirty="0" smtClean="0">
+                    <a:latin typeface="Lucida Console" pitchFamily="49" charset="0"/>
+                  </a:rPr>
+                  <a:t>SCORE CLASS</a:t>
+                </a:r>
+              </a:p>
+              <a:p>
+                <a:r>
+                  <a:rPr lang="es-ES" sz="1000" dirty="0" smtClean="0">
+                    <a:latin typeface="Lucida Console" pitchFamily="49" charset="0"/>
+                  </a:rPr>
+                  <a:t>SCORE CLASS</a:t>
+                </a:r>
+              </a:p>
+              <a:p>
+                <a:r>
+                  <a:rPr lang="es-ES" sz="1000" dirty="0" smtClean="0">
+                    <a:latin typeface="Lucida Console" pitchFamily="49" charset="0"/>
+                  </a:rPr>
+                  <a:t>SCORE CLASS</a:t>
+                </a:r>
+              </a:p>
+            </p:txBody>
+          </p:sp>
+          <p:cxnSp>
+            <p:nvCxnSpPr>
+              <p:cNvPr id="247" name="Straight Arrow Connector 246"/>
+              <p:cNvCxnSpPr>
+                <a:stCxn id="241" idx="3"/>
+                <a:endCxn id="246" idx="1"/>
+              </p:cNvCxnSpPr>
+              <p:nvPr/>
+            </p:nvCxnSpPr>
+            <p:spPr>
+              <a:xfrm>
+                <a:off x="4138961" y="2505238"/>
+                <a:ext cx="228665" cy="180326"/>
+              </a:xfrm>
+              <a:prstGeom prst="straightConnector1">
+                <a:avLst/>
+              </a:prstGeom>
+              <a:ln>
+                <a:solidFill>
+                  <a:schemeClr val="tx1"/>
+                </a:solidFill>
+                <a:headEnd type="none"/>
+                <a:tailEnd type="triangle" w="lg" len="med"/>
+              </a:ln>
+              <a:effectLst/>
+            </p:spPr>
+            <p:style>
+              <a:lnRef idx="2">
+                <a:schemeClr val="accent1"/>
+              </a:lnRef>
+              <a:fillRef idx="0">
+                <a:schemeClr val="accent1"/>
+              </a:fillRef>
+              <a:effectRef idx="1">
+                <a:schemeClr val="accent1"/>
+              </a:effectRef>
+              <a:fontRef idx="minor">
+                <a:schemeClr val="tx1"/>
+              </a:fontRef>
+            </p:style>
+          </p:cxnSp>
+        </p:grpSp>
+      </p:grpSp>
+      <p:grpSp>
+        <p:nvGrpSpPr>
+          <p:cNvPr id="35" name="Group 34"/>
+          <p:cNvGrpSpPr/>
+          <p:nvPr/>
+        </p:nvGrpSpPr>
+        <p:grpSpPr>
+          <a:xfrm>
+            <a:off x="416263" y="2454280"/>
+            <a:ext cx="1787841" cy="1397464"/>
+            <a:chOff x="1016478" y="2472944"/>
+            <a:chExt cx="1787841" cy="1397464"/>
+          </a:xfrm>
+        </p:grpSpPr>
+        <p:sp>
+          <p:nvSpPr>
+            <p:cNvPr id="249" name="Rounded Rectangle 181"/>
+            <p:cNvSpPr/>
+            <p:nvPr/>
+          </p:nvSpPr>
+          <p:spPr>
+            <a:xfrm>
+              <a:off x="1016478" y="3034420"/>
+              <a:ext cx="309202" cy="311150"/>
+            </a:xfrm>
+            <a:prstGeom prst="roundRect">
+              <a:avLst>
+                <a:gd name="adj" fmla="val 10785"/>
+              </a:avLst>
+            </a:prstGeom>
+          </p:spPr>
+          <p:style>
+            <a:lnRef idx="2">
+              <a:schemeClr val="accent1">
+                <a:shade val="50000"/>
+              </a:schemeClr>
+            </a:lnRef>
+            <a:fillRef idx="1">
+              <a:schemeClr val="accent1"/>
+            </a:fillRef>
+            <a:effectRef idx="0">
+              <a:schemeClr val="accent1"/>
+            </a:effectRef>
+            <a:fontRef idx="minor">
+              <a:schemeClr val="lt1"/>
+            </a:fontRef>
+          </p:style>
+          <p:txBody>
+            <a:bodyPr lIns="0" rIns="0" rtlCol="0" anchor="ctr"/>
+            <a:lstStyle/>
+            <a:p>
+              <a:pPr algn="ctr"/>
+              <a:r>
+                <a:rPr lang="en-US" sz="1600" b="1" dirty="0" smtClean="0"/>
+                <a:t>PL</a:t>
+              </a:r>
+            </a:p>
+          </p:txBody>
+        </p:sp>
+        <p:sp>
+          <p:nvSpPr>
+            <p:cNvPr id="250" name="Rounded Rectangle 53"/>
+            <p:cNvSpPr/>
+            <p:nvPr/>
+          </p:nvSpPr>
+          <p:spPr>
+            <a:xfrm>
+              <a:off x="2495117" y="3013003"/>
+              <a:ext cx="309202" cy="311150"/>
+            </a:xfrm>
+            <a:prstGeom prst="roundRect">
+              <a:avLst>
+                <a:gd name="adj" fmla="val 10785"/>
+              </a:avLst>
+            </a:prstGeom>
+          </p:spPr>
+          <p:style>
+            <a:lnRef idx="2">
+              <a:schemeClr val="accent1">
+                <a:shade val="50000"/>
+              </a:schemeClr>
+            </a:lnRef>
+            <a:fillRef idx="1">
+              <a:schemeClr val="accent1"/>
+            </a:fillRef>
+            <a:effectRef idx="0">
+              <a:schemeClr val="accent1"/>
+            </a:effectRef>
+            <a:fontRef idx="minor">
+              <a:schemeClr val="lt1"/>
+            </a:fontRef>
+          </p:style>
+          <p:txBody>
+            <a:bodyPr lIns="0" rIns="0" rtlCol="0" anchor="ctr"/>
+            <a:lstStyle/>
+            <a:p>
+              <a:pPr algn="ctr"/>
+              <a:r>
+                <a:rPr lang="en-US" sz="1600" b="1" dirty="0"/>
+                <a:t>S</a:t>
+              </a:r>
+              <a:r>
+                <a:rPr lang="en-US" sz="1600" b="1" dirty="0" smtClean="0"/>
+                <a:t>L</a:t>
+              </a:r>
+            </a:p>
+          </p:txBody>
+        </p:sp>
+        <p:sp>
+          <p:nvSpPr>
+            <p:cNvPr id="251" name="Rounded Rectangle 28"/>
+            <p:cNvSpPr/>
+            <p:nvPr/>
+          </p:nvSpPr>
+          <p:spPr>
+            <a:xfrm>
+              <a:off x="1740813" y="3201322"/>
+              <a:ext cx="309202" cy="311150"/>
+            </a:xfrm>
+            <a:prstGeom prst="roundRect">
+              <a:avLst>
+                <a:gd name="adj" fmla="val 10785"/>
+              </a:avLst>
+            </a:prstGeom>
+          </p:spPr>
+          <p:style>
+            <a:lnRef idx="2">
+              <a:schemeClr val="accent1">
+                <a:shade val="50000"/>
+              </a:schemeClr>
+            </a:lnRef>
+            <a:fillRef idx="1">
+              <a:schemeClr val="accent1"/>
+            </a:fillRef>
+            <a:effectRef idx="0">
+              <a:schemeClr val="accent1"/>
+            </a:effectRef>
+            <a:fontRef idx="minor">
+              <a:schemeClr val="lt1"/>
+            </a:fontRef>
+          </p:style>
+          <p:txBody>
+            <a:bodyPr lIns="0" rIns="0" rtlCol="0" anchor="ctr"/>
+            <a:lstStyle/>
+            <a:p>
+              <a:pPr algn="ctr"/>
+              <a:r>
+                <a:rPr lang="en-US" sz="1600" b="1" dirty="0" smtClean="0"/>
+                <a:t>TC</a:t>
+              </a:r>
+            </a:p>
+          </p:txBody>
+        </p:sp>
+        <p:cxnSp>
+          <p:nvCxnSpPr>
+            <p:cNvPr id="252" name="Elbow Connector 72"/>
+            <p:cNvCxnSpPr>
+              <a:stCxn id="249" idx="3"/>
+              <a:endCxn id="251" idx="1"/>
+            </p:cNvCxnSpPr>
+            <p:nvPr/>
+          </p:nvCxnSpPr>
+          <p:spPr>
+            <a:xfrm>
+              <a:off x="1325680" y="3189995"/>
+              <a:ext cx="415133" cy="166902"/>
+            </a:xfrm>
+            <a:prstGeom prst="bentConnector3">
+              <a:avLst>
+                <a:gd name="adj1" fmla="val 50000"/>
+              </a:avLst>
+            </a:prstGeom>
+            <a:ln w="28575" cmpd="sng">
+              <a:solidFill>
+                <a:schemeClr val="accent1">
+                  <a:lumMod val="75000"/>
+                </a:schemeClr>
+              </a:solidFill>
+            </a:ln>
+          </p:spPr>
+          <p:style>
+            <a:lnRef idx="1">
+              <a:schemeClr val="accent1"/>
+            </a:lnRef>
+            <a:fillRef idx="0">
+              <a:schemeClr val="accent1"/>
+            </a:fillRef>
+            <a:effectRef idx="0">
+              <a:schemeClr val="accent1"/>
+            </a:effectRef>
+            <a:fontRef idx="minor">
+              <a:schemeClr val="tx1"/>
+            </a:fontRef>
+          </p:style>
+        </p:cxnSp>
+        <p:cxnSp>
+          <p:nvCxnSpPr>
+            <p:cNvPr id="253" name="Elbow Connector 75"/>
+            <p:cNvCxnSpPr>
+              <a:stCxn id="251" idx="3"/>
+              <a:endCxn id="250" idx="1"/>
+            </p:cNvCxnSpPr>
+            <p:nvPr/>
+          </p:nvCxnSpPr>
+          <p:spPr>
+            <a:xfrm flipV="1">
+              <a:off x="2050015" y="3168578"/>
+              <a:ext cx="445102" cy="188319"/>
+            </a:xfrm>
+            <a:prstGeom prst="bentConnector3">
+              <a:avLst>
+                <a:gd name="adj1" fmla="val 50000"/>
+              </a:avLst>
+            </a:prstGeom>
+            <a:ln w="28575" cmpd="sng">
+              <a:solidFill>
+                <a:schemeClr val="accent1">
+                  <a:lumMod val="75000"/>
+                </a:schemeClr>
+              </a:solidFill>
+            </a:ln>
+          </p:spPr>
+          <p:style>
+            <a:lnRef idx="1">
+              <a:schemeClr val="accent1"/>
+            </a:lnRef>
+            <a:fillRef idx="0">
+              <a:schemeClr val="accent1"/>
+            </a:fillRef>
+            <a:effectRef idx="0">
+              <a:schemeClr val="accent1"/>
+            </a:effectRef>
+            <a:fontRef idx="minor">
+              <a:schemeClr val="tx1"/>
+            </a:fontRef>
+          </p:style>
+        </p:cxnSp>
+        <p:sp>
+          <p:nvSpPr>
+            <p:cNvPr id="254" name="Rounded Rectangle 25"/>
+            <p:cNvSpPr/>
+            <p:nvPr/>
+          </p:nvSpPr>
+          <p:spPr>
+            <a:xfrm>
+              <a:off x="1744077" y="3559258"/>
+              <a:ext cx="309202" cy="311150"/>
+            </a:xfrm>
+            <a:prstGeom prst="roundRect">
+              <a:avLst>
+                <a:gd name="adj" fmla="val 10785"/>
+              </a:avLst>
+            </a:prstGeom>
+          </p:spPr>
+          <p:style>
+            <a:lnRef idx="2">
+              <a:schemeClr val="accent1">
+                <a:shade val="50000"/>
+              </a:schemeClr>
+            </a:lnRef>
+            <a:fillRef idx="1">
+              <a:schemeClr val="accent1"/>
+            </a:fillRef>
+            <a:effectRef idx="0">
+              <a:schemeClr val="accent1"/>
+            </a:effectRef>
+            <a:fontRef idx="minor">
+              <a:schemeClr val="lt1"/>
+            </a:fontRef>
+          </p:style>
+          <p:txBody>
+            <a:bodyPr lIns="0" rIns="0" rtlCol="0" anchor="ctr"/>
+            <a:lstStyle/>
+            <a:p>
+              <a:pPr algn="ctr"/>
+              <a:r>
+                <a:rPr lang="en-US" sz="1600" b="1" dirty="0" smtClean="0"/>
+                <a:t>TC</a:t>
+              </a:r>
+            </a:p>
+          </p:txBody>
+        </p:sp>
+        <p:cxnSp>
+          <p:nvCxnSpPr>
+            <p:cNvPr id="255" name="Elbow Connector 7"/>
+            <p:cNvCxnSpPr>
+              <a:stCxn id="249" idx="3"/>
+              <a:endCxn id="254" idx="1"/>
+            </p:cNvCxnSpPr>
+            <p:nvPr/>
+          </p:nvCxnSpPr>
+          <p:spPr>
+            <a:xfrm>
+              <a:off x="1325680" y="3189995"/>
+              <a:ext cx="418397" cy="524838"/>
+            </a:xfrm>
+            <a:prstGeom prst="bentConnector3">
+              <a:avLst>
+                <a:gd name="adj1" fmla="val 50000"/>
+              </a:avLst>
+            </a:prstGeom>
+            <a:ln w="28575" cmpd="sng">
+              <a:solidFill>
+                <a:schemeClr val="accent1">
+                  <a:lumMod val="75000"/>
+                </a:schemeClr>
+              </a:solidFill>
+            </a:ln>
+          </p:spPr>
+          <p:style>
+            <a:lnRef idx="1">
+              <a:schemeClr val="accent1"/>
+            </a:lnRef>
+            <a:fillRef idx="0">
+              <a:schemeClr val="accent1"/>
+            </a:fillRef>
+            <a:effectRef idx="0">
+              <a:schemeClr val="accent1"/>
+            </a:effectRef>
+            <a:fontRef idx="minor">
+              <a:schemeClr val="tx1"/>
+            </a:fontRef>
+          </p:style>
+        </p:cxnSp>
+        <p:cxnSp>
+          <p:nvCxnSpPr>
+            <p:cNvPr id="272" name="Elbow Connector 73"/>
+            <p:cNvCxnSpPr>
+              <a:stCxn id="254" idx="3"/>
+              <a:endCxn id="250" idx="1"/>
+            </p:cNvCxnSpPr>
+            <p:nvPr/>
+          </p:nvCxnSpPr>
+          <p:spPr>
+            <a:xfrm flipV="1">
+              <a:off x="2053279" y="3168578"/>
+              <a:ext cx="441838" cy="546255"/>
+            </a:xfrm>
+            <a:prstGeom prst="bentConnector3">
+              <a:avLst>
+                <a:gd name="adj1" fmla="val 50000"/>
+              </a:avLst>
+            </a:prstGeom>
+            <a:ln w="28575" cmpd="sng">
+              <a:solidFill>
+                <a:schemeClr val="accent1">
+                  <a:lumMod val="75000"/>
+                </a:schemeClr>
+              </a:solidFill>
+            </a:ln>
+          </p:spPr>
+          <p:style>
+            <a:lnRef idx="1">
+              <a:schemeClr val="accent1"/>
+            </a:lnRef>
+            <a:fillRef idx="0">
+              <a:schemeClr val="accent1"/>
+            </a:fillRef>
+            <a:effectRef idx="0">
+              <a:schemeClr val="accent1"/>
+            </a:effectRef>
+            <a:fontRef idx="minor">
+              <a:schemeClr val="tx1"/>
+            </a:fontRef>
+          </p:style>
+        </p:cxnSp>
+        <p:sp>
+          <p:nvSpPr>
+            <p:cNvPr id="273" name="Rounded Rectangle 28"/>
+            <p:cNvSpPr/>
+            <p:nvPr/>
+          </p:nvSpPr>
+          <p:spPr>
+            <a:xfrm>
+              <a:off x="1738612" y="2841862"/>
+              <a:ext cx="309202" cy="311150"/>
+            </a:xfrm>
+            <a:prstGeom prst="roundRect">
+              <a:avLst>
+                <a:gd name="adj" fmla="val 10785"/>
+              </a:avLst>
+            </a:prstGeom>
+          </p:spPr>
+          <p:style>
+            <a:lnRef idx="2">
+              <a:schemeClr val="accent1">
+                <a:shade val="50000"/>
+              </a:schemeClr>
+            </a:lnRef>
+            <a:fillRef idx="1">
+              <a:schemeClr val="accent1"/>
+            </a:fillRef>
+            <a:effectRef idx="0">
+              <a:schemeClr val="accent1"/>
+            </a:effectRef>
+            <a:fontRef idx="minor">
+              <a:schemeClr val="lt1"/>
+            </a:fontRef>
+          </p:style>
+          <p:txBody>
+            <a:bodyPr lIns="0" rIns="0" rtlCol="0" anchor="ctr"/>
+            <a:lstStyle/>
+            <a:p>
+              <a:pPr algn="ctr"/>
+              <a:r>
+                <a:rPr lang="en-US" sz="1600" b="1" dirty="0" smtClean="0"/>
+                <a:t>TC</a:t>
+              </a:r>
+            </a:p>
+          </p:txBody>
+        </p:sp>
+        <p:sp>
+          <p:nvSpPr>
+            <p:cNvPr id="274" name="Rounded Rectangle 28"/>
+            <p:cNvSpPr/>
+            <p:nvPr/>
+          </p:nvSpPr>
+          <p:spPr>
+            <a:xfrm>
+              <a:off x="1736411" y="2472944"/>
+              <a:ext cx="309202" cy="311150"/>
+            </a:xfrm>
+            <a:prstGeom prst="roundRect">
+              <a:avLst>
+                <a:gd name="adj" fmla="val 10785"/>
+              </a:avLst>
+            </a:prstGeom>
+          </p:spPr>
+          <p:style>
+            <a:lnRef idx="2">
+              <a:schemeClr val="accent1">
+                <a:shade val="50000"/>
+              </a:schemeClr>
+            </a:lnRef>
+            <a:fillRef idx="1">
+              <a:schemeClr val="accent1"/>
+            </a:fillRef>
+            <a:effectRef idx="0">
+              <a:schemeClr val="accent1"/>
+            </a:effectRef>
+            <a:fontRef idx="minor">
+              <a:schemeClr val="lt1"/>
+            </a:fontRef>
+          </p:style>
+          <p:txBody>
+            <a:bodyPr lIns="0" rIns="0" rtlCol="0" anchor="ctr"/>
+            <a:lstStyle/>
+            <a:p>
+              <a:pPr algn="ctr"/>
+              <a:r>
+                <a:rPr lang="en-US" sz="1600" b="1" dirty="0" smtClean="0"/>
+                <a:t>TC</a:t>
+              </a:r>
+            </a:p>
+          </p:txBody>
+        </p:sp>
+        <p:cxnSp>
+          <p:nvCxnSpPr>
+            <p:cNvPr id="275" name="Elbow Connector 72"/>
+            <p:cNvCxnSpPr>
+              <a:stCxn id="249" idx="3"/>
+              <a:endCxn id="273" idx="1"/>
+            </p:cNvCxnSpPr>
+            <p:nvPr/>
+          </p:nvCxnSpPr>
+          <p:spPr>
+            <a:xfrm flipV="1">
+              <a:off x="1325680" y="2997437"/>
+              <a:ext cx="412932" cy="192558"/>
+            </a:xfrm>
+            <a:prstGeom prst="bentConnector3">
+              <a:avLst>
+                <a:gd name="adj1" fmla="val 50000"/>
+              </a:avLst>
+            </a:prstGeom>
+            <a:ln w="28575" cmpd="sng">
+              <a:solidFill>
+                <a:schemeClr val="accent1">
+                  <a:lumMod val="75000"/>
+                </a:schemeClr>
+              </a:solidFill>
+            </a:ln>
+          </p:spPr>
+          <p:style>
+            <a:lnRef idx="1">
+              <a:schemeClr val="accent1"/>
+            </a:lnRef>
+            <a:fillRef idx="0">
+              <a:schemeClr val="accent1"/>
+            </a:fillRef>
+            <a:effectRef idx="0">
+              <a:schemeClr val="accent1"/>
+            </a:effectRef>
+            <a:fontRef idx="minor">
+              <a:schemeClr val="tx1"/>
+            </a:fontRef>
+          </p:style>
+        </p:cxnSp>
+        <p:cxnSp>
+          <p:nvCxnSpPr>
+            <p:cNvPr id="278" name="Elbow Connector 72"/>
+            <p:cNvCxnSpPr>
+              <a:stCxn id="249" idx="3"/>
+              <a:endCxn id="274" idx="1"/>
+            </p:cNvCxnSpPr>
+            <p:nvPr/>
+          </p:nvCxnSpPr>
+          <p:spPr>
+            <a:xfrm flipV="1">
+              <a:off x="1325680" y="2628519"/>
+              <a:ext cx="410731" cy="561476"/>
+            </a:xfrm>
+            <a:prstGeom prst="bentConnector3">
+              <a:avLst>
+                <a:gd name="adj1" fmla="val 50000"/>
+              </a:avLst>
+            </a:prstGeom>
+            <a:ln w="28575" cmpd="sng">
+              <a:solidFill>
+                <a:schemeClr val="accent1">
+                  <a:lumMod val="75000"/>
+                </a:schemeClr>
+              </a:solidFill>
+            </a:ln>
+          </p:spPr>
+          <p:style>
+            <a:lnRef idx="1">
+              <a:schemeClr val="accent1"/>
+            </a:lnRef>
+            <a:fillRef idx="0">
+              <a:schemeClr val="accent1"/>
+            </a:fillRef>
+            <a:effectRef idx="0">
+              <a:schemeClr val="accent1"/>
+            </a:effectRef>
+            <a:fontRef idx="minor">
+              <a:schemeClr val="tx1"/>
+            </a:fontRef>
+          </p:style>
+        </p:cxnSp>
+        <p:cxnSp>
+          <p:nvCxnSpPr>
+            <p:cNvPr id="281" name="Elbow Connector 72"/>
+            <p:cNvCxnSpPr>
+              <a:stCxn id="274" idx="3"/>
+              <a:endCxn id="250" idx="1"/>
+            </p:cNvCxnSpPr>
+            <p:nvPr/>
+          </p:nvCxnSpPr>
+          <p:spPr>
+            <a:xfrm>
+              <a:off x="2045613" y="2628519"/>
+              <a:ext cx="449504" cy="540059"/>
+            </a:xfrm>
+            <a:prstGeom prst="bentConnector3">
+              <a:avLst>
+                <a:gd name="adj1" fmla="val 50000"/>
+              </a:avLst>
+            </a:prstGeom>
+            <a:ln w="28575" cmpd="sng">
+              <a:solidFill>
+                <a:schemeClr val="accent1">
+                  <a:lumMod val="75000"/>
+                </a:schemeClr>
+              </a:solidFill>
+            </a:ln>
+          </p:spPr>
+          <p:style>
+            <a:lnRef idx="1">
+              <a:schemeClr val="accent1"/>
+            </a:lnRef>
+            <a:fillRef idx="0">
+              <a:schemeClr val="accent1"/>
+            </a:fillRef>
+            <a:effectRef idx="0">
+              <a:schemeClr val="accent1"/>
+            </a:effectRef>
+            <a:fontRef idx="minor">
+              <a:schemeClr val="tx1"/>
+            </a:fontRef>
+          </p:style>
+        </p:cxnSp>
+        <p:cxnSp>
+          <p:nvCxnSpPr>
+            <p:cNvPr id="284" name="Elbow Connector 72"/>
+            <p:cNvCxnSpPr>
+              <a:stCxn id="273" idx="3"/>
+              <a:endCxn id="250" idx="1"/>
+            </p:cNvCxnSpPr>
+            <p:nvPr/>
+          </p:nvCxnSpPr>
+          <p:spPr>
+            <a:xfrm>
+              <a:off x="2047814" y="2997437"/>
+              <a:ext cx="447303" cy="171141"/>
+            </a:xfrm>
+            <a:prstGeom prst="bentConnector3">
+              <a:avLst>
+                <a:gd name="adj1" fmla="val 50000"/>
+              </a:avLst>
+            </a:prstGeom>
+            <a:ln w="28575" cmpd="sng">
+              <a:solidFill>
+                <a:schemeClr val="accent1">
+                  <a:lumMod val="75000"/>
+                </a:schemeClr>
+              </a:solidFill>
+            </a:ln>
+          </p:spPr>
+          <p:style>
+            <a:lnRef idx="1">
+              <a:schemeClr val="accent1"/>
+            </a:lnRef>
+            <a:fillRef idx="0">
+              <a:schemeClr val="accent1"/>
+            </a:fillRef>
+            <a:effectRef idx="0">
+              <a:schemeClr val="accent1"/>
+            </a:effectRef>
+            <a:fontRef idx="minor">
+              <a:schemeClr val="tx1"/>
+            </a:fontRef>
+          </p:style>
+        </p:cxnSp>
+      </p:grpSp>
+      <p:sp>
+        <p:nvSpPr>
+          <p:cNvPr id="290" name="258 CuadroTexto"/>
+          <p:cNvSpPr txBox="1"/>
+          <p:nvPr/>
+        </p:nvSpPr>
+        <p:spPr>
+          <a:xfrm>
+            <a:off x="247561" y="2331169"/>
+            <a:ext cx="795686" cy="246221"/>
+          </a:xfrm>
+          <a:prstGeom prst="rect">
+            <a:avLst/>
+          </a:prstGeom>
+          <a:noFill/>
+        </p:spPr>
+        <p:txBody>
+          <a:bodyPr wrap="square" rtlCol="0">
+            <a:spAutoFit/>
+          </a:bodyPr>
+          <a:lstStyle/>
+          <a:p>
+            <a:r>
+              <a:rPr lang="es-ES_tradnl" sz="1000" dirty="0" smtClean="0">
+                <a:latin typeface="Lucida Console" pitchFamily="49" charset="0"/>
+              </a:rPr>
+              <a:t>PREDICT</a:t>
+            </a:r>
+            <a:endParaRPr lang="es-ES" sz="1000" dirty="0" smtClean="0">
+              <a:latin typeface="Lucida Console" pitchFamily="49" charset="0"/>
+            </a:endParaRPr>
+          </a:p>
+        </p:txBody>
+      </p:sp>
+      <p:sp>
+        <p:nvSpPr>
+          <p:cNvPr id="291" name="258 CuadroTexto"/>
+          <p:cNvSpPr txBox="1"/>
+          <p:nvPr/>
+        </p:nvSpPr>
+        <p:spPr>
+          <a:xfrm>
+            <a:off x="315599" y="1154748"/>
+            <a:ext cx="795686" cy="246221"/>
+          </a:xfrm>
+          <a:prstGeom prst="rect">
+            <a:avLst/>
+          </a:prstGeom>
+          <a:noFill/>
+        </p:spPr>
+        <p:txBody>
+          <a:bodyPr wrap="square" rtlCol="0">
+            <a:spAutoFit/>
+          </a:bodyPr>
+          <a:lstStyle/>
+          <a:p>
+            <a:r>
+              <a:rPr lang="es-ES_tradnl" sz="1000" dirty="0" smtClean="0">
+                <a:latin typeface="Lucida Console" pitchFamily="49" charset="0"/>
+              </a:rPr>
+              <a:t>TRAIN</a:t>
+            </a:r>
+            <a:endParaRPr lang="es-ES" sz="1000" dirty="0" smtClean="0">
+              <a:latin typeface="Lucida Console" pitchFamily="49" charset="0"/>
+            </a:endParaRPr>
+          </a:p>
+        </p:txBody>
+      </p:sp>
+    </p:spTree>
+    <p:extLst>
+      <p:ext uri="{BB962C8B-B14F-4D97-AF65-F5344CB8AC3E}">
+        <p14:creationId xmlns:p14="http://schemas.microsoft.com/office/powerpoint/2010/main" val="1096247983"/>
+      </p:ext>
+    </p:extLst>
+  </p:cSld>
+  <p:clrMapOvr>
+    <a:masterClrMapping/>
+  </p:clrMapOvr>
+  <p:timing>
+    <p:tnLst>
+      <p:par>
+        <p:cTn xmlns:p14="http://schemas.microsoft.com/office/powerpoint/2010/main" id="1" dur="indefinite" restart="never" nodeType="tmRoot"/>
       </p:par>
     </p:tnLst>
   </p:timing>
@@ -17469,7 +22441,7 @@
   <p:timing>
     <p:tnLst>
       <p:par>
-        <p:cTn id="1" dur="indefinite" restart="never" nodeType="tmRoot"/>
+        <p:cTn xmlns:p14="http://schemas.microsoft.com/office/powerpoint/2010/main" id="1" dur="indefinite" restart="never" nodeType="tmRoot"/>
       </p:par>
     </p:tnLst>
   </p:timing>
@@ -18527,7 +23499,7 @@
   <p:timing>
     <p:tnLst>
       <p:par>
-        <p:cTn id="1" dur="indefinite" restart="never" nodeType="tmRoot"/>
+        <p:cTn xmlns:p14="http://schemas.microsoft.com/office/powerpoint/2010/main" id="1" dur="indefinite" restart="never" nodeType="tmRoot"/>
       </p:par>
     </p:tnLst>
   </p:timing>
@@ -20674,7 +25646,7 @@
   <p:timing>
     <p:tnLst>
       <p:par>
-        <p:cTn id="1" dur="indefinite" restart="never" nodeType="tmRoot"/>
+        <p:cTn xmlns:p14="http://schemas.microsoft.com/office/powerpoint/2010/main" id="1" dur="indefinite" restart="never" nodeType="tmRoot"/>
       </p:par>
     </p:tnLst>
   </p:timing>
@@ -22425,7 +27397,7 @@
   <p:timing>
     <p:tnLst>
       <p:par>
-        <p:cTn id="1" dur="indefinite" restart="never" nodeType="tmRoot"/>
+        <p:cTn xmlns:p14="http://schemas.microsoft.com/office/powerpoint/2010/main" id="1" dur="indefinite" restart="never" nodeType="tmRoot"/>
       </p:par>
     </p:tnLst>
   </p:timing>
@@ -24176,7 +29148,7 @@
   <p:timing>
     <p:tnLst>
       <p:par>
-        <p:cTn id="1" dur="indefinite" restart="never" nodeType="tmRoot"/>
+        <p:cTn xmlns:p14="http://schemas.microsoft.com/office/powerpoint/2010/main" id="1" dur="indefinite" restart="never" nodeType="tmRoot"/>
       </p:par>
     </p:tnLst>
   </p:timing>
@@ -25040,7 +30012,7 @@
   <p:timing>
     <p:tnLst>
       <p:par>
-        <p:cTn id="1" dur="indefinite" restart="never" nodeType="tmRoot"/>
+        <p:cTn xmlns:p14="http://schemas.microsoft.com/office/powerpoint/2010/main" id="1" dur="indefinite" restart="never" nodeType="tmRoot"/>
       </p:par>
     </p:tnLst>
   </p:timing>
@@ -26469,7 +31441,7 @@
   <p:timing>
     <p:tnLst>
       <p:par>
-        <p:cTn id="1" dur="indefinite" restart="never" nodeType="tmRoot"/>
+        <p:cTn xmlns:p14="http://schemas.microsoft.com/office/powerpoint/2010/main" id="1" dur="indefinite" restart="never" nodeType="tmRoot"/>
       </p:par>
     </p:tnLst>
   </p:timing>
@@ -28039,7 +33011,7 @@
   <p:timing>
     <p:tnLst>
       <p:par>
-        <p:cTn id="1" dur="indefinite" restart="never" nodeType="tmRoot"/>
+        <p:cTn xmlns:p14="http://schemas.microsoft.com/office/powerpoint/2010/main" id="1" dur="indefinite" restart="never" nodeType="tmRoot"/>
       </p:par>
     </p:tnLst>
   </p:timing>
